--- a/lec/anninbon9.pptx
+++ b/lec/anninbon9.pptx
@@ -5,10 +5,10 @@
     <p:sldMasterId id="2147483706" r:id="rId1"/>
   </p:sldMasterIdLst>
   <p:notesMasterIdLst>
-    <p:notesMasterId r:id="rId18"/>
+    <p:notesMasterId r:id="rId33"/>
   </p:notesMasterIdLst>
   <p:handoutMasterIdLst>
-    <p:handoutMasterId r:id="rId19"/>
+    <p:handoutMasterId r:id="rId34"/>
   </p:handoutMasterIdLst>
   <p:sldIdLst>
     <p:sldId id="552" r:id="rId2"/>
@@ -27,6 +27,21 @@
     <p:sldId id="660" r:id="rId15"/>
     <p:sldId id="661" r:id="rId16"/>
     <p:sldId id="662" r:id="rId17"/>
+    <p:sldId id="663" r:id="rId18"/>
+    <p:sldId id="664" r:id="rId19"/>
+    <p:sldId id="665" r:id="rId20"/>
+    <p:sldId id="666" r:id="rId21"/>
+    <p:sldId id="667" r:id="rId22"/>
+    <p:sldId id="668" r:id="rId23"/>
+    <p:sldId id="669" r:id="rId24"/>
+    <p:sldId id="670" r:id="rId25"/>
+    <p:sldId id="671" r:id="rId26"/>
+    <p:sldId id="672" r:id="rId27"/>
+    <p:sldId id="673" r:id="rId28"/>
+    <p:sldId id="674" r:id="rId29"/>
+    <p:sldId id="675" r:id="rId30"/>
+    <p:sldId id="676" r:id="rId31"/>
+    <p:sldId id="677" r:id="rId32"/>
   </p:sldIdLst>
   <p:sldSz cx="9144000" cy="6858000" type="screen4x3"/>
   <p:notesSz cx="7099300" cy="10234613"/>
@@ -176,6 +191,21 @@
             <p14:sldId id="660"/>
             <p14:sldId id="661"/>
             <p14:sldId id="662"/>
+            <p14:sldId id="663"/>
+            <p14:sldId id="664"/>
+            <p14:sldId id="665"/>
+            <p14:sldId id="666"/>
+            <p14:sldId id="667"/>
+            <p14:sldId id="668"/>
+            <p14:sldId id="669"/>
+            <p14:sldId id="670"/>
+            <p14:sldId id="671"/>
+            <p14:sldId id="672"/>
+            <p14:sldId id="673"/>
+            <p14:sldId id="674"/>
+            <p14:sldId id="675"/>
+            <p14:sldId id="676"/>
+            <p14:sldId id="677"/>
           </p14:sldIdLst>
         </p14:section>
       </p14:sectionLst>
@@ -5228,6 +5258,620 @@
 </p:sld>
 </file>
 
+<file path=ppt/slides/slide17.xml><?xml version="1.0" encoding="utf-8"?>
+<p:sld xmlns:a="http://schemas.openxmlformats.org/drawingml/2006/main" xmlns:r="http://schemas.openxmlformats.org/officeDocument/2006/relationships" xmlns:p="http://schemas.openxmlformats.org/presentationml/2006/main">
+  <p:cSld>
+    <p:spTree>
+      <p:nvGrpSpPr>
+        <p:cNvPr id="1" name=""/>
+        <p:cNvGrpSpPr/>
+        <p:nvPr/>
+      </p:nvGrpSpPr>
+      <p:grpSpPr>
+        <a:xfrm>
+          <a:off x="0" y="0"/>
+          <a:ext cx="0" cy="0"/>
+          <a:chOff x="0" y="0"/>
+          <a:chExt cx="0" cy="0"/>
+        </a:xfrm>
+      </p:grpSpPr>
+      <p:sp>
+        <p:nvSpPr>
+          <p:cNvPr id="2" name="コンテンツ プレースホルダー 1">
+            <a:extLst>
+              <a:ext uri="{FF2B5EF4-FFF2-40B4-BE49-F238E27FC236}">
+                <a16:creationId xmlns:a16="http://schemas.microsoft.com/office/drawing/2014/main" id="{13CB01CE-A0D4-43F5-A716-90037E5D9179}"/>
+              </a:ext>
+            </a:extLst>
+          </p:cNvPr>
+          <p:cNvSpPr>
+            <a:spLocks noGrp="1"/>
+          </p:cNvSpPr>
+          <p:nvPr>
+            <p:ph idx="1"/>
+          </p:nvPr>
+        </p:nvSpPr>
+        <p:spPr/>
+        <p:txBody>
+          <a:bodyPr/>
+          <a:lstStyle/>
+          <a:p>
+            <a:r>
+              <a:rPr kumimoji="1" lang="ja-JP" altLang="en-US"/>
+              <a:t>ハイブリッド暗号の復習</a:t>
+            </a:r>
+            <a:endParaRPr kumimoji="1" lang="en-US" altLang="ja-JP"/>
+          </a:p>
+          <a:p>
+            <a:pPr lvl="1"/>
+            <a:r>
+              <a:rPr kumimoji="1" lang="ja-JP" altLang="en-US"/>
+              <a:t>公開鍵暗号</a:t>
+            </a:r>
+            <a:r>
+              <a:rPr kumimoji="1" lang="en-US" altLang="ja-JP"/>
+              <a:t>PKE</a:t>
+            </a:r>
+            <a:r>
+              <a:rPr kumimoji="1" lang="ja-JP" altLang="en-US"/>
+              <a:t> </a:t>
+            </a:r>
+            <a:r>
+              <a:rPr kumimoji="1" lang="en-US" altLang="ja-JP"/>
+              <a:t>+ </a:t>
+            </a:r>
+            <a:r>
+              <a:rPr kumimoji="1" lang="ja-JP" altLang="en-US"/>
+              <a:t>共通鍵暗号</a:t>
+            </a:r>
+            <a:endParaRPr kumimoji="1" lang="en-US" altLang="ja-JP"/>
+          </a:p>
+          <a:p>
+            <a:pPr lvl="2"/>
+            <a:r>
+              <a:rPr lang="en-US" altLang="ja-JP"/>
+              <a:t>PKE</a:t>
+            </a:r>
+            <a:r>
+              <a:rPr lang="ja-JP" altLang="en-US"/>
+              <a:t>の秘密鍵は比較的長い間繰り返し使う</a:t>
+            </a:r>
+            <a:endParaRPr kumimoji="1" lang="ja-JP" altLang="en-US"/>
+          </a:p>
+        </p:txBody>
+      </p:sp>
+      <p:sp>
+        <p:nvSpPr>
+          <p:cNvPr id="3" name="スライド番号プレースホルダー 2">
+            <a:extLst>
+              <a:ext uri="{FF2B5EF4-FFF2-40B4-BE49-F238E27FC236}">
+                <a16:creationId xmlns:a16="http://schemas.microsoft.com/office/drawing/2014/main" id="{EE000629-18BA-4BC4-ABF0-D9D1BD44D6E7}"/>
+              </a:ext>
+            </a:extLst>
+          </p:cNvPr>
+          <p:cNvSpPr>
+            <a:spLocks noGrp="1"/>
+          </p:cNvSpPr>
+          <p:nvPr>
+            <p:ph type="sldNum" sz="quarter" idx="12"/>
+          </p:nvPr>
+        </p:nvSpPr>
+        <p:spPr/>
+        <p:txBody>
+          <a:bodyPr/>
+          <a:lstStyle/>
+          <a:p>
+            <a:pPr>
+              <a:defRPr/>
+            </a:pPr>
+            <a:r>
+              <a:rPr lang="en-US" altLang="ja-JP"/>
+              <a:t>    </a:t>
+            </a:r>
+            <a:fld id="{B2782DEB-472A-4FE5-AC34-C17109CF5A91}" type="slidenum">
+              <a:rPr lang="en-US" altLang="ja-JP" smtClean="0"/>
+              <a:pPr>
+                <a:defRPr/>
+              </a:pPr>
+              <a:t>17</a:t>
+            </a:fld>
+            <a:r>
+              <a:rPr lang="en-US" altLang="ja-JP"/>
+              <a:t> / 24</a:t>
+            </a:r>
+          </a:p>
+        </p:txBody>
+      </p:sp>
+      <p:sp>
+        <p:nvSpPr>
+          <p:cNvPr id="4" name="タイトル 3">
+            <a:extLst>
+              <a:ext uri="{FF2B5EF4-FFF2-40B4-BE49-F238E27FC236}">
+                <a16:creationId xmlns:a16="http://schemas.microsoft.com/office/drawing/2014/main" id="{24A9BF95-8253-4847-AD36-DEF8F9D7D8AA}"/>
+              </a:ext>
+            </a:extLst>
+          </p:cNvPr>
+          <p:cNvSpPr>
+            <a:spLocks noGrp="1"/>
+          </p:cNvSpPr>
+          <p:nvPr>
+            <p:ph type="title"/>
+          </p:nvPr>
+        </p:nvSpPr>
+        <p:spPr/>
+        <p:txBody>
+          <a:bodyPr/>
+          <a:lstStyle/>
+          <a:p>
+            <a:r>
+              <a:rPr kumimoji="1" lang="ja-JP" altLang="en-US"/>
+              <a:t>前方秘匿性</a:t>
+            </a:r>
+            <a:r>
+              <a:rPr kumimoji="1" lang="en-US" altLang="ja-JP"/>
+              <a:t>FS(Forward Secrecy)</a:t>
+            </a:r>
+            <a:endParaRPr kumimoji="1" lang="ja-JP" altLang="en-US"/>
+          </a:p>
+        </p:txBody>
+      </p:sp>
+      <p:pic>
+        <p:nvPicPr>
+          <p:cNvPr id="6" name="図 5">
+            <a:extLst>
+              <a:ext uri="{FF2B5EF4-FFF2-40B4-BE49-F238E27FC236}">
+                <a16:creationId xmlns:a16="http://schemas.microsoft.com/office/drawing/2014/main" id="{114DFE44-1C0D-419E-80D9-FFF81D14CCEB}"/>
+              </a:ext>
+            </a:extLst>
+          </p:cNvPr>
+          <p:cNvPicPr>
+            <a:picLocks noChangeAspect="1"/>
+          </p:cNvPicPr>
+          <p:nvPr/>
+        </p:nvPicPr>
+        <p:blipFill>
+          <a:blip r:embed="rId2">
+            <a:extLst>
+              <a:ext uri="{28A0092B-C50C-407E-A947-70E740481C1C}">
+                <a14:useLocalDpi xmlns:a14="http://schemas.microsoft.com/office/drawing/2010/main" val="0"/>
+              </a:ext>
+            </a:extLst>
+          </a:blip>
+          <a:stretch>
+            <a:fillRect/>
+          </a:stretch>
+        </p:blipFill>
+        <p:spPr>
+          <a:xfrm>
+            <a:off x="755576" y="2348880"/>
+            <a:ext cx="7272808" cy="3963681"/>
+          </a:xfrm>
+          <a:prstGeom prst="rect">
+            <a:avLst/>
+          </a:prstGeom>
+        </p:spPr>
+      </p:pic>
+    </p:spTree>
+    <p:extLst>
+      <p:ext uri="{BB962C8B-B14F-4D97-AF65-F5344CB8AC3E}">
+        <p14:creationId xmlns:p14="http://schemas.microsoft.com/office/powerpoint/2010/main" val="2852759620"/>
+      </p:ext>
+    </p:extLst>
+  </p:cSld>
+  <p:clrMapOvr>
+    <a:masterClrMapping/>
+  </p:clrMapOvr>
+</p:sld>
+</file>
+
+<file path=ppt/slides/slide18.xml><?xml version="1.0" encoding="utf-8"?>
+<p:sld xmlns:a="http://schemas.openxmlformats.org/drawingml/2006/main" xmlns:r="http://schemas.openxmlformats.org/officeDocument/2006/relationships" xmlns:p="http://schemas.openxmlformats.org/presentationml/2006/main">
+  <p:cSld>
+    <p:spTree>
+      <p:nvGrpSpPr>
+        <p:cNvPr id="1" name=""/>
+        <p:cNvGrpSpPr/>
+        <p:nvPr/>
+      </p:nvGrpSpPr>
+      <p:grpSpPr>
+        <a:xfrm>
+          <a:off x="0" y="0"/>
+          <a:ext cx="0" cy="0"/>
+          <a:chOff x="0" y="0"/>
+          <a:chExt cx="0" cy="0"/>
+        </a:xfrm>
+      </p:grpSpPr>
+      <p:sp>
+        <p:nvSpPr>
+          <p:cNvPr id="2" name="コンテンツ プレースホルダー 1">
+            <a:extLst>
+              <a:ext uri="{FF2B5EF4-FFF2-40B4-BE49-F238E27FC236}">
+                <a16:creationId xmlns:a16="http://schemas.microsoft.com/office/drawing/2014/main" id="{26EFA51F-EEC6-4DF2-86CA-170A45B261F5}"/>
+              </a:ext>
+            </a:extLst>
+          </p:cNvPr>
+          <p:cNvSpPr>
+            <a:spLocks noGrp="1"/>
+          </p:cNvSpPr>
+          <p:nvPr>
+            <p:ph idx="1"/>
+          </p:nvPr>
+        </p:nvSpPr>
+        <p:spPr/>
+        <p:txBody>
+          <a:bodyPr/>
+          <a:lstStyle/>
+          <a:p>
+            <a:r>
+              <a:rPr kumimoji="1" lang="en-US" altLang="ja-JP"/>
+              <a:t>RSA</a:t>
+            </a:r>
+            <a:r>
+              <a:rPr kumimoji="1" lang="ja-JP" altLang="en-US"/>
+              <a:t>暗号を使い続けていてある日秘密鍵が漏洩したら</a:t>
+            </a:r>
+          </a:p>
+        </p:txBody>
+      </p:sp>
+      <p:sp>
+        <p:nvSpPr>
+          <p:cNvPr id="3" name="スライド番号プレースホルダー 2">
+            <a:extLst>
+              <a:ext uri="{FF2B5EF4-FFF2-40B4-BE49-F238E27FC236}">
+                <a16:creationId xmlns:a16="http://schemas.microsoft.com/office/drawing/2014/main" id="{3BCD72C8-7F82-48A3-B50A-9D75E214C819}"/>
+              </a:ext>
+            </a:extLst>
+          </p:cNvPr>
+          <p:cNvSpPr>
+            <a:spLocks noGrp="1"/>
+          </p:cNvSpPr>
+          <p:nvPr>
+            <p:ph type="sldNum" sz="quarter" idx="12"/>
+          </p:nvPr>
+        </p:nvSpPr>
+        <p:spPr/>
+        <p:txBody>
+          <a:bodyPr/>
+          <a:lstStyle/>
+          <a:p>
+            <a:pPr>
+              <a:defRPr/>
+            </a:pPr>
+            <a:r>
+              <a:rPr lang="en-US" altLang="ja-JP"/>
+              <a:t>    </a:t>
+            </a:r>
+            <a:fld id="{B2782DEB-472A-4FE5-AC34-C17109CF5A91}" type="slidenum">
+              <a:rPr lang="en-US" altLang="ja-JP" smtClean="0"/>
+              <a:pPr>
+                <a:defRPr/>
+              </a:pPr>
+              <a:t>18</a:t>
+            </a:fld>
+            <a:r>
+              <a:rPr lang="en-US" altLang="ja-JP"/>
+              <a:t> / 24</a:t>
+            </a:r>
+          </a:p>
+        </p:txBody>
+      </p:sp>
+      <p:sp>
+        <p:nvSpPr>
+          <p:cNvPr id="4" name="タイトル 3">
+            <a:extLst>
+              <a:ext uri="{FF2B5EF4-FFF2-40B4-BE49-F238E27FC236}">
+                <a16:creationId xmlns:a16="http://schemas.microsoft.com/office/drawing/2014/main" id="{2E8352BF-0645-467D-8A5F-7C68A301DBD0}"/>
+              </a:ext>
+            </a:extLst>
+          </p:cNvPr>
+          <p:cNvSpPr>
+            <a:spLocks noGrp="1"/>
+          </p:cNvSpPr>
+          <p:nvPr>
+            <p:ph type="title"/>
+          </p:nvPr>
+        </p:nvSpPr>
+        <p:spPr/>
+        <p:txBody>
+          <a:bodyPr/>
+          <a:lstStyle/>
+          <a:p>
+            <a:r>
+              <a:rPr kumimoji="1" lang="ja-JP" altLang="en-US"/>
+              <a:t>前方秘匿性の無い通信</a:t>
+            </a:r>
+          </a:p>
+        </p:txBody>
+      </p:sp>
+      <p:pic>
+        <p:nvPicPr>
+          <p:cNvPr id="6" name="図 5">
+            <a:extLst>
+              <a:ext uri="{FF2B5EF4-FFF2-40B4-BE49-F238E27FC236}">
+                <a16:creationId xmlns:a16="http://schemas.microsoft.com/office/drawing/2014/main" id="{A9192F2D-C659-4DE3-9EE0-8B77A8940D9E}"/>
+              </a:ext>
+            </a:extLst>
+          </p:cNvPr>
+          <p:cNvPicPr>
+            <a:picLocks noChangeAspect="1"/>
+          </p:cNvPicPr>
+          <p:nvPr/>
+        </p:nvPicPr>
+        <p:blipFill>
+          <a:blip r:embed="rId2">
+            <a:extLst>
+              <a:ext uri="{28A0092B-C50C-407E-A947-70E740481C1C}">
+                <a14:useLocalDpi xmlns:a14="http://schemas.microsoft.com/office/drawing/2010/main" val="0"/>
+              </a:ext>
+            </a:extLst>
+          </a:blip>
+          <a:stretch>
+            <a:fillRect/>
+          </a:stretch>
+        </p:blipFill>
+        <p:spPr>
+          <a:xfrm>
+            <a:off x="827584" y="1412776"/>
+            <a:ext cx="7200800" cy="3861430"/>
+          </a:xfrm>
+          <a:prstGeom prst="rect">
+            <a:avLst/>
+          </a:prstGeom>
+        </p:spPr>
+      </p:pic>
+    </p:spTree>
+    <p:extLst>
+      <p:ext uri="{BB962C8B-B14F-4D97-AF65-F5344CB8AC3E}">
+        <p14:creationId xmlns:p14="http://schemas.microsoft.com/office/powerpoint/2010/main" val="3836678220"/>
+      </p:ext>
+    </p:extLst>
+  </p:cSld>
+  <p:clrMapOvr>
+    <a:masterClrMapping/>
+  </p:clrMapOvr>
+</p:sld>
+</file>
+
+<file path=ppt/slides/slide19.xml><?xml version="1.0" encoding="utf-8"?>
+<p:sld xmlns:a="http://schemas.openxmlformats.org/drawingml/2006/main" xmlns:r="http://schemas.openxmlformats.org/officeDocument/2006/relationships" xmlns:p="http://schemas.openxmlformats.org/presentationml/2006/main">
+  <p:cSld>
+    <p:spTree>
+      <p:nvGrpSpPr>
+        <p:cNvPr id="1" name=""/>
+        <p:cNvGrpSpPr/>
+        <p:nvPr/>
+      </p:nvGrpSpPr>
+      <p:grpSpPr>
+        <a:xfrm>
+          <a:off x="0" y="0"/>
+          <a:ext cx="0" cy="0"/>
+          <a:chOff x="0" y="0"/>
+          <a:chExt cx="0" cy="0"/>
+        </a:xfrm>
+      </p:grpSpPr>
+      <p:sp>
+        <p:nvSpPr>
+          <p:cNvPr id="2" name="コンテンツ プレースホルダー 1">
+            <a:extLst>
+              <a:ext uri="{FF2B5EF4-FFF2-40B4-BE49-F238E27FC236}">
+                <a16:creationId xmlns:a16="http://schemas.microsoft.com/office/drawing/2014/main" id="{C22F4835-D645-4AC0-B81C-8FF4BFBA9777}"/>
+              </a:ext>
+            </a:extLst>
+          </p:cNvPr>
+          <p:cNvSpPr>
+            <a:spLocks noGrp="1"/>
+          </p:cNvSpPr>
+          <p:nvPr>
+            <p:ph idx="1"/>
+          </p:nvPr>
+        </p:nvSpPr>
+        <p:spPr/>
+        <p:txBody>
+          <a:bodyPr/>
+          <a:lstStyle/>
+          <a:p>
+            <a:r>
+              <a:rPr kumimoji="1" lang="en-US" altLang="ja-JP"/>
+              <a:t>2013</a:t>
+            </a:r>
+            <a:r>
+              <a:rPr kumimoji="1" lang="ja-JP" altLang="en-US"/>
+              <a:t>年</a:t>
+            </a:r>
+            <a:r>
+              <a:rPr kumimoji="1" lang="en-US" altLang="ja-JP"/>
+              <a:t>NSA</a:t>
+            </a:r>
+            <a:r>
+              <a:rPr kumimoji="1" lang="ja-JP" altLang="en-US"/>
+              <a:t>が世界の通信を盗聴・保存していると暴露</a:t>
+            </a:r>
+            <a:endParaRPr kumimoji="1" lang="en-US" altLang="ja-JP"/>
+          </a:p>
+          <a:p>
+            <a:pPr lvl="1"/>
+            <a:r>
+              <a:rPr lang="en-US" altLang="ja-JP"/>
+              <a:t>Snowden</a:t>
+            </a:r>
+            <a:r>
+              <a:rPr lang="ja-JP" altLang="en-US"/>
+              <a:t>が告発</a:t>
+            </a:r>
+            <a:endParaRPr lang="en-US" altLang="ja-JP"/>
+          </a:p>
+          <a:p>
+            <a:pPr lvl="1"/>
+            <a:r>
+              <a:rPr lang="en-US" altLang="ja-JP"/>
+              <a:t>FBI</a:t>
+            </a:r>
+            <a:r>
+              <a:rPr lang="ja-JP" altLang="en-US"/>
+              <a:t>がメールサービス事業者</a:t>
+            </a:r>
+            <a:r>
+              <a:rPr lang="en-US" altLang="ja-JP"/>
+              <a:t>Lavabit</a:t>
+            </a:r>
+            <a:r>
+              <a:rPr lang="ja-JP" altLang="en-US"/>
+              <a:t>に秘密鍵の提出を要求</a:t>
+            </a:r>
+            <a:endParaRPr lang="en-US" altLang="ja-JP"/>
+          </a:p>
+          <a:p>
+            <a:pPr lvl="1"/>
+            <a:r>
+              <a:rPr lang="en-US" altLang="ja-JP"/>
+              <a:t>Lavabit</a:t>
+            </a:r>
+            <a:r>
+              <a:rPr lang="ja-JP" altLang="en-US"/>
+              <a:t>は抵抗するも最終的には裁判所に提出</a:t>
+            </a:r>
+            <a:endParaRPr lang="en-US" altLang="ja-JP"/>
+          </a:p>
+          <a:p>
+            <a:pPr lvl="2"/>
+            <a:r>
+              <a:rPr lang="en-US" altLang="ja-JP"/>
+              <a:t>FS</a:t>
+            </a:r>
+            <a:r>
+              <a:rPr lang="ja-JP" altLang="en-US"/>
+              <a:t>に対応した方法をとっているべきだった</a:t>
+            </a:r>
+            <a:r>
+              <a:rPr lang="en-US" altLang="ja-JP"/>
+              <a:t>...</a:t>
+            </a:r>
+          </a:p>
+        </p:txBody>
+      </p:sp>
+      <p:sp>
+        <p:nvSpPr>
+          <p:cNvPr id="3" name="スライド番号プレースホルダー 2">
+            <a:extLst>
+              <a:ext uri="{FF2B5EF4-FFF2-40B4-BE49-F238E27FC236}">
+                <a16:creationId xmlns:a16="http://schemas.microsoft.com/office/drawing/2014/main" id="{60E9B812-3F53-466B-B364-8CBF20FD140E}"/>
+              </a:ext>
+            </a:extLst>
+          </p:cNvPr>
+          <p:cNvSpPr>
+            <a:spLocks noGrp="1"/>
+          </p:cNvSpPr>
+          <p:nvPr>
+            <p:ph type="sldNum" sz="quarter" idx="12"/>
+          </p:nvPr>
+        </p:nvSpPr>
+        <p:spPr/>
+        <p:txBody>
+          <a:bodyPr/>
+          <a:lstStyle/>
+          <a:p>
+            <a:pPr>
+              <a:defRPr/>
+            </a:pPr>
+            <a:r>
+              <a:rPr lang="en-US" altLang="ja-JP"/>
+              <a:t>    </a:t>
+            </a:r>
+            <a:fld id="{B2782DEB-472A-4FE5-AC34-C17109CF5A91}" type="slidenum">
+              <a:rPr lang="en-US" altLang="ja-JP" smtClean="0"/>
+              <a:pPr>
+                <a:defRPr/>
+              </a:pPr>
+              <a:t>19</a:t>
+            </a:fld>
+            <a:r>
+              <a:rPr lang="en-US" altLang="ja-JP"/>
+              <a:t> / 24</a:t>
+            </a:r>
+          </a:p>
+        </p:txBody>
+      </p:sp>
+      <p:sp>
+        <p:nvSpPr>
+          <p:cNvPr id="4" name="タイトル 3">
+            <a:extLst>
+              <a:ext uri="{FF2B5EF4-FFF2-40B4-BE49-F238E27FC236}">
+                <a16:creationId xmlns:a16="http://schemas.microsoft.com/office/drawing/2014/main" id="{81E2F459-8055-4362-91A6-DAC6F2785195}"/>
+              </a:ext>
+            </a:extLst>
+          </p:cNvPr>
+          <p:cNvSpPr>
+            <a:spLocks noGrp="1"/>
+          </p:cNvSpPr>
+          <p:nvPr>
+            <p:ph type="title"/>
+          </p:nvPr>
+        </p:nvSpPr>
+        <p:spPr/>
+        <p:txBody>
+          <a:bodyPr/>
+          <a:lstStyle/>
+          <a:p>
+            <a:r>
+              <a:rPr kumimoji="1" lang="en-US" altLang="ja-JP"/>
+              <a:t>PRISM</a:t>
+            </a:r>
+            <a:r>
+              <a:rPr kumimoji="1" lang="ja-JP" altLang="en-US"/>
+              <a:t>とメールサービス</a:t>
+            </a:r>
+          </a:p>
+        </p:txBody>
+      </p:sp>
+      <p:pic>
+        <p:nvPicPr>
+          <p:cNvPr id="6" name="図 5">
+            <a:extLst>
+              <a:ext uri="{FF2B5EF4-FFF2-40B4-BE49-F238E27FC236}">
+                <a16:creationId xmlns:a16="http://schemas.microsoft.com/office/drawing/2014/main" id="{A500038B-4997-400E-9AAC-B2DD1CCC4B2E}"/>
+              </a:ext>
+            </a:extLst>
+          </p:cNvPr>
+          <p:cNvPicPr>
+            <a:picLocks noChangeAspect="1"/>
+          </p:cNvPicPr>
+          <p:nvPr/>
+        </p:nvPicPr>
+        <p:blipFill>
+          <a:blip r:embed="rId2">
+            <a:extLst>
+              <a:ext uri="{28A0092B-C50C-407E-A947-70E740481C1C}">
+                <a14:useLocalDpi xmlns:a14="http://schemas.microsoft.com/office/drawing/2010/main" val="0"/>
+              </a:ext>
+            </a:extLst>
+          </a:blip>
+          <a:stretch>
+            <a:fillRect/>
+          </a:stretch>
+        </p:blipFill>
+        <p:spPr>
+          <a:xfrm>
+            <a:off x="3059832" y="3212976"/>
+            <a:ext cx="2629420" cy="3209851"/>
+          </a:xfrm>
+          <a:prstGeom prst="rect">
+            <a:avLst/>
+          </a:prstGeom>
+        </p:spPr>
+      </p:pic>
+    </p:spTree>
+    <p:extLst>
+      <p:ext uri="{BB962C8B-B14F-4D97-AF65-F5344CB8AC3E}">
+        <p14:creationId xmlns:p14="http://schemas.microsoft.com/office/powerpoint/2010/main" val="2760437705"/>
+      </p:ext>
+    </p:extLst>
+  </p:cSld>
+  <p:clrMapOvr>
+    <a:masterClrMapping/>
+  </p:clrMapOvr>
+</p:sld>
+</file>
+
 <file path=ppt/slides/slide2.xml><?xml version="1.0" encoding="utf-8"?>
 <p:sld xmlns:a="http://schemas.openxmlformats.org/drawingml/2006/main" xmlns:r="http://schemas.openxmlformats.org/officeDocument/2006/relationships" xmlns:p="http://schemas.openxmlformats.org/presentationml/2006/main">
   <p:cSld>
@@ -5451,6 +6095,2684 @@
     <p:extLst>
       <p:ext uri="{BB962C8B-B14F-4D97-AF65-F5344CB8AC3E}">
         <p14:creationId xmlns:p14="http://schemas.microsoft.com/office/powerpoint/2010/main" val="1250103855"/>
+      </p:ext>
+    </p:extLst>
+  </p:cSld>
+  <p:clrMapOvr>
+    <a:masterClrMapping/>
+  </p:clrMapOvr>
+</p:sld>
+</file>
+
+<file path=ppt/slides/slide20.xml><?xml version="1.0" encoding="utf-8"?>
+<p:sld xmlns:a="http://schemas.openxmlformats.org/drawingml/2006/main" xmlns:r="http://schemas.openxmlformats.org/officeDocument/2006/relationships" xmlns:p="http://schemas.openxmlformats.org/presentationml/2006/main">
+  <p:cSld>
+    <p:spTree>
+      <p:nvGrpSpPr>
+        <p:cNvPr id="1" name=""/>
+        <p:cNvGrpSpPr/>
+        <p:nvPr/>
+      </p:nvGrpSpPr>
+      <p:grpSpPr>
+        <a:xfrm>
+          <a:off x="0" y="0"/>
+          <a:ext cx="0" cy="0"/>
+          <a:chOff x="0" y="0"/>
+          <a:chExt cx="0" cy="0"/>
+        </a:xfrm>
+      </p:grpSpPr>
+      <p:pic>
+        <p:nvPicPr>
+          <p:cNvPr id="6" name="図 5">
+            <a:extLst>
+              <a:ext uri="{FF2B5EF4-FFF2-40B4-BE49-F238E27FC236}">
+                <a16:creationId xmlns:a16="http://schemas.microsoft.com/office/drawing/2014/main" id="{779DB3E7-3184-415F-A42C-0FE8D68E0B1E}"/>
+              </a:ext>
+            </a:extLst>
+          </p:cNvPr>
+          <p:cNvPicPr>
+            <a:picLocks noChangeAspect="1"/>
+          </p:cNvPicPr>
+          <p:nvPr/>
+        </p:nvPicPr>
+        <p:blipFill>
+          <a:blip r:embed="rId2">
+            <a:extLst>
+              <a:ext uri="{28A0092B-C50C-407E-A947-70E740481C1C}">
+                <a14:useLocalDpi xmlns:a14="http://schemas.microsoft.com/office/drawing/2010/main" val="0"/>
+              </a:ext>
+            </a:extLst>
+          </a:blip>
+          <a:stretch>
+            <a:fillRect/>
+          </a:stretch>
+        </p:blipFill>
+        <p:spPr>
+          <a:xfrm>
+            <a:off x="1187624" y="2129435"/>
+            <a:ext cx="6984776" cy="3963861"/>
+          </a:xfrm>
+          <a:prstGeom prst="rect">
+            <a:avLst/>
+          </a:prstGeom>
+        </p:spPr>
+      </p:pic>
+      <p:sp>
+        <p:nvSpPr>
+          <p:cNvPr id="2" name="コンテンツ プレースホルダー 1">
+            <a:extLst>
+              <a:ext uri="{FF2B5EF4-FFF2-40B4-BE49-F238E27FC236}">
+                <a16:creationId xmlns:a16="http://schemas.microsoft.com/office/drawing/2014/main" id="{300D9EED-B243-471D-9897-9992CDBA3FEE}"/>
+              </a:ext>
+            </a:extLst>
+          </p:cNvPr>
+          <p:cNvSpPr>
+            <a:spLocks noGrp="1"/>
+          </p:cNvSpPr>
+          <p:nvPr>
+            <p:ph idx="1"/>
+          </p:nvPr>
+        </p:nvSpPr>
+        <p:spPr/>
+        <p:txBody>
+          <a:bodyPr/>
+          <a:lstStyle/>
+          <a:p>
+            <a:r>
+              <a:rPr kumimoji="1" lang="ja-JP" altLang="en-US"/>
+              <a:t>長期間利用される秘密鍵が漏洩してもそれまでの通信内容は保護されるような性質</a:t>
+            </a:r>
+            <a:endParaRPr kumimoji="1" lang="en-US" altLang="ja-JP"/>
+          </a:p>
+          <a:p>
+            <a:r>
+              <a:rPr kumimoji="1" lang="en-US" altLang="ja-JP"/>
+              <a:t>DH</a:t>
+            </a:r>
+            <a:r>
+              <a:rPr kumimoji="1" lang="ja-JP" altLang="en-US"/>
+              <a:t>鍵共有による</a:t>
+            </a:r>
+            <a:r>
+              <a:rPr kumimoji="1" lang="en-US" altLang="ja-JP"/>
+              <a:t>FS</a:t>
+            </a:r>
+            <a:endParaRPr kumimoji="1" lang="ja-JP" altLang="en-US"/>
+          </a:p>
+        </p:txBody>
+      </p:sp>
+      <p:sp>
+        <p:nvSpPr>
+          <p:cNvPr id="3" name="スライド番号プレースホルダー 2">
+            <a:extLst>
+              <a:ext uri="{FF2B5EF4-FFF2-40B4-BE49-F238E27FC236}">
+                <a16:creationId xmlns:a16="http://schemas.microsoft.com/office/drawing/2014/main" id="{75D588C5-8A9A-4A3E-9BA0-79764F36D4C8}"/>
+              </a:ext>
+            </a:extLst>
+          </p:cNvPr>
+          <p:cNvSpPr>
+            <a:spLocks noGrp="1"/>
+          </p:cNvSpPr>
+          <p:nvPr>
+            <p:ph type="sldNum" sz="quarter" idx="12"/>
+          </p:nvPr>
+        </p:nvSpPr>
+        <p:spPr/>
+        <p:txBody>
+          <a:bodyPr/>
+          <a:lstStyle/>
+          <a:p>
+            <a:pPr>
+              <a:defRPr/>
+            </a:pPr>
+            <a:r>
+              <a:rPr lang="en-US" altLang="ja-JP"/>
+              <a:t>    </a:t>
+            </a:r>
+            <a:fld id="{B2782DEB-472A-4FE5-AC34-C17109CF5A91}" type="slidenum">
+              <a:rPr lang="en-US" altLang="ja-JP" smtClean="0"/>
+              <a:pPr>
+                <a:defRPr/>
+              </a:pPr>
+              <a:t>20</a:t>
+            </a:fld>
+            <a:r>
+              <a:rPr lang="en-US" altLang="ja-JP"/>
+              <a:t> / 24</a:t>
+            </a:r>
+          </a:p>
+        </p:txBody>
+      </p:sp>
+      <p:sp>
+        <p:nvSpPr>
+          <p:cNvPr id="4" name="タイトル 3">
+            <a:extLst>
+              <a:ext uri="{FF2B5EF4-FFF2-40B4-BE49-F238E27FC236}">
+                <a16:creationId xmlns:a16="http://schemas.microsoft.com/office/drawing/2014/main" id="{3567092C-D56A-4349-A86A-9F899B9CC563}"/>
+              </a:ext>
+            </a:extLst>
+          </p:cNvPr>
+          <p:cNvSpPr>
+            <a:spLocks noGrp="1"/>
+          </p:cNvSpPr>
+          <p:nvPr>
+            <p:ph type="title"/>
+          </p:nvPr>
+        </p:nvSpPr>
+        <p:spPr/>
+        <p:txBody>
+          <a:bodyPr/>
+          <a:lstStyle/>
+          <a:p>
+            <a:r>
+              <a:rPr kumimoji="1" lang="ja-JP" altLang="en-US"/>
+              <a:t>前方秘匿性</a:t>
+            </a:r>
+            <a:r>
+              <a:rPr kumimoji="1" lang="en-US" altLang="ja-JP"/>
+              <a:t>FS</a:t>
+            </a:r>
+            <a:endParaRPr kumimoji="1" lang="ja-JP" altLang="en-US"/>
+          </a:p>
+        </p:txBody>
+      </p:sp>
+    </p:spTree>
+    <p:extLst>
+      <p:ext uri="{BB962C8B-B14F-4D97-AF65-F5344CB8AC3E}">
+        <p14:creationId xmlns:p14="http://schemas.microsoft.com/office/powerpoint/2010/main" val="1400535825"/>
+      </p:ext>
+    </p:extLst>
+  </p:cSld>
+  <p:clrMapOvr>
+    <a:masterClrMapping/>
+  </p:clrMapOvr>
+</p:sld>
+</file>
+
+<file path=ppt/slides/slide21.xml><?xml version="1.0" encoding="utf-8"?>
+<p:sld xmlns:a="http://schemas.openxmlformats.org/drawingml/2006/main" xmlns:r="http://schemas.openxmlformats.org/officeDocument/2006/relationships" xmlns:p="http://schemas.openxmlformats.org/presentationml/2006/main">
+  <p:cSld>
+    <p:spTree>
+      <p:nvGrpSpPr>
+        <p:cNvPr id="1" name=""/>
+        <p:cNvGrpSpPr/>
+        <p:nvPr/>
+      </p:nvGrpSpPr>
+      <p:grpSpPr>
+        <a:xfrm>
+          <a:off x="0" y="0"/>
+          <a:ext cx="0" cy="0"/>
+          <a:chOff x="0" y="0"/>
+          <a:chExt cx="0" cy="0"/>
+        </a:xfrm>
+      </p:grpSpPr>
+      <p:sp>
+        <p:nvSpPr>
+          <p:cNvPr id="2" name="コンテンツ プレースホルダー 1">
+            <a:extLst>
+              <a:ext uri="{FF2B5EF4-FFF2-40B4-BE49-F238E27FC236}">
+                <a16:creationId xmlns:a16="http://schemas.microsoft.com/office/drawing/2014/main" id="{87B26D4B-8F23-4B9E-AF7D-EAD6D2525E0A}"/>
+              </a:ext>
+            </a:extLst>
+          </p:cNvPr>
+          <p:cNvSpPr>
+            <a:spLocks noGrp="1"/>
+          </p:cNvSpPr>
+          <p:nvPr>
+            <p:ph idx="1"/>
+          </p:nvPr>
+        </p:nvSpPr>
+        <p:spPr/>
+        <p:txBody>
+          <a:bodyPr/>
+          <a:lstStyle/>
+          <a:p>
+            <a:r>
+              <a:rPr kumimoji="1" lang="en-US" altLang="ja-JP"/>
+              <a:t>FS</a:t>
+            </a:r>
+            <a:r>
+              <a:rPr kumimoji="1" lang="ja-JP" altLang="en-US"/>
+              <a:t>が必須</a:t>
+            </a:r>
+            <a:endParaRPr kumimoji="1" lang="en-US" altLang="ja-JP"/>
+          </a:p>
+          <a:p>
+            <a:r>
+              <a:rPr kumimoji="1" lang="en-US" altLang="ja-JP"/>
+              <a:t>ECDH</a:t>
+            </a:r>
+            <a:r>
+              <a:rPr kumimoji="1" lang="ja-JP" altLang="en-US"/>
+              <a:t>鍵共有で毎回使い捨て</a:t>
+            </a:r>
+            <a:r>
+              <a:rPr kumimoji="1" lang="en-US" altLang="ja-JP"/>
+              <a:t>(Ephemeral)</a:t>
+            </a:r>
+            <a:r>
+              <a:rPr kumimoji="1" lang="ja-JP" altLang="en-US"/>
+              <a:t>の鍵を生成</a:t>
+            </a:r>
+            <a:endParaRPr kumimoji="1" lang="en-US" altLang="ja-JP"/>
+          </a:p>
+          <a:p>
+            <a:pPr lvl="1"/>
+            <a:r>
+              <a:rPr lang="en-US" altLang="ja-JP"/>
+              <a:t>ECDHE</a:t>
+            </a:r>
+            <a:r>
+              <a:rPr lang="ja-JP" altLang="en-US"/>
+              <a:t>とも</a:t>
+            </a:r>
+            <a:endParaRPr kumimoji="1" lang="ja-JP" altLang="en-US"/>
+          </a:p>
+        </p:txBody>
+      </p:sp>
+      <p:sp>
+        <p:nvSpPr>
+          <p:cNvPr id="3" name="スライド番号プレースホルダー 2">
+            <a:extLst>
+              <a:ext uri="{FF2B5EF4-FFF2-40B4-BE49-F238E27FC236}">
+                <a16:creationId xmlns:a16="http://schemas.microsoft.com/office/drawing/2014/main" id="{7D2062B7-56AB-4E23-85C7-E0E28405D6DA}"/>
+              </a:ext>
+            </a:extLst>
+          </p:cNvPr>
+          <p:cNvSpPr>
+            <a:spLocks noGrp="1"/>
+          </p:cNvSpPr>
+          <p:nvPr>
+            <p:ph type="sldNum" sz="quarter" idx="12"/>
+          </p:nvPr>
+        </p:nvSpPr>
+        <p:spPr/>
+        <p:txBody>
+          <a:bodyPr/>
+          <a:lstStyle/>
+          <a:p>
+            <a:pPr>
+              <a:defRPr/>
+            </a:pPr>
+            <a:r>
+              <a:rPr lang="en-US" altLang="ja-JP"/>
+              <a:t>    </a:t>
+            </a:r>
+            <a:fld id="{B2782DEB-472A-4FE5-AC34-C17109CF5A91}" type="slidenum">
+              <a:rPr lang="en-US" altLang="ja-JP" smtClean="0"/>
+              <a:pPr>
+                <a:defRPr/>
+              </a:pPr>
+              <a:t>21</a:t>
+            </a:fld>
+            <a:r>
+              <a:rPr lang="en-US" altLang="ja-JP"/>
+              <a:t> / 24</a:t>
+            </a:r>
+          </a:p>
+        </p:txBody>
+      </p:sp>
+      <p:sp>
+        <p:nvSpPr>
+          <p:cNvPr id="4" name="タイトル 3">
+            <a:extLst>
+              <a:ext uri="{FF2B5EF4-FFF2-40B4-BE49-F238E27FC236}">
+                <a16:creationId xmlns:a16="http://schemas.microsoft.com/office/drawing/2014/main" id="{2F80F1F8-738E-4F73-9C75-E7AE3F36B07E}"/>
+              </a:ext>
+            </a:extLst>
+          </p:cNvPr>
+          <p:cNvSpPr>
+            <a:spLocks noGrp="1"/>
+          </p:cNvSpPr>
+          <p:nvPr>
+            <p:ph type="title"/>
+          </p:nvPr>
+        </p:nvSpPr>
+        <p:spPr/>
+        <p:txBody>
+          <a:bodyPr/>
+          <a:lstStyle/>
+          <a:p>
+            <a:r>
+              <a:rPr kumimoji="1" lang="en-US" altLang="ja-JP"/>
+              <a:t>TLS 1.3</a:t>
+            </a:r>
+            <a:endParaRPr kumimoji="1" lang="ja-JP" altLang="en-US"/>
+          </a:p>
+        </p:txBody>
+      </p:sp>
+    </p:spTree>
+    <p:extLst>
+      <p:ext uri="{BB962C8B-B14F-4D97-AF65-F5344CB8AC3E}">
+        <p14:creationId xmlns:p14="http://schemas.microsoft.com/office/powerpoint/2010/main" val="3914872472"/>
+      </p:ext>
+    </p:extLst>
+  </p:cSld>
+  <p:clrMapOvr>
+    <a:masterClrMapping/>
+  </p:clrMapOvr>
+</p:sld>
+</file>
+
+<file path=ppt/slides/slide22.xml><?xml version="1.0" encoding="utf-8"?>
+<p:sld xmlns:a="http://schemas.openxmlformats.org/drawingml/2006/main" xmlns:r="http://schemas.openxmlformats.org/officeDocument/2006/relationships" xmlns:p="http://schemas.openxmlformats.org/presentationml/2006/main">
+  <p:cSld>
+    <p:spTree>
+      <p:nvGrpSpPr>
+        <p:cNvPr id="1" name=""/>
+        <p:cNvGrpSpPr/>
+        <p:nvPr/>
+      </p:nvGrpSpPr>
+      <p:grpSpPr>
+        <a:xfrm>
+          <a:off x="0" y="0"/>
+          <a:ext cx="0" cy="0"/>
+          <a:chOff x="0" y="0"/>
+          <a:chExt cx="0" cy="0"/>
+        </a:xfrm>
+      </p:grpSpPr>
+      <p:sp>
+        <p:nvSpPr>
+          <p:cNvPr id="2" name="コンテンツ プレースホルダー 1">
+            <a:extLst>
+              <a:ext uri="{FF2B5EF4-FFF2-40B4-BE49-F238E27FC236}">
+                <a16:creationId xmlns:a16="http://schemas.microsoft.com/office/drawing/2014/main" id="{0AB136B0-6815-48D3-9D42-67E3E659E749}"/>
+              </a:ext>
+            </a:extLst>
+          </p:cNvPr>
+          <p:cNvSpPr>
+            <a:spLocks noGrp="1"/>
+          </p:cNvSpPr>
+          <p:nvPr>
+            <p:ph idx="1"/>
+          </p:nvPr>
+        </p:nvSpPr>
+        <p:spPr/>
+        <p:txBody>
+          <a:bodyPr/>
+          <a:lstStyle/>
+          <a:p>
+            <a:r>
+              <a:rPr kumimoji="1" lang="ja-JP" altLang="en-US"/>
+              <a:t>インターネット上では全てのドメイン名</a:t>
+            </a:r>
+            <a:r>
+              <a:rPr kumimoji="1" lang="en-US" altLang="ja-JP"/>
+              <a:t>(</a:t>
+            </a:r>
+            <a:r>
+              <a:rPr kumimoji="1" lang="ja-JP" altLang="en-US"/>
+              <a:t>ホスト名</a:t>
+            </a:r>
+            <a:r>
+              <a:rPr kumimoji="1" lang="en-US" altLang="ja-JP"/>
+              <a:t>)</a:t>
+            </a:r>
+            <a:r>
+              <a:rPr kumimoji="1" lang="ja-JP" altLang="en-US"/>
+              <a:t>に</a:t>
+            </a:r>
+            <a:r>
+              <a:rPr kumimoji="1" lang="en-US" altLang="ja-JP"/>
+              <a:t>IP</a:t>
+            </a:r>
+            <a:r>
+              <a:rPr kumimoji="1" lang="ja-JP" altLang="en-US"/>
+              <a:t>アドレスが割り当てられている</a:t>
+            </a:r>
+            <a:endParaRPr kumimoji="1" lang="en-US" altLang="ja-JP"/>
+          </a:p>
+          <a:p>
+            <a:r>
+              <a:rPr kumimoji="1" lang="ja-JP" altLang="en-US"/>
+              <a:t>名前解決</a:t>
+            </a:r>
+            <a:r>
+              <a:rPr kumimoji="1" lang="en-US" altLang="ja-JP"/>
+              <a:t>DNS(Domain Name Service)</a:t>
+            </a:r>
+          </a:p>
+          <a:p>
+            <a:pPr lvl="1"/>
+            <a:r>
+              <a:rPr kumimoji="1" lang="ja-JP" altLang="en-US"/>
+              <a:t>ドメイン名から</a:t>
+            </a:r>
+            <a:r>
+              <a:rPr kumimoji="1" lang="en-US" altLang="ja-JP"/>
+              <a:t>IP</a:t>
+            </a:r>
+            <a:r>
+              <a:rPr kumimoji="1" lang="ja-JP" altLang="en-US"/>
+              <a:t>アドレスを取得する仕組み </a:t>
+            </a:r>
+            <a:r>
+              <a:rPr kumimoji="1" lang="en-US" altLang="ja-JP"/>
+              <a:t>:</a:t>
+            </a:r>
+            <a:r>
+              <a:rPr kumimoji="1" lang="ja-JP" altLang="en-US"/>
+              <a:t>階層的に管理</a:t>
+            </a:r>
+            <a:endParaRPr kumimoji="1" lang="en-US" altLang="ja-JP"/>
+          </a:p>
+          <a:p>
+            <a:pPr lvl="1"/>
+            <a:r>
+              <a:rPr kumimoji="1" lang="en-US" altLang="ja-JP"/>
+              <a:t>DNS</a:t>
+            </a:r>
+            <a:r>
+              <a:rPr kumimoji="1" lang="ja-JP" altLang="en-US"/>
+              <a:t>サーバ </a:t>
+            </a:r>
+            <a:r>
+              <a:rPr kumimoji="1" lang="en-US" altLang="ja-JP"/>
+              <a:t>: DNS</a:t>
+            </a:r>
+            <a:r>
+              <a:rPr kumimoji="1" lang="ja-JP" altLang="en-US"/>
+              <a:t>を実行するサーバ</a:t>
+            </a:r>
+          </a:p>
+        </p:txBody>
+      </p:sp>
+      <p:sp>
+        <p:nvSpPr>
+          <p:cNvPr id="3" name="スライド番号プレースホルダー 2">
+            <a:extLst>
+              <a:ext uri="{FF2B5EF4-FFF2-40B4-BE49-F238E27FC236}">
+                <a16:creationId xmlns:a16="http://schemas.microsoft.com/office/drawing/2014/main" id="{219D739B-0728-460F-B8A6-A2895B516CB8}"/>
+              </a:ext>
+            </a:extLst>
+          </p:cNvPr>
+          <p:cNvSpPr>
+            <a:spLocks noGrp="1"/>
+          </p:cNvSpPr>
+          <p:nvPr>
+            <p:ph type="sldNum" sz="quarter" idx="12"/>
+          </p:nvPr>
+        </p:nvSpPr>
+        <p:spPr/>
+        <p:txBody>
+          <a:bodyPr/>
+          <a:lstStyle/>
+          <a:p>
+            <a:pPr>
+              <a:defRPr/>
+            </a:pPr>
+            <a:r>
+              <a:rPr lang="en-US" altLang="ja-JP"/>
+              <a:t>    </a:t>
+            </a:r>
+            <a:fld id="{B2782DEB-472A-4FE5-AC34-C17109CF5A91}" type="slidenum">
+              <a:rPr lang="en-US" altLang="ja-JP" smtClean="0"/>
+              <a:pPr>
+                <a:defRPr/>
+              </a:pPr>
+              <a:t>22</a:t>
+            </a:fld>
+            <a:r>
+              <a:rPr lang="en-US" altLang="ja-JP"/>
+              <a:t> / 24</a:t>
+            </a:r>
+          </a:p>
+        </p:txBody>
+      </p:sp>
+      <p:sp>
+        <p:nvSpPr>
+          <p:cNvPr id="4" name="タイトル 3">
+            <a:extLst>
+              <a:ext uri="{FF2B5EF4-FFF2-40B4-BE49-F238E27FC236}">
+                <a16:creationId xmlns:a16="http://schemas.microsoft.com/office/drawing/2014/main" id="{E16F7F26-85C9-4555-B097-E90401A0F3C7}"/>
+              </a:ext>
+            </a:extLst>
+          </p:cNvPr>
+          <p:cNvSpPr>
+            <a:spLocks noGrp="1"/>
+          </p:cNvSpPr>
+          <p:nvPr>
+            <p:ph type="title"/>
+          </p:nvPr>
+        </p:nvSpPr>
+        <p:spPr/>
+        <p:txBody>
+          <a:bodyPr/>
+          <a:lstStyle/>
+          <a:p>
+            <a:r>
+              <a:rPr kumimoji="1" lang="en-US" altLang="ja-JP"/>
+              <a:t>DNS</a:t>
+            </a:r>
+            <a:endParaRPr kumimoji="1" lang="ja-JP" altLang="en-US"/>
+          </a:p>
+        </p:txBody>
+      </p:sp>
+      <p:pic>
+        <p:nvPicPr>
+          <p:cNvPr id="6" name="図 5">
+            <a:extLst>
+              <a:ext uri="{FF2B5EF4-FFF2-40B4-BE49-F238E27FC236}">
+                <a16:creationId xmlns:a16="http://schemas.microsoft.com/office/drawing/2014/main" id="{5081E908-8A76-4D2B-8DBF-3F66B8DD33FE}"/>
+              </a:ext>
+            </a:extLst>
+          </p:cNvPr>
+          <p:cNvPicPr>
+            <a:picLocks noChangeAspect="1"/>
+          </p:cNvPicPr>
+          <p:nvPr/>
+        </p:nvPicPr>
+        <p:blipFill>
+          <a:blip r:embed="rId2">
+            <a:extLst>
+              <a:ext uri="{28A0092B-C50C-407E-A947-70E740481C1C}">
+                <a14:useLocalDpi xmlns:a14="http://schemas.microsoft.com/office/drawing/2010/main" val="0"/>
+              </a:ext>
+            </a:extLst>
+          </a:blip>
+          <a:stretch>
+            <a:fillRect/>
+          </a:stretch>
+        </p:blipFill>
+        <p:spPr>
+          <a:xfrm>
+            <a:off x="1115617" y="3212975"/>
+            <a:ext cx="7350822" cy="3454887"/>
+          </a:xfrm>
+          <a:prstGeom prst="rect">
+            <a:avLst/>
+          </a:prstGeom>
+        </p:spPr>
+      </p:pic>
+      <p:sp>
+        <p:nvSpPr>
+          <p:cNvPr id="7" name="テキスト ボックス 6">
+            <a:extLst>
+              <a:ext uri="{FF2B5EF4-FFF2-40B4-BE49-F238E27FC236}">
+                <a16:creationId xmlns:a16="http://schemas.microsoft.com/office/drawing/2014/main" id="{46516B91-B91D-4DCE-A7EC-05110D2B2808}"/>
+              </a:ext>
+            </a:extLst>
+          </p:cNvPr>
+          <p:cNvSpPr txBox="1"/>
+          <p:nvPr/>
+        </p:nvSpPr>
+        <p:spPr>
+          <a:xfrm>
+            <a:off x="6372200" y="2751310"/>
+            <a:ext cx="2570055" cy="461665"/>
+          </a:xfrm>
+          <a:prstGeom prst="rect">
+            <a:avLst/>
+          </a:prstGeom>
+          <a:noFill/>
+          <a:ln w="19050" cap="rnd">
+            <a:noFill/>
+          </a:ln>
+        </p:spPr>
+        <p:txBody>
+          <a:bodyPr wrap="square" rtlCol="0">
+            <a:spAutoFit/>
+          </a:bodyPr>
+          <a:lstStyle/>
+          <a:p>
+            <a:r>
+              <a:rPr kumimoji="1" lang="ja-JP" altLang="en-US" sz="2400">
+                <a:latin typeface="游ゴシック" panose="020B0400000000000000" pitchFamily="50" charset="-128"/>
+                <a:ea typeface="游ゴシック" panose="020B0400000000000000" pitchFamily="50" charset="-128"/>
+                <a:cs typeface="Courier New" pitchFamily="49" charset="0"/>
+              </a:rPr>
+              <a:t>権威</a:t>
+            </a:r>
+            <a:r>
+              <a:rPr kumimoji="1" lang="en-US" altLang="ja-JP" sz="2400">
+                <a:latin typeface="游ゴシック" panose="020B0400000000000000" pitchFamily="50" charset="-128"/>
+                <a:ea typeface="游ゴシック" panose="020B0400000000000000" pitchFamily="50" charset="-128"/>
+                <a:cs typeface="Courier New" pitchFamily="49" charset="0"/>
+              </a:rPr>
+              <a:t>DNS</a:t>
+            </a:r>
+            <a:r>
+              <a:rPr kumimoji="1" lang="ja-JP" altLang="en-US" sz="2400">
+                <a:latin typeface="游ゴシック" panose="020B0400000000000000" pitchFamily="50" charset="-128"/>
+                <a:ea typeface="游ゴシック" panose="020B0400000000000000" pitchFamily="50" charset="-128"/>
+                <a:cs typeface="Courier New" pitchFamily="49" charset="0"/>
+              </a:rPr>
+              <a:t>サーバ</a:t>
+            </a:r>
+          </a:p>
+        </p:txBody>
+      </p:sp>
+    </p:spTree>
+    <p:extLst>
+      <p:ext uri="{BB962C8B-B14F-4D97-AF65-F5344CB8AC3E}">
+        <p14:creationId xmlns:p14="http://schemas.microsoft.com/office/powerpoint/2010/main" val="3155211646"/>
+      </p:ext>
+    </p:extLst>
+  </p:cSld>
+  <p:clrMapOvr>
+    <a:masterClrMapping/>
+  </p:clrMapOvr>
+</p:sld>
+</file>
+
+<file path=ppt/slides/slide23.xml><?xml version="1.0" encoding="utf-8"?>
+<p:sld xmlns:a="http://schemas.openxmlformats.org/drawingml/2006/main" xmlns:r="http://schemas.openxmlformats.org/officeDocument/2006/relationships" xmlns:p="http://schemas.openxmlformats.org/presentationml/2006/main">
+  <p:cSld>
+    <p:spTree>
+      <p:nvGrpSpPr>
+        <p:cNvPr id="1" name=""/>
+        <p:cNvGrpSpPr/>
+        <p:nvPr/>
+      </p:nvGrpSpPr>
+      <p:grpSpPr>
+        <a:xfrm>
+          <a:off x="0" y="0"/>
+          <a:ext cx="0" cy="0"/>
+          <a:chOff x="0" y="0"/>
+          <a:chExt cx="0" cy="0"/>
+        </a:xfrm>
+      </p:grpSpPr>
+      <p:sp>
+        <p:nvSpPr>
+          <p:cNvPr id="2" name="コンテンツ プレースホルダー 1">
+            <a:extLst>
+              <a:ext uri="{FF2B5EF4-FFF2-40B4-BE49-F238E27FC236}">
+                <a16:creationId xmlns:a16="http://schemas.microsoft.com/office/drawing/2014/main" id="{CF33815C-1146-4D78-AAD7-37C30EC194BD}"/>
+              </a:ext>
+            </a:extLst>
+          </p:cNvPr>
+          <p:cNvSpPr>
+            <a:spLocks noGrp="1"/>
+          </p:cNvSpPr>
+          <p:nvPr>
+            <p:ph idx="1"/>
+          </p:nvPr>
+        </p:nvSpPr>
+        <p:spPr/>
+        <p:txBody>
+          <a:bodyPr/>
+          <a:lstStyle/>
+          <a:p>
+            <a:r>
+              <a:rPr kumimoji="1" lang="ja-JP" altLang="en-US"/>
+              <a:t>毎回</a:t>
+            </a:r>
+            <a:r>
+              <a:rPr kumimoji="1" lang="en-US" altLang="ja-JP"/>
+              <a:t>DNS</a:t>
+            </a:r>
+            <a:r>
+              <a:rPr kumimoji="1" lang="ja-JP" altLang="en-US"/>
+              <a:t>サーバに問い合わせるのは大変</a:t>
+            </a:r>
+            <a:endParaRPr kumimoji="1" lang="en-US" altLang="ja-JP"/>
+          </a:p>
+          <a:p>
+            <a:pPr lvl="1"/>
+            <a:r>
+              <a:rPr kumimoji="1" lang="ja-JP" altLang="en-US"/>
+              <a:t>ドメイン名と</a:t>
+            </a:r>
+            <a:r>
+              <a:rPr kumimoji="1" lang="en-US" altLang="ja-JP"/>
+              <a:t>IP</a:t>
+            </a:r>
+            <a:r>
+              <a:rPr kumimoji="1" lang="ja-JP" altLang="en-US"/>
+              <a:t>アドレスの組をキャッシュとして保持</a:t>
+            </a:r>
+          </a:p>
+        </p:txBody>
+      </p:sp>
+      <p:sp>
+        <p:nvSpPr>
+          <p:cNvPr id="3" name="スライド番号プレースホルダー 2">
+            <a:extLst>
+              <a:ext uri="{FF2B5EF4-FFF2-40B4-BE49-F238E27FC236}">
+                <a16:creationId xmlns:a16="http://schemas.microsoft.com/office/drawing/2014/main" id="{F02E80D5-BEAC-42C2-A13D-F137F5E03C83}"/>
+              </a:ext>
+            </a:extLst>
+          </p:cNvPr>
+          <p:cNvSpPr>
+            <a:spLocks noGrp="1"/>
+          </p:cNvSpPr>
+          <p:nvPr>
+            <p:ph type="sldNum" sz="quarter" idx="12"/>
+          </p:nvPr>
+        </p:nvSpPr>
+        <p:spPr/>
+        <p:txBody>
+          <a:bodyPr/>
+          <a:lstStyle/>
+          <a:p>
+            <a:pPr>
+              <a:defRPr/>
+            </a:pPr>
+            <a:r>
+              <a:rPr lang="en-US" altLang="ja-JP"/>
+              <a:t>    </a:t>
+            </a:r>
+            <a:fld id="{B2782DEB-472A-4FE5-AC34-C17109CF5A91}" type="slidenum">
+              <a:rPr lang="en-US" altLang="ja-JP" smtClean="0"/>
+              <a:pPr>
+                <a:defRPr/>
+              </a:pPr>
+              <a:t>23</a:t>
+            </a:fld>
+            <a:r>
+              <a:rPr lang="en-US" altLang="ja-JP"/>
+              <a:t> / 24</a:t>
+            </a:r>
+          </a:p>
+        </p:txBody>
+      </p:sp>
+      <p:sp>
+        <p:nvSpPr>
+          <p:cNvPr id="4" name="タイトル 3">
+            <a:extLst>
+              <a:ext uri="{FF2B5EF4-FFF2-40B4-BE49-F238E27FC236}">
+                <a16:creationId xmlns:a16="http://schemas.microsoft.com/office/drawing/2014/main" id="{878FC82B-0619-47DE-A840-D1F0B22DEF62}"/>
+              </a:ext>
+            </a:extLst>
+          </p:cNvPr>
+          <p:cNvSpPr>
+            <a:spLocks noGrp="1"/>
+          </p:cNvSpPr>
+          <p:nvPr>
+            <p:ph type="title"/>
+          </p:nvPr>
+        </p:nvSpPr>
+        <p:spPr/>
+        <p:txBody>
+          <a:bodyPr/>
+          <a:lstStyle/>
+          <a:p>
+            <a:r>
+              <a:rPr kumimoji="1" lang="ja-JP" altLang="en-US"/>
+              <a:t>キャッシュ</a:t>
+            </a:r>
+            <a:r>
+              <a:rPr kumimoji="1" lang="en-US" altLang="ja-JP"/>
+              <a:t>DNS</a:t>
+            </a:r>
+            <a:r>
+              <a:rPr kumimoji="1" lang="ja-JP" altLang="en-US"/>
+              <a:t>サーバ</a:t>
+            </a:r>
+          </a:p>
+        </p:txBody>
+      </p:sp>
+      <p:pic>
+        <p:nvPicPr>
+          <p:cNvPr id="6" name="図 5">
+            <a:extLst>
+              <a:ext uri="{FF2B5EF4-FFF2-40B4-BE49-F238E27FC236}">
+                <a16:creationId xmlns:a16="http://schemas.microsoft.com/office/drawing/2014/main" id="{DBE4424E-A4E8-4A53-BA70-F2158FF0E546}"/>
+              </a:ext>
+            </a:extLst>
+          </p:cNvPr>
+          <p:cNvPicPr>
+            <a:picLocks noChangeAspect="1"/>
+          </p:cNvPicPr>
+          <p:nvPr/>
+        </p:nvPicPr>
+        <p:blipFill>
+          <a:blip r:embed="rId2">
+            <a:extLst>
+              <a:ext uri="{28A0092B-C50C-407E-A947-70E740481C1C}">
+                <a14:useLocalDpi xmlns:a14="http://schemas.microsoft.com/office/drawing/2010/main" val="0"/>
+              </a:ext>
+            </a:extLst>
+          </a:blip>
+          <a:stretch>
+            <a:fillRect/>
+          </a:stretch>
+        </p:blipFill>
+        <p:spPr>
+          <a:xfrm>
+            <a:off x="899592" y="2276872"/>
+            <a:ext cx="7128792" cy="3350533"/>
+          </a:xfrm>
+          <a:prstGeom prst="rect">
+            <a:avLst/>
+          </a:prstGeom>
+        </p:spPr>
+      </p:pic>
+      <p:sp>
+        <p:nvSpPr>
+          <p:cNvPr id="7" name="テキスト ボックス 6">
+            <a:extLst>
+              <a:ext uri="{FF2B5EF4-FFF2-40B4-BE49-F238E27FC236}">
+                <a16:creationId xmlns:a16="http://schemas.microsoft.com/office/drawing/2014/main" id="{E99BEC5C-70B7-46CF-B4EF-3AF758C0DBD8}"/>
+              </a:ext>
+            </a:extLst>
+          </p:cNvPr>
+          <p:cNvSpPr txBox="1"/>
+          <p:nvPr/>
+        </p:nvSpPr>
+        <p:spPr>
+          <a:xfrm>
+            <a:off x="6228184" y="1815207"/>
+            <a:ext cx="2570055" cy="461665"/>
+          </a:xfrm>
+          <a:prstGeom prst="rect">
+            <a:avLst/>
+          </a:prstGeom>
+          <a:noFill/>
+          <a:ln w="19050" cap="rnd">
+            <a:noFill/>
+          </a:ln>
+        </p:spPr>
+        <p:txBody>
+          <a:bodyPr wrap="square" rtlCol="0">
+            <a:spAutoFit/>
+          </a:bodyPr>
+          <a:lstStyle/>
+          <a:p>
+            <a:r>
+              <a:rPr kumimoji="1" lang="ja-JP" altLang="en-US" sz="2400">
+                <a:latin typeface="游ゴシック" panose="020B0400000000000000" pitchFamily="50" charset="-128"/>
+                <a:ea typeface="游ゴシック" panose="020B0400000000000000" pitchFamily="50" charset="-128"/>
+                <a:cs typeface="Courier New" pitchFamily="49" charset="0"/>
+              </a:rPr>
+              <a:t>権威</a:t>
+            </a:r>
+            <a:r>
+              <a:rPr kumimoji="1" lang="en-US" altLang="ja-JP" sz="2400">
+                <a:latin typeface="游ゴシック" panose="020B0400000000000000" pitchFamily="50" charset="-128"/>
+                <a:ea typeface="游ゴシック" panose="020B0400000000000000" pitchFamily="50" charset="-128"/>
+                <a:cs typeface="Courier New" pitchFamily="49" charset="0"/>
+              </a:rPr>
+              <a:t>DNS</a:t>
+            </a:r>
+            <a:r>
+              <a:rPr kumimoji="1" lang="ja-JP" altLang="en-US" sz="2400">
+                <a:latin typeface="游ゴシック" panose="020B0400000000000000" pitchFamily="50" charset="-128"/>
+                <a:ea typeface="游ゴシック" panose="020B0400000000000000" pitchFamily="50" charset="-128"/>
+                <a:cs typeface="Courier New" pitchFamily="49" charset="0"/>
+              </a:rPr>
+              <a:t>サーバ</a:t>
+            </a:r>
+          </a:p>
+        </p:txBody>
+      </p:sp>
+    </p:spTree>
+    <p:extLst>
+      <p:ext uri="{BB962C8B-B14F-4D97-AF65-F5344CB8AC3E}">
+        <p14:creationId xmlns:p14="http://schemas.microsoft.com/office/powerpoint/2010/main" val="806646227"/>
+      </p:ext>
+    </p:extLst>
+  </p:cSld>
+  <p:clrMapOvr>
+    <a:masterClrMapping/>
+  </p:clrMapOvr>
+</p:sld>
+</file>
+
+<file path=ppt/slides/slide24.xml><?xml version="1.0" encoding="utf-8"?>
+<p:sld xmlns:a="http://schemas.openxmlformats.org/drawingml/2006/main" xmlns:r="http://schemas.openxmlformats.org/officeDocument/2006/relationships" xmlns:p="http://schemas.openxmlformats.org/presentationml/2006/main">
+  <p:cSld>
+    <p:spTree>
+      <p:nvGrpSpPr>
+        <p:cNvPr id="1" name=""/>
+        <p:cNvGrpSpPr/>
+        <p:nvPr/>
+      </p:nvGrpSpPr>
+      <p:grpSpPr>
+        <a:xfrm>
+          <a:off x="0" y="0"/>
+          <a:ext cx="0" cy="0"/>
+          <a:chOff x="0" y="0"/>
+          <a:chExt cx="0" cy="0"/>
+        </a:xfrm>
+      </p:grpSpPr>
+      <p:sp>
+        <p:nvSpPr>
+          <p:cNvPr id="2" name="コンテンツ プレースホルダー 1">
+            <a:extLst>
+              <a:ext uri="{FF2B5EF4-FFF2-40B4-BE49-F238E27FC236}">
+                <a16:creationId xmlns:a16="http://schemas.microsoft.com/office/drawing/2014/main" id="{156D8AB7-C4D2-49CD-9BB3-629D8BBE7FF7}"/>
+              </a:ext>
+            </a:extLst>
+          </p:cNvPr>
+          <p:cNvSpPr>
+            <a:spLocks noGrp="1"/>
+          </p:cNvSpPr>
+          <p:nvPr>
+            <p:ph idx="1"/>
+          </p:nvPr>
+        </p:nvSpPr>
+        <p:spPr/>
+        <p:txBody>
+          <a:bodyPr/>
+          <a:lstStyle/>
+          <a:p>
+            <a:r>
+              <a:rPr kumimoji="1" lang="en-US" altLang="ja-JP"/>
+              <a:t>DNS</a:t>
+            </a:r>
+            <a:r>
+              <a:rPr kumimoji="1" lang="ja-JP" altLang="en-US"/>
+              <a:t>のプロトコル</a:t>
+            </a:r>
+            <a:r>
+              <a:rPr lang="en-US" altLang="ja-JP"/>
+              <a:t> : </a:t>
+            </a:r>
+            <a:r>
+              <a:rPr kumimoji="1" lang="ja-JP" altLang="en-US"/>
+              <a:t>主に</a:t>
+            </a:r>
+            <a:r>
+              <a:rPr kumimoji="1" lang="en-US" altLang="ja-JP"/>
+              <a:t>UDP(</a:t>
+            </a:r>
+            <a:r>
+              <a:rPr kumimoji="1" lang="ja-JP" altLang="en-US"/>
+              <a:t>たまに</a:t>
+            </a:r>
+            <a:r>
+              <a:rPr kumimoji="1" lang="en-US" altLang="ja-JP"/>
+              <a:t>TCP)</a:t>
+            </a:r>
+          </a:p>
+          <a:p>
+            <a:r>
+              <a:rPr lang="en-US" altLang="ja-JP"/>
+              <a:t>2008</a:t>
+            </a:r>
+            <a:r>
+              <a:rPr lang="ja-JP" altLang="en-US"/>
+              <a:t>年</a:t>
+            </a:r>
+            <a:r>
+              <a:rPr lang="en-US" altLang="ja-JP"/>
+              <a:t>Kaminsky</a:t>
+            </a:r>
+            <a:endParaRPr kumimoji="1" lang="en-US" altLang="ja-JP"/>
+          </a:p>
+          <a:p>
+            <a:pPr lvl="1"/>
+            <a:r>
+              <a:rPr kumimoji="1" lang="ja-JP" altLang="en-US"/>
+              <a:t>攻撃者がキャッシュ</a:t>
+            </a:r>
+            <a:r>
+              <a:rPr kumimoji="1" lang="en-US" altLang="ja-JP"/>
+              <a:t>DNS</a:t>
+            </a:r>
+            <a:r>
+              <a:rPr kumimoji="1" lang="ja-JP" altLang="en-US"/>
+              <a:t>サーバに偽の</a:t>
+            </a:r>
+            <a:r>
+              <a:rPr kumimoji="1" lang="en-US" altLang="ja-JP"/>
+              <a:t>IP</a:t>
+            </a:r>
+            <a:r>
+              <a:rPr kumimoji="1" lang="ja-JP" altLang="en-US"/>
+              <a:t>アドレスを送る</a:t>
+            </a:r>
+            <a:endParaRPr kumimoji="1" lang="en-US" altLang="ja-JP"/>
+          </a:p>
+          <a:p>
+            <a:pPr lvl="1"/>
+            <a:r>
+              <a:rPr kumimoji="1" lang="ja-JP" altLang="en-US"/>
+              <a:t>キャッシュ内容を制御</a:t>
+            </a:r>
+            <a:r>
+              <a:rPr kumimoji="1" lang="en-US" altLang="ja-JP"/>
+              <a:t>(</a:t>
+            </a:r>
+            <a:r>
+              <a:rPr lang="en-US" altLang="ja-JP"/>
+              <a:t>poisoning</a:t>
+            </a:r>
+            <a:r>
+              <a:rPr kumimoji="1" lang="en-US" altLang="ja-JP"/>
+              <a:t>=</a:t>
+            </a:r>
+            <a:r>
+              <a:rPr kumimoji="1" lang="ja-JP" altLang="en-US"/>
+              <a:t>汚染</a:t>
+            </a:r>
+            <a:r>
+              <a:rPr kumimoji="1" lang="en-US" altLang="ja-JP"/>
+              <a:t>)</a:t>
+            </a:r>
+            <a:endParaRPr kumimoji="1" lang="ja-JP" altLang="en-US"/>
+          </a:p>
+        </p:txBody>
+      </p:sp>
+      <p:sp>
+        <p:nvSpPr>
+          <p:cNvPr id="3" name="スライド番号プレースホルダー 2">
+            <a:extLst>
+              <a:ext uri="{FF2B5EF4-FFF2-40B4-BE49-F238E27FC236}">
+                <a16:creationId xmlns:a16="http://schemas.microsoft.com/office/drawing/2014/main" id="{C8566FB9-25AF-4337-AD34-9A4173984698}"/>
+              </a:ext>
+            </a:extLst>
+          </p:cNvPr>
+          <p:cNvSpPr>
+            <a:spLocks noGrp="1"/>
+          </p:cNvSpPr>
+          <p:nvPr>
+            <p:ph type="sldNum" sz="quarter" idx="12"/>
+          </p:nvPr>
+        </p:nvSpPr>
+        <p:spPr/>
+        <p:txBody>
+          <a:bodyPr/>
+          <a:lstStyle/>
+          <a:p>
+            <a:pPr>
+              <a:defRPr/>
+            </a:pPr>
+            <a:r>
+              <a:rPr lang="en-US" altLang="ja-JP"/>
+              <a:t>    </a:t>
+            </a:r>
+            <a:fld id="{B2782DEB-472A-4FE5-AC34-C17109CF5A91}" type="slidenum">
+              <a:rPr lang="en-US" altLang="ja-JP" smtClean="0"/>
+              <a:pPr>
+                <a:defRPr/>
+              </a:pPr>
+              <a:t>24</a:t>
+            </a:fld>
+            <a:r>
+              <a:rPr lang="en-US" altLang="ja-JP"/>
+              <a:t> / 24</a:t>
+            </a:r>
+          </a:p>
+        </p:txBody>
+      </p:sp>
+      <p:sp>
+        <p:nvSpPr>
+          <p:cNvPr id="4" name="タイトル 3">
+            <a:extLst>
+              <a:ext uri="{FF2B5EF4-FFF2-40B4-BE49-F238E27FC236}">
+                <a16:creationId xmlns:a16="http://schemas.microsoft.com/office/drawing/2014/main" id="{735F9A14-2D52-40CB-A419-DE2A30B759CF}"/>
+              </a:ext>
+            </a:extLst>
+          </p:cNvPr>
+          <p:cNvSpPr>
+            <a:spLocks noGrp="1"/>
+          </p:cNvSpPr>
+          <p:nvPr>
+            <p:ph type="title"/>
+          </p:nvPr>
+        </p:nvSpPr>
+        <p:spPr/>
+        <p:txBody>
+          <a:bodyPr/>
+          <a:lstStyle/>
+          <a:p>
+            <a:r>
+              <a:rPr kumimoji="1" lang="ja-JP" altLang="en-US"/>
+              <a:t>キャッシュ・ポイズニング</a:t>
+            </a:r>
+          </a:p>
+        </p:txBody>
+      </p:sp>
+      <p:pic>
+        <p:nvPicPr>
+          <p:cNvPr id="6" name="図 5">
+            <a:extLst>
+              <a:ext uri="{FF2B5EF4-FFF2-40B4-BE49-F238E27FC236}">
+                <a16:creationId xmlns:a16="http://schemas.microsoft.com/office/drawing/2014/main" id="{1C295DE7-F81E-466D-B779-A7A2EAFACFE7}"/>
+              </a:ext>
+            </a:extLst>
+          </p:cNvPr>
+          <p:cNvPicPr>
+            <a:picLocks noChangeAspect="1"/>
+          </p:cNvPicPr>
+          <p:nvPr/>
+        </p:nvPicPr>
+        <p:blipFill>
+          <a:blip r:embed="rId2">
+            <a:extLst>
+              <a:ext uri="{28A0092B-C50C-407E-A947-70E740481C1C}">
+                <a14:useLocalDpi xmlns:a14="http://schemas.microsoft.com/office/drawing/2010/main" val="0"/>
+              </a:ext>
+            </a:extLst>
+          </a:blip>
+          <a:stretch>
+            <a:fillRect/>
+          </a:stretch>
+        </p:blipFill>
+        <p:spPr>
+          <a:xfrm>
+            <a:off x="1547664" y="2878517"/>
+            <a:ext cx="6480720" cy="3653506"/>
+          </a:xfrm>
+          <a:prstGeom prst="rect">
+            <a:avLst/>
+          </a:prstGeom>
+        </p:spPr>
+      </p:pic>
+    </p:spTree>
+    <p:extLst>
+      <p:ext uri="{BB962C8B-B14F-4D97-AF65-F5344CB8AC3E}">
+        <p14:creationId xmlns:p14="http://schemas.microsoft.com/office/powerpoint/2010/main" val="1037603238"/>
+      </p:ext>
+    </p:extLst>
+  </p:cSld>
+  <p:clrMapOvr>
+    <a:masterClrMapping/>
+  </p:clrMapOvr>
+</p:sld>
+</file>
+
+<file path=ppt/slides/slide25.xml><?xml version="1.0" encoding="utf-8"?>
+<p:sld xmlns:a="http://schemas.openxmlformats.org/drawingml/2006/main" xmlns:r="http://schemas.openxmlformats.org/officeDocument/2006/relationships" xmlns:p="http://schemas.openxmlformats.org/presentationml/2006/main">
+  <p:cSld>
+    <p:spTree>
+      <p:nvGrpSpPr>
+        <p:cNvPr id="1" name=""/>
+        <p:cNvGrpSpPr/>
+        <p:nvPr/>
+      </p:nvGrpSpPr>
+      <p:grpSpPr>
+        <a:xfrm>
+          <a:off x="0" y="0"/>
+          <a:ext cx="0" cy="0"/>
+          <a:chOff x="0" y="0"/>
+          <a:chExt cx="0" cy="0"/>
+        </a:xfrm>
+      </p:grpSpPr>
+      <p:sp>
+        <p:nvSpPr>
+          <p:cNvPr id="2" name="コンテンツ プレースホルダー 1">
+            <a:extLst>
+              <a:ext uri="{FF2B5EF4-FFF2-40B4-BE49-F238E27FC236}">
+                <a16:creationId xmlns:a16="http://schemas.microsoft.com/office/drawing/2014/main" id="{9DB2F4CD-89C9-4C10-A3E9-627C03B78071}"/>
+              </a:ext>
+            </a:extLst>
+          </p:cNvPr>
+          <p:cNvSpPr>
+            <a:spLocks noGrp="1"/>
+          </p:cNvSpPr>
+          <p:nvPr>
+            <p:ph idx="1"/>
+          </p:nvPr>
+        </p:nvSpPr>
+        <p:spPr/>
+        <p:txBody>
+          <a:bodyPr/>
+          <a:lstStyle/>
+          <a:p>
+            <a:r>
+              <a:rPr kumimoji="1" lang="ja-JP" altLang="en-US"/>
+              <a:t>権威</a:t>
+            </a:r>
+            <a:r>
+              <a:rPr kumimoji="1" lang="en-US" altLang="ja-JP"/>
+              <a:t>DNS</a:t>
+            </a:r>
+            <a:r>
+              <a:rPr kumimoji="1" lang="ja-JP" altLang="en-US"/>
+              <a:t>サーバが返す値に署名を付与</a:t>
+            </a:r>
+          </a:p>
+        </p:txBody>
+      </p:sp>
+      <p:sp>
+        <p:nvSpPr>
+          <p:cNvPr id="3" name="スライド番号プレースホルダー 2">
+            <a:extLst>
+              <a:ext uri="{FF2B5EF4-FFF2-40B4-BE49-F238E27FC236}">
+                <a16:creationId xmlns:a16="http://schemas.microsoft.com/office/drawing/2014/main" id="{5532D8CA-AB79-4B82-AD83-C64B63B08605}"/>
+              </a:ext>
+            </a:extLst>
+          </p:cNvPr>
+          <p:cNvSpPr>
+            <a:spLocks noGrp="1"/>
+          </p:cNvSpPr>
+          <p:nvPr>
+            <p:ph type="sldNum" sz="quarter" idx="12"/>
+          </p:nvPr>
+        </p:nvSpPr>
+        <p:spPr/>
+        <p:txBody>
+          <a:bodyPr/>
+          <a:lstStyle/>
+          <a:p>
+            <a:pPr>
+              <a:defRPr/>
+            </a:pPr>
+            <a:r>
+              <a:rPr lang="en-US" altLang="ja-JP"/>
+              <a:t>    </a:t>
+            </a:r>
+            <a:fld id="{B2782DEB-472A-4FE5-AC34-C17109CF5A91}" type="slidenum">
+              <a:rPr lang="en-US" altLang="ja-JP" smtClean="0"/>
+              <a:pPr>
+                <a:defRPr/>
+              </a:pPr>
+              <a:t>25</a:t>
+            </a:fld>
+            <a:r>
+              <a:rPr lang="en-US" altLang="ja-JP"/>
+              <a:t> / 24</a:t>
+            </a:r>
+          </a:p>
+        </p:txBody>
+      </p:sp>
+      <p:sp>
+        <p:nvSpPr>
+          <p:cNvPr id="4" name="タイトル 3">
+            <a:extLst>
+              <a:ext uri="{FF2B5EF4-FFF2-40B4-BE49-F238E27FC236}">
+                <a16:creationId xmlns:a16="http://schemas.microsoft.com/office/drawing/2014/main" id="{06F89D66-40F3-4EAB-BA62-72D75D39FA8C}"/>
+              </a:ext>
+            </a:extLst>
+          </p:cNvPr>
+          <p:cNvSpPr>
+            <a:spLocks noGrp="1"/>
+          </p:cNvSpPr>
+          <p:nvPr>
+            <p:ph type="title"/>
+          </p:nvPr>
+        </p:nvSpPr>
+        <p:spPr/>
+        <p:txBody>
+          <a:bodyPr/>
+          <a:lstStyle/>
+          <a:p>
+            <a:r>
+              <a:rPr kumimoji="1" lang="en-US" altLang="ja-JP"/>
+              <a:t>DNSSEC(DNS SECurity extensions)</a:t>
+            </a:r>
+            <a:endParaRPr kumimoji="1" lang="ja-JP" altLang="en-US"/>
+          </a:p>
+        </p:txBody>
+      </p:sp>
+      <p:pic>
+        <p:nvPicPr>
+          <p:cNvPr id="6" name="図 5">
+            <a:extLst>
+              <a:ext uri="{FF2B5EF4-FFF2-40B4-BE49-F238E27FC236}">
+                <a16:creationId xmlns:a16="http://schemas.microsoft.com/office/drawing/2014/main" id="{FED5C60E-DEB4-4DFF-848B-637717125C67}"/>
+              </a:ext>
+            </a:extLst>
+          </p:cNvPr>
+          <p:cNvPicPr>
+            <a:picLocks noChangeAspect="1"/>
+          </p:cNvPicPr>
+          <p:nvPr/>
+        </p:nvPicPr>
+        <p:blipFill>
+          <a:blip r:embed="rId2">
+            <a:extLst>
+              <a:ext uri="{28A0092B-C50C-407E-A947-70E740481C1C}">
+                <a14:useLocalDpi xmlns:a14="http://schemas.microsoft.com/office/drawing/2010/main" val="0"/>
+              </a:ext>
+            </a:extLst>
+          </a:blip>
+          <a:stretch>
+            <a:fillRect/>
+          </a:stretch>
+        </p:blipFill>
+        <p:spPr>
+          <a:xfrm>
+            <a:off x="827584" y="1484784"/>
+            <a:ext cx="7307720" cy="4220209"/>
+          </a:xfrm>
+          <a:prstGeom prst="rect">
+            <a:avLst/>
+          </a:prstGeom>
+        </p:spPr>
+      </p:pic>
+    </p:spTree>
+    <p:extLst>
+      <p:ext uri="{BB962C8B-B14F-4D97-AF65-F5344CB8AC3E}">
+        <p14:creationId xmlns:p14="http://schemas.microsoft.com/office/powerpoint/2010/main" val="491377946"/>
+      </p:ext>
+    </p:extLst>
+  </p:cSld>
+  <p:clrMapOvr>
+    <a:masterClrMapping/>
+  </p:clrMapOvr>
+</p:sld>
+</file>
+
+<file path=ppt/slides/slide26.xml><?xml version="1.0" encoding="utf-8"?>
+<p:sld xmlns:a="http://schemas.openxmlformats.org/drawingml/2006/main" xmlns:r="http://schemas.openxmlformats.org/officeDocument/2006/relationships" xmlns:p="http://schemas.openxmlformats.org/presentationml/2006/main">
+  <p:cSld>
+    <p:spTree>
+      <p:nvGrpSpPr>
+        <p:cNvPr id="1" name=""/>
+        <p:cNvGrpSpPr/>
+        <p:nvPr/>
+      </p:nvGrpSpPr>
+      <p:grpSpPr>
+        <a:xfrm>
+          <a:off x="0" y="0"/>
+          <a:ext cx="0" cy="0"/>
+          <a:chOff x="0" y="0"/>
+          <a:chExt cx="0" cy="0"/>
+        </a:xfrm>
+      </p:grpSpPr>
+      <p:sp>
+        <p:nvSpPr>
+          <p:cNvPr id="2" name="コンテンツ プレースホルダー 1">
+            <a:extLst>
+              <a:ext uri="{FF2B5EF4-FFF2-40B4-BE49-F238E27FC236}">
+                <a16:creationId xmlns:a16="http://schemas.microsoft.com/office/drawing/2014/main" id="{E097BF46-EB87-409D-966F-056CF4551E47}"/>
+              </a:ext>
+            </a:extLst>
+          </p:cNvPr>
+          <p:cNvSpPr>
+            <a:spLocks noGrp="1"/>
+          </p:cNvSpPr>
+          <p:nvPr>
+            <p:ph idx="1"/>
+          </p:nvPr>
+        </p:nvSpPr>
+        <p:spPr/>
+        <p:txBody>
+          <a:bodyPr/>
+          <a:lstStyle/>
+          <a:p>
+            <a:r>
+              <a:rPr kumimoji="1" lang="ja-JP" altLang="en-US"/>
+              <a:t>自宅でインターネット </a:t>
+            </a:r>
+            <a:r>
+              <a:rPr kumimoji="1" lang="en-US" altLang="ja-JP"/>
+              <a:t>: </a:t>
+            </a:r>
+            <a:r>
+              <a:rPr kumimoji="1" lang="ja-JP" altLang="en-US"/>
+              <a:t>通常</a:t>
+            </a:r>
+            <a:r>
+              <a:rPr kumimoji="1" lang="en-US" altLang="ja-JP"/>
+              <a:t>IPS</a:t>
+            </a:r>
+            <a:r>
+              <a:rPr kumimoji="1" lang="ja-JP" altLang="en-US"/>
+              <a:t>が提供する</a:t>
+            </a:r>
+            <a:r>
+              <a:rPr kumimoji="1" lang="en-US" altLang="ja-JP"/>
+              <a:t>DNS</a:t>
+            </a:r>
+          </a:p>
+          <a:p>
+            <a:pPr lvl="1"/>
+            <a:r>
+              <a:rPr kumimoji="1" lang="ja-JP" altLang="en-US"/>
+              <a:t>通常安全 </a:t>
+            </a:r>
+            <a:r>
+              <a:rPr kumimoji="1" lang="en-US" altLang="ja-JP"/>
+              <a:t>: </a:t>
+            </a:r>
+            <a:r>
+              <a:rPr kumimoji="1" lang="ja-JP" altLang="en-US"/>
+              <a:t>それがやられていたらいろいろすでにやばい</a:t>
+            </a:r>
+            <a:endParaRPr kumimoji="1" lang="en-US" altLang="ja-JP"/>
+          </a:p>
+          <a:p>
+            <a:r>
+              <a:rPr kumimoji="1" lang="ja-JP" altLang="en-US"/>
+              <a:t>公共の場でのインターネット</a:t>
+            </a:r>
+            <a:endParaRPr kumimoji="1" lang="en-US" altLang="ja-JP"/>
+          </a:p>
+          <a:p>
+            <a:pPr lvl="1"/>
+            <a:r>
+              <a:rPr kumimoji="1" lang="ja-JP" altLang="en-US"/>
+              <a:t>何があるか分からない</a:t>
+            </a:r>
+            <a:endParaRPr kumimoji="1" lang="en-US" altLang="ja-JP"/>
+          </a:p>
+          <a:p>
+            <a:pPr lvl="1"/>
+            <a:r>
+              <a:rPr kumimoji="1" lang="en-US" altLang="ja-JP"/>
+              <a:t>Google</a:t>
+            </a:r>
+            <a:r>
+              <a:rPr kumimoji="1" lang="ja-JP" altLang="en-US"/>
+              <a:t>などいくつかの大手がパブリック</a:t>
+            </a:r>
+            <a:r>
+              <a:rPr kumimoji="1" lang="en-US" altLang="ja-JP"/>
+              <a:t>DNS</a:t>
+            </a:r>
+            <a:r>
+              <a:rPr kumimoji="1" lang="ja-JP" altLang="en-US"/>
+              <a:t>サーバを提供</a:t>
+            </a:r>
+            <a:endParaRPr kumimoji="1" lang="en-US" altLang="ja-JP"/>
+          </a:p>
+          <a:p>
+            <a:pPr lvl="2"/>
+            <a:r>
+              <a:rPr kumimoji="1" lang="ja-JP" altLang="en-US"/>
+              <a:t>高速性と安定性を謳う</a:t>
+            </a:r>
+            <a:endParaRPr kumimoji="1" lang="en-US" altLang="ja-JP"/>
+          </a:p>
+          <a:p>
+            <a:r>
+              <a:rPr kumimoji="1" lang="ja-JP" altLang="en-US"/>
+              <a:t>懸念点</a:t>
+            </a:r>
+            <a:endParaRPr kumimoji="1" lang="en-US" altLang="ja-JP"/>
+          </a:p>
+          <a:p>
+            <a:pPr lvl="1"/>
+            <a:r>
+              <a:rPr kumimoji="1" lang="ja-JP" altLang="en-US"/>
+              <a:t>自分がどこのサーバにアクセスするかの情報が集約される</a:t>
+            </a:r>
+            <a:endParaRPr kumimoji="1" lang="en-US" altLang="ja-JP"/>
+          </a:p>
+          <a:p>
+            <a:pPr lvl="1"/>
+            <a:r>
+              <a:rPr kumimoji="1" lang="en-US" altLang="ja-JP"/>
+              <a:t>ISP</a:t>
+            </a:r>
+            <a:r>
+              <a:rPr kumimoji="1" lang="ja-JP" altLang="en-US"/>
+              <a:t>や国ごとのフィルタリングや最適な通信経路の提供が妨げられる可能性</a:t>
+            </a:r>
+          </a:p>
+        </p:txBody>
+      </p:sp>
+      <p:sp>
+        <p:nvSpPr>
+          <p:cNvPr id="3" name="スライド番号プレースホルダー 2">
+            <a:extLst>
+              <a:ext uri="{FF2B5EF4-FFF2-40B4-BE49-F238E27FC236}">
+                <a16:creationId xmlns:a16="http://schemas.microsoft.com/office/drawing/2014/main" id="{ADB42C56-0A1C-4106-9F89-30FDC1308871}"/>
+              </a:ext>
+            </a:extLst>
+          </p:cNvPr>
+          <p:cNvSpPr>
+            <a:spLocks noGrp="1"/>
+          </p:cNvSpPr>
+          <p:nvPr>
+            <p:ph type="sldNum" sz="quarter" idx="12"/>
+          </p:nvPr>
+        </p:nvSpPr>
+        <p:spPr/>
+        <p:txBody>
+          <a:bodyPr/>
+          <a:lstStyle/>
+          <a:p>
+            <a:pPr>
+              <a:defRPr/>
+            </a:pPr>
+            <a:r>
+              <a:rPr lang="en-US" altLang="ja-JP"/>
+              <a:t>    </a:t>
+            </a:r>
+            <a:fld id="{B2782DEB-472A-4FE5-AC34-C17109CF5A91}" type="slidenum">
+              <a:rPr lang="en-US" altLang="ja-JP" smtClean="0"/>
+              <a:pPr>
+                <a:defRPr/>
+              </a:pPr>
+              <a:t>26</a:t>
+            </a:fld>
+            <a:r>
+              <a:rPr lang="en-US" altLang="ja-JP"/>
+              <a:t> / 24</a:t>
+            </a:r>
+          </a:p>
+        </p:txBody>
+      </p:sp>
+      <p:sp>
+        <p:nvSpPr>
+          <p:cNvPr id="4" name="タイトル 3">
+            <a:extLst>
+              <a:ext uri="{FF2B5EF4-FFF2-40B4-BE49-F238E27FC236}">
+                <a16:creationId xmlns:a16="http://schemas.microsoft.com/office/drawing/2014/main" id="{F70E6A66-DB75-41A3-87B4-77CE416EF95B}"/>
+              </a:ext>
+            </a:extLst>
+          </p:cNvPr>
+          <p:cNvSpPr>
+            <a:spLocks noGrp="1"/>
+          </p:cNvSpPr>
+          <p:nvPr>
+            <p:ph type="title"/>
+          </p:nvPr>
+        </p:nvSpPr>
+        <p:spPr/>
+        <p:txBody>
+          <a:bodyPr/>
+          <a:lstStyle/>
+          <a:p>
+            <a:r>
+              <a:rPr kumimoji="1" lang="ja-JP" altLang="en-US"/>
+              <a:t>パブリック</a:t>
+            </a:r>
+            <a:r>
+              <a:rPr kumimoji="1" lang="en-US" altLang="ja-JP"/>
+              <a:t>DNS</a:t>
+            </a:r>
+            <a:r>
+              <a:rPr kumimoji="1" lang="ja-JP" altLang="en-US"/>
+              <a:t>サーバ</a:t>
+            </a:r>
+          </a:p>
+        </p:txBody>
+      </p:sp>
+    </p:spTree>
+    <p:extLst>
+      <p:ext uri="{BB962C8B-B14F-4D97-AF65-F5344CB8AC3E}">
+        <p14:creationId xmlns:p14="http://schemas.microsoft.com/office/powerpoint/2010/main" val="2780681209"/>
+      </p:ext>
+    </p:extLst>
+  </p:cSld>
+  <p:clrMapOvr>
+    <a:masterClrMapping/>
+  </p:clrMapOvr>
+</p:sld>
+</file>
+
+<file path=ppt/slides/slide27.xml><?xml version="1.0" encoding="utf-8"?>
+<p:sld xmlns:a="http://schemas.openxmlformats.org/drawingml/2006/main" xmlns:r="http://schemas.openxmlformats.org/officeDocument/2006/relationships" xmlns:p="http://schemas.openxmlformats.org/presentationml/2006/main">
+  <p:cSld>
+    <p:spTree>
+      <p:nvGrpSpPr>
+        <p:cNvPr id="1" name=""/>
+        <p:cNvGrpSpPr/>
+        <p:nvPr/>
+      </p:nvGrpSpPr>
+      <p:grpSpPr>
+        <a:xfrm>
+          <a:off x="0" y="0"/>
+          <a:ext cx="0" cy="0"/>
+          <a:chOff x="0" y="0"/>
+          <a:chExt cx="0" cy="0"/>
+        </a:xfrm>
+      </p:grpSpPr>
+      <mc:AlternateContent xmlns:mc="http://schemas.openxmlformats.org/markup-compatibility/2006">
+        <mc:Choice xmlns:a14="http://schemas.microsoft.com/office/drawing/2010/main" Requires="a14">
+          <p:sp>
+            <p:nvSpPr>
+              <p:cNvPr id="2" name="コンテンツ プレースホルダー 1">
+                <a:extLst>
+                  <a:ext uri="{FF2B5EF4-FFF2-40B4-BE49-F238E27FC236}">
+                    <a16:creationId xmlns:a16="http://schemas.microsoft.com/office/drawing/2014/main" id="{32527F4F-3F2D-4935-BDA0-988FDCFFC5B3}"/>
+                  </a:ext>
+                </a:extLst>
+              </p:cNvPr>
+              <p:cNvSpPr>
+                <a:spLocks noGrp="1"/>
+              </p:cNvSpPr>
+              <p:nvPr>
+                <p:ph idx="1"/>
+              </p:nvPr>
+            </p:nvSpPr>
+            <p:spPr/>
+            <p:txBody>
+              <a:bodyPr/>
+              <a:lstStyle/>
+              <a:p>
+                <a:r>
+                  <a:rPr kumimoji="1" lang="en-US" altLang="ja-JP"/>
+                  <a:t>DNSSEC</a:t>
+                </a:r>
+                <a:endParaRPr lang="en-US" altLang="ja-JP"/>
+              </a:p>
+              <a:p>
+                <a:pPr lvl="1"/>
+                <a:r>
+                  <a:rPr kumimoji="1" lang="ja-JP" altLang="en-US"/>
+                  <a:t>権威</a:t>
+                </a:r>
+                <a:r>
+                  <a:rPr kumimoji="1" lang="en-US" altLang="ja-JP"/>
+                  <a:t>DNS</a:t>
+                </a:r>
+                <a:r>
+                  <a:rPr kumimoji="1" lang="ja-JP" altLang="en-US"/>
+                  <a:t>サーバ</a:t>
+                </a:r>
+                <a14:m>
+                  <m:oMath xmlns:m="http://schemas.openxmlformats.org/officeDocument/2006/math">
+                    <m:r>
+                      <a:rPr kumimoji="1" lang="en-US" altLang="ja-JP" b="0" i="1" smtClean="0">
+                        <a:latin typeface="Cambria Math" panose="02040503050406030204" pitchFamily="18" charset="0"/>
+                      </a:rPr>
+                      <m:t>⇔</m:t>
+                    </m:r>
+                  </m:oMath>
+                </a14:m>
+                <a:r>
+                  <a:rPr kumimoji="1" lang="ja-JP" altLang="en-US"/>
+                  <a:t>キャッシュ</a:t>
+                </a:r>
+                <a:r>
+                  <a:rPr kumimoji="1" lang="en-US" altLang="ja-JP"/>
+                  <a:t>DNS</a:t>
+                </a:r>
+                <a:r>
+                  <a:rPr kumimoji="1" lang="ja-JP" altLang="en-US"/>
+                  <a:t>サーバの完全性のみ保証</a:t>
+                </a:r>
+                <a:endParaRPr kumimoji="1" lang="en-US" altLang="ja-JP"/>
+              </a:p>
+              <a:p>
+                <a:pPr lvl="1"/>
+                <a:r>
+                  <a:rPr kumimoji="1" lang="ja-JP" altLang="en-US"/>
+                  <a:t>クライアント</a:t>
+                </a:r>
+                <a14:m>
+                  <m:oMath xmlns:m="http://schemas.openxmlformats.org/officeDocument/2006/math">
+                    <m:r>
+                      <a:rPr kumimoji="1" lang="en-US" altLang="ja-JP" b="0" i="1" smtClean="0">
+                        <a:latin typeface="Cambria Math" panose="02040503050406030204" pitchFamily="18" charset="0"/>
+                      </a:rPr>
+                      <m:t>⇔</m:t>
+                    </m:r>
+                  </m:oMath>
+                </a14:m>
+                <a:r>
+                  <a:rPr kumimoji="1" lang="ja-JP" altLang="en-US"/>
+                  <a:t>キャッシュ</a:t>
+                </a:r>
+                <a:r>
+                  <a:rPr kumimoji="1" lang="en-US" altLang="ja-JP"/>
+                  <a:t>DNS</a:t>
+                </a:r>
+                <a:r>
+                  <a:rPr kumimoji="1" lang="ja-JP" altLang="en-US"/>
+                  <a:t>サーバの完全性</a:t>
+                </a:r>
+                <a:r>
+                  <a:rPr kumimoji="1" lang="en-US" altLang="ja-JP"/>
+                  <a:t>/</a:t>
+                </a:r>
+                <a:r>
+                  <a:rPr kumimoji="1" lang="ja-JP" altLang="en-US"/>
+                  <a:t>秘匿性は無い</a:t>
+                </a:r>
+                <a:endParaRPr kumimoji="1" lang="en-US" altLang="ja-JP"/>
+              </a:p>
+              <a:p>
+                <a:pPr lvl="1"/>
+                <a:r>
+                  <a:rPr lang="en-US" altLang="ja-JP"/>
+                  <a:t>DoT</a:t>
+                </a:r>
+                <a:r>
+                  <a:rPr lang="ja-JP" altLang="en-US"/>
+                  <a:t>・</a:t>
+                </a:r>
+                <a:r>
+                  <a:rPr lang="en-US" altLang="ja-JP"/>
+                  <a:t>DoH</a:t>
+                </a:r>
+                <a:r>
+                  <a:rPr lang="ja-JP" altLang="en-US"/>
+                  <a:t>は後者を提供</a:t>
+                </a:r>
+                <a:endParaRPr kumimoji="1" lang="en-US" altLang="ja-JP"/>
+              </a:p>
+              <a:p>
+                <a:r>
+                  <a:rPr kumimoji="1" lang="en-US" altLang="ja-JP"/>
+                  <a:t>DNSSEC</a:t>
+                </a:r>
+                <a:r>
+                  <a:rPr kumimoji="1" lang="ja-JP" altLang="en-US"/>
+                  <a:t>と</a:t>
+                </a:r>
+                <a:r>
+                  <a:rPr kumimoji="1" lang="en-US" altLang="ja-JP"/>
+                  <a:t>DoT</a:t>
+                </a:r>
+                <a:r>
+                  <a:rPr kumimoji="1" lang="ja-JP" altLang="en-US"/>
+                  <a:t>・</a:t>
+                </a:r>
+                <a:r>
+                  <a:rPr kumimoji="1" lang="en-US" altLang="ja-JP"/>
+                  <a:t>DoH</a:t>
+                </a:r>
+                <a:r>
+                  <a:rPr kumimoji="1" lang="ja-JP" altLang="en-US"/>
+                  <a:t>のスコープ</a:t>
+                </a:r>
+              </a:p>
+            </p:txBody>
+          </p:sp>
+        </mc:Choice>
+        <mc:Fallback>
+          <p:sp>
+            <p:nvSpPr>
+              <p:cNvPr id="2" name="コンテンツ プレースホルダー 1">
+                <a:extLst>
+                  <a:ext uri="{FF2B5EF4-FFF2-40B4-BE49-F238E27FC236}">
+                    <a16:creationId xmlns:a16="http://schemas.microsoft.com/office/drawing/2014/main" id="{32527F4F-3F2D-4935-BDA0-988FDCFFC5B3}"/>
+                  </a:ext>
+                </a:extLst>
+              </p:cNvPr>
+              <p:cNvSpPr>
+                <a:spLocks noGrp="1" noRot="1" noChangeAspect="1" noMove="1" noResize="1" noEditPoints="1" noAdjustHandles="1" noChangeArrowheads="1" noChangeShapeType="1" noTextEdit="1"/>
+              </p:cNvSpPr>
+              <p:nvPr>
+                <p:ph idx="1"/>
+              </p:nvPr>
+            </p:nvSpPr>
+            <p:spPr>
+              <a:blipFill>
+                <a:blip r:embed="rId2"/>
+                <a:stretch>
+                  <a:fillRect l="-1200" t="-1142"/>
+                </a:stretch>
+              </a:blipFill>
+            </p:spPr>
+            <p:txBody>
+              <a:bodyPr/>
+              <a:lstStyle/>
+              <a:p>
+                <a:r>
+                  <a:rPr lang="ja-JP" altLang="en-US">
+                    <a:noFill/>
+                  </a:rPr>
+                  <a:t> </a:t>
+                </a:r>
+              </a:p>
+            </p:txBody>
+          </p:sp>
+        </mc:Fallback>
+      </mc:AlternateContent>
+      <p:sp>
+        <p:nvSpPr>
+          <p:cNvPr id="3" name="スライド番号プレースホルダー 2">
+            <a:extLst>
+              <a:ext uri="{FF2B5EF4-FFF2-40B4-BE49-F238E27FC236}">
+                <a16:creationId xmlns:a16="http://schemas.microsoft.com/office/drawing/2014/main" id="{D8663ABE-0AC4-4CE9-86BE-8DE3F45F71E0}"/>
+              </a:ext>
+            </a:extLst>
+          </p:cNvPr>
+          <p:cNvSpPr>
+            <a:spLocks noGrp="1"/>
+          </p:cNvSpPr>
+          <p:nvPr>
+            <p:ph type="sldNum" sz="quarter" idx="12"/>
+          </p:nvPr>
+        </p:nvSpPr>
+        <p:spPr/>
+        <p:txBody>
+          <a:bodyPr/>
+          <a:lstStyle/>
+          <a:p>
+            <a:pPr>
+              <a:defRPr/>
+            </a:pPr>
+            <a:r>
+              <a:rPr lang="en-US" altLang="ja-JP"/>
+              <a:t>    </a:t>
+            </a:r>
+            <a:fld id="{B2782DEB-472A-4FE5-AC34-C17109CF5A91}" type="slidenum">
+              <a:rPr lang="en-US" altLang="ja-JP" smtClean="0"/>
+              <a:pPr>
+                <a:defRPr/>
+              </a:pPr>
+              <a:t>27</a:t>
+            </a:fld>
+            <a:r>
+              <a:rPr lang="en-US" altLang="ja-JP"/>
+              <a:t> / 24</a:t>
+            </a:r>
+          </a:p>
+        </p:txBody>
+      </p:sp>
+      <p:sp>
+        <p:nvSpPr>
+          <p:cNvPr id="4" name="タイトル 3">
+            <a:extLst>
+              <a:ext uri="{FF2B5EF4-FFF2-40B4-BE49-F238E27FC236}">
+                <a16:creationId xmlns:a16="http://schemas.microsoft.com/office/drawing/2014/main" id="{2CFA2AD4-D4DA-4B75-8905-BD4D42C85B7D}"/>
+              </a:ext>
+            </a:extLst>
+          </p:cNvPr>
+          <p:cNvSpPr>
+            <a:spLocks noGrp="1"/>
+          </p:cNvSpPr>
+          <p:nvPr>
+            <p:ph type="title"/>
+          </p:nvPr>
+        </p:nvSpPr>
+        <p:spPr/>
+        <p:txBody>
+          <a:bodyPr/>
+          <a:lstStyle/>
+          <a:p>
+            <a:r>
+              <a:rPr kumimoji="1" lang="en-US" altLang="ja-JP"/>
+              <a:t>DNS</a:t>
+            </a:r>
+            <a:r>
+              <a:rPr kumimoji="1" lang="ja-JP" altLang="en-US"/>
+              <a:t>の安全性</a:t>
+            </a:r>
+          </a:p>
+        </p:txBody>
+      </p:sp>
+      <p:pic>
+        <p:nvPicPr>
+          <p:cNvPr id="6" name="図 5">
+            <a:extLst>
+              <a:ext uri="{FF2B5EF4-FFF2-40B4-BE49-F238E27FC236}">
+                <a16:creationId xmlns:a16="http://schemas.microsoft.com/office/drawing/2014/main" id="{D37A7727-05D9-4A8C-B596-B3695F8D86B5}"/>
+              </a:ext>
+            </a:extLst>
+          </p:cNvPr>
+          <p:cNvPicPr>
+            <a:picLocks noChangeAspect="1"/>
+          </p:cNvPicPr>
+          <p:nvPr/>
+        </p:nvPicPr>
+        <p:blipFill>
+          <a:blip r:embed="rId3">
+            <a:extLst>
+              <a:ext uri="{28A0092B-C50C-407E-A947-70E740481C1C}">
+                <a14:useLocalDpi xmlns:a14="http://schemas.microsoft.com/office/drawing/2010/main" val="0"/>
+              </a:ext>
+            </a:extLst>
+          </a:blip>
+          <a:stretch>
+            <a:fillRect/>
+          </a:stretch>
+        </p:blipFill>
+        <p:spPr>
+          <a:xfrm>
+            <a:off x="1187624" y="3140968"/>
+            <a:ext cx="6155564" cy="3601006"/>
+          </a:xfrm>
+          <a:prstGeom prst="rect">
+            <a:avLst/>
+          </a:prstGeom>
+        </p:spPr>
+      </p:pic>
+    </p:spTree>
+    <p:extLst>
+      <p:ext uri="{BB962C8B-B14F-4D97-AF65-F5344CB8AC3E}">
+        <p14:creationId xmlns:p14="http://schemas.microsoft.com/office/powerpoint/2010/main" val="2354098247"/>
+      </p:ext>
+    </p:extLst>
+  </p:cSld>
+  <p:clrMapOvr>
+    <a:masterClrMapping/>
+  </p:clrMapOvr>
+</p:sld>
+</file>
+
+<file path=ppt/slides/slide28.xml><?xml version="1.0" encoding="utf-8"?>
+<p:sld xmlns:a="http://schemas.openxmlformats.org/drawingml/2006/main" xmlns:r="http://schemas.openxmlformats.org/officeDocument/2006/relationships" xmlns:p="http://schemas.openxmlformats.org/presentationml/2006/main">
+  <p:cSld>
+    <p:spTree>
+      <p:nvGrpSpPr>
+        <p:cNvPr id="1" name=""/>
+        <p:cNvGrpSpPr/>
+        <p:nvPr/>
+      </p:nvGrpSpPr>
+      <p:grpSpPr>
+        <a:xfrm>
+          <a:off x="0" y="0"/>
+          <a:ext cx="0" cy="0"/>
+          <a:chOff x="0" y="0"/>
+          <a:chExt cx="0" cy="0"/>
+        </a:xfrm>
+      </p:grpSpPr>
+      <p:sp>
+        <p:nvSpPr>
+          <p:cNvPr id="2" name="コンテンツ プレースホルダー 1">
+            <a:extLst>
+              <a:ext uri="{FF2B5EF4-FFF2-40B4-BE49-F238E27FC236}">
+                <a16:creationId xmlns:a16="http://schemas.microsoft.com/office/drawing/2014/main" id="{FB29FD9E-E0AE-439D-BF28-AACA8885AC31}"/>
+              </a:ext>
+            </a:extLst>
+          </p:cNvPr>
+          <p:cNvSpPr>
+            <a:spLocks noGrp="1"/>
+          </p:cNvSpPr>
+          <p:nvPr>
+            <p:ph idx="1"/>
+          </p:nvPr>
+        </p:nvSpPr>
+        <p:spPr/>
+        <p:txBody>
+          <a:bodyPr/>
+          <a:lstStyle/>
+          <a:p>
+            <a:r>
+              <a:rPr kumimoji="1" lang="en-US" altLang="ja-JP"/>
+              <a:t>DoT : DNS over TLS</a:t>
+            </a:r>
+          </a:p>
+          <a:p>
+            <a:r>
+              <a:rPr lang="en-US" altLang="ja-JP"/>
+              <a:t>DoH : DNS over HTTPS</a:t>
+            </a:r>
+          </a:p>
+          <a:p>
+            <a:endParaRPr kumimoji="1" lang="en-US" altLang="ja-JP"/>
+          </a:p>
+          <a:p>
+            <a:endParaRPr lang="en-US" altLang="ja-JP"/>
+          </a:p>
+          <a:p>
+            <a:endParaRPr kumimoji="1" lang="en-US" altLang="ja-JP"/>
+          </a:p>
+          <a:p>
+            <a:r>
+              <a:rPr lang="ja-JP" altLang="en-US"/>
+              <a:t>主にパブリック</a:t>
+            </a:r>
+            <a:r>
+              <a:rPr lang="en-US" altLang="ja-JP"/>
+              <a:t>DNS</a:t>
+            </a:r>
+            <a:r>
+              <a:rPr lang="ja-JP" altLang="en-US"/>
+              <a:t>の利用を想定</a:t>
+            </a:r>
+            <a:endParaRPr lang="en-US" altLang="ja-JP"/>
+          </a:p>
+          <a:p>
+            <a:pPr lvl="1"/>
+            <a:r>
+              <a:rPr lang="ja-JP" altLang="en-US"/>
+              <a:t>社内のイントラネットで設定すると</a:t>
+            </a:r>
+            <a:br>
+              <a:rPr lang="en-US" altLang="ja-JP"/>
+            </a:br>
+            <a:r>
+              <a:rPr lang="ja-JP" altLang="en-US"/>
+              <a:t>プライベイトなサーバにアクセスできなる場合も</a:t>
+            </a:r>
+            <a:endParaRPr lang="en-US" altLang="ja-JP"/>
+          </a:p>
+          <a:p>
+            <a:endParaRPr lang="en-US" altLang="ja-JP"/>
+          </a:p>
+          <a:p>
+            <a:pPr lvl="1"/>
+            <a:endParaRPr kumimoji="1" lang="ja-JP" altLang="en-US"/>
+          </a:p>
+        </p:txBody>
+      </p:sp>
+      <p:sp>
+        <p:nvSpPr>
+          <p:cNvPr id="3" name="スライド番号プレースホルダー 2">
+            <a:extLst>
+              <a:ext uri="{FF2B5EF4-FFF2-40B4-BE49-F238E27FC236}">
+                <a16:creationId xmlns:a16="http://schemas.microsoft.com/office/drawing/2014/main" id="{BC1D9BD6-C384-4EBB-A01D-CF84605E4440}"/>
+              </a:ext>
+            </a:extLst>
+          </p:cNvPr>
+          <p:cNvSpPr>
+            <a:spLocks noGrp="1"/>
+          </p:cNvSpPr>
+          <p:nvPr>
+            <p:ph type="sldNum" sz="quarter" idx="12"/>
+          </p:nvPr>
+        </p:nvSpPr>
+        <p:spPr/>
+        <p:txBody>
+          <a:bodyPr/>
+          <a:lstStyle/>
+          <a:p>
+            <a:pPr>
+              <a:defRPr/>
+            </a:pPr>
+            <a:r>
+              <a:rPr lang="en-US" altLang="ja-JP"/>
+              <a:t>    </a:t>
+            </a:r>
+            <a:fld id="{B2782DEB-472A-4FE5-AC34-C17109CF5A91}" type="slidenum">
+              <a:rPr lang="en-US" altLang="ja-JP" smtClean="0"/>
+              <a:pPr>
+                <a:defRPr/>
+              </a:pPr>
+              <a:t>28</a:t>
+            </a:fld>
+            <a:r>
+              <a:rPr lang="en-US" altLang="ja-JP"/>
+              <a:t> / 24</a:t>
+            </a:r>
+          </a:p>
+        </p:txBody>
+      </p:sp>
+      <p:sp>
+        <p:nvSpPr>
+          <p:cNvPr id="4" name="タイトル 3">
+            <a:extLst>
+              <a:ext uri="{FF2B5EF4-FFF2-40B4-BE49-F238E27FC236}">
+                <a16:creationId xmlns:a16="http://schemas.microsoft.com/office/drawing/2014/main" id="{0899EBF4-6838-4632-9680-F1759FA95B73}"/>
+              </a:ext>
+            </a:extLst>
+          </p:cNvPr>
+          <p:cNvSpPr>
+            <a:spLocks noGrp="1"/>
+          </p:cNvSpPr>
+          <p:nvPr>
+            <p:ph type="title"/>
+          </p:nvPr>
+        </p:nvSpPr>
+        <p:spPr/>
+        <p:txBody>
+          <a:bodyPr/>
+          <a:lstStyle/>
+          <a:p>
+            <a:r>
+              <a:rPr kumimoji="1" lang="en-US" altLang="ja-JP"/>
+              <a:t>DoT</a:t>
+            </a:r>
+            <a:r>
+              <a:rPr kumimoji="1" lang="ja-JP" altLang="en-US"/>
+              <a:t>と</a:t>
+            </a:r>
+            <a:r>
+              <a:rPr kumimoji="1" lang="en-US" altLang="ja-JP"/>
+              <a:t>DoH</a:t>
+            </a:r>
+            <a:endParaRPr kumimoji="1" lang="ja-JP" altLang="en-US"/>
+          </a:p>
+        </p:txBody>
+      </p:sp>
+      <p:graphicFrame>
+        <p:nvGraphicFramePr>
+          <p:cNvPr id="5" name="表 5">
+            <a:extLst>
+              <a:ext uri="{FF2B5EF4-FFF2-40B4-BE49-F238E27FC236}">
+                <a16:creationId xmlns:a16="http://schemas.microsoft.com/office/drawing/2014/main" id="{21692C24-9E9C-4535-93A9-29EEBAA02A38}"/>
+              </a:ext>
+            </a:extLst>
+          </p:cNvPr>
+          <p:cNvGraphicFramePr>
+            <a:graphicFrameLocks noGrp="1"/>
+          </p:cNvGraphicFramePr>
+          <p:nvPr>
+            <p:extLst>
+              <p:ext uri="{D42A27DB-BD31-4B8C-83A1-F6EECF244321}">
+                <p14:modId xmlns:p14="http://schemas.microsoft.com/office/powerpoint/2010/main" val="132482942"/>
+              </p:ext>
+            </p:extLst>
+          </p:nvPr>
+        </p:nvGraphicFramePr>
+        <p:xfrm>
+          <a:off x="539552" y="1916832"/>
+          <a:ext cx="7459028" cy="1493520"/>
+        </p:xfrm>
+        <a:graphic>
+          <a:graphicData uri="http://schemas.openxmlformats.org/drawingml/2006/table">
+            <a:tbl>
+              <a:tblPr firstRow="1" bandRow="1">
+                <a:tableStyleId>{5C22544A-7EE6-4342-B048-85BDC9FD1C3A}</a:tableStyleId>
+              </a:tblPr>
+              <a:tblGrid>
+                <a:gridCol w="1522730">
+                  <a:extLst>
+                    <a:ext uri="{9D8B030D-6E8A-4147-A177-3AD203B41FA5}">
+                      <a16:colId xmlns:a16="http://schemas.microsoft.com/office/drawing/2014/main" val="2875422791"/>
+                    </a:ext>
+                  </a:extLst>
+                </a:gridCol>
+                <a:gridCol w="1722438">
+                  <a:extLst>
+                    <a:ext uri="{9D8B030D-6E8A-4147-A177-3AD203B41FA5}">
+                      <a16:colId xmlns:a16="http://schemas.microsoft.com/office/drawing/2014/main" val="782340731"/>
+                    </a:ext>
+                  </a:extLst>
+                </a:gridCol>
+                <a:gridCol w="1522730">
+                  <a:extLst>
+                    <a:ext uri="{9D8B030D-6E8A-4147-A177-3AD203B41FA5}">
+                      <a16:colId xmlns:a16="http://schemas.microsoft.com/office/drawing/2014/main" val="1342901993"/>
+                    </a:ext>
+                  </a:extLst>
+                </a:gridCol>
+                <a:gridCol w="2691130">
+                  <a:extLst>
+                    <a:ext uri="{9D8B030D-6E8A-4147-A177-3AD203B41FA5}">
+                      <a16:colId xmlns:a16="http://schemas.microsoft.com/office/drawing/2014/main" val="2686558128"/>
+                    </a:ext>
+                  </a:extLst>
+                </a:gridCol>
+              </a:tblGrid>
+              <a:tr h="370840">
+                <a:tc>
+                  <a:txBody>
+                    <a:bodyPr/>
+                    <a:lstStyle/>
+                    <a:p>
+                      <a:r>
+                        <a:rPr kumimoji="1" lang="ja-JP" altLang="en-US" sz="2000"/>
+                        <a:t>プロトコル</a:t>
+                      </a:r>
+                    </a:p>
+                  </a:txBody>
+                  <a:tcPr/>
+                </a:tc>
+                <a:tc>
+                  <a:txBody>
+                    <a:bodyPr/>
+                    <a:lstStyle/>
+                    <a:p>
+                      <a:r>
+                        <a:rPr kumimoji="1" lang="ja-JP" altLang="en-US" sz="2000"/>
+                        <a:t>レイヤ</a:t>
+                      </a:r>
+                    </a:p>
+                  </a:txBody>
+                  <a:tcPr/>
+                </a:tc>
+                <a:tc>
+                  <a:txBody>
+                    <a:bodyPr/>
+                    <a:lstStyle/>
+                    <a:p>
+                      <a:r>
+                        <a:rPr kumimoji="1" lang="ja-JP" altLang="en-US" sz="2000"/>
+                        <a:t>通信の検知</a:t>
+                      </a:r>
+                    </a:p>
+                  </a:txBody>
+                  <a:tcPr/>
+                </a:tc>
+                <a:tc>
+                  <a:txBody>
+                    <a:bodyPr/>
+                    <a:lstStyle/>
+                    <a:p>
+                      <a:r>
+                        <a:rPr kumimoji="1" lang="ja-JP" altLang="en-US" sz="2000"/>
+                        <a:t>ユーザの設定</a:t>
+                      </a:r>
+                    </a:p>
+                  </a:txBody>
+                  <a:tcPr/>
+                </a:tc>
+                <a:extLst>
+                  <a:ext uri="{0D108BD9-81ED-4DB2-BD59-A6C34878D82A}">
+                    <a16:rowId xmlns:a16="http://schemas.microsoft.com/office/drawing/2014/main" val="3452582298"/>
+                  </a:ext>
+                </a:extLst>
+              </a:tr>
+              <a:tr h="370840">
+                <a:tc>
+                  <a:txBody>
+                    <a:bodyPr/>
+                    <a:lstStyle/>
+                    <a:p>
+                      <a:r>
+                        <a:rPr kumimoji="1" lang="en-US" altLang="ja-JP" sz="2000"/>
+                        <a:t>DoT</a:t>
+                      </a:r>
+                      <a:endParaRPr kumimoji="1" lang="ja-JP" altLang="en-US" sz="2000"/>
+                    </a:p>
+                  </a:txBody>
+                  <a:tcPr/>
+                </a:tc>
+                <a:tc>
+                  <a:txBody>
+                    <a:bodyPr/>
+                    <a:lstStyle/>
+                    <a:p>
+                      <a:r>
+                        <a:rPr kumimoji="1" lang="en-US" altLang="ja-JP" sz="2000"/>
+                        <a:t>TLS(853/TCP)</a:t>
+                      </a:r>
+                      <a:endParaRPr kumimoji="1" lang="ja-JP" altLang="en-US" sz="2000"/>
+                    </a:p>
+                  </a:txBody>
+                  <a:tcPr/>
+                </a:tc>
+                <a:tc>
+                  <a:txBody>
+                    <a:bodyPr/>
+                    <a:lstStyle/>
+                    <a:p>
+                      <a:r>
+                        <a:rPr kumimoji="1" lang="ja-JP" altLang="en-US" sz="2000"/>
+                        <a:t>可能</a:t>
+                      </a:r>
+                    </a:p>
+                  </a:txBody>
+                  <a:tcPr/>
+                </a:tc>
+                <a:tc>
+                  <a:txBody>
+                    <a:bodyPr/>
+                    <a:lstStyle/>
+                    <a:p>
+                      <a:r>
+                        <a:rPr kumimoji="1" lang="ja-JP" altLang="en-US" sz="2000"/>
+                        <a:t>システムで設定</a:t>
+                      </a:r>
+                    </a:p>
+                  </a:txBody>
+                  <a:tcPr/>
+                </a:tc>
+                <a:extLst>
+                  <a:ext uri="{0D108BD9-81ED-4DB2-BD59-A6C34878D82A}">
+                    <a16:rowId xmlns:a16="http://schemas.microsoft.com/office/drawing/2014/main" val="2062692578"/>
+                  </a:ext>
+                </a:extLst>
+              </a:tr>
+              <a:tr h="370840">
+                <a:tc>
+                  <a:txBody>
+                    <a:bodyPr/>
+                    <a:lstStyle/>
+                    <a:p>
+                      <a:r>
+                        <a:rPr kumimoji="1" lang="en-US" altLang="ja-JP" sz="2000"/>
+                        <a:t>DoH</a:t>
+                      </a:r>
+                      <a:endParaRPr kumimoji="1" lang="ja-JP" altLang="en-US" sz="2000"/>
+                    </a:p>
+                  </a:txBody>
+                  <a:tcPr/>
+                </a:tc>
+                <a:tc>
+                  <a:txBody>
+                    <a:bodyPr/>
+                    <a:lstStyle/>
+                    <a:p>
+                      <a:r>
+                        <a:rPr kumimoji="1" lang="en-US" altLang="ja-JP" sz="2000"/>
+                        <a:t>HTTPS</a:t>
+                      </a:r>
+                      <a:endParaRPr kumimoji="1" lang="ja-JP" altLang="en-US" sz="2000"/>
+                    </a:p>
+                  </a:txBody>
+                  <a:tcPr/>
+                </a:tc>
+                <a:tc>
+                  <a:txBody>
+                    <a:bodyPr/>
+                    <a:lstStyle/>
+                    <a:p>
+                      <a:r>
+                        <a:rPr kumimoji="1" lang="ja-JP" altLang="en-US" sz="2000"/>
+                        <a:t>困難</a:t>
+                      </a:r>
+                    </a:p>
+                  </a:txBody>
+                  <a:tcPr/>
+                </a:tc>
+                <a:tc>
+                  <a:txBody>
+                    <a:bodyPr/>
+                    <a:lstStyle/>
+                    <a:p>
+                      <a:r>
+                        <a:rPr kumimoji="1" lang="ja-JP" altLang="en-US" sz="2000"/>
+                        <a:t>アプリケーション</a:t>
+                      </a:r>
+                      <a:endParaRPr kumimoji="1" lang="en-US" altLang="ja-JP" sz="2000"/>
+                    </a:p>
+                    <a:p>
+                      <a:r>
+                        <a:rPr kumimoji="1" lang="en-US" altLang="ja-JP" sz="2000"/>
+                        <a:t>(</a:t>
+                      </a:r>
+                      <a:r>
+                        <a:rPr kumimoji="1" lang="ja-JP" altLang="en-US" sz="2000"/>
+                        <a:t>特にブラウザ</a:t>
+                      </a:r>
+                      <a:r>
+                        <a:rPr kumimoji="1" lang="en-US" altLang="ja-JP" sz="2000"/>
+                        <a:t>)</a:t>
+                      </a:r>
+                      <a:r>
+                        <a:rPr kumimoji="1" lang="ja-JP" altLang="en-US" sz="2000"/>
+                        <a:t>で設定</a:t>
+                      </a:r>
+                    </a:p>
+                  </a:txBody>
+                  <a:tcPr/>
+                </a:tc>
+                <a:extLst>
+                  <a:ext uri="{0D108BD9-81ED-4DB2-BD59-A6C34878D82A}">
+                    <a16:rowId xmlns:a16="http://schemas.microsoft.com/office/drawing/2014/main" val="3781755988"/>
+                  </a:ext>
+                </a:extLst>
+              </a:tr>
+            </a:tbl>
+          </a:graphicData>
+        </a:graphic>
+      </p:graphicFrame>
+    </p:spTree>
+    <p:extLst>
+      <p:ext uri="{BB962C8B-B14F-4D97-AF65-F5344CB8AC3E}">
+        <p14:creationId xmlns:p14="http://schemas.microsoft.com/office/powerpoint/2010/main" val="2721769645"/>
+      </p:ext>
+    </p:extLst>
+  </p:cSld>
+  <p:clrMapOvr>
+    <a:masterClrMapping/>
+  </p:clrMapOvr>
+</p:sld>
+</file>
+
+<file path=ppt/slides/slide29.xml><?xml version="1.0" encoding="utf-8"?>
+<p:sld xmlns:a="http://schemas.openxmlformats.org/drawingml/2006/main" xmlns:r="http://schemas.openxmlformats.org/officeDocument/2006/relationships" xmlns:p="http://schemas.openxmlformats.org/presentationml/2006/main">
+  <p:cSld>
+    <p:spTree>
+      <p:nvGrpSpPr>
+        <p:cNvPr id="1" name=""/>
+        <p:cNvGrpSpPr/>
+        <p:nvPr/>
+      </p:nvGrpSpPr>
+      <p:grpSpPr>
+        <a:xfrm>
+          <a:off x="0" y="0"/>
+          <a:ext cx="0" cy="0"/>
+          <a:chOff x="0" y="0"/>
+          <a:chExt cx="0" cy="0"/>
+        </a:xfrm>
+      </p:grpSpPr>
+      <p:pic>
+        <p:nvPicPr>
+          <p:cNvPr id="6" name="図 5">
+            <a:extLst>
+              <a:ext uri="{FF2B5EF4-FFF2-40B4-BE49-F238E27FC236}">
+                <a16:creationId xmlns:a16="http://schemas.microsoft.com/office/drawing/2014/main" id="{3DE8BC58-214D-470A-8C9D-E111AECE8ED0}"/>
+              </a:ext>
+            </a:extLst>
+          </p:cNvPr>
+          <p:cNvPicPr>
+            <a:picLocks noChangeAspect="1"/>
+          </p:cNvPicPr>
+          <p:nvPr/>
+        </p:nvPicPr>
+        <p:blipFill>
+          <a:blip r:embed="rId2">
+            <a:extLst>
+              <a:ext uri="{28A0092B-C50C-407E-A947-70E740481C1C}">
+                <a14:useLocalDpi xmlns:a14="http://schemas.microsoft.com/office/drawing/2010/main" val="0"/>
+              </a:ext>
+            </a:extLst>
+          </a:blip>
+          <a:stretch>
+            <a:fillRect/>
+          </a:stretch>
+        </p:blipFill>
+        <p:spPr>
+          <a:xfrm>
+            <a:off x="1547664" y="1960521"/>
+            <a:ext cx="6480720" cy="3268679"/>
+          </a:xfrm>
+          <a:prstGeom prst="rect">
+            <a:avLst/>
+          </a:prstGeom>
+        </p:spPr>
+      </p:pic>
+      <p:sp>
+        <p:nvSpPr>
+          <p:cNvPr id="2" name="コンテンツ プレースホルダー 1">
+            <a:extLst>
+              <a:ext uri="{FF2B5EF4-FFF2-40B4-BE49-F238E27FC236}">
+                <a16:creationId xmlns:a16="http://schemas.microsoft.com/office/drawing/2014/main" id="{7D41AD9A-5BED-4AD9-9069-865BEFBF4F45}"/>
+              </a:ext>
+            </a:extLst>
+          </p:cNvPr>
+          <p:cNvSpPr>
+            <a:spLocks noGrp="1"/>
+          </p:cNvSpPr>
+          <p:nvPr>
+            <p:ph idx="1"/>
+          </p:nvPr>
+        </p:nvSpPr>
+        <p:spPr/>
+        <p:txBody>
+          <a:bodyPr/>
+          <a:lstStyle/>
+          <a:p>
+            <a:r>
+              <a:rPr kumimoji="1" lang="en-US" altLang="ja-JP"/>
+              <a:t>SNI(Server Name Indication)</a:t>
+            </a:r>
+          </a:p>
+          <a:p>
+            <a:pPr lvl="1"/>
+            <a:r>
+              <a:rPr kumimoji="1" lang="ja-JP" altLang="en-US"/>
+              <a:t>接続先を</a:t>
+            </a:r>
+            <a:r>
+              <a:rPr kumimoji="1" lang="en-US" altLang="ja-JP"/>
+              <a:t>ServerHello</a:t>
+            </a:r>
+            <a:r>
+              <a:rPr kumimoji="1" lang="ja-JP" altLang="en-US"/>
+              <a:t>に書く</a:t>
+            </a:r>
+            <a:r>
+              <a:rPr kumimoji="1" lang="en-US" altLang="ja-JP"/>
+              <a:t>(</a:t>
+            </a:r>
+            <a:r>
+              <a:rPr kumimoji="1" lang="ja-JP" altLang="en-US"/>
+              <a:t>暗号化されない</a:t>
+            </a:r>
+            <a:r>
+              <a:rPr kumimoji="1" lang="en-US" altLang="ja-JP"/>
+              <a:t>)</a:t>
+            </a:r>
+          </a:p>
+          <a:p>
+            <a:pPr lvl="2"/>
+            <a:r>
+              <a:rPr lang="ja-JP" altLang="en-US"/>
+              <a:t>せっかく</a:t>
+            </a:r>
+            <a:r>
+              <a:rPr lang="en-US" altLang="ja-JP"/>
+              <a:t>DoT</a:t>
+            </a:r>
+            <a:r>
+              <a:rPr lang="ja-JP" altLang="en-US"/>
+              <a:t>や</a:t>
+            </a:r>
+            <a:r>
+              <a:rPr lang="en-US" altLang="ja-JP"/>
+              <a:t>DoH</a:t>
+            </a:r>
+            <a:r>
+              <a:rPr lang="ja-JP" altLang="en-US"/>
+              <a:t>で暗号化したのに</a:t>
+            </a:r>
+            <a:endParaRPr lang="en-US" altLang="ja-JP"/>
+          </a:p>
+          <a:p>
+            <a:pPr lvl="1"/>
+            <a:endParaRPr kumimoji="1" lang="en-US" altLang="ja-JP"/>
+          </a:p>
+          <a:p>
+            <a:pPr lvl="1"/>
+            <a:endParaRPr lang="en-US" altLang="ja-JP"/>
+          </a:p>
+          <a:p>
+            <a:pPr lvl="1"/>
+            <a:endParaRPr kumimoji="1" lang="en-US" altLang="ja-JP"/>
+          </a:p>
+          <a:p>
+            <a:pPr lvl="1"/>
+            <a:endParaRPr lang="en-US" altLang="ja-JP"/>
+          </a:p>
+          <a:p>
+            <a:pPr lvl="1"/>
+            <a:endParaRPr kumimoji="1" lang="en-US" altLang="ja-JP"/>
+          </a:p>
+          <a:p>
+            <a:pPr lvl="1"/>
+            <a:endParaRPr lang="en-US" altLang="ja-JP"/>
+          </a:p>
+          <a:p>
+            <a:r>
+              <a:rPr lang="en-US" altLang="ja-JP"/>
+              <a:t>ESNI(Encrypted SNI)</a:t>
+            </a:r>
+          </a:p>
+          <a:p>
+            <a:pPr lvl="1"/>
+            <a:r>
+              <a:rPr kumimoji="1" lang="en-US" altLang="ja-JP"/>
+              <a:t>SNI</a:t>
+            </a:r>
+            <a:r>
+              <a:rPr kumimoji="1" lang="ja-JP" altLang="en-US"/>
+              <a:t>を暗号化したい</a:t>
+            </a:r>
+            <a:endParaRPr kumimoji="1" lang="en-US" altLang="ja-JP"/>
+          </a:p>
+          <a:p>
+            <a:pPr lvl="1"/>
+            <a:r>
+              <a:rPr kumimoji="1" lang="en-US" altLang="ja-JP"/>
+              <a:t>2020</a:t>
+            </a:r>
+            <a:r>
+              <a:rPr kumimoji="1" lang="ja-JP" altLang="en-US"/>
+              <a:t>年</a:t>
+            </a:r>
+            <a:r>
+              <a:rPr kumimoji="1" lang="en-US" altLang="ja-JP"/>
+              <a:t>8</a:t>
+            </a:r>
+            <a:r>
+              <a:rPr kumimoji="1" lang="ja-JP" altLang="en-US"/>
+              <a:t>月中国のグレート・ファイアウォールは</a:t>
+            </a:r>
+            <a:r>
+              <a:rPr kumimoji="1" lang="en-US" altLang="ja-JP"/>
+              <a:t>ESNI</a:t>
+            </a:r>
+            <a:r>
+              <a:rPr kumimoji="1" lang="ja-JP" altLang="en-US"/>
+              <a:t>を拒絶</a:t>
+            </a:r>
+            <a:endParaRPr kumimoji="1" lang="en-US" altLang="ja-JP"/>
+          </a:p>
+          <a:p>
+            <a:pPr lvl="1"/>
+            <a:r>
+              <a:rPr kumimoji="1" lang="en-US" altLang="ja-JP"/>
+              <a:t>2020</a:t>
+            </a:r>
+            <a:r>
+              <a:rPr kumimoji="1" lang="ja-JP" altLang="en-US"/>
+              <a:t>年</a:t>
+            </a:r>
+            <a:r>
+              <a:rPr kumimoji="1" lang="en-US" altLang="ja-JP"/>
+              <a:t>10</a:t>
+            </a:r>
+            <a:r>
+              <a:rPr kumimoji="1" lang="ja-JP" altLang="en-US"/>
+              <a:t>月ロシアも</a:t>
+            </a:r>
+            <a:r>
+              <a:rPr kumimoji="1" lang="en-US" altLang="ja-JP"/>
+              <a:t>ESNI</a:t>
+            </a:r>
+            <a:r>
+              <a:rPr kumimoji="1" lang="ja-JP" altLang="en-US"/>
+              <a:t>をブロック</a:t>
+            </a:r>
+          </a:p>
+        </p:txBody>
+      </p:sp>
+      <p:sp>
+        <p:nvSpPr>
+          <p:cNvPr id="3" name="スライド番号プレースホルダー 2">
+            <a:extLst>
+              <a:ext uri="{FF2B5EF4-FFF2-40B4-BE49-F238E27FC236}">
+                <a16:creationId xmlns:a16="http://schemas.microsoft.com/office/drawing/2014/main" id="{8DCBDFC5-EDE3-494E-90E8-3203EBEA0BA7}"/>
+              </a:ext>
+            </a:extLst>
+          </p:cNvPr>
+          <p:cNvSpPr>
+            <a:spLocks noGrp="1"/>
+          </p:cNvSpPr>
+          <p:nvPr>
+            <p:ph type="sldNum" sz="quarter" idx="12"/>
+          </p:nvPr>
+        </p:nvSpPr>
+        <p:spPr/>
+        <p:txBody>
+          <a:bodyPr/>
+          <a:lstStyle/>
+          <a:p>
+            <a:pPr>
+              <a:defRPr/>
+            </a:pPr>
+            <a:r>
+              <a:rPr lang="en-US" altLang="ja-JP"/>
+              <a:t>    </a:t>
+            </a:r>
+            <a:fld id="{B2782DEB-472A-4FE5-AC34-C17109CF5A91}" type="slidenum">
+              <a:rPr lang="en-US" altLang="ja-JP" smtClean="0"/>
+              <a:pPr>
+                <a:defRPr/>
+              </a:pPr>
+              <a:t>29</a:t>
+            </a:fld>
+            <a:r>
+              <a:rPr lang="en-US" altLang="ja-JP"/>
+              <a:t> / 24</a:t>
+            </a:r>
+          </a:p>
+        </p:txBody>
+      </p:sp>
+      <p:sp>
+        <p:nvSpPr>
+          <p:cNvPr id="4" name="タイトル 3">
+            <a:extLst>
+              <a:ext uri="{FF2B5EF4-FFF2-40B4-BE49-F238E27FC236}">
+                <a16:creationId xmlns:a16="http://schemas.microsoft.com/office/drawing/2014/main" id="{71AC6B9D-1C52-4095-81F2-C030FDCF2ACB}"/>
+              </a:ext>
+            </a:extLst>
+          </p:cNvPr>
+          <p:cNvSpPr>
+            <a:spLocks noGrp="1"/>
+          </p:cNvSpPr>
+          <p:nvPr>
+            <p:ph type="title"/>
+          </p:nvPr>
+        </p:nvSpPr>
+        <p:spPr/>
+        <p:txBody>
+          <a:bodyPr/>
+          <a:lstStyle/>
+          <a:p>
+            <a:r>
+              <a:rPr kumimoji="1" lang="ja-JP" altLang="en-US"/>
+              <a:t>バーチャルホストと</a:t>
+            </a:r>
+            <a:r>
+              <a:rPr kumimoji="1" lang="en-US" altLang="ja-JP"/>
+              <a:t>ESNI</a:t>
+            </a:r>
+            <a:endParaRPr kumimoji="1" lang="ja-JP" altLang="en-US"/>
+          </a:p>
+        </p:txBody>
+      </p:sp>
+    </p:spTree>
+    <p:extLst>
+      <p:ext uri="{BB962C8B-B14F-4D97-AF65-F5344CB8AC3E}">
+        <p14:creationId xmlns:p14="http://schemas.microsoft.com/office/powerpoint/2010/main" val="2859573048"/>
       </p:ext>
     </p:extLst>
   </p:cSld>
@@ -5898,6 +9220,574 @@
     <p:extLst>
       <p:ext uri="{BB962C8B-B14F-4D97-AF65-F5344CB8AC3E}">
         <p14:creationId xmlns:p14="http://schemas.microsoft.com/office/powerpoint/2010/main" val="3257052020"/>
+      </p:ext>
+    </p:extLst>
+  </p:cSld>
+  <p:clrMapOvr>
+    <a:masterClrMapping/>
+  </p:clrMapOvr>
+</p:sld>
+</file>
+
+<file path=ppt/slides/slide30.xml><?xml version="1.0" encoding="utf-8"?>
+<p:sld xmlns:a="http://schemas.openxmlformats.org/drawingml/2006/main" xmlns:r="http://schemas.openxmlformats.org/officeDocument/2006/relationships" xmlns:p="http://schemas.openxmlformats.org/presentationml/2006/main">
+  <p:cSld>
+    <p:spTree>
+      <p:nvGrpSpPr>
+        <p:cNvPr id="1" name=""/>
+        <p:cNvGrpSpPr/>
+        <p:nvPr/>
+      </p:nvGrpSpPr>
+      <p:grpSpPr>
+        <a:xfrm>
+          <a:off x="0" y="0"/>
+          <a:ext cx="0" cy="0"/>
+          <a:chOff x="0" y="0"/>
+          <a:chExt cx="0" cy="0"/>
+        </a:xfrm>
+      </p:grpSpPr>
+      <p:sp>
+        <p:nvSpPr>
+          <p:cNvPr id="2" name="コンテンツ プレースホルダー 1">
+            <a:extLst>
+              <a:ext uri="{FF2B5EF4-FFF2-40B4-BE49-F238E27FC236}">
+                <a16:creationId xmlns:a16="http://schemas.microsoft.com/office/drawing/2014/main" id="{E3198485-C2BE-40BF-851E-9AC2B89EF44C}"/>
+              </a:ext>
+            </a:extLst>
+          </p:cNvPr>
+          <p:cNvSpPr>
+            <a:spLocks noGrp="1"/>
+          </p:cNvSpPr>
+          <p:nvPr>
+            <p:ph idx="1"/>
+          </p:nvPr>
+        </p:nvSpPr>
+        <p:spPr/>
+        <p:txBody>
+          <a:bodyPr/>
+          <a:lstStyle/>
+          <a:p>
+            <a:r>
+              <a:rPr kumimoji="1" lang="en-US" altLang="ja-JP"/>
+              <a:t>SNI</a:t>
+            </a:r>
+            <a:r>
+              <a:rPr kumimoji="1" lang="ja-JP" altLang="en-US"/>
+              <a:t>だけでなく</a:t>
+            </a:r>
+            <a:r>
+              <a:rPr kumimoji="1" lang="en-US" altLang="ja-JP"/>
+              <a:t>ClientHello</a:t>
+            </a:r>
+            <a:r>
+              <a:rPr kumimoji="1" lang="ja-JP" altLang="en-US"/>
+              <a:t>全体を暗号化したい</a:t>
+            </a:r>
+            <a:endParaRPr kumimoji="1" lang="en-US" altLang="ja-JP"/>
+          </a:p>
+          <a:p>
+            <a:pPr lvl="1"/>
+            <a:r>
+              <a:rPr kumimoji="1" lang="ja-JP" altLang="en-US"/>
+              <a:t>しかし何の鍵で暗号化する</a:t>
+            </a:r>
+            <a:r>
+              <a:rPr kumimoji="1" lang="en-US" altLang="ja-JP"/>
+              <a:t>?</a:t>
+            </a:r>
+          </a:p>
+          <a:p>
+            <a:pPr lvl="1"/>
+            <a:r>
+              <a:rPr lang="en-US" altLang="ja-JP"/>
+              <a:t>DoH</a:t>
+            </a:r>
+            <a:r>
+              <a:rPr lang="ja-JP" altLang="en-US"/>
+              <a:t>で鍵を送ればよいのでは</a:t>
+            </a:r>
+            <a:endParaRPr lang="en-US" altLang="ja-JP"/>
+          </a:p>
+          <a:p>
+            <a:r>
+              <a:rPr kumimoji="1" lang="en-US" altLang="ja-JP"/>
+              <a:t>SVCB</a:t>
+            </a:r>
+            <a:r>
+              <a:rPr lang="en-US" altLang="ja-JP"/>
+              <a:t> (SerViCe Binding)</a:t>
+            </a:r>
+            <a:r>
+              <a:rPr kumimoji="1" lang="ja-JP" altLang="en-US"/>
+              <a:t>と</a:t>
+            </a:r>
+            <a:r>
+              <a:rPr kumimoji="1" lang="en-US" altLang="ja-JP"/>
+              <a:t>HTTPS RR(Resource Record)</a:t>
+            </a:r>
+          </a:p>
+          <a:p>
+            <a:pPr lvl="1"/>
+            <a:r>
+              <a:rPr lang="en-US" altLang="ja-JP"/>
+              <a:t>DNS</a:t>
+            </a:r>
+            <a:r>
+              <a:rPr lang="ja-JP" altLang="en-US"/>
+              <a:t>の拡張と</a:t>
+            </a:r>
+            <a:r>
+              <a:rPr lang="en-US" altLang="ja-JP"/>
+              <a:t>ECH</a:t>
+            </a:r>
+            <a:r>
+              <a:rPr lang="ja-JP" altLang="en-US"/>
+              <a:t>を平行して仕様検討中</a:t>
+            </a:r>
+            <a:r>
+              <a:rPr lang="en-US" altLang="ja-JP"/>
+              <a:t>(</a:t>
+            </a:r>
+            <a:r>
+              <a:rPr lang="ja-JP" altLang="en-US"/>
+              <a:t>次頁の</a:t>
+            </a:r>
+            <a:r>
+              <a:rPr lang="en-US" altLang="ja-JP"/>
+              <a:t>HPKE)</a:t>
+            </a:r>
+          </a:p>
+          <a:p>
+            <a:pPr lvl="1"/>
+            <a:r>
+              <a:rPr kumimoji="1" lang="en-US" altLang="ja-JP"/>
+              <a:t>HTTPS RR</a:t>
+            </a:r>
+            <a:r>
+              <a:rPr kumimoji="1" lang="ja-JP" altLang="en-US"/>
+              <a:t>に公開鍵の情報をもたせる</a:t>
+            </a:r>
+            <a:endParaRPr kumimoji="1" lang="en-US" altLang="ja-JP"/>
+          </a:p>
+        </p:txBody>
+      </p:sp>
+      <p:sp>
+        <p:nvSpPr>
+          <p:cNvPr id="3" name="スライド番号プレースホルダー 2">
+            <a:extLst>
+              <a:ext uri="{FF2B5EF4-FFF2-40B4-BE49-F238E27FC236}">
+                <a16:creationId xmlns:a16="http://schemas.microsoft.com/office/drawing/2014/main" id="{415D051A-6CB1-445B-8D1C-88073783B11F}"/>
+              </a:ext>
+            </a:extLst>
+          </p:cNvPr>
+          <p:cNvSpPr>
+            <a:spLocks noGrp="1"/>
+          </p:cNvSpPr>
+          <p:nvPr>
+            <p:ph type="sldNum" sz="quarter" idx="12"/>
+          </p:nvPr>
+        </p:nvSpPr>
+        <p:spPr/>
+        <p:txBody>
+          <a:bodyPr/>
+          <a:lstStyle/>
+          <a:p>
+            <a:pPr>
+              <a:defRPr/>
+            </a:pPr>
+            <a:r>
+              <a:rPr lang="en-US" altLang="ja-JP"/>
+              <a:t>    </a:t>
+            </a:r>
+            <a:fld id="{B2782DEB-472A-4FE5-AC34-C17109CF5A91}" type="slidenum">
+              <a:rPr lang="en-US" altLang="ja-JP" smtClean="0"/>
+              <a:pPr>
+                <a:defRPr/>
+              </a:pPr>
+              <a:t>30</a:t>
+            </a:fld>
+            <a:r>
+              <a:rPr lang="en-US" altLang="ja-JP"/>
+              <a:t> / 24</a:t>
+            </a:r>
+          </a:p>
+        </p:txBody>
+      </p:sp>
+      <p:sp>
+        <p:nvSpPr>
+          <p:cNvPr id="4" name="タイトル 3">
+            <a:extLst>
+              <a:ext uri="{FF2B5EF4-FFF2-40B4-BE49-F238E27FC236}">
+                <a16:creationId xmlns:a16="http://schemas.microsoft.com/office/drawing/2014/main" id="{FF0D2AE1-1DAD-4D6A-8CCE-FD783F4C7354}"/>
+              </a:ext>
+            </a:extLst>
+          </p:cNvPr>
+          <p:cNvSpPr>
+            <a:spLocks noGrp="1"/>
+          </p:cNvSpPr>
+          <p:nvPr>
+            <p:ph type="title"/>
+          </p:nvPr>
+        </p:nvSpPr>
+        <p:spPr/>
+        <p:txBody>
+          <a:bodyPr/>
+          <a:lstStyle/>
+          <a:p>
+            <a:r>
+              <a:rPr kumimoji="1" lang="en-US" altLang="ja-JP"/>
+              <a:t>ECH (Encrypted Client Hello)</a:t>
+            </a:r>
+            <a:endParaRPr kumimoji="1" lang="ja-JP" altLang="en-US"/>
+          </a:p>
+        </p:txBody>
+      </p:sp>
+      <p:pic>
+        <p:nvPicPr>
+          <p:cNvPr id="6" name="図 5">
+            <a:extLst>
+              <a:ext uri="{FF2B5EF4-FFF2-40B4-BE49-F238E27FC236}">
+                <a16:creationId xmlns:a16="http://schemas.microsoft.com/office/drawing/2014/main" id="{F0763897-0DF3-423F-A6E0-2CCE91CB3906}"/>
+              </a:ext>
+            </a:extLst>
+          </p:cNvPr>
+          <p:cNvPicPr>
+            <a:picLocks noChangeAspect="1"/>
+          </p:cNvPicPr>
+          <p:nvPr/>
+        </p:nvPicPr>
+        <p:blipFill>
+          <a:blip r:embed="rId2">
+            <a:extLst>
+              <a:ext uri="{28A0092B-C50C-407E-A947-70E740481C1C}">
+                <a14:useLocalDpi xmlns:a14="http://schemas.microsoft.com/office/drawing/2010/main" val="0"/>
+              </a:ext>
+            </a:extLst>
+          </a:blip>
+          <a:stretch>
+            <a:fillRect/>
+          </a:stretch>
+        </p:blipFill>
+        <p:spPr>
+          <a:xfrm>
+            <a:off x="1547664" y="3579116"/>
+            <a:ext cx="5400600" cy="3152599"/>
+          </a:xfrm>
+          <a:prstGeom prst="rect">
+            <a:avLst/>
+          </a:prstGeom>
+        </p:spPr>
+      </p:pic>
+    </p:spTree>
+    <p:extLst>
+      <p:ext uri="{BB962C8B-B14F-4D97-AF65-F5344CB8AC3E}">
+        <p14:creationId xmlns:p14="http://schemas.microsoft.com/office/powerpoint/2010/main" val="2803063954"/>
+      </p:ext>
+    </p:extLst>
+  </p:cSld>
+  <p:clrMapOvr>
+    <a:masterClrMapping/>
+  </p:clrMapOvr>
+</p:sld>
+</file>
+
+<file path=ppt/slides/slide31.xml><?xml version="1.0" encoding="utf-8"?>
+<p:sld xmlns:a="http://schemas.openxmlformats.org/drawingml/2006/main" xmlns:r="http://schemas.openxmlformats.org/officeDocument/2006/relationships" xmlns:p="http://schemas.openxmlformats.org/presentationml/2006/main">
+  <p:cSld>
+    <p:spTree>
+      <p:nvGrpSpPr>
+        <p:cNvPr id="1" name=""/>
+        <p:cNvGrpSpPr/>
+        <p:nvPr/>
+      </p:nvGrpSpPr>
+      <p:grpSpPr>
+        <a:xfrm>
+          <a:off x="0" y="0"/>
+          <a:ext cx="0" cy="0"/>
+          <a:chOff x="0" y="0"/>
+          <a:chExt cx="0" cy="0"/>
+        </a:xfrm>
+      </p:grpSpPr>
+      <p:sp>
+        <p:nvSpPr>
+          <p:cNvPr id="2" name="コンテンツ プレースホルダー 1">
+            <a:extLst>
+              <a:ext uri="{FF2B5EF4-FFF2-40B4-BE49-F238E27FC236}">
+                <a16:creationId xmlns:a16="http://schemas.microsoft.com/office/drawing/2014/main" id="{B4BD72C6-8B8B-4303-BE26-A28E51C7B320}"/>
+              </a:ext>
+            </a:extLst>
+          </p:cNvPr>
+          <p:cNvSpPr>
+            <a:spLocks noGrp="1"/>
+          </p:cNvSpPr>
+          <p:nvPr>
+            <p:ph idx="1"/>
+          </p:nvPr>
+        </p:nvSpPr>
+        <p:spPr/>
+        <p:txBody>
+          <a:bodyPr/>
+          <a:lstStyle/>
+          <a:p>
+            <a:r>
+              <a:rPr kumimoji="1" lang="ja-JP" altLang="en-US"/>
+              <a:t>従来のハイブリッド暗号</a:t>
+            </a:r>
+            <a:r>
+              <a:rPr kumimoji="1" lang="en-US" altLang="ja-JP"/>
+              <a:t>KEM-DEM</a:t>
+            </a:r>
+            <a:r>
+              <a:rPr kumimoji="1" lang="ja-JP" altLang="en-US"/>
+              <a:t>フレームワーク</a:t>
+            </a:r>
+            <a:endParaRPr kumimoji="1" lang="en-US" altLang="ja-JP"/>
+          </a:p>
+          <a:p>
+            <a:pPr lvl="1"/>
+            <a:r>
+              <a:rPr kumimoji="1" lang="ja-JP" altLang="en-US"/>
+              <a:t>様々な方式が提案されている</a:t>
+            </a:r>
+            <a:endParaRPr kumimoji="1" lang="en-US" altLang="ja-JP"/>
+          </a:p>
+          <a:p>
+            <a:pPr lvl="1"/>
+            <a:r>
+              <a:rPr lang="en-US" altLang="ja-JP"/>
+              <a:t>NTT</a:t>
+            </a:r>
+            <a:r>
+              <a:rPr lang="ja-JP" altLang="en-US"/>
+              <a:t>の</a:t>
+            </a:r>
+            <a:r>
+              <a:rPr lang="en-US" altLang="ja-JP"/>
+              <a:t>PSEC-KEM (ISO/IEC 18033-2) ; DH</a:t>
+            </a:r>
+            <a:r>
+              <a:rPr lang="ja-JP" altLang="en-US"/>
+              <a:t>鍵共有</a:t>
+            </a:r>
+            <a:r>
+              <a:rPr lang="en-US" altLang="ja-JP"/>
+              <a:t>+OTP+hash</a:t>
+            </a:r>
+          </a:p>
+          <a:p>
+            <a:r>
+              <a:rPr kumimoji="1" lang="en-US" altLang="ja-JP"/>
+              <a:t>HPKE</a:t>
+            </a:r>
+            <a:r>
+              <a:rPr kumimoji="1" lang="ja-JP" altLang="en-US"/>
+              <a:t>は新しい知見を元に仕組みを再定義する</a:t>
+            </a:r>
+            <a:endParaRPr kumimoji="1" lang="en-US" altLang="ja-JP"/>
+          </a:p>
+          <a:p>
+            <a:pPr lvl="1"/>
+            <a:r>
+              <a:rPr kumimoji="1" lang="ja-JP" altLang="en-US"/>
+              <a:t>楕円曲線鍵共有</a:t>
+            </a:r>
+            <a:r>
+              <a:rPr kumimoji="1" lang="en-US" altLang="ja-JP"/>
+              <a:t>ECDH+</a:t>
+            </a:r>
+            <a:r>
+              <a:rPr kumimoji="1" lang="ja-JP" altLang="en-US"/>
+              <a:t>鍵導出関数</a:t>
+            </a:r>
+            <a:r>
+              <a:rPr kumimoji="1" lang="en-US" altLang="ja-JP"/>
+              <a:t>HKDF+</a:t>
+            </a:r>
+            <a:r>
+              <a:rPr kumimoji="1" lang="ja-JP" altLang="en-US"/>
+              <a:t>認証付き暗号</a:t>
+            </a:r>
+            <a:r>
+              <a:rPr kumimoji="1" lang="en-US" altLang="ja-JP"/>
+              <a:t>AEAD</a:t>
+            </a:r>
+          </a:p>
+          <a:p>
+            <a:r>
+              <a:rPr kumimoji="1" lang="ja-JP" altLang="en-US"/>
+              <a:t>簡単な例</a:t>
+            </a:r>
+            <a:r>
+              <a:rPr kumimoji="1" lang="en-US" altLang="ja-JP"/>
+              <a:t>(</a:t>
+            </a:r>
+            <a:r>
+              <a:rPr kumimoji="1" lang="ja-JP" altLang="en-US"/>
+              <a:t>詳細は</a:t>
+            </a:r>
+            <a:r>
+              <a:rPr kumimoji="1" lang="en-US" altLang="ja-JP" sz="1800">
+                <a:hlinkClick r:id="rId2"/>
+              </a:rPr>
+              <a:t>https://datatracker.ietf.org/doc/draft-irtf-cfrg-hpke/</a:t>
+            </a:r>
+            <a:r>
+              <a:rPr kumimoji="1" lang="en-US" altLang="ja-JP"/>
+              <a:t>)</a:t>
+            </a:r>
+          </a:p>
+          <a:p>
+            <a:endParaRPr lang="en-US" altLang="ja-JP"/>
+          </a:p>
+          <a:p>
+            <a:endParaRPr kumimoji="1" lang="en-US" altLang="ja-JP"/>
+          </a:p>
+          <a:p>
+            <a:endParaRPr lang="en-US" altLang="ja-JP"/>
+          </a:p>
+          <a:p>
+            <a:endParaRPr kumimoji="1" lang="en-US" altLang="ja-JP"/>
+          </a:p>
+          <a:p>
+            <a:pPr lvl="1"/>
+            <a:r>
+              <a:rPr kumimoji="1" lang="ja-JP" altLang="en-US"/>
+              <a:t>注 </a:t>
+            </a:r>
+            <a:r>
+              <a:rPr kumimoji="1" lang="en-US" altLang="ja-JP"/>
+              <a:t>: HPKE</a:t>
+            </a:r>
+            <a:r>
+              <a:rPr kumimoji="1" lang="ja-JP" altLang="en-US"/>
+              <a:t>は前方秘匿性</a:t>
+            </a:r>
+            <a:r>
+              <a:rPr kumimoji="1" lang="en-US" altLang="ja-JP"/>
+              <a:t>FS</a:t>
+            </a:r>
+            <a:r>
+              <a:rPr kumimoji="1" lang="ja-JP" altLang="en-US"/>
+              <a:t>は持ってない</a:t>
+            </a:r>
+            <a:endParaRPr kumimoji="1" lang="en-US" altLang="ja-JP"/>
+          </a:p>
+          <a:p>
+            <a:endParaRPr kumimoji="1" lang="ja-JP" altLang="en-US"/>
+          </a:p>
+        </p:txBody>
+      </p:sp>
+      <p:sp>
+        <p:nvSpPr>
+          <p:cNvPr id="3" name="スライド番号プレースホルダー 2">
+            <a:extLst>
+              <a:ext uri="{FF2B5EF4-FFF2-40B4-BE49-F238E27FC236}">
+                <a16:creationId xmlns:a16="http://schemas.microsoft.com/office/drawing/2014/main" id="{1AB7528E-0B4D-4205-A1AA-A00145A55E6B}"/>
+              </a:ext>
+            </a:extLst>
+          </p:cNvPr>
+          <p:cNvSpPr>
+            <a:spLocks noGrp="1"/>
+          </p:cNvSpPr>
+          <p:nvPr>
+            <p:ph type="sldNum" sz="quarter" idx="12"/>
+          </p:nvPr>
+        </p:nvSpPr>
+        <p:spPr/>
+        <p:txBody>
+          <a:bodyPr/>
+          <a:lstStyle/>
+          <a:p>
+            <a:pPr>
+              <a:defRPr/>
+            </a:pPr>
+            <a:r>
+              <a:rPr lang="en-US" altLang="ja-JP"/>
+              <a:t>    </a:t>
+            </a:r>
+            <a:fld id="{B2782DEB-472A-4FE5-AC34-C17109CF5A91}" type="slidenum">
+              <a:rPr lang="en-US" altLang="ja-JP" smtClean="0"/>
+              <a:pPr>
+                <a:defRPr/>
+              </a:pPr>
+              <a:t>31</a:t>
+            </a:fld>
+            <a:r>
+              <a:rPr lang="en-US" altLang="ja-JP"/>
+              <a:t> / 24</a:t>
+            </a:r>
+          </a:p>
+        </p:txBody>
+      </p:sp>
+      <p:sp>
+        <p:nvSpPr>
+          <p:cNvPr id="4" name="タイトル 3">
+            <a:extLst>
+              <a:ext uri="{FF2B5EF4-FFF2-40B4-BE49-F238E27FC236}">
+                <a16:creationId xmlns:a16="http://schemas.microsoft.com/office/drawing/2014/main" id="{FBF54094-9C6C-4AF2-9503-B3A68D12A399}"/>
+              </a:ext>
+            </a:extLst>
+          </p:cNvPr>
+          <p:cNvSpPr>
+            <a:spLocks noGrp="1"/>
+          </p:cNvSpPr>
+          <p:nvPr>
+            <p:ph type="title"/>
+          </p:nvPr>
+        </p:nvSpPr>
+        <p:spPr/>
+        <p:txBody>
+          <a:bodyPr/>
+          <a:lstStyle/>
+          <a:p>
+            <a:r>
+              <a:rPr kumimoji="1" lang="en-US" altLang="ja-JP"/>
+              <a:t>HPKE (Hybrid PKE)</a:t>
+            </a:r>
+            <a:endParaRPr kumimoji="1" lang="ja-JP" altLang="en-US"/>
+          </a:p>
+        </p:txBody>
+      </p:sp>
+      <p:pic>
+        <p:nvPicPr>
+          <p:cNvPr id="6" name="図 5">
+            <a:extLst>
+              <a:ext uri="{FF2B5EF4-FFF2-40B4-BE49-F238E27FC236}">
+                <a16:creationId xmlns:a16="http://schemas.microsoft.com/office/drawing/2014/main" id="{608B0C39-5526-43F5-B79D-75DA86140E2A}"/>
+              </a:ext>
+            </a:extLst>
+          </p:cNvPr>
+          <p:cNvPicPr>
+            <a:picLocks noChangeAspect="1"/>
+          </p:cNvPicPr>
+          <p:nvPr/>
+        </p:nvPicPr>
+        <p:blipFill>
+          <a:blip r:embed="rId3">
+            <a:extLst>
+              <a:ext uri="{28A0092B-C50C-407E-A947-70E740481C1C}">
+                <a14:useLocalDpi xmlns:a14="http://schemas.microsoft.com/office/drawing/2010/main" val="0"/>
+              </a:ext>
+            </a:extLst>
+          </a:blip>
+          <a:stretch>
+            <a:fillRect/>
+          </a:stretch>
+        </p:blipFill>
+        <p:spPr>
+          <a:xfrm>
+            <a:off x="899592" y="3645024"/>
+            <a:ext cx="7096437" cy="2448272"/>
+          </a:xfrm>
+          <a:prstGeom prst="rect">
+            <a:avLst/>
+          </a:prstGeom>
+        </p:spPr>
+      </p:pic>
+    </p:spTree>
+    <p:extLst>
+      <p:ext uri="{BB962C8B-B14F-4D97-AF65-F5344CB8AC3E}">
+        <p14:creationId xmlns:p14="http://schemas.microsoft.com/office/powerpoint/2010/main" val="829365358"/>
       </p:ext>
     </p:extLst>
   </p:cSld>

--- a/lec/anninbon9.pptx
+++ b/lec/anninbon9.pptx
@@ -5,10 +5,10 @@
     <p:sldMasterId id="2147483706" r:id="rId1"/>
   </p:sldMasterIdLst>
   <p:notesMasterIdLst>
-    <p:notesMasterId r:id="rId33"/>
+    <p:notesMasterId r:id="rId46"/>
   </p:notesMasterIdLst>
   <p:handoutMasterIdLst>
-    <p:handoutMasterId r:id="rId34"/>
+    <p:handoutMasterId r:id="rId47"/>
   </p:handoutMasterIdLst>
   <p:sldIdLst>
     <p:sldId id="552" r:id="rId2"/>
@@ -42,6 +42,19 @@
     <p:sldId id="675" r:id="rId30"/>
     <p:sldId id="676" r:id="rId31"/>
     <p:sldId id="677" r:id="rId32"/>
+    <p:sldId id="678" r:id="rId33"/>
+    <p:sldId id="679" r:id="rId34"/>
+    <p:sldId id="680" r:id="rId35"/>
+    <p:sldId id="681" r:id="rId36"/>
+    <p:sldId id="682" r:id="rId37"/>
+    <p:sldId id="683" r:id="rId38"/>
+    <p:sldId id="684" r:id="rId39"/>
+    <p:sldId id="685" r:id="rId40"/>
+    <p:sldId id="686" r:id="rId41"/>
+    <p:sldId id="687" r:id="rId42"/>
+    <p:sldId id="688" r:id="rId43"/>
+    <p:sldId id="689" r:id="rId44"/>
+    <p:sldId id="690" r:id="rId45"/>
   </p:sldIdLst>
   <p:sldSz cx="9144000" cy="6858000" type="screen4x3"/>
   <p:notesSz cx="7099300" cy="10234613"/>
@@ -206,6 +219,19 @@
             <p14:sldId id="675"/>
             <p14:sldId id="676"/>
             <p14:sldId id="677"/>
+            <p14:sldId id="678"/>
+            <p14:sldId id="679"/>
+            <p14:sldId id="680"/>
+            <p14:sldId id="681"/>
+            <p14:sldId id="682"/>
+            <p14:sldId id="683"/>
+            <p14:sldId id="684"/>
+            <p14:sldId id="685"/>
+            <p14:sldId id="686"/>
+            <p14:sldId id="687"/>
+            <p14:sldId id="688"/>
+            <p14:sldId id="689"/>
+            <p14:sldId id="690"/>
           </p14:sldIdLst>
         </p14:section>
       </p14:sectionLst>
@@ -972,6 +998,67 @@
     </a:lvl9pPr>
   </p:notesStyle>
 </p:notesMaster>
+</file>
+
+<file path=ppt/notesSlides/notesSlide1.xml><?xml version="1.0" encoding="utf-8"?>
+<p:notes xmlns:a="http://schemas.openxmlformats.org/drawingml/2006/main" xmlns:r="http://schemas.openxmlformats.org/officeDocument/2006/relationships" xmlns:p="http://schemas.openxmlformats.org/presentationml/2006/main">
+  <p:cSld>
+    <p:spTree>
+      <p:nvGrpSpPr>
+        <p:cNvPr id="1" name=""/>
+        <p:cNvGrpSpPr/>
+        <p:nvPr/>
+      </p:nvGrpSpPr>
+      <p:grpSpPr>
+        <a:xfrm>
+          <a:off x="0" y="0"/>
+          <a:ext cx="0" cy="0"/>
+          <a:chOff x="0" y="0"/>
+          <a:chExt cx="0" cy="0"/>
+        </a:xfrm>
+      </p:grpSpPr>
+      <p:sp>
+        <p:nvSpPr>
+          <p:cNvPr id="2" name="スライド イメージ プレースホルダー 1"/>
+          <p:cNvSpPr>
+            <a:spLocks noGrp="1" noRot="1" noChangeAspect="1"/>
+          </p:cNvSpPr>
+          <p:nvPr>
+            <p:ph type="sldImg"/>
+          </p:nvPr>
+        </p:nvSpPr>
+        <p:spPr/>
+      </p:sp>
+      <p:sp>
+        <p:nvSpPr>
+          <p:cNvPr id="3" name="ノート プレースホルダー 2"/>
+          <p:cNvSpPr>
+            <a:spLocks noGrp="1"/>
+          </p:cNvSpPr>
+          <p:nvPr>
+            <p:ph type="body" idx="1"/>
+          </p:nvPr>
+        </p:nvSpPr>
+        <p:spPr/>
+        <p:txBody>
+          <a:bodyPr/>
+          <a:lstStyle/>
+          <a:p>
+            <a:endParaRPr kumimoji="1" lang="ja-JP" altLang="en-US"/>
+          </a:p>
+        </p:txBody>
+      </p:sp>
+    </p:spTree>
+    <p:extLst>
+      <p:ext uri="{BB962C8B-B14F-4D97-AF65-F5344CB8AC3E}">
+        <p14:creationId xmlns:p14="http://schemas.microsoft.com/office/powerpoint/2010/main" val="3243931480"/>
+      </p:ext>
+    </p:extLst>
+  </p:cSld>
+  <p:clrMapOvr>
+    <a:masterClrMapping/>
+  </p:clrMapOvr>
+</p:notes>
 </file>
 
 <file path=ppt/slideLayouts/slideLayout1.xml><?xml version="1.0" encoding="utf-8"?>
@@ -7695,8 +7782,8 @@
           <a:chExt cx="0" cy="0"/>
         </a:xfrm>
       </p:grpSpPr>
-      <mc:AlternateContent xmlns:mc="http://schemas.openxmlformats.org/markup-compatibility/2006">
-        <mc:Choice xmlns:a14="http://schemas.microsoft.com/office/drawing/2010/main" Requires="a14">
+      <mc:AlternateContent xmlns:mc="http://schemas.openxmlformats.org/markup-compatibility/2006" xmlns:a14="http://schemas.microsoft.com/office/drawing/2010/main">
+        <mc:Choice Requires="a14">
           <p:sp>
             <p:nvSpPr>
               <p:cNvPr id="2" name="コンテンツ プレースホルダー 1">
@@ -7849,7 +7936,7 @@
             </p:txBody>
           </p:sp>
         </mc:Choice>
-        <mc:Fallback>
+        <mc:Fallback xmlns="">
           <p:sp>
             <p:nvSpPr>
               <p:cNvPr id="2" name="コンテンツ プレースホルダー 1">
@@ -9797,6 +9884,2534 @@
 </p:sld>
 </file>
 
+<file path=ppt/slides/slide32.xml><?xml version="1.0" encoding="utf-8"?>
+<p:sld xmlns:a="http://schemas.openxmlformats.org/drawingml/2006/main" xmlns:r="http://schemas.openxmlformats.org/officeDocument/2006/relationships" xmlns:p="http://schemas.openxmlformats.org/presentationml/2006/main">
+  <p:cSld>
+    <p:spTree>
+      <p:nvGrpSpPr>
+        <p:cNvPr id="1" name=""/>
+        <p:cNvGrpSpPr/>
+        <p:nvPr/>
+      </p:nvGrpSpPr>
+      <p:grpSpPr>
+        <a:xfrm>
+          <a:off x="0" y="0"/>
+          <a:ext cx="0" cy="0"/>
+          <a:chOff x="0" y="0"/>
+          <a:chExt cx="0" cy="0"/>
+        </a:xfrm>
+      </p:grpSpPr>
+      <p:pic>
+        <p:nvPicPr>
+          <p:cNvPr id="7" name="図 6">
+            <a:extLst>
+              <a:ext uri="{FF2B5EF4-FFF2-40B4-BE49-F238E27FC236}">
+                <a16:creationId xmlns:a16="http://schemas.microsoft.com/office/drawing/2014/main" id="{7F2BB87F-FC24-461A-87AC-01733B2C1FB1}"/>
+              </a:ext>
+            </a:extLst>
+          </p:cNvPr>
+          <p:cNvPicPr>
+            <a:picLocks noChangeAspect="1"/>
+          </p:cNvPicPr>
+          <p:nvPr/>
+        </p:nvPicPr>
+        <p:blipFill>
+          <a:blip r:embed="rId2">
+            <a:extLst>
+              <a:ext uri="{28A0092B-C50C-407E-A947-70E740481C1C}">
+                <a14:useLocalDpi xmlns:a14="http://schemas.microsoft.com/office/drawing/2010/main" val="0"/>
+              </a:ext>
+            </a:extLst>
+          </a:blip>
+          <a:stretch>
+            <a:fillRect/>
+          </a:stretch>
+        </p:blipFill>
+        <p:spPr>
+          <a:xfrm>
+            <a:off x="1438636" y="3645024"/>
+            <a:ext cx="5989004" cy="3043102"/>
+          </a:xfrm>
+          <a:prstGeom prst="rect">
+            <a:avLst/>
+          </a:prstGeom>
+        </p:spPr>
+      </p:pic>
+      <p:sp>
+        <p:nvSpPr>
+          <p:cNvPr id="2" name="コンテンツ プレースホルダー 1">
+            <a:extLst>
+              <a:ext uri="{FF2B5EF4-FFF2-40B4-BE49-F238E27FC236}">
+                <a16:creationId xmlns:a16="http://schemas.microsoft.com/office/drawing/2014/main" id="{0F095455-A2A5-43B6-AC17-AEDC4815317C}"/>
+              </a:ext>
+            </a:extLst>
+          </p:cNvPr>
+          <p:cNvSpPr>
+            <a:spLocks noGrp="1"/>
+          </p:cNvSpPr>
+          <p:nvPr>
+            <p:ph idx="1"/>
+          </p:nvPr>
+        </p:nvSpPr>
+        <p:spPr/>
+        <p:txBody>
+          <a:bodyPr/>
+          <a:lstStyle/>
+          <a:p>
+            <a:r>
+              <a:rPr kumimoji="1" lang="ja-JP" altLang="en-US"/>
+              <a:t>ネットワークのプロトコルを階層化</a:t>
+            </a:r>
+          </a:p>
+          <a:p>
+            <a:pPr lvl="1"/>
+            <a:endParaRPr kumimoji="1" lang="en-US" altLang="ja-JP"/>
+          </a:p>
+          <a:p>
+            <a:pPr lvl="1"/>
+            <a:endParaRPr lang="en-US" altLang="ja-JP"/>
+          </a:p>
+          <a:p>
+            <a:pPr lvl="1"/>
+            <a:endParaRPr kumimoji="1" lang="en-US" altLang="ja-JP"/>
+          </a:p>
+          <a:p>
+            <a:pPr lvl="1"/>
+            <a:endParaRPr lang="en-US" altLang="ja-JP"/>
+          </a:p>
+          <a:p>
+            <a:pPr marL="218250" lvl="1" indent="0">
+              <a:buNone/>
+            </a:pPr>
+            <a:r>
+              <a:rPr kumimoji="1" lang="ja-JP" altLang="en-US"/>
+              <a:t>                        括弧内はおおむね</a:t>
+            </a:r>
+            <a:r>
+              <a:rPr kumimoji="1" lang="en-US" altLang="ja-JP"/>
+              <a:t>OSI</a:t>
+            </a:r>
+            <a:r>
+              <a:rPr kumimoji="1" lang="ja-JP" altLang="en-US"/>
+              <a:t>参照モデルでの呼称に対応</a:t>
+            </a:r>
+            <a:endParaRPr kumimoji="1" lang="en-US" altLang="ja-JP"/>
+          </a:p>
+          <a:p>
+            <a:r>
+              <a:rPr kumimoji="1" lang="ja-JP" altLang="en-US"/>
+              <a:t>フレームやパケットの構造</a:t>
+            </a:r>
+          </a:p>
+        </p:txBody>
+      </p:sp>
+      <p:sp>
+        <p:nvSpPr>
+          <p:cNvPr id="3" name="スライド番号プレースホルダー 2">
+            <a:extLst>
+              <a:ext uri="{FF2B5EF4-FFF2-40B4-BE49-F238E27FC236}">
+                <a16:creationId xmlns:a16="http://schemas.microsoft.com/office/drawing/2014/main" id="{42BDC3A4-6EB8-48E0-B3FF-2BA4E3255DE4}"/>
+              </a:ext>
+            </a:extLst>
+          </p:cNvPr>
+          <p:cNvSpPr>
+            <a:spLocks noGrp="1"/>
+          </p:cNvSpPr>
+          <p:nvPr>
+            <p:ph type="sldNum" sz="quarter" idx="12"/>
+          </p:nvPr>
+        </p:nvSpPr>
+        <p:spPr/>
+        <p:txBody>
+          <a:bodyPr/>
+          <a:lstStyle/>
+          <a:p>
+            <a:pPr>
+              <a:defRPr/>
+            </a:pPr>
+            <a:r>
+              <a:rPr lang="en-US" altLang="ja-JP"/>
+              <a:t>    </a:t>
+            </a:r>
+            <a:fld id="{B2782DEB-472A-4FE5-AC34-C17109CF5A91}" type="slidenum">
+              <a:rPr lang="en-US" altLang="ja-JP" smtClean="0"/>
+              <a:pPr>
+                <a:defRPr/>
+              </a:pPr>
+              <a:t>32</a:t>
+            </a:fld>
+            <a:r>
+              <a:rPr lang="en-US" altLang="ja-JP"/>
+              <a:t> / 24</a:t>
+            </a:r>
+          </a:p>
+        </p:txBody>
+      </p:sp>
+      <p:sp>
+        <p:nvSpPr>
+          <p:cNvPr id="4" name="タイトル 3">
+            <a:extLst>
+              <a:ext uri="{FF2B5EF4-FFF2-40B4-BE49-F238E27FC236}">
+                <a16:creationId xmlns:a16="http://schemas.microsoft.com/office/drawing/2014/main" id="{3E0BDE3C-ED77-448A-B94E-0F8CCED4555F}"/>
+              </a:ext>
+            </a:extLst>
+          </p:cNvPr>
+          <p:cNvSpPr>
+            <a:spLocks noGrp="1"/>
+          </p:cNvSpPr>
+          <p:nvPr>
+            <p:ph type="title"/>
+          </p:nvPr>
+        </p:nvSpPr>
+        <p:spPr/>
+        <p:txBody>
+          <a:bodyPr/>
+          <a:lstStyle/>
+          <a:p>
+            <a:r>
+              <a:rPr kumimoji="1" lang="ja-JP" altLang="en-US"/>
+              <a:t>インターネットプロトコルスイート</a:t>
+            </a:r>
+          </a:p>
+        </p:txBody>
+      </p:sp>
+      <p:graphicFrame>
+        <p:nvGraphicFramePr>
+          <p:cNvPr id="5" name="表 5">
+            <a:extLst>
+              <a:ext uri="{FF2B5EF4-FFF2-40B4-BE49-F238E27FC236}">
+                <a16:creationId xmlns:a16="http://schemas.microsoft.com/office/drawing/2014/main" id="{0C1193D2-9D12-4405-B50E-FA2A4F9A9B4B}"/>
+              </a:ext>
+            </a:extLst>
+          </p:cNvPr>
+          <p:cNvGraphicFramePr>
+            <a:graphicFrameLocks noGrp="1"/>
+          </p:cNvGraphicFramePr>
+          <p:nvPr>
+            <p:extLst>
+              <p:ext uri="{D42A27DB-BD31-4B8C-83A1-F6EECF244321}">
+                <p14:modId xmlns:p14="http://schemas.microsoft.com/office/powerpoint/2010/main" val="1857128709"/>
+              </p:ext>
+            </p:extLst>
+          </p:nvPr>
+        </p:nvGraphicFramePr>
+        <p:xfrm>
+          <a:off x="1331640" y="1124744"/>
+          <a:ext cx="6096000" cy="1854200"/>
+        </p:xfrm>
+        <a:graphic>
+          <a:graphicData uri="http://schemas.openxmlformats.org/drawingml/2006/table">
+            <a:tbl>
+              <a:tblPr firstRow="1" bandRow="1">
+                <a:tableStyleId>{5C22544A-7EE6-4342-B048-85BDC9FD1C3A}</a:tableStyleId>
+              </a:tblPr>
+              <a:tblGrid>
+                <a:gridCol w="3048000">
+                  <a:extLst>
+                    <a:ext uri="{9D8B030D-6E8A-4147-A177-3AD203B41FA5}">
+                      <a16:colId xmlns:a16="http://schemas.microsoft.com/office/drawing/2014/main" val="2299861864"/>
+                    </a:ext>
+                  </a:extLst>
+                </a:gridCol>
+                <a:gridCol w="3048000">
+                  <a:extLst>
+                    <a:ext uri="{9D8B030D-6E8A-4147-A177-3AD203B41FA5}">
+                      <a16:colId xmlns:a16="http://schemas.microsoft.com/office/drawing/2014/main" val="4012307761"/>
+                    </a:ext>
+                  </a:extLst>
+                </a:gridCol>
+              </a:tblGrid>
+              <a:tr h="370840">
+                <a:tc>
+                  <a:txBody>
+                    <a:bodyPr/>
+                    <a:lstStyle/>
+                    <a:p>
+                      <a:r>
+                        <a:rPr kumimoji="1" lang="ja-JP" altLang="en-US"/>
+                        <a:t>層</a:t>
+                      </a:r>
+                    </a:p>
+                  </a:txBody>
+                  <a:tcPr/>
+                </a:tc>
+                <a:tc>
+                  <a:txBody>
+                    <a:bodyPr/>
+                    <a:lstStyle/>
+                    <a:p>
+                      <a:r>
+                        <a:rPr kumimoji="1" lang="ja-JP" altLang="en-US"/>
+                        <a:t>主なプロトコル</a:t>
+                      </a:r>
+                    </a:p>
+                  </a:txBody>
+                  <a:tcPr/>
+                </a:tc>
+                <a:extLst>
+                  <a:ext uri="{0D108BD9-81ED-4DB2-BD59-A6C34878D82A}">
+                    <a16:rowId xmlns:a16="http://schemas.microsoft.com/office/drawing/2014/main" val="490594044"/>
+                  </a:ext>
+                </a:extLst>
+              </a:tr>
+              <a:tr h="370840">
+                <a:tc>
+                  <a:txBody>
+                    <a:bodyPr/>
+                    <a:lstStyle/>
+                    <a:p>
+                      <a:r>
+                        <a:rPr kumimoji="1" lang="ja-JP" altLang="en-US"/>
+                        <a:t>アプリケーション</a:t>
+                      </a:r>
+                    </a:p>
+                  </a:txBody>
+                  <a:tcPr/>
+                </a:tc>
+                <a:tc>
+                  <a:txBody>
+                    <a:bodyPr/>
+                    <a:lstStyle/>
+                    <a:p>
+                      <a:r>
+                        <a:rPr kumimoji="1" lang="en-US" altLang="ja-JP"/>
+                        <a:t>HTTP, HTTPS, SMTP, DNS</a:t>
+                      </a:r>
+                      <a:endParaRPr kumimoji="1" lang="ja-JP" altLang="en-US"/>
+                    </a:p>
+                  </a:txBody>
+                  <a:tcPr/>
+                </a:tc>
+                <a:extLst>
+                  <a:ext uri="{0D108BD9-81ED-4DB2-BD59-A6C34878D82A}">
+                    <a16:rowId xmlns:a16="http://schemas.microsoft.com/office/drawing/2014/main" val="1993439552"/>
+                  </a:ext>
+                </a:extLst>
+              </a:tr>
+              <a:tr h="370840">
+                <a:tc>
+                  <a:txBody>
+                    <a:bodyPr/>
+                    <a:lstStyle/>
+                    <a:p>
+                      <a:r>
+                        <a:rPr kumimoji="1" lang="ja-JP" altLang="en-US"/>
+                        <a:t>トランスポート</a:t>
+                      </a:r>
+                    </a:p>
+                  </a:txBody>
+                  <a:tcPr/>
+                </a:tc>
+                <a:tc>
+                  <a:txBody>
+                    <a:bodyPr/>
+                    <a:lstStyle/>
+                    <a:p>
+                      <a:r>
+                        <a:rPr kumimoji="1" lang="en-US" altLang="ja-JP"/>
+                        <a:t>TCP, UDP (</a:t>
+                      </a:r>
+                      <a:r>
+                        <a:rPr kumimoji="1" lang="ja-JP" altLang="en-US"/>
+                        <a:t>レイヤ</a:t>
+                      </a:r>
+                      <a:r>
+                        <a:rPr kumimoji="1" lang="en-US" altLang="ja-JP"/>
+                        <a:t>3)</a:t>
+                      </a:r>
+                      <a:endParaRPr kumimoji="1" lang="ja-JP" altLang="en-US"/>
+                    </a:p>
+                  </a:txBody>
+                  <a:tcPr/>
+                </a:tc>
+                <a:extLst>
+                  <a:ext uri="{0D108BD9-81ED-4DB2-BD59-A6C34878D82A}">
+                    <a16:rowId xmlns:a16="http://schemas.microsoft.com/office/drawing/2014/main" val="2223416259"/>
+                  </a:ext>
+                </a:extLst>
+              </a:tr>
+              <a:tr h="370840">
+                <a:tc>
+                  <a:txBody>
+                    <a:bodyPr/>
+                    <a:lstStyle/>
+                    <a:p>
+                      <a:r>
+                        <a:rPr kumimoji="1" lang="ja-JP" altLang="en-US"/>
+                        <a:t>インターネット</a:t>
+                      </a:r>
+                    </a:p>
+                  </a:txBody>
+                  <a:tcPr/>
+                </a:tc>
+                <a:tc>
+                  <a:txBody>
+                    <a:bodyPr/>
+                    <a:lstStyle/>
+                    <a:p>
+                      <a:r>
+                        <a:rPr kumimoji="1" lang="en-US" altLang="ja-JP"/>
+                        <a:t>IP (</a:t>
+                      </a:r>
+                      <a:r>
+                        <a:rPr kumimoji="1" lang="ja-JP" altLang="en-US"/>
+                        <a:t>レイヤ</a:t>
+                      </a:r>
+                      <a:r>
+                        <a:rPr kumimoji="1" lang="en-US" altLang="ja-JP"/>
+                        <a:t>2)</a:t>
+                      </a:r>
+                      <a:endParaRPr kumimoji="1" lang="ja-JP" altLang="en-US"/>
+                    </a:p>
+                  </a:txBody>
+                  <a:tcPr/>
+                </a:tc>
+                <a:extLst>
+                  <a:ext uri="{0D108BD9-81ED-4DB2-BD59-A6C34878D82A}">
+                    <a16:rowId xmlns:a16="http://schemas.microsoft.com/office/drawing/2014/main" val="3474833712"/>
+                  </a:ext>
+                </a:extLst>
+              </a:tr>
+              <a:tr h="370840">
+                <a:tc>
+                  <a:txBody>
+                    <a:bodyPr/>
+                    <a:lstStyle/>
+                    <a:p>
+                      <a:r>
+                        <a:rPr kumimoji="1" lang="ja-JP" altLang="en-US"/>
+                        <a:t>リンク</a:t>
+                      </a:r>
+                    </a:p>
+                  </a:txBody>
+                  <a:tcPr/>
+                </a:tc>
+                <a:tc>
+                  <a:txBody>
+                    <a:bodyPr/>
+                    <a:lstStyle/>
+                    <a:p>
+                      <a:r>
+                        <a:rPr kumimoji="1" lang="ja-JP" altLang="en-US"/>
+                        <a:t>イーサネット</a:t>
+                      </a:r>
+                      <a:r>
+                        <a:rPr kumimoji="1" lang="en-US" altLang="ja-JP"/>
+                        <a:t>, IEEE802.11</a:t>
+                      </a:r>
+                      <a:endParaRPr kumimoji="1" lang="ja-JP" altLang="en-US"/>
+                    </a:p>
+                  </a:txBody>
+                  <a:tcPr/>
+                </a:tc>
+                <a:extLst>
+                  <a:ext uri="{0D108BD9-81ED-4DB2-BD59-A6C34878D82A}">
+                    <a16:rowId xmlns:a16="http://schemas.microsoft.com/office/drawing/2014/main" val="613094856"/>
+                  </a:ext>
+                </a:extLst>
+              </a:tr>
+            </a:tbl>
+          </a:graphicData>
+        </a:graphic>
+      </p:graphicFrame>
+    </p:spTree>
+    <p:extLst>
+      <p:ext uri="{BB962C8B-B14F-4D97-AF65-F5344CB8AC3E}">
+        <p14:creationId xmlns:p14="http://schemas.microsoft.com/office/powerpoint/2010/main" val="2959220727"/>
+      </p:ext>
+    </p:extLst>
+  </p:cSld>
+  <p:clrMapOvr>
+    <a:masterClrMapping/>
+  </p:clrMapOvr>
+</p:sld>
+</file>
+
+<file path=ppt/slides/slide33.xml><?xml version="1.0" encoding="utf-8"?>
+<p:sld xmlns:a="http://schemas.openxmlformats.org/drawingml/2006/main" xmlns:r="http://schemas.openxmlformats.org/officeDocument/2006/relationships" xmlns:p="http://schemas.openxmlformats.org/presentationml/2006/main">
+  <p:cSld>
+    <p:spTree>
+      <p:nvGrpSpPr>
+        <p:cNvPr id="1" name=""/>
+        <p:cNvGrpSpPr/>
+        <p:nvPr/>
+      </p:nvGrpSpPr>
+      <p:grpSpPr>
+        <a:xfrm>
+          <a:off x="0" y="0"/>
+          <a:ext cx="0" cy="0"/>
+          <a:chOff x="0" y="0"/>
+          <a:chExt cx="0" cy="0"/>
+        </a:xfrm>
+      </p:grpSpPr>
+      <p:sp>
+        <p:nvSpPr>
+          <p:cNvPr id="2" name="コンテンツ プレースホルダー 1">
+            <a:extLst>
+              <a:ext uri="{FF2B5EF4-FFF2-40B4-BE49-F238E27FC236}">
+                <a16:creationId xmlns:a16="http://schemas.microsoft.com/office/drawing/2014/main" id="{A0254326-D99D-4BDD-89C3-30FDE11DA374}"/>
+              </a:ext>
+            </a:extLst>
+          </p:cNvPr>
+          <p:cNvSpPr>
+            <a:spLocks noGrp="1"/>
+          </p:cNvSpPr>
+          <p:nvPr>
+            <p:ph idx="1"/>
+          </p:nvPr>
+        </p:nvSpPr>
+        <p:spPr/>
+        <p:txBody>
+          <a:bodyPr/>
+          <a:lstStyle/>
+          <a:p>
+            <a:r>
+              <a:rPr kumimoji="1" lang="ja-JP" altLang="en-US"/>
+              <a:t>ブロードバンドルーター</a:t>
+            </a:r>
+            <a:endParaRPr kumimoji="1" lang="en-US" altLang="ja-JP"/>
+          </a:p>
+          <a:p>
+            <a:pPr lvl="1"/>
+            <a:r>
+              <a:rPr lang="en-US" altLang="ja-JP"/>
+              <a:t>LAN</a:t>
+            </a:r>
+            <a:r>
+              <a:rPr lang="ja-JP" altLang="en-US"/>
+              <a:t>とインターネットを相互接続するための機能を持つ</a:t>
+            </a:r>
+            <a:endParaRPr lang="en-US" altLang="ja-JP"/>
+          </a:p>
+          <a:p>
+            <a:r>
+              <a:rPr kumimoji="1" lang="ja-JP" altLang="en-US"/>
+              <a:t>プロトコル</a:t>
+            </a:r>
+            <a:endParaRPr kumimoji="1" lang="en-US" altLang="ja-JP"/>
+          </a:p>
+          <a:p>
+            <a:pPr lvl="1"/>
+            <a:r>
+              <a:rPr kumimoji="1" lang="en-US" altLang="ja-JP"/>
+              <a:t>DNS</a:t>
+            </a:r>
+          </a:p>
+          <a:p>
+            <a:pPr lvl="2"/>
+            <a:r>
+              <a:rPr kumimoji="1" lang="ja-JP" altLang="en-US"/>
+              <a:t>ドメイン名</a:t>
+            </a:r>
+            <a:br>
+              <a:rPr lang="en-US" altLang="ja-JP"/>
+            </a:br>
+            <a:r>
+              <a:rPr kumimoji="1" lang="ja-JP" altLang="en-US"/>
+              <a:t>→</a:t>
+            </a:r>
+            <a:r>
+              <a:rPr kumimoji="1" lang="en-US" altLang="ja-JP"/>
+              <a:t>IP</a:t>
+            </a:r>
+            <a:r>
+              <a:rPr kumimoji="1" lang="ja-JP" altLang="en-US"/>
+              <a:t>アドレス</a:t>
+            </a:r>
+            <a:endParaRPr kumimoji="1" lang="en-US" altLang="ja-JP"/>
+          </a:p>
+          <a:p>
+            <a:pPr lvl="1"/>
+            <a:r>
+              <a:rPr lang="en-US" altLang="ja-JP"/>
+              <a:t>ARP</a:t>
+            </a:r>
+          </a:p>
+          <a:p>
+            <a:pPr lvl="2"/>
+            <a:r>
+              <a:rPr kumimoji="1" lang="en-US" altLang="ja-JP"/>
+              <a:t>IP</a:t>
+            </a:r>
+            <a:r>
+              <a:rPr kumimoji="1" lang="ja-JP" altLang="en-US"/>
+              <a:t>アドレス</a:t>
+            </a:r>
+            <a:br>
+              <a:rPr kumimoji="1" lang="en-US" altLang="ja-JP"/>
+            </a:br>
+            <a:r>
+              <a:rPr kumimoji="1" lang="ja-JP" altLang="en-US"/>
+              <a:t>→</a:t>
+            </a:r>
+            <a:r>
+              <a:rPr kumimoji="1" lang="en-US" altLang="ja-JP"/>
+              <a:t>MAC</a:t>
+            </a:r>
+            <a:r>
+              <a:rPr kumimoji="1" lang="ja-JP" altLang="en-US"/>
+              <a:t>アドレス</a:t>
+            </a:r>
+            <a:endParaRPr kumimoji="1" lang="en-US" altLang="ja-JP"/>
+          </a:p>
+          <a:p>
+            <a:pPr lvl="1"/>
+            <a:endParaRPr kumimoji="1" lang="ja-JP" altLang="en-US"/>
+          </a:p>
+        </p:txBody>
+      </p:sp>
+      <p:sp>
+        <p:nvSpPr>
+          <p:cNvPr id="3" name="スライド番号プレースホルダー 2">
+            <a:extLst>
+              <a:ext uri="{FF2B5EF4-FFF2-40B4-BE49-F238E27FC236}">
+                <a16:creationId xmlns:a16="http://schemas.microsoft.com/office/drawing/2014/main" id="{54844CE4-0606-4B4C-AD83-9B05FE04E1DC}"/>
+              </a:ext>
+            </a:extLst>
+          </p:cNvPr>
+          <p:cNvSpPr>
+            <a:spLocks noGrp="1"/>
+          </p:cNvSpPr>
+          <p:nvPr>
+            <p:ph type="sldNum" sz="quarter" idx="12"/>
+          </p:nvPr>
+        </p:nvSpPr>
+        <p:spPr/>
+        <p:txBody>
+          <a:bodyPr/>
+          <a:lstStyle/>
+          <a:p>
+            <a:pPr>
+              <a:defRPr/>
+            </a:pPr>
+            <a:r>
+              <a:rPr lang="en-US" altLang="ja-JP"/>
+              <a:t>    </a:t>
+            </a:r>
+            <a:fld id="{B2782DEB-472A-4FE5-AC34-C17109CF5A91}" type="slidenum">
+              <a:rPr lang="en-US" altLang="ja-JP" smtClean="0"/>
+              <a:pPr>
+                <a:defRPr/>
+              </a:pPr>
+              <a:t>33</a:t>
+            </a:fld>
+            <a:r>
+              <a:rPr lang="en-US" altLang="ja-JP"/>
+              <a:t> / 24</a:t>
+            </a:r>
+          </a:p>
+        </p:txBody>
+      </p:sp>
+      <p:sp>
+        <p:nvSpPr>
+          <p:cNvPr id="4" name="タイトル 3">
+            <a:extLst>
+              <a:ext uri="{FF2B5EF4-FFF2-40B4-BE49-F238E27FC236}">
+                <a16:creationId xmlns:a16="http://schemas.microsoft.com/office/drawing/2014/main" id="{AF76D7CD-E853-40BC-950F-5E67BB3489F9}"/>
+              </a:ext>
+            </a:extLst>
+          </p:cNvPr>
+          <p:cNvSpPr>
+            <a:spLocks noGrp="1"/>
+          </p:cNvSpPr>
+          <p:nvPr>
+            <p:ph type="title"/>
+          </p:nvPr>
+        </p:nvSpPr>
+        <p:spPr/>
+        <p:txBody>
+          <a:bodyPr/>
+          <a:lstStyle/>
+          <a:p>
+            <a:r>
+              <a:rPr kumimoji="1" lang="en-US" altLang="ja-JP"/>
+              <a:t>LAN</a:t>
+            </a:r>
+            <a:r>
+              <a:rPr kumimoji="1" lang="ja-JP" altLang="en-US"/>
+              <a:t>からインターネットへ</a:t>
+            </a:r>
+          </a:p>
+        </p:txBody>
+      </p:sp>
+      <p:pic>
+        <p:nvPicPr>
+          <p:cNvPr id="6" name="図 5">
+            <a:extLst>
+              <a:ext uri="{FF2B5EF4-FFF2-40B4-BE49-F238E27FC236}">
+                <a16:creationId xmlns:a16="http://schemas.microsoft.com/office/drawing/2014/main" id="{0B3990CB-52DF-456D-82A5-66ADDB3153AF}"/>
+              </a:ext>
+            </a:extLst>
+          </p:cNvPr>
+          <p:cNvPicPr>
+            <a:picLocks noChangeAspect="1"/>
+          </p:cNvPicPr>
+          <p:nvPr/>
+        </p:nvPicPr>
+        <p:blipFill>
+          <a:blip r:embed="rId2">
+            <a:extLst>
+              <a:ext uri="{28A0092B-C50C-407E-A947-70E740481C1C}">
+                <a14:useLocalDpi xmlns:a14="http://schemas.microsoft.com/office/drawing/2010/main" val="0"/>
+              </a:ext>
+            </a:extLst>
+          </a:blip>
+          <a:stretch>
+            <a:fillRect/>
+          </a:stretch>
+        </p:blipFill>
+        <p:spPr>
+          <a:xfrm>
+            <a:off x="3203848" y="1720991"/>
+            <a:ext cx="5688632" cy="4566529"/>
+          </a:xfrm>
+          <a:prstGeom prst="rect">
+            <a:avLst/>
+          </a:prstGeom>
+        </p:spPr>
+      </p:pic>
+    </p:spTree>
+    <p:extLst>
+      <p:ext uri="{BB962C8B-B14F-4D97-AF65-F5344CB8AC3E}">
+        <p14:creationId xmlns:p14="http://schemas.microsoft.com/office/powerpoint/2010/main" val="3235654314"/>
+      </p:ext>
+    </p:extLst>
+  </p:cSld>
+  <p:clrMapOvr>
+    <a:masterClrMapping/>
+  </p:clrMapOvr>
+</p:sld>
+</file>
+
+<file path=ppt/slides/slide34.xml><?xml version="1.0" encoding="utf-8"?>
+<p:sld xmlns:a="http://schemas.openxmlformats.org/drawingml/2006/main" xmlns:r="http://schemas.openxmlformats.org/officeDocument/2006/relationships" xmlns:p="http://schemas.openxmlformats.org/presentationml/2006/main">
+  <p:cSld>
+    <p:spTree>
+      <p:nvGrpSpPr>
+        <p:cNvPr id="1" name=""/>
+        <p:cNvGrpSpPr/>
+        <p:nvPr/>
+      </p:nvGrpSpPr>
+      <p:grpSpPr>
+        <a:xfrm>
+          <a:off x="0" y="0"/>
+          <a:ext cx="0" cy="0"/>
+          <a:chOff x="0" y="0"/>
+          <a:chExt cx="0" cy="0"/>
+        </a:xfrm>
+      </p:grpSpPr>
+      <p:sp>
+        <p:nvSpPr>
+          <p:cNvPr id="2" name="コンテンツ プレースホルダー 1">
+            <a:extLst>
+              <a:ext uri="{FF2B5EF4-FFF2-40B4-BE49-F238E27FC236}">
+                <a16:creationId xmlns:a16="http://schemas.microsoft.com/office/drawing/2014/main" id="{3809B6EA-0340-4A09-9C7A-67535D5CB6FB}"/>
+              </a:ext>
+            </a:extLst>
+          </p:cNvPr>
+          <p:cNvSpPr>
+            <a:spLocks noGrp="1"/>
+          </p:cNvSpPr>
+          <p:nvPr>
+            <p:ph idx="1"/>
+          </p:nvPr>
+        </p:nvSpPr>
+        <p:spPr/>
+        <p:txBody>
+          <a:bodyPr/>
+          <a:lstStyle/>
+          <a:p>
+            <a:r>
+              <a:rPr kumimoji="1" lang="en-US" altLang="ja-JP"/>
+              <a:t>HTTP/1.1 Web</a:t>
+            </a:r>
+            <a:r>
+              <a:rPr kumimoji="1" lang="ja-JP" altLang="en-US"/>
+              <a:t>ページを取得する標準プロトコル</a:t>
+            </a:r>
+            <a:r>
+              <a:rPr kumimoji="1" lang="en-US" altLang="ja-JP"/>
+              <a:t>(1997)</a:t>
+            </a:r>
+          </a:p>
+          <a:p>
+            <a:pPr lvl="1"/>
+            <a:r>
+              <a:rPr kumimoji="1" lang="ja-JP" altLang="en-US"/>
+              <a:t>高速通信には向かない</a:t>
+            </a:r>
+            <a:endParaRPr kumimoji="1" lang="en-US" altLang="ja-JP"/>
+          </a:p>
+          <a:p>
+            <a:pPr lvl="1"/>
+            <a:r>
+              <a:rPr kumimoji="1" lang="en-US" altLang="ja-JP"/>
+              <a:t>2012</a:t>
+            </a:r>
+            <a:r>
+              <a:rPr kumimoji="1" lang="ja-JP" altLang="en-US"/>
+              <a:t>年</a:t>
+            </a:r>
+            <a:r>
+              <a:rPr kumimoji="1" lang="en-US" altLang="ja-JP"/>
+              <a:t>Google</a:t>
+            </a:r>
+            <a:r>
+              <a:rPr kumimoji="1" lang="ja-JP" altLang="en-US"/>
+              <a:t>が</a:t>
+            </a:r>
+            <a:r>
+              <a:rPr kumimoji="1" lang="en-US" altLang="ja-JP"/>
+              <a:t>SPDY(</a:t>
+            </a:r>
+            <a:r>
+              <a:rPr kumimoji="1" lang="ja-JP" altLang="en-US"/>
+              <a:t>スピーディー</a:t>
+            </a:r>
+            <a:r>
+              <a:rPr kumimoji="1" lang="en-US" altLang="ja-JP"/>
+              <a:t>)</a:t>
+            </a:r>
+            <a:r>
+              <a:rPr kumimoji="1" lang="ja-JP" altLang="en-US"/>
+              <a:t>を提案→</a:t>
+            </a:r>
+            <a:r>
+              <a:rPr kumimoji="1" lang="en-US" altLang="ja-JP"/>
+              <a:t>HTTP/2</a:t>
+            </a:r>
+            <a:r>
+              <a:rPr kumimoji="1" lang="ja-JP" altLang="en-US"/>
+              <a:t>に標準化</a:t>
+            </a:r>
+            <a:endParaRPr kumimoji="1" lang="en-US" altLang="ja-JP"/>
+          </a:p>
+          <a:p>
+            <a:r>
+              <a:rPr kumimoji="1" lang="ja-JP" altLang="en-US"/>
+              <a:t>特長</a:t>
+            </a:r>
+            <a:endParaRPr kumimoji="1" lang="en-US" altLang="ja-JP"/>
+          </a:p>
+          <a:p>
+            <a:pPr lvl="1"/>
+            <a:r>
+              <a:rPr kumimoji="1" lang="ja-JP" altLang="en-US"/>
+              <a:t>ストリーム</a:t>
+            </a:r>
+            <a:r>
+              <a:rPr kumimoji="1" lang="en-US" altLang="ja-JP"/>
+              <a:t>(</a:t>
+            </a:r>
+            <a:r>
+              <a:rPr kumimoji="1" lang="ja-JP" altLang="en-US"/>
+              <a:t>データ要求と受け取りの仕組み</a:t>
+            </a:r>
+            <a:r>
+              <a:rPr kumimoji="1" lang="en-US" altLang="ja-JP"/>
+              <a:t>) </a:t>
+            </a:r>
+            <a:r>
+              <a:rPr kumimoji="1" lang="ja-JP" altLang="en-US"/>
+              <a:t>の多重化</a:t>
+            </a:r>
+            <a:endParaRPr kumimoji="1" lang="en-US" altLang="ja-JP"/>
+          </a:p>
+          <a:p>
+            <a:pPr lvl="1"/>
+            <a:r>
+              <a:rPr kumimoji="1" lang="ja-JP" altLang="en-US"/>
+              <a:t>テキストベースからバイナリベースへ</a:t>
+            </a:r>
+          </a:p>
+        </p:txBody>
+      </p:sp>
+      <p:sp>
+        <p:nvSpPr>
+          <p:cNvPr id="3" name="スライド番号プレースホルダー 2">
+            <a:extLst>
+              <a:ext uri="{FF2B5EF4-FFF2-40B4-BE49-F238E27FC236}">
+                <a16:creationId xmlns:a16="http://schemas.microsoft.com/office/drawing/2014/main" id="{FDE6556C-B909-4FBA-8951-0773695CF650}"/>
+              </a:ext>
+            </a:extLst>
+          </p:cNvPr>
+          <p:cNvSpPr>
+            <a:spLocks noGrp="1"/>
+          </p:cNvSpPr>
+          <p:nvPr>
+            <p:ph type="sldNum" sz="quarter" idx="12"/>
+          </p:nvPr>
+        </p:nvSpPr>
+        <p:spPr/>
+        <p:txBody>
+          <a:bodyPr/>
+          <a:lstStyle/>
+          <a:p>
+            <a:pPr>
+              <a:defRPr/>
+            </a:pPr>
+            <a:r>
+              <a:rPr lang="en-US" altLang="ja-JP"/>
+              <a:t>    </a:t>
+            </a:r>
+            <a:fld id="{B2782DEB-472A-4FE5-AC34-C17109CF5A91}" type="slidenum">
+              <a:rPr lang="en-US" altLang="ja-JP" smtClean="0"/>
+              <a:pPr>
+                <a:defRPr/>
+              </a:pPr>
+              <a:t>34</a:t>
+            </a:fld>
+            <a:r>
+              <a:rPr lang="en-US" altLang="ja-JP"/>
+              <a:t> / 24</a:t>
+            </a:r>
+          </a:p>
+        </p:txBody>
+      </p:sp>
+      <p:sp>
+        <p:nvSpPr>
+          <p:cNvPr id="4" name="タイトル 3">
+            <a:extLst>
+              <a:ext uri="{FF2B5EF4-FFF2-40B4-BE49-F238E27FC236}">
+                <a16:creationId xmlns:a16="http://schemas.microsoft.com/office/drawing/2014/main" id="{091BDF3D-9260-4091-94C8-6EF7D11EB41F}"/>
+              </a:ext>
+            </a:extLst>
+          </p:cNvPr>
+          <p:cNvSpPr>
+            <a:spLocks noGrp="1"/>
+          </p:cNvSpPr>
+          <p:nvPr>
+            <p:ph type="title"/>
+          </p:nvPr>
+        </p:nvSpPr>
+        <p:spPr/>
+        <p:txBody>
+          <a:bodyPr/>
+          <a:lstStyle/>
+          <a:p>
+            <a:r>
+              <a:rPr kumimoji="1" lang="en-US" altLang="ja-JP"/>
+              <a:t>HTTP/2</a:t>
+            </a:r>
+            <a:endParaRPr kumimoji="1" lang="ja-JP" altLang="en-US"/>
+          </a:p>
+        </p:txBody>
+      </p:sp>
+      <p:pic>
+        <p:nvPicPr>
+          <p:cNvPr id="6" name="図 5">
+            <a:extLst>
+              <a:ext uri="{FF2B5EF4-FFF2-40B4-BE49-F238E27FC236}">
+                <a16:creationId xmlns:a16="http://schemas.microsoft.com/office/drawing/2014/main" id="{CEAC0EA1-11A7-410A-88C4-0F9847C86D33}"/>
+              </a:ext>
+            </a:extLst>
+          </p:cNvPr>
+          <p:cNvPicPr>
+            <a:picLocks noChangeAspect="1"/>
+          </p:cNvPicPr>
+          <p:nvPr/>
+        </p:nvPicPr>
+        <p:blipFill>
+          <a:blip r:embed="rId2">
+            <a:extLst>
+              <a:ext uri="{28A0092B-C50C-407E-A947-70E740481C1C}">
+                <a14:useLocalDpi xmlns:a14="http://schemas.microsoft.com/office/drawing/2010/main" val="0"/>
+              </a:ext>
+            </a:extLst>
+          </a:blip>
+          <a:stretch>
+            <a:fillRect/>
+          </a:stretch>
+        </p:blipFill>
+        <p:spPr>
+          <a:xfrm>
+            <a:off x="1475656" y="3681024"/>
+            <a:ext cx="5760640" cy="3168351"/>
+          </a:xfrm>
+          <a:prstGeom prst="rect">
+            <a:avLst/>
+          </a:prstGeom>
+        </p:spPr>
+      </p:pic>
+    </p:spTree>
+    <p:extLst>
+      <p:ext uri="{BB962C8B-B14F-4D97-AF65-F5344CB8AC3E}">
+        <p14:creationId xmlns:p14="http://schemas.microsoft.com/office/powerpoint/2010/main" val="3482214171"/>
+      </p:ext>
+    </p:extLst>
+  </p:cSld>
+  <p:clrMapOvr>
+    <a:masterClrMapping/>
+  </p:clrMapOvr>
+</p:sld>
+</file>
+
+<file path=ppt/slides/slide35.xml><?xml version="1.0" encoding="utf-8"?>
+<p:sld xmlns:a="http://schemas.openxmlformats.org/drawingml/2006/main" xmlns:r="http://schemas.openxmlformats.org/officeDocument/2006/relationships" xmlns:p="http://schemas.openxmlformats.org/presentationml/2006/main">
+  <p:cSld>
+    <p:spTree>
+      <p:nvGrpSpPr>
+        <p:cNvPr id="1" name=""/>
+        <p:cNvGrpSpPr/>
+        <p:nvPr/>
+      </p:nvGrpSpPr>
+      <p:grpSpPr>
+        <a:xfrm>
+          <a:off x="0" y="0"/>
+          <a:ext cx="0" cy="0"/>
+          <a:chOff x="0" y="0"/>
+          <a:chExt cx="0" cy="0"/>
+        </a:xfrm>
+      </p:grpSpPr>
+      <p:sp>
+        <p:nvSpPr>
+          <p:cNvPr id="2" name="コンテンツ プレースホルダー 1">
+            <a:extLst>
+              <a:ext uri="{FF2B5EF4-FFF2-40B4-BE49-F238E27FC236}">
+                <a16:creationId xmlns:a16="http://schemas.microsoft.com/office/drawing/2014/main" id="{1F382A53-4E6B-4F4D-B6B4-87917EC07DD3}"/>
+              </a:ext>
+            </a:extLst>
+          </p:cNvPr>
+          <p:cNvSpPr>
+            <a:spLocks noGrp="1"/>
+          </p:cNvSpPr>
+          <p:nvPr>
+            <p:ph idx="1"/>
+          </p:nvPr>
+        </p:nvSpPr>
+        <p:spPr/>
+        <p:txBody>
+          <a:bodyPr/>
+          <a:lstStyle/>
+          <a:p>
+            <a:r>
+              <a:rPr kumimoji="1" lang="en-US" altLang="ja-JP"/>
+              <a:t>TCP</a:t>
+            </a:r>
+            <a:r>
+              <a:rPr kumimoji="1" lang="ja-JP" altLang="en-US"/>
+              <a:t>の</a:t>
+            </a:r>
+            <a:r>
+              <a:rPr kumimoji="1" lang="en-US" altLang="ja-JP"/>
+              <a:t>3-way</a:t>
+            </a:r>
+            <a:r>
+              <a:rPr kumimoji="1" lang="ja-JP" altLang="en-US"/>
+              <a:t>ハンドェイク</a:t>
+            </a:r>
+            <a:endParaRPr kumimoji="1" lang="en-US" altLang="ja-JP"/>
+          </a:p>
+          <a:p>
+            <a:endParaRPr lang="en-US" altLang="ja-JP"/>
+          </a:p>
+          <a:p>
+            <a:endParaRPr kumimoji="1" lang="en-US" altLang="ja-JP"/>
+          </a:p>
+          <a:p>
+            <a:endParaRPr lang="en-US" altLang="ja-JP"/>
+          </a:p>
+          <a:p>
+            <a:endParaRPr kumimoji="1" lang="en-US" altLang="ja-JP"/>
+          </a:p>
+          <a:p>
+            <a:pPr lvl="1"/>
+            <a:endParaRPr lang="en-US" altLang="ja-JP"/>
+          </a:p>
+          <a:p>
+            <a:pPr lvl="1"/>
+            <a:r>
+              <a:rPr kumimoji="1" lang="en-US" altLang="ja-JP"/>
+              <a:t>TLS 1.3</a:t>
+            </a:r>
+            <a:r>
+              <a:rPr kumimoji="1" lang="ja-JP" altLang="en-US"/>
+              <a:t>は</a:t>
+            </a:r>
+            <a:r>
+              <a:rPr kumimoji="1" lang="en-US" altLang="ja-JP"/>
+              <a:t>TLS 1.2</a:t>
+            </a:r>
+            <a:r>
+              <a:rPr kumimoji="1" lang="ja-JP" altLang="en-US"/>
+              <a:t>から通信回数削減</a:t>
+            </a:r>
+            <a:endParaRPr kumimoji="1" lang="en-US" altLang="ja-JP"/>
+          </a:p>
+          <a:p>
+            <a:pPr lvl="2"/>
+            <a:r>
+              <a:rPr kumimoji="1" lang="en-US" altLang="ja-JP"/>
+              <a:t>but TCP</a:t>
+            </a:r>
+            <a:r>
+              <a:rPr kumimoji="1" lang="ja-JP" altLang="en-US"/>
+              <a:t>のハンドシェイクは変わらず</a:t>
+            </a:r>
+            <a:endParaRPr kumimoji="1" lang="en-US" altLang="ja-JP"/>
+          </a:p>
+          <a:p>
+            <a:r>
+              <a:rPr kumimoji="1" lang="en-US" altLang="ja-JP"/>
+              <a:t>HOL(Head-Of-Line blocking)</a:t>
+            </a:r>
+            <a:r>
+              <a:rPr kumimoji="1" lang="ja-JP" altLang="en-US"/>
+              <a:t>ブロッキング</a:t>
+            </a:r>
+            <a:endParaRPr kumimoji="1" lang="en-US" altLang="ja-JP"/>
+          </a:p>
+          <a:p>
+            <a:pPr lvl="1"/>
+            <a:r>
+              <a:rPr lang="en-US" altLang="ja-JP"/>
+              <a:t>HTTP/2</a:t>
+            </a:r>
+            <a:r>
+              <a:rPr lang="ja-JP" altLang="en-US"/>
+              <a:t>でストリームの多重化</a:t>
+            </a:r>
+            <a:endParaRPr lang="en-US" altLang="ja-JP"/>
+          </a:p>
+          <a:p>
+            <a:pPr lvl="1"/>
+            <a:r>
+              <a:rPr lang="en-US" altLang="ja-JP"/>
+              <a:t>but TCP</a:t>
+            </a:r>
+            <a:r>
+              <a:rPr lang="ja-JP" altLang="en-US"/>
+              <a:t>パケットの一部が欠損すると</a:t>
+            </a:r>
+            <a:br>
+              <a:rPr lang="en-US" altLang="ja-JP"/>
+            </a:br>
+            <a:r>
+              <a:rPr lang="ja-JP" altLang="en-US"/>
+              <a:t>再送されるまでストリーム全体が止まる</a:t>
+            </a:r>
+            <a:endParaRPr kumimoji="1" lang="ja-JP" altLang="en-US"/>
+          </a:p>
+        </p:txBody>
+      </p:sp>
+      <p:sp>
+        <p:nvSpPr>
+          <p:cNvPr id="3" name="スライド番号プレースホルダー 2">
+            <a:extLst>
+              <a:ext uri="{FF2B5EF4-FFF2-40B4-BE49-F238E27FC236}">
+                <a16:creationId xmlns:a16="http://schemas.microsoft.com/office/drawing/2014/main" id="{54ECBBBD-AD04-42B3-A53F-5A794547AA4A}"/>
+              </a:ext>
+            </a:extLst>
+          </p:cNvPr>
+          <p:cNvSpPr>
+            <a:spLocks noGrp="1"/>
+          </p:cNvSpPr>
+          <p:nvPr>
+            <p:ph type="sldNum" sz="quarter" idx="12"/>
+          </p:nvPr>
+        </p:nvSpPr>
+        <p:spPr/>
+        <p:txBody>
+          <a:bodyPr/>
+          <a:lstStyle/>
+          <a:p>
+            <a:pPr>
+              <a:defRPr/>
+            </a:pPr>
+            <a:r>
+              <a:rPr lang="en-US" altLang="ja-JP"/>
+              <a:t>    </a:t>
+            </a:r>
+            <a:fld id="{B2782DEB-472A-4FE5-AC34-C17109CF5A91}" type="slidenum">
+              <a:rPr lang="en-US" altLang="ja-JP" smtClean="0"/>
+              <a:pPr>
+                <a:defRPr/>
+              </a:pPr>
+              <a:t>35</a:t>
+            </a:fld>
+            <a:r>
+              <a:rPr lang="en-US" altLang="ja-JP"/>
+              <a:t> / 24</a:t>
+            </a:r>
+          </a:p>
+        </p:txBody>
+      </p:sp>
+      <p:sp>
+        <p:nvSpPr>
+          <p:cNvPr id="4" name="タイトル 3">
+            <a:extLst>
+              <a:ext uri="{FF2B5EF4-FFF2-40B4-BE49-F238E27FC236}">
+                <a16:creationId xmlns:a16="http://schemas.microsoft.com/office/drawing/2014/main" id="{0295F400-0AAB-4844-9DD5-81E0C519F7A6}"/>
+              </a:ext>
+            </a:extLst>
+          </p:cNvPr>
+          <p:cNvSpPr>
+            <a:spLocks noGrp="1"/>
+          </p:cNvSpPr>
+          <p:nvPr>
+            <p:ph type="title"/>
+          </p:nvPr>
+        </p:nvSpPr>
+        <p:spPr/>
+        <p:txBody>
+          <a:bodyPr/>
+          <a:lstStyle/>
+          <a:p>
+            <a:r>
+              <a:rPr lang="en-US" altLang="ja-JP"/>
+              <a:t>TCP</a:t>
+            </a:r>
+            <a:r>
+              <a:rPr lang="ja-JP" altLang="en-US"/>
+              <a:t>と</a:t>
+            </a:r>
+            <a:r>
+              <a:rPr lang="en-US" altLang="ja-JP"/>
+              <a:t>UDP</a:t>
+            </a:r>
+            <a:r>
+              <a:rPr lang="ja-JP" altLang="en-US"/>
+              <a:t>の接続が始まるまで</a:t>
+            </a:r>
+            <a:endParaRPr kumimoji="1" lang="ja-JP" altLang="en-US"/>
+          </a:p>
+        </p:txBody>
+      </p:sp>
+      <p:pic>
+        <p:nvPicPr>
+          <p:cNvPr id="6" name="図 5">
+            <a:extLst>
+              <a:ext uri="{FF2B5EF4-FFF2-40B4-BE49-F238E27FC236}">
+                <a16:creationId xmlns:a16="http://schemas.microsoft.com/office/drawing/2014/main" id="{2C70979B-6012-46C5-ADE0-1D2473E8D04A}"/>
+              </a:ext>
+            </a:extLst>
+          </p:cNvPr>
+          <p:cNvPicPr>
+            <a:picLocks noChangeAspect="1"/>
+          </p:cNvPicPr>
+          <p:nvPr/>
+        </p:nvPicPr>
+        <p:blipFill>
+          <a:blip r:embed="rId2">
+            <a:extLst>
+              <a:ext uri="{28A0092B-C50C-407E-A947-70E740481C1C}">
+                <a14:useLocalDpi xmlns:a14="http://schemas.microsoft.com/office/drawing/2010/main" val="0"/>
+              </a:ext>
+            </a:extLst>
+          </a:blip>
+          <a:stretch>
+            <a:fillRect/>
+          </a:stretch>
+        </p:blipFill>
+        <p:spPr>
+          <a:xfrm>
+            <a:off x="1115615" y="1196752"/>
+            <a:ext cx="6105025" cy="2808312"/>
+          </a:xfrm>
+          <a:prstGeom prst="rect">
+            <a:avLst/>
+          </a:prstGeom>
+        </p:spPr>
+      </p:pic>
+    </p:spTree>
+    <p:extLst>
+      <p:ext uri="{BB962C8B-B14F-4D97-AF65-F5344CB8AC3E}">
+        <p14:creationId xmlns:p14="http://schemas.microsoft.com/office/powerpoint/2010/main" val="681690321"/>
+      </p:ext>
+    </p:extLst>
+  </p:cSld>
+  <p:clrMapOvr>
+    <a:masterClrMapping/>
+  </p:clrMapOvr>
+</p:sld>
+</file>
+
+<file path=ppt/slides/slide36.xml><?xml version="1.0" encoding="utf-8"?>
+<p:sld xmlns:a="http://schemas.openxmlformats.org/drawingml/2006/main" xmlns:r="http://schemas.openxmlformats.org/officeDocument/2006/relationships" xmlns:p="http://schemas.openxmlformats.org/presentationml/2006/main">
+  <p:cSld>
+    <p:spTree>
+      <p:nvGrpSpPr>
+        <p:cNvPr id="1" name=""/>
+        <p:cNvGrpSpPr/>
+        <p:nvPr/>
+      </p:nvGrpSpPr>
+      <p:grpSpPr>
+        <a:xfrm>
+          <a:off x="0" y="0"/>
+          <a:ext cx="0" cy="0"/>
+          <a:chOff x="0" y="0"/>
+          <a:chExt cx="0" cy="0"/>
+        </a:xfrm>
+      </p:grpSpPr>
+      <p:sp>
+        <p:nvSpPr>
+          <p:cNvPr id="2" name="コンテンツ プレースホルダー 1">
+            <a:extLst>
+              <a:ext uri="{FF2B5EF4-FFF2-40B4-BE49-F238E27FC236}">
+                <a16:creationId xmlns:a16="http://schemas.microsoft.com/office/drawing/2014/main" id="{8E922195-4483-4101-B52E-957CD6BBF033}"/>
+              </a:ext>
+            </a:extLst>
+          </p:cNvPr>
+          <p:cNvSpPr>
+            <a:spLocks noGrp="1"/>
+          </p:cNvSpPr>
+          <p:nvPr>
+            <p:ph idx="1"/>
+          </p:nvPr>
+        </p:nvSpPr>
+        <p:spPr/>
+        <p:txBody>
+          <a:bodyPr/>
+          <a:lstStyle/>
+          <a:p>
+            <a:r>
+              <a:rPr kumimoji="1" lang="ja-JP" altLang="en-US"/>
+              <a:t>通信開始</a:t>
+            </a:r>
+            <a:endParaRPr kumimoji="1" lang="en-US" altLang="ja-JP"/>
+          </a:p>
+          <a:p>
+            <a:pPr lvl="1"/>
+            <a:r>
+              <a:rPr kumimoji="1" lang="en-US" altLang="ja-JP"/>
+              <a:t>TCP</a:t>
+            </a:r>
+            <a:r>
+              <a:rPr kumimoji="1" lang="ja-JP" altLang="en-US"/>
+              <a:t>における</a:t>
+            </a:r>
+            <a:r>
+              <a:rPr kumimoji="1" lang="en-US" altLang="ja-JP"/>
+              <a:t>3-way</a:t>
+            </a:r>
+            <a:r>
+              <a:rPr kumimoji="1" lang="ja-JP" altLang="en-US"/>
+              <a:t>ハンドシェイクと</a:t>
+            </a:r>
+            <a:r>
+              <a:rPr kumimoji="1" lang="en-US" altLang="ja-JP"/>
+              <a:t>TLS</a:t>
+            </a:r>
+            <a:r>
+              <a:rPr kumimoji="1" lang="ja-JP" altLang="en-US"/>
+              <a:t>の</a:t>
+            </a:r>
+            <a:r>
+              <a:rPr kumimoji="1" lang="en-US" altLang="ja-JP"/>
+              <a:t>Client/ServerHello</a:t>
+            </a:r>
+          </a:p>
+          <a:p>
+            <a:r>
+              <a:rPr kumimoji="1" lang="ja-JP" altLang="en-US"/>
+              <a:t>信頼性</a:t>
+            </a:r>
+            <a:endParaRPr kumimoji="1" lang="en-US" altLang="ja-JP"/>
+          </a:p>
+          <a:p>
+            <a:pPr lvl="1"/>
+            <a:r>
+              <a:rPr lang="en-US" altLang="ja-JP"/>
+              <a:t>TCP</a:t>
+            </a:r>
+            <a:r>
+              <a:rPr lang="ja-JP" altLang="en-US"/>
+              <a:t>のチェックサムと</a:t>
+            </a:r>
+            <a:r>
+              <a:rPr kumimoji="1" lang="en-US" altLang="ja-JP"/>
+              <a:t>TLS</a:t>
+            </a:r>
+            <a:r>
+              <a:rPr kumimoji="1" lang="ja-JP" altLang="en-US"/>
+              <a:t>の</a:t>
+            </a:r>
+            <a:r>
+              <a:rPr kumimoji="1" lang="en-US" altLang="ja-JP"/>
+              <a:t>AEAD</a:t>
+            </a:r>
+          </a:p>
+          <a:p>
+            <a:r>
+              <a:rPr lang="en-US" altLang="ja-JP"/>
+              <a:t>QUIC ; </a:t>
+            </a:r>
+            <a:r>
+              <a:rPr kumimoji="1" lang="en-US" altLang="ja-JP"/>
+              <a:t>2012</a:t>
+            </a:r>
+            <a:r>
+              <a:rPr kumimoji="1" lang="ja-JP" altLang="en-US"/>
+              <a:t>頃から</a:t>
+            </a:r>
+            <a:r>
+              <a:rPr kumimoji="1" lang="en-US" altLang="ja-JP"/>
+              <a:t>Google</a:t>
+            </a:r>
+            <a:r>
+              <a:rPr kumimoji="1" lang="ja-JP" altLang="en-US"/>
+              <a:t>が提唱</a:t>
+            </a:r>
+            <a:endParaRPr kumimoji="1" lang="en-US" altLang="ja-JP"/>
+          </a:p>
+          <a:p>
+            <a:pPr lvl="1"/>
+            <a:r>
+              <a:rPr lang="en-US" altLang="ja-JP"/>
+              <a:t>TCP</a:t>
+            </a:r>
+            <a:r>
+              <a:rPr lang="ja-JP" altLang="en-US"/>
+              <a:t>ベースから</a:t>
+            </a:r>
+            <a:r>
+              <a:rPr lang="en-US" altLang="ja-JP"/>
+              <a:t>UDP</a:t>
+            </a:r>
+            <a:r>
+              <a:rPr lang="ja-JP" altLang="en-US"/>
+              <a:t>ベースへ</a:t>
+            </a:r>
+            <a:endParaRPr lang="en-US" altLang="ja-JP"/>
+          </a:p>
+          <a:p>
+            <a:pPr lvl="2"/>
+            <a:r>
+              <a:rPr kumimoji="1" lang="ja-JP" altLang="en-US"/>
+              <a:t>データ欠損などは</a:t>
+            </a:r>
+            <a:r>
+              <a:rPr kumimoji="1" lang="en-US" altLang="ja-JP"/>
+              <a:t>QUIC</a:t>
+            </a:r>
+            <a:r>
+              <a:rPr kumimoji="1" lang="ja-JP" altLang="en-US"/>
+              <a:t>のレイヤで保証</a:t>
+            </a:r>
+            <a:endParaRPr kumimoji="1" lang="en-US" altLang="ja-JP"/>
+          </a:p>
+          <a:p>
+            <a:pPr lvl="1"/>
+            <a:r>
+              <a:rPr kumimoji="1" lang="ja-JP" altLang="en-US"/>
+              <a:t>コネクションを</a:t>
+            </a:r>
+            <a:r>
+              <a:rPr kumimoji="1" lang="en-US" altLang="ja-JP"/>
+              <a:t>Connection ID</a:t>
+            </a:r>
+            <a:r>
+              <a:rPr kumimoji="1" lang="ja-JP" altLang="en-US"/>
+              <a:t>と呼ばれる識別子で管理</a:t>
+            </a:r>
+            <a:endParaRPr kumimoji="1" lang="en-US" altLang="ja-JP"/>
+          </a:p>
+          <a:p>
+            <a:pPr lvl="2"/>
+            <a:r>
+              <a:rPr kumimoji="1" lang="ja-JP" altLang="en-US"/>
+              <a:t>複数のストリームを持つ・ストリームごとに独立</a:t>
+            </a:r>
+            <a:endParaRPr kumimoji="1" lang="en-US" altLang="ja-JP"/>
+          </a:p>
+          <a:p>
+            <a:pPr lvl="1"/>
+            <a:r>
+              <a:rPr kumimoji="1" lang="ja-JP" altLang="en-US"/>
+              <a:t>コネクションマイグレーション</a:t>
+            </a:r>
+            <a:endParaRPr kumimoji="1" lang="en-US" altLang="ja-JP"/>
+          </a:p>
+          <a:p>
+            <a:pPr lvl="2"/>
+            <a:r>
+              <a:rPr kumimoji="1" lang="en-US" altLang="ja-JP"/>
+              <a:t>IP</a:t>
+            </a:r>
+            <a:r>
+              <a:rPr kumimoji="1" lang="ja-JP" altLang="en-US"/>
+              <a:t>アドレスが変わってもハンドシェイクのやり直しが不要</a:t>
+            </a:r>
+            <a:endParaRPr kumimoji="1" lang="en-US" altLang="ja-JP"/>
+          </a:p>
+          <a:p>
+            <a:pPr lvl="1"/>
+            <a:r>
+              <a:rPr kumimoji="1" lang="ja-JP" altLang="en-US"/>
+              <a:t>ユーザアプリケーション</a:t>
+            </a:r>
+            <a:r>
+              <a:rPr kumimoji="1" lang="en-US" altLang="ja-JP"/>
+              <a:t>(</a:t>
+            </a:r>
+            <a:r>
+              <a:rPr kumimoji="1" lang="ja-JP" altLang="en-US"/>
+              <a:t>ライブラリ</a:t>
+            </a:r>
+            <a:r>
+              <a:rPr kumimoji="1" lang="en-US" altLang="ja-JP"/>
+              <a:t>)</a:t>
+            </a:r>
+            <a:r>
+              <a:rPr kumimoji="1" lang="ja-JP" altLang="en-US"/>
+              <a:t>で改良</a:t>
+            </a:r>
+            <a:endParaRPr kumimoji="1" lang="en-US" altLang="ja-JP"/>
+          </a:p>
+          <a:p>
+            <a:pPr lvl="2"/>
+            <a:r>
+              <a:rPr lang="en-US" altLang="ja-JP"/>
+              <a:t>TCP</a:t>
+            </a:r>
+            <a:r>
+              <a:rPr lang="ja-JP" altLang="en-US"/>
+              <a:t>は</a:t>
+            </a:r>
+            <a:r>
+              <a:rPr lang="en-US" altLang="ja-JP"/>
+              <a:t>OS</a:t>
+            </a:r>
+            <a:r>
+              <a:rPr lang="ja-JP" altLang="en-US"/>
+              <a:t>の仕事だったので改良・実験しづらい</a:t>
+            </a:r>
+            <a:endParaRPr kumimoji="1" lang="ja-JP" altLang="en-US"/>
+          </a:p>
+        </p:txBody>
+      </p:sp>
+      <p:sp>
+        <p:nvSpPr>
+          <p:cNvPr id="3" name="スライド番号プレースホルダー 2">
+            <a:extLst>
+              <a:ext uri="{FF2B5EF4-FFF2-40B4-BE49-F238E27FC236}">
+                <a16:creationId xmlns:a16="http://schemas.microsoft.com/office/drawing/2014/main" id="{44BDDE7B-2929-4B4F-BB57-51FEE1C9A22E}"/>
+              </a:ext>
+            </a:extLst>
+          </p:cNvPr>
+          <p:cNvSpPr>
+            <a:spLocks noGrp="1"/>
+          </p:cNvSpPr>
+          <p:nvPr>
+            <p:ph type="sldNum" sz="quarter" idx="12"/>
+          </p:nvPr>
+        </p:nvSpPr>
+        <p:spPr/>
+        <p:txBody>
+          <a:bodyPr/>
+          <a:lstStyle/>
+          <a:p>
+            <a:pPr>
+              <a:defRPr/>
+            </a:pPr>
+            <a:r>
+              <a:rPr lang="en-US" altLang="ja-JP"/>
+              <a:t>    </a:t>
+            </a:r>
+            <a:fld id="{B2782DEB-472A-4FE5-AC34-C17109CF5A91}" type="slidenum">
+              <a:rPr lang="en-US" altLang="ja-JP" smtClean="0"/>
+              <a:pPr>
+                <a:defRPr/>
+              </a:pPr>
+              <a:t>36</a:t>
+            </a:fld>
+            <a:r>
+              <a:rPr lang="en-US" altLang="ja-JP"/>
+              <a:t> / 24</a:t>
+            </a:r>
+          </a:p>
+        </p:txBody>
+      </p:sp>
+      <p:sp>
+        <p:nvSpPr>
+          <p:cNvPr id="4" name="タイトル 3">
+            <a:extLst>
+              <a:ext uri="{FF2B5EF4-FFF2-40B4-BE49-F238E27FC236}">
+                <a16:creationId xmlns:a16="http://schemas.microsoft.com/office/drawing/2014/main" id="{CF805071-9851-44F9-A40F-4905669F99F4}"/>
+              </a:ext>
+            </a:extLst>
+          </p:cNvPr>
+          <p:cNvSpPr>
+            <a:spLocks noGrp="1"/>
+          </p:cNvSpPr>
+          <p:nvPr>
+            <p:ph type="title"/>
+          </p:nvPr>
+        </p:nvSpPr>
+        <p:spPr/>
+        <p:txBody>
+          <a:bodyPr/>
+          <a:lstStyle/>
+          <a:p>
+            <a:r>
+              <a:rPr kumimoji="1" lang="ja-JP" altLang="en-US"/>
+              <a:t>冗長性を排除した</a:t>
+            </a:r>
+            <a:r>
+              <a:rPr kumimoji="1" lang="en-US" altLang="ja-JP"/>
+              <a:t>QUIC</a:t>
+            </a:r>
+            <a:endParaRPr kumimoji="1" lang="ja-JP" altLang="en-US"/>
+          </a:p>
+        </p:txBody>
+      </p:sp>
+    </p:spTree>
+    <p:extLst>
+      <p:ext uri="{BB962C8B-B14F-4D97-AF65-F5344CB8AC3E}">
+        <p14:creationId xmlns:p14="http://schemas.microsoft.com/office/powerpoint/2010/main" val="721074080"/>
+      </p:ext>
+    </p:extLst>
+  </p:cSld>
+  <p:clrMapOvr>
+    <a:masterClrMapping/>
+  </p:clrMapOvr>
+</p:sld>
+</file>
+
+<file path=ppt/slides/slide37.xml><?xml version="1.0" encoding="utf-8"?>
+<p:sld xmlns:a="http://schemas.openxmlformats.org/drawingml/2006/main" xmlns:r="http://schemas.openxmlformats.org/officeDocument/2006/relationships" xmlns:p="http://schemas.openxmlformats.org/presentationml/2006/main">
+  <p:cSld>
+    <p:spTree>
+      <p:nvGrpSpPr>
+        <p:cNvPr id="1" name=""/>
+        <p:cNvGrpSpPr/>
+        <p:nvPr/>
+      </p:nvGrpSpPr>
+      <p:grpSpPr>
+        <a:xfrm>
+          <a:off x="0" y="0"/>
+          <a:ext cx="0" cy="0"/>
+          <a:chOff x="0" y="0"/>
+          <a:chExt cx="0" cy="0"/>
+        </a:xfrm>
+      </p:grpSpPr>
+      <p:sp>
+        <p:nvSpPr>
+          <p:cNvPr id="2" name="コンテンツ プレースホルダー 1">
+            <a:extLst>
+              <a:ext uri="{FF2B5EF4-FFF2-40B4-BE49-F238E27FC236}">
+                <a16:creationId xmlns:a16="http://schemas.microsoft.com/office/drawing/2014/main" id="{BAF9B325-EBC6-4F93-9F82-8961F2E4B288}"/>
+              </a:ext>
+            </a:extLst>
+          </p:cNvPr>
+          <p:cNvSpPr>
+            <a:spLocks noGrp="1"/>
+          </p:cNvSpPr>
+          <p:nvPr>
+            <p:ph idx="1"/>
+          </p:nvPr>
+        </p:nvSpPr>
+        <p:spPr/>
+        <p:txBody>
+          <a:bodyPr/>
+          <a:lstStyle/>
+          <a:p>
+            <a:r>
+              <a:rPr kumimoji="1" lang="en-US" altLang="ja-JP"/>
+              <a:t>QUIC</a:t>
+            </a:r>
+            <a:r>
+              <a:rPr kumimoji="1" lang="ja-JP" altLang="en-US"/>
+              <a:t>の標準化</a:t>
+            </a:r>
+            <a:r>
+              <a:rPr kumimoji="1" lang="en-US" altLang="ja-JP"/>
+              <a:t>(2018)</a:t>
+            </a:r>
+          </a:p>
+          <a:p>
+            <a:pPr lvl="1"/>
+            <a:r>
+              <a:rPr lang="en-US" altLang="ja-JP"/>
+              <a:t>HTTP/2</a:t>
+            </a:r>
+            <a:r>
+              <a:rPr lang="ja-JP" altLang="en-US"/>
+              <a:t>ベースに</a:t>
+            </a:r>
+            <a:r>
+              <a:rPr lang="en-US" altLang="ja-JP"/>
+              <a:t>TLS 1.3</a:t>
+            </a:r>
+            <a:r>
+              <a:rPr lang="ja-JP" altLang="en-US"/>
+              <a:t>で秘匿性と完全性を担保</a:t>
+            </a:r>
+            <a:endParaRPr lang="en-US" altLang="ja-JP"/>
+          </a:p>
+          <a:p>
+            <a:pPr lvl="1"/>
+            <a:r>
+              <a:rPr kumimoji="1" lang="en-US" altLang="ja-JP"/>
+              <a:t>TCP</a:t>
+            </a:r>
+            <a:r>
+              <a:rPr kumimoji="1" lang="ja-JP" altLang="en-US"/>
+              <a:t>から</a:t>
+            </a:r>
+            <a:r>
+              <a:rPr kumimoji="1" lang="en-US" altLang="ja-JP"/>
+              <a:t>UDP(443)</a:t>
+            </a:r>
+            <a:r>
+              <a:rPr kumimoji="1" lang="ja-JP" altLang="en-US"/>
+              <a:t>へ変更することにより通信の高速化</a:t>
+            </a:r>
+            <a:endParaRPr kumimoji="1" lang="en-US" altLang="ja-JP"/>
+          </a:p>
+          <a:p>
+            <a:r>
+              <a:rPr lang="en-US" altLang="ja-JP"/>
+              <a:t>QUIC</a:t>
+            </a:r>
+            <a:r>
+              <a:rPr lang="ja-JP" altLang="en-US"/>
+              <a:t>と</a:t>
+            </a:r>
+            <a:r>
+              <a:rPr lang="en-US" altLang="ja-JP"/>
+              <a:t>TLS</a:t>
+            </a:r>
+            <a:r>
+              <a:rPr lang="ja-JP" altLang="en-US"/>
+              <a:t>の役割分担</a:t>
+            </a:r>
+            <a:endParaRPr lang="en-US" altLang="ja-JP"/>
+          </a:p>
+          <a:p>
+            <a:pPr lvl="1"/>
+            <a:r>
+              <a:rPr lang="en-US" altLang="ja-JP"/>
+              <a:t>TLS</a:t>
+            </a:r>
+            <a:r>
+              <a:rPr lang="ja-JP" altLang="en-US"/>
+              <a:t>と</a:t>
+            </a:r>
+            <a:r>
+              <a:rPr lang="en-US" altLang="ja-JP"/>
+              <a:t>QUIC</a:t>
+            </a:r>
+            <a:r>
+              <a:rPr lang="ja-JP" altLang="en-US"/>
+              <a:t>の両方で暗号機能が重複</a:t>
+            </a:r>
+            <a:endParaRPr kumimoji="1" lang="en-US" altLang="ja-JP"/>
+          </a:p>
+          <a:p>
+            <a:pPr lvl="1"/>
+            <a:r>
+              <a:rPr kumimoji="1" lang="en-US" altLang="ja-JP"/>
+              <a:t>TLS</a:t>
+            </a:r>
+            <a:r>
+              <a:rPr kumimoji="1" lang="ja-JP" altLang="en-US"/>
+              <a:t>が鍵を交換し認証するハンドシェイクに専念</a:t>
+            </a:r>
+            <a:endParaRPr kumimoji="1" lang="en-US" altLang="ja-JP"/>
+          </a:p>
+          <a:p>
+            <a:pPr lvl="1"/>
+            <a:r>
+              <a:rPr lang="en-US" altLang="ja-JP"/>
+              <a:t>QUIC</a:t>
+            </a:r>
+            <a:r>
+              <a:rPr lang="ja-JP" altLang="en-US"/>
+              <a:t>が</a:t>
+            </a:r>
+            <a:r>
+              <a:rPr lang="en-US" altLang="ja-JP"/>
+              <a:t>TLS</a:t>
+            </a:r>
+            <a:r>
+              <a:rPr lang="ja-JP" altLang="en-US"/>
+              <a:t>の暗号化機能を利用</a:t>
+            </a:r>
+            <a:endParaRPr kumimoji="1" lang="ja-JP" altLang="en-US"/>
+          </a:p>
+        </p:txBody>
+      </p:sp>
+      <p:sp>
+        <p:nvSpPr>
+          <p:cNvPr id="3" name="スライド番号プレースホルダー 2">
+            <a:extLst>
+              <a:ext uri="{FF2B5EF4-FFF2-40B4-BE49-F238E27FC236}">
+                <a16:creationId xmlns:a16="http://schemas.microsoft.com/office/drawing/2014/main" id="{B0CEB7B3-03FB-4D67-9358-9EC9ED9EB72B}"/>
+              </a:ext>
+            </a:extLst>
+          </p:cNvPr>
+          <p:cNvSpPr>
+            <a:spLocks noGrp="1"/>
+          </p:cNvSpPr>
+          <p:nvPr>
+            <p:ph type="sldNum" sz="quarter" idx="12"/>
+          </p:nvPr>
+        </p:nvSpPr>
+        <p:spPr/>
+        <p:txBody>
+          <a:bodyPr/>
+          <a:lstStyle/>
+          <a:p>
+            <a:pPr>
+              <a:defRPr/>
+            </a:pPr>
+            <a:r>
+              <a:rPr lang="en-US" altLang="ja-JP"/>
+              <a:t>    </a:t>
+            </a:r>
+            <a:fld id="{B2782DEB-472A-4FE5-AC34-C17109CF5A91}" type="slidenum">
+              <a:rPr lang="en-US" altLang="ja-JP" smtClean="0"/>
+              <a:pPr>
+                <a:defRPr/>
+              </a:pPr>
+              <a:t>37</a:t>
+            </a:fld>
+            <a:r>
+              <a:rPr lang="en-US" altLang="ja-JP"/>
+              <a:t> / 24</a:t>
+            </a:r>
+          </a:p>
+        </p:txBody>
+      </p:sp>
+      <p:sp>
+        <p:nvSpPr>
+          <p:cNvPr id="4" name="タイトル 3">
+            <a:extLst>
+              <a:ext uri="{FF2B5EF4-FFF2-40B4-BE49-F238E27FC236}">
+                <a16:creationId xmlns:a16="http://schemas.microsoft.com/office/drawing/2014/main" id="{A143BFF9-03DE-4876-888F-ACB1189214E7}"/>
+              </a:ext>
+            </a:extLst>
+          </p:cNvPr>
+          <p:cNvSpPr>
+            <a:spLocks noGrp="1"/>
+          </p:cNvSpPr>
+          <p:nvPr>
+            <p:ph type="title"/>
+          </p:nvPr>
+        </p:nvSpPr>
+        <p:spPr/>
+        <p:txBody>
+          <a:bodyPr/>
+          <a:lstStyle/>
+          <a:p>
+            <a:r>
+              <a:rPr kumimoji="1" lang="en-US" altLang="ja-JP"/>
+              <a:t>HTTP/3</a:t>
+            </a:r>
+            <a:endParaRPr kumimoji="1" lang="ja-JP" altLang="en-US"/>
+          </a:p>
+        </p:txBody>
+      </p:sp>
+      <p:pic>
+        <p:nvPicPr>
+          <p:cNvPr id="6" name="図 5">
+            <a:extLst>
+              <a:ext uri="{FF2B5EF4-FFF2-40B4-BE49-F238E27FC236}">
+                <a16:creationId xmlns:a16="http://schemas.microsoft.com/office/drawing/2014/main" id="{E466A094-0804-4357-9BBD-A13A4947D533}"/>
+              </a:ext>
+            </a:extLst>
+          </p:cNvPr>
+          <p:cNvPicPr>
+            <a:picLocks noChangeAspect="1"/>
+          </p:cNvPicPr>
+          <p:nvPr/>
+        </p:nvPicPr>
+        <p:blipFill>
+          <a:blip r:embed="rId2">
+            <a:extLst>
+              <a:ext uri="{28A0092B-C50C-407E-A947-70E740481C1C}">
+                <a14:useLocalDpi xmlns:a14="http://schemas.microsoft.com/office/drawing/2010/main" val="0"/>
+              </a:ext>
+            </a:extLst>
+          </a:blip>
+          <a:stretch>
+            <a:fillRect/>
+          </a:stretch>
+        </p:blipFill>
+        <p:spPr>
+          <a:xfrm>
+            <a:off x="1619671" y="4077073"/>
+            <a:ext cx="5773161" cy="2655654"/>
+          </a:xfrm>
+          <a:prstGeom prst="rect">
+            <a:avLst/>
+          </a:prstGeom>
+        </p:spPr>
+      </p:pic>
+    </p:spTree>
+    <p:extLst>
+      <p:ext uri="{BB962C8B-B14F-4D97-AF65-F5344CB8AC3E}">
+        <p14:creationId xmlns:p14="http://schemas.microsoft.com/office/powerpoint/2010/main" val="2206706828"/>
+      </p:ext>
+    </p:extLst>
+  </p:cSld>
+  <p:clrMapOvr>
+    <a:masterClrMapping/>
+  </p:clrMapOvr>
+</p:sld>
+</file>
+
+<file path=ppt/slides/slide38.xml><?xml version="1.0" encoding="utf-8"?>
+<p:sld xmlns:a="http://schemas.openxmlformats.org/drawingml/2006/main" xmlns:r="http://schemas.openxmlformats.org/officeDocument/2006/relationships" xmlns:p="http://schemas.openxmlformats.org/presentationml/2006/main">
+  <p:cSld>
+    <p:spTree>
+      <p:nvGrpSpPr>
+        <p:cNvPr id="1" name=""/>
+        <p:cNvGrpSpPr/>
+        <p:nvPr/>
+      </p:nvGrpSpPr>
+      <p:grpSpPr>
+        <a:xfrm>
+          <a:off x="0" y="0"/>
+          <a:ext cx="0" cy="0"/>
+          <a:chOff x="0" y="0"/>
+          <a:chExt cx="0" cy="0"/>
+        </a:xfrm>
+      </p:grpSpPr>
+      <mc:AlternateContent xmlns:mc="http://schemas.openxmlformats.org/markup-compatibility/2006">
+        <mc:Choice xmlns:a14="http://schemas.microsoft.com/office/drawing/2010/main" Requires="a14">
+          <p:sp>
+            <p:nvSpPr>
+              <p:cNvPr id="2" name="コンテンツ プレースホルダー 1">
+                <a:extLst>
+                  <a:ext uri="{FF2B5EF4-FFF2-40B4-BE49-F238E27FC236}">
+                    <a16:creationId xmlns:a16="http://schemas.microsoft.com/office/drawing/2014/main" id="{4122EBAB-6212-4D8C-885D-AE01D5864943}"/>
+                  </a:ext>
+                </a:extLst>
+              </p:cNvPr>
+              <p:cNvSpPr>
+                <a:spLocks noGrp="1"/>
+              </p:cNvSpPr>
+              <p:nvPr>
+                <p:ph idx="1"/>
+              </p:nvPr>
+            </p:nvSpPr>
+            <p:spPr>
+              <a:xfrm>
+                <a:off x="0" y="684552"/>
+                <a:ext cx="9144000" cy="5868648"/>
+              </a:xfrm>
+            </p:spPr>
+            <p:txBody>
+              <a:bodyPr/>
+              <a:lstStyle/>
+              <a:p>
+                <a:r>
+                  <a:rPr kumimoji="1" lang="en-US" altLang="ja-JP"/>
+                  <a:t>IEEE 80.211, 2021</a:t>
+                </a:r>
+                <a:r>
+                  <a:rPr kumimoji="1" lang="ja-JP" altLang="en-US"/>
+                  <a:t>年現在</a:t>
+                </a:r>
+                <a:r>
+                  <a:rPr kumimoji="1" lang="en-US" altLang="ja-JP"/>
+                  <a:t>IEEE 802.11ax (Wi-Fi 6)</a:t>
+                </a:r>
+                <a:r>
+                  <a:rPr kumimoji="1" lang="ja-JP" altLang="en-US"/>
+                  <a:t>が最新</a:t>
+                </a:r>
+                <a:endParaRPr kumimoji="1" lang="en-US" altLang="ja-JP"/>
+              </a:p>
+              <a:p>
+                <a:pPr lvl="1"/>
+                <a:r>
+                  <a:rPr kumimoji="1" lang="en-US" altLang="ja-JP"/>
+                  <a:t>Wi-Fi</a:t>
+                </a:r>
+                <a:r>
+                  <a:rPr kumimoji="1" lang="ja-JP" altLang="en-US"/>
+                  <a:t>は</a:t>
+                </a:r>
+                <a:r>
+                  <a:rPr kumimoji="1" lang="en-US" altLang="ja-JP"/>
+                  <a:t>WiFi Aliance</a:t>
+                </a:r>
+                <a:r>
+                  <a:rPr kumimoji="1" lang="ja-JP" altLang="en-US"/>
+                  <a:t>の登録商標</a:t>
+                </a:r>
+                <a:endParaRPr kumimoji="1" lang="en-US" altLang="ja-JP"/>
+              </a:p>
+              <a:p>
+                <a:r>
+                  <a:rPr kumimoji="1" lang="ja-JP" altLang="en-US"/>
+                  <a:t>無線</a:t>
+                </a:r>
+                <a:r>
+                  <a:rPr kumimoji="1" lang="en-US" altLang="ja-JP"/>
+                  <a:t>LAN</a:t>
+                </a:r>
+                <a:r>
+                  <a:rPr kumimoji="1" lang="ja-JP" altLang="en-US"/>
+                  <a:t>のアクセスポイント</a:t>
+                </a:r>
+                <a:endParaRPr kumimoji="1" lang="en-US" altLang="ja-JP"/>
+              </a:p>
+              <a:p>
+                <a:pPr lvl="1"/>
+                <a:r>
+                  <a:rPr kumimoji="1" lang="ja-JP" altLang="en-US"/>
+                  <a:t>無線</a:t>
+                </a:r>
+                <a:r>
+                  <a:rPr kumimoji="1" lang="en-US" altLang="ja-JP"/>
+                  <a:t>LAN</a:t>
+                </a:r>
+                <a:r>
+                  <a:rPr kumimoji="1" lang="ja-JP" altLang="en-US"/>
+                  <a:t>の</a:t>
+                </a:r>
+                <a:r>
+                  <a:rPr kumimoji="1" lang="en-US" altLang="ja-JP"/>
+                  <a:t>IEEE802.11</a:t>
+                </a:r>
+                <a:r>
+                  <a:rPr kumimoji="1" lang="ja-JP" altLang="en-US"/>
+                  <a:t>フレーム</a:t>
+                </a:r>
+                <a14:m>
+                  <m:oMath xmlns:m="http://schemas.openxmlformats.org/officeDocument/2006/math">
+                    <m:r>
+                      <a:rPr kumimoji="1" lang="en-US" altLang="ja-JP" b="0" i="1" smtClean="0">
+                        <a:latin typeface="Cambria Math" panose="02040503050406030204" pitchFamily="18" charset="0"/>
+                      </a:rPr>
+                      <m:t>⇔</m:t>
+                    </m:r>
+                  </m:oMath>
+                </a14:m>
+                <a:r>
+                  <a:rPr kumimoji="1" lang="ja-JP" altLang="en-US"/>
+                  <a:t>イーサネットフレーム</a:t>
+                </a:r>
+                <a:endParaRPr kumimoji="1" lang="en-US" altLang="ja-JP"/>
+              </a:p>
+              <a:p>
+                <a:pPr lvl="1"/>
+                <a:endParaRPr lang="en-US" altLang="ja-JP"/>
+              </a:p>
+              <a:p>
+                <a:pPr lvl="1"/>
+                <a:endParaRPr kumimoji="1" lang="en-US" altLang="ja-JP"/>
+              </a:p>
+              <a:p>
+                <a:pPr lvl="1"/>
+                <a:endParaRPr lang="en-US" altLang="ja-JP"/>
+              </a:p>
+              <a:p>
+                <a:pPr lvl="1"/>
+                <a:endParaRPr kumimoji="1" lang="en-US" altLang="ja-JP"/>
+              </a:p>
+              <a:p>
+                <a:pPr lvl="1"/>
+                <a:endParaRPr lang="en-US" altLang="ja-JP"/>
+              </a:p>
+              <a:p>
+                <a:r>
+                  <a:rPr lang="en-US" altLang="ja-JP"/>
+                  <a:t>ESSID</a:t>
+                </a:r>
+              </a:p>
+              <a:p>
+                <a:pPr lvl="1"/>
+                <a:r>
+                  <a:rPr lang="ja-JP" altLang="en-US"/>
+                  <a:t>アクセスポイントを区別する識別子</a:t>
+                </a:r>
+                <a:endParaRPr lang="en-US" altLang="ja-JP"/>
+              </a:p>
+              <a:p>
+                <a:pPr lvl="1"/>
+                <a:r>
+                  <a:rPr kumimoji="1" lang="ja-JP" altLang="en-US"/>
+                  <a:t>パスワードをつけて保護する</a:t>
+                </a:r>
+                <a:endParaRPr kumimoji="1" lang="en-US" altLang="ja-JP"/>
+              </a:p>
+            </p:txBody>
+          </p:sp>
+        </mc:Choice>
+        <mc:Fallback>
+          <p:sp>
+            <p:nvSpPr>
+              <p:cNvPr id="2" name="コンテンツ プレースホルダー 1">
+                <a:extLst>
+                  <a:ext uri="{FF2B5EF4-FFF2-40B4-BE49-F238E27FC236}">
+                    <a16:creationId xmlns:a16="http://schemas.microsoft.com/office/drawing/2014/main" id="{4122EBAB-6212-4D8C-885D-AE01D5864943}"/>
+                  </a:ext>
+                </a:extLst>
+              </p:cNvPr>
+              <p:cNvSpPr>
+                <a:spLocks noGrp="1" noRot="1" noChangeAspect="1" noMove="1" noResize="1" noEditPoints="1" noAdjustHandles="1" noChangeArrowheads="1" noChangeShapeType="1" noTextEdit="1"/>
+              </p:cNvSpPr>
+              <p:nvPr>
+                <p:ph idx="1"/>
+              </p:nvPr>
+            </p:nvSpPr>
+            <p:spPr>
+              <a:xfrm>
+                <a:off x="0" y="684552"/>
+                <a:ext cx="9144000" cy="5868648"/>
+              </a:xfrm>
+              <a:blipFill>
+                <a:blip r:embed="rId2"/>
+                <a:stretch>
+                  <a:fillRect l="-1200" t="-1350"/>
+                </a:stretch>
+              </a:blipFill>
+            </p:spPr>
+            <p:txBody>
+              <a:bodyPr/>
+              <a:lstStyle/>
+              <a:p>
+                <a:r>
+                  <a:rPr lang="ja-JP" altLang="en-US">
+                    <a:noFill/>
+                  </a:rPr>
+                  <a:t> </a:t>
+                </a:r>
+              </a:p>
+            </p:txBody>
+          </p:sp>
+        </mc:Fallback>
+      </mc:AlternateContent>
+      <p:sp>
+        <p:nvSpPr>
+          <p:cNvPr id="3" name="スライド番号プレースホルダー 2">
+            <a:extLst>
+              <a:ext uri="{FF2B5EF4-FFF2-40B4-BE49-F238E27FC236}">
+                <a16:creationId xmlns:a16="http://schemas.microsoft.com/office/drawing/2014/main" id="{7B79B5CB-636B-4198-A869-9F2BDBF4E11F}"/>
+              </a:ext>
+            </a:extLst>
+          </p:cNvPr>
+          <p:cNvSpPr>
+            <a:spLocks noGrp="1"/>
+          </p:cNvSpPr>
+          <p:nvPr>
+            <p:ph type="sldNum" sz="quarter" idx="12"/>
+          </p:nvPr>
+        </p:nvSpPr>
+        <p:spPr/>
+        <p:txBody>
+          <a:bodyPr/>
+          <a:lstStyle/>
+          <a:p>
+            <a:pPr>
+              <a:defRPr/>
+            </a:pPr>
+            <a:r>
+              <a:rPr lang="en-US" altLang="ja-JP"/>
+              <a:t>    </a:t>
+            </a:r>
+            <a:fld id="{B2782DEB-472A-4FE5-AC34-C17109CF5A91}" type="slidenum">
+              <a:rPr lang="en-US" altLang="ja-JP" smtClean="0"/>
+              <a:pPr>
+                <a:defRPr/>
+              </a:pPr>
+              <a:t>38</a:t>
+            </a:fld>
+            <a:r>
+              <a:rPr lang="en-US" altLang="ja-JP"/>
+              <a:t> / 24</a:t>
+            </a:r>
+          </a:p>
+        </p:txBody>
+      </p:sp>
+      <p:sp>
+        <p:nvSpPr>
+          <p:cNvPr id="4" name="タイトル 3">
+            <a:extLst>
+              <a:ext uri="{FF2B5EF4-FFF2-40B4-BE49-F238E27FC236}">
+                <a16:creationId xmlns:a16="http://schemas.microsoft.com/office/drawing/2014/main" id="{EB0590E7-61BF-4156-96B2-3DD1BAA10486}"/>
+              </a:ext>
+            </a:extLst>
+          </p:cNvPr>
+          <p:cNvSpPr>
+            <a:spLocks noGrp="1"/>
+          </p:cNvSpPr>
+          <p:nvPr>
+            <p:ph type="title"/>
+          </p:nvPr>
+        </p:nvSpPr>
+        <p:spPr/>
+        <p:txBody>
+          <a:bodyPr/>
+          <a:lstStyle/>
+          <a:p>
+            <a:r>
+              <a:rPr kumimoji="1" lang="ja-JP" altLang="en-US"/>
+              <a:t>無線</a:t>
+            </a:r>
+            <a:r>
+              <a:rPr kumimoji="1" lang="en-US" altLang="ja-JP"/>
+              <a:t>LAN</a:t>
+            </a:r>
+            <a:endParaRPr kumimoji="1" lang="ja-JP" altLang="en-US"/>
+          </a:p>
+        </p:txBody>
+      </p:sp>
+      <p:pic>
+        <p:nvPicPr>
+          <p:cNvPr id="6" name="図 5">
+            <a:extLst>
+              <a:ext uri="{FF2B5EF4-FFF2-40B4-BE49-F238E27FC236}">
+                <a16:creationId xmlns:a16="http://schemas.microsoft.com/office/drawing/2014/main" id="{B351C330-6494-4AA2-8150-6E90B529F819}"/>
+              </a:ext>
+            </a:extLst>
+          </p:cNvPr>
+          <p:cNvPicPr>
+            <a:picLocks noChangeAspect="1"/>
+          </p:cNvPicPr>
+          <p:nvPr/>
+        </p:nvPicPr>
+        <p:blipFill>
+          <a:blip r:embed="rId3">
+            <a:extLst>
+              <a:ext uri="{28A0092B-C50C-407E-A947-70E740481C1C}">
+                <a14:useLocalDpi xmlns:a14="http://schemas.microsoft.com/office/drawing/2010/main" val="0"/>
+              </a:ext>
+            </a:extLst>
+          </a:blip>
+          <a:stretch>
+            <a:fillRect/>
+          </a:stretch>
+        </p:blipFill>
+        <p:spPr>
+          <a:xfrm>
+            <a:off x="1691680" y="2780928"/>
+            <a:ext cx="5400600" cy="2322259"/>
+          </a:xfrm>
+          <a:prstGeom prst="rect">
+            <a:avLst/>
+          </a:prstGeom>
+        </p:spPr>
+      </p:pic>
+    </p:spTree>
+    <p:extLst>
+      <p:ext uri="{BB962C8B-B14F-4D97-AF65-F5344CB8AC3E}">
+        <p14:creationId xmlns:p14="http://schemas.microsoft.com/office/powerpoint/2010/main" val="3617924148"/>
+      </p:ext>
+    </p:extLst>
+  </p:cSld>
+  <p:clrMapOvr>
+    <a:masterClrMapping/>
+  </p:clrMapOvr>
+</p:sld>
+</file>
+
+<file path=ppt/slides/slide39.xml><?xml version="1.0" encoding="utf-8"?>
+<p:sld xmlns:a="http://schemas.openxmlformats.org/drawingml/2006/main" xmlns:r="http://schemas.openxmlformats.org/officeDocument/2006/relationships" xmlns:p="http://schemas.openxmlformats.org/presentationml/2006/main">
+  <p:cSld>
+    <p:spTree>
+      <p:nvGrpSpPr>
+        <p:cNvPr id="1" name=""/>
+        <p:cNvGrpSpPr/>
+        <p:nvPr/>
+      </p:nvGrpSpPr>
+      <p:grpSpPr>
+        <a:xfrm>
+          <a:off x="0" y="0"/>
+          <a:ext cx="0" cy="0"/>
+          <a:chOff x="0" y="0"/>
+          <a:chExt cx="0" cy="0"/>
+        </a:xfrm>
+      </p:grpSpPr>
+      <p:pic>
+        <p:nvPicPr>
+          <p:cNvPr id="6" name="図 5">
+            <a:extLst>
+              <a:ext uri="{FF2B5EF4-FFF2-40B4-BE49-F238E27FC236}">
+                <a16:creationId xmlns:a16="http://schemas.microsoft.com/office/drawing/2014/main" id="{2D83577A-2B35-4A4A-8405-EC829FD3795E}"/>
+              </a:ext>
+            </a:extLst>
+          </p:cNvPr>
+          <p:cNvPicPr>
+            <a:picLocks noChangeAspect="1"/>
+          </p:cNvPicPr>
+          <p:nvPr/>
+        </p:nvPicPr>
+        <p:blipFill>
+          <a:blip r:embed="rId2">
+            <a:extLst>
+              <a:ext uri="{28A0092B-C50C-407E-A947-70E740481C1C}">
+                <a14:useLocalDpi xmlns:a14="http://schemas.microsoft.com/office/drawing/2010/main" val="0"/>
+              </a:ext>
+            </a:extLst>
+          </a:blip>
+          <a:stretch>
+            <a:fillRect/>
+          </a:stretch>
+        </p:blipFill>
+        <p:spPr>
+          <a:xfrm>
+            <a:off x="5323018" y="3709888"/>
+            <a:ext cx="3785486" cy="2815456"/>
+          </a:xfrm>
+          <a:prstGeom prst="rect">
+            <a:avLst/>
+          </a:prstGeom>
+        </p:spPr>
+      </p:pic>
+      <p:sp>
+        <p:nvSpPr>
+          <p:cNvPr id="2" name="コンテンツ プレースホルダー 1">
+            <a:extLst>
+              <a:ext uri="{FF2B5EF4-FFF2-40B4-BE49-F238E27FC236}">
+                <a16:creationId xmlns:a16="http://schemas.microsoft.com/office/drawing/2014/main" id="{A3DB98F8-494E-4527-9F51-DEB6C69D292C}"/>
+              </a:ext>
+            </a:extLst>
+          </p:cNvPr>
+          <p:cNvSpPr>
+            <a:spLocks noGrp="1"/>
+          </p:cNvSpPr>
+          <p:nvPr>
+            <p:ph idx="1"/>
+          </p:nvPr>
+        </p:nvSpPr>
+        <p:spPr/>
+        <p:txBody>
+          <a:bodyPr/>
+          <a:lstStyle/>
+          <a:p>
+            <a:r>
+              <a:rPr kumimoji="1" lang="ja-JP" altLang="en-US"/>
+              <a:t>無線</a:t>
+            </a:r>
+            <a:r>
+              <a:rPr kumimoji="1" lang="en-US" altLang="ja-JP"/>
+              <a:t>LAN</a:t>
+            </a:r>
+            <a:r>
+              <a:rPr kumimoji="1" lang="ja-JP" altLang="en-US"/>
+              <a:t>は電波</a:t>
+            </a:r>
+            <a:endParaRPr kumimoji="1" lang="en-US" altLang="ja-JP"/>
+          </a:p>
+          <a:p>
+            <a:pPr lvl="1"/>
+            <a:r>
+              <a:rPr kumimoji="1" lang="ja-JP" altLang="en-US"/>
+              <a:t>近くにあれば誰でも盗聴可能 </a:t>
+            </a:r>
+            <a:r>
+              <a:rPr kumimoji="1" lang="en-US" altLang="ja-JP"/>
+              <a:t>: </a:t>
+            </a:r>
+            <a:r>
+              <a:rPr kumimoji="1" lang="ja-JP" altLang="en-US"/>
+              <a:t>有線</a:t>
+            </a:r>
+            <a:r>
+              <a:rPr kumimoji="1" lang="en-US" altLang="ja-JP"/>
+              <a:t>LAN</a:t>
+            </a:r>
+            <a:r>
+              <a:rPr kumimoji="1" lang="ja-JP" altLang="en-US"/>
+              <a:t>とは異なる攻撃が可能</a:t>
+            </a:r>
+            <a:endParaRPr kumimoji="1" lang="en-US" altLang="ja-JP"/>
+          </a:p>
+          <a:p>
+            <a:r>
+              <a:rPr kumimoji="1" lang="en-US" altLang="ja-JP"/>
+              <a:t>ARP/MAC</a:t>
+            </a:r>
+            <a:r>
+              <a:rPr kumimoji="1" lang="ja-JP" altLang="en-US"/>
+              <a:t>スプーフィング</a:t>
+            </a:r>
+            <a:r>
+              <a:rPr kumimoji="1" lang="en-US" altLang="ja-JP"/>
+              <a:t>(spoofing : </a:t>
+            </a:r>
+            <a:r>
+              <a:rPr kumimoji="1" lang="ja-JP" altLang="en-US"/>
+              <a:t>なりすまし</a:t>
+            </a:r>
+            <a:r>
+              <a:rPr kumimoji="1" lang="en-US" altLang="ja-JP"/>
+              <a:t>)</a:t>
+            </a:r>
+          </a:p>
+          <a:p>
+            <a:pPr lvl="1"/>
+            <a:r>
+              <a:rPr lang="en-US" altLang="ja-JP"/>
+              <a:t>ARP</a:t>
+            </a:r>
+            <a:r>
+              <a:rPr lang="ja-JP" altLang="en-US"/>
+              <a:t>は暗号化されていない</a:t>
+            </a:r>
+            <a:endParaRPr lang="en-US" altLang="ja-JP"/>
+          </a:p>
+          <a:p>
+            <a:pPr lvl="1"/>
+            <a:r>
+              <a:rPr lang="ja-JP" altLang="en-US"/>
+              <a:t>不正な</a:t>
+            </a:r>
+            <a:r>
+              <a:rPr lang="en-US" altLang="ja-JP"/>
+              <a:t>ARP</a:t>
+            </a:r>
+            <a:r>
+              <a:rPr lang="ja-JP" altLang="en-US"/>
+              <a:t>を送って</a:t>
+            </a:r>
+            <a:r>
+              <a:rPr lang="en-US" altLang="ja-JP"/>
+              <a:t>MAC</a:t>
+            </a:r>
+            <a:r>
+              <a:rPr lang="ja-JP" altLang="en-US"/>
+              <a:t>アドレスを偽装→</a:t>
+            </a:r>
+            <a:r>
+              <a:rPr lang="en-US" altLang="ja-JP"/>
+              <a:t>MITM</a:t>
+            </a:r>
+            <a:r>
+              <a:rPr lang="ja-JP" altLang="en-US"/>
+              <a:t>などへ</a:t>
+            </a:r>
+            <a:endParaRPr lang="en-US" altLang="ja-JP"/>
+          </a:p>
+          <a:p>
+            <a:r>
+              <a:rPr kumimoji="1" lang="en-US" altLang="ja-JP"/>
+              <a:t>Evil Twin</a:t>
+            </a:r>
+          </a:p>
+          <a:p>
+            <a:pPr lvl="1"/>
+            <a:r>
+              <a:rPr kumimoji="1" lang="ja-JP" altLang="en-US"/>
+              <a:t>同じ</a:t>
+            </a:r>
+            <a:r>
+              <a:rPr kumimoji="1" lang="en-US" altLang="ja-JP"/>
+              <a:t>SSID</a:t>
+            </a:r>
+            <a:r>
+              <a:rPr kumimoji="1" lang="ja-JP" altLang="en-US"/>
+              <a:t>を設定し強い電波を出して待ち受け</a:t>
+            </a:r>
+            <a:endParaRPr lang="en-US" altLang="ja-JP"/>
+          </a:p>
+          <a:p>
+            <a:r>
+              <a:rPr kumimoji="1" lang="ja-JP" altLang="en-US"/>
+              <a:t>認証解除攻撃</a:t>
+            </a:r>
+            <a:endParaRPr kumimoji="1" lang="en-US" altLang="ja-JP"/>
+          </a:p>
+          <a:p>
+            <a:pPr lvl="1"/>
+            <a:r>
+              <a:rPr kumimoji="1" lang="en-US" altLang="ja-JP"/>
+              <a:t>PMF(Protected Management Frames)</a:t>
+            </a:r>
+          </a:p>
+          <a:p>
+            <a:pPr lvl="1"/>
+            <a:r>
+              <a:rPr kumimoji="1" lang="en-US" altLang="ja-JP"/>
+              <a:t>802.11w </a:t>
+            </a:r>
+            <a:r>
+              <a:rPr kumimoji="1" lang="ja-JP" altLang="en-US"/>
+              <a:t>管理フレームを保護する規格</a:t>
+            </a:r>
+            <a:endParaRPr kumimoji="1" lang="en-US" altLang="ja-JP"/>
+          </a:p>
+        </p:txBody>
+      </p:sp>
+      <p:sp>
+        <p:nvSpPr>
+          <p:cNvPr id="3" name="スライド番号プレースホルダー 2">
+            <a:extLst>
+              <a:ext uri="{FF2B5EF4-FFF2-40B4-BE49-F238E27FC236}">
+                <a16:creationId xmlns:a16="http://schemas.microsoft.com/office/drawing/2014/main" id="{1259181D-9CE8-42E5-AA40-837AA91C5212}"/>
+              </a:ext>
+            </a:extLst>
+          </p:cNvPr>
+          <p:cNvSpPr>
+            <a:spLocks noGrp="1"/>
+          </p:cNvSpPr>
+          <p:nvPr>
+            <p:ph type="sldNum" sz="quarter" idx="12"/>
+          </p:nvPr>
+        </p:nvSpPr>
+        <p:spPr/>
+        <p:txBody>
+          <a:bodyPr/>
+          <a:lstStyle/>
+          <a:p>
+            <a:pPr>
+              <a:defRPr/>
+            </a:pPr>
+            <a:r>
+              <a:rPr lang="en-US" altLang="ja-JP"/>
+              <a:t>    </a:t>
+            </a:r>
+            <a:fld id="{B2782DEB-472A-4FE5-AC34-C17109CF5A91}" type="slidenum">
+              <a:rPr lang="en-US" altLang="ja-JP" smtClean="0"/>
+              <a:pPr>
+                <a:defRPr/>
+              </a:pPr>
+              <a:t>39</a:t>
+            </a:fld>
+            <a:r>
+              <a:rPr lang="en-US" altLang="ja-JP"/>
+              <a:t> / 24</a:t>
+            </a:r>
+          </a:p>
+        </p:txBody>
+      </p:sp>
+      <p:sp>
+        <p:nvSpPr>
+          <p:cNvPr id="4" name="タイトル 3">
+            <a:extLst>
+              <a:ext uri="{FF2B5EF4-FFF2-40B4-BE49-F238E27FC236}">
+                <a16:creationId xmlns:a16="http://schemas.microsoft.com/office/drawing/2014/main" id="{C7AE19B3-368A-4136-BE15-F8AC057A25E5}"/>
+              </a:ext>
+            </a:extLst>
+          </p:cNvPr>
+          <p:cNvSpPr>
+            <a:spLocks noGrp="1"/>
+          </p:cNvSpPr>
+          <p:nvPr>
+            <p:ph type="title"/>
+          </p:nvPr>
+        </p:nvSpPr>
+        <p:spPr/>
+        <p:txBody>
+          <a:bodyPr/>
+          <a:lstStyle/>
+          <a:p>
+            <a:r>
+              <a:rPr kumimoji="1" lang="ja-JP" altLang="en-US"/>
+              <a:t>スプーフィングと認証解除攻撃</a:t>
+            </a:r>
+          </a:p>
+        </p:txBody>
+      </p:sp>
+    </p:spTree>
+    <p:extLst>
+      <p:ext uri="{BB962C8B-B14F-4D97-AF65-F5344CB8AC3E}">
+        <p14:creationId xmlns:p14="http://schemas.microsoft.com/office/powerpoint/2010/main" val="78139145"/>
+      </p:ext>
+    </p:extLst>
+  </p:cSld>
+  <p:clrMapOvr>
+    <a:masterClrMapping/>
+  </p:clrMapOvr>
+</p:sld>
+</file>
+
 <file path=ppt/slides/slide4.xml><?xml version="1.0" encoding="utf-8"?>
 <p:sld xmlns:a="http://schemas.openxmlformats.org/drawingml/2006/main" xmlns:r="http://schemas.openxmlformats.org/officeDocument/2006/relationships" xmlns:p="http://schemas.openxmlformats.org/presentationml/2006/main">
   <p:cSld>
@@ -10288,6 +12903,1383 @@
     <p:extLst>
       <p:ext uri="{BB962C8B-B14F-4D97-AF65-F5344CB8AC3E}">
         <p14:creationId xmlns:p14="http://schemas.microsoft.com/office/powerpoint/2010/main" val="790664289"/>
+      </p:ext>
+    </p:extLst>
+  </p:cSld>
+  <p:clrMapOvr>
+    <a:masterClrMapping/>
+  </p:clrMapOvr>
+</p:sld>
+</file>
+
+<file path=ppt/slides/slide40.xml><?xml version="1.0" encoding="utf-8"?>
+<p:sld xmlns:a="http://schemas.openxmlformats.org/drawingml/2006/main" xmlns:r="http://schemas.openxmlformats.org/officeDocument/2006/relationships" xmlns:p="http://schemas.openxmlformats.org/presentationml/2006/main">
+  <p:cSld>
+    <p:spTree>
+      <p:nvGrpSpPr>
+        <p:cNvPr id="1" name=""/>
+        <p:cNvGrpSpPr/>
+        <p:nvPr/>
+      </p:nvGrpSpPr>
+      <p:grpSpPr>
+        <a:xfrm>
+          <a:off x="0" y="0"/>
+          <a:ext cx="0" cy="0"/>
+          <a:chOff x="0" y="0"/>
+          <a:chExt cx="0" cy="0"/>
+        </a:xfrm>
+      </p:grpSpPr>
+      <p:pic>
+        <p:nvPicPr>
+          <p:cNvPr id="6" name="図 5">
+            <a:extLst>
+              <a:ext uri="{FF2B5EF4-FFF2-40B4-BE49-F238E27FC236}">
+                <a16:creationId xmlns:a16="http://schemas.microsoft.com/office/drawing/2014/main" id="{77668647-8626-4AB9-8FA3-F5DD77122D66}"/>
+              </a:ext>
+            </a:extLst>
+          </p:cNvPr>
+          <p:cNvPicPr>
+            <a:picLocks noChangeAspect="1"/>
+          </p:cNvPicPr>
+          <p:nvPr/>
+        </p:nvPicPr>
+        <p:blipFill>
+          <a:blip r:embed="rId2">
+            <a:extLst>
+              <a:ext uri="{28A0092B-C50C-407E-A947-70E740481C1C}">
+                <a14:useLocalDpi xmlns:a14="http://schemas.microsoft.com/office/drawing/2010/main" val="0"/>
+              </a:ext>
+            </a:extLst>
+          </a:blip>
+          <a:stretch>
+            <a:fillRect/>
+          </a:stretch>
+        </p:blipFill>
+        <p:spPr>
+          <a:xfrm>
+            <a:off x="1331640" y="1772816"/>
+            <a:ext cx="6192688" cy="2562224"/>
+          </a:xfrm>
+          <a:prstGeom prst="rect">
+            <a:avLst/>
+          </a:prstGeom>
+        </p:spPr>
+      </p:pic>
+      <p:sp>
+        <p:nvSpPr>
+          <p:cNvPr id="2" name="コンテンツ プレースホルダー 1">
+            <a:extLst>
+              <a:ext uri="{FF2B5EF4-FFF2-40B4-BE49-F238E27FC236}">
+                <a16:creationId xmlns:a16="http://schemas.microsoft.com/office/drawing/2014/main" id="{F6615D1E-E059-4D3F-9B85-07FD7105714A}"/>
+              </a:ext>
+            </a:extLst>
+          </p:cNvPr>
+          <p:cNvSpPr>
+            <a:spLocks noGrp="1"/>
+          </p:cNvSpPr>
+          <p:nvPr>
+            <p:ph idx="1"/>
+          </p:nvPr>
+        </p:nvSpPr>
+        <p:spPr/>
+        <p:txBody>
+          <a:bodyPr/>
+          <a:lstStyle/>
+          <a:p>
+            <a:r>
+              <a:rPr kumimoji="1" lang="en-US" altLang="ja-JP"/>
+              <a:t>40bit</a:t>
+            </a:r>
+            <a:r>
+              <a:rPr kumimoji="1" lang="ja-JP" altLang="en-US"/>
+              <a:t>の秘密鍵</a:t>
+            </a:r>
+            <a:r>
+              <a:rPr kumimoji="1" lang="en-US" altLang="ja-JP"/>
+              <a:t>(</a:t>
+            </a:r>
+            <a:r>
+              <a:rPr kumimoji="1" lang="ja-JP" altLang="en-US"/>
+              <a:t>後に</a:t>
+            </a:r>
+            <a:r>
+              <a:rPr kumimoji="1" lang="en-US" altLang="ja-JP"/>
+              <a:t>104bit</a:t>
+            </a:r>
+            <a:r>
+              <a:rPr kumimoji="1" lang="ja-JP" altLang="en-US"/>
+              <a:t>にまで増える</a:t>
+            </a:r>
+            <a:r>
+              <a:rPr kumimoji="1" lang="en-US" altLang="ja-JP"/>
+              <a:t>)</a:t>
+            </a:r>
+          </a:p>
+          <a:p>
+            <a:r>
+              <a:rPr kumimoji="1" lang="en-US" altLang="ja-JP"/>
+              <a:t>24bit</a:t>
+            </a:r>
+            <a:r>
+              <a:rPr kumimoji="1" lang="ja-JP" altLang="en-US"/>
+              <a:t>の初期化ベクトル</a:t>
+            </a:r>
+            <a:r>
+              <a:rPr kumimoji="1" lang="en-US" altLang="ja-JP"/>
+              <a:t>IV + RC4</a:t>
+            </a:r>
+          </a:p>
+          <a:p>
+            <a:endParaRPr lang="en-US" altLang="ja-JP"/>
+          </a:p>
+          <a:p>
+            <a:endParaRPr kumimoji="1" lang="en-US" altLang="ja-JP"/>
+          </a:p>
+          <a:p>
+            <a:endParaRPr lang="en-US" altLang="ja-JP"/>
+          </a:p>
+          <a:p>
+            <a:pPr lvl="1"/>
+            <a:r>
+              <a:rPr lang="en-US" altLang="ja-JP"/>
+              <a:t>24bit</a:t>
+            </a:r>
+            <a:r>
+              <a:rPr lang="ja-JP" altLang="en-US"/>
+              <a:t>だと</a:t>
+            </a:r>
+            <a:r>
+              <a:rPr lang="en-US" altLang="ja-JP"/>
+              <a:t>12bit</a:t>
+            </a:r>
+            <a:r>
+              <a:rPr lang="ja-JP" altLang="en-US"/>
+              <a:t>分の盗聴で</a:t>
+            </a:r>
+            <a:br>
+              <a:rPr lang="en-US" altLang="ja-JP"/>
+            </a:br>
+            <a:r>
+              <a:rPr lang="ja-JP" altLang="en-US"/>
+              <a:t>同じものが見つかる確率が</a:t>
+            </a:r>
+            <a:br>
+              <a:rPr lang="en-US" altLang="ja-JP"/>
+            </a:br>
+            <a:r>
+              <a:rPr lang="en-US" altLang="ja-JP"/>
+              <a:t>40% ; </a:t>
+            </a:r>
+            <a:r>
+              <a:rPr lang="ja-JP" altLang="en-US"/>
+              <a:t>これを利用した攻撃の研究</a:t>
+            </a:r>
+            <a:endParaRPr lang="en-US" altLang="ja-JP"/>
+          </a:p>
+          <a:p>
+            <a:r>
+              <a:rPr kumimoji="1" lang="en-US" altLang="ja-JP"/>
+              <a:t>2007</a:t>
+            </a:r>
+            <a:r>
+              <a:rPr kumimoji="1" lang="ja-JP" altLang="en-US"/>
+              <a:t>年</a:t>
+            </a:r>
+            <a:r>
+              <a:rPr kumimoji="1" lang="en-US" altLang="ja-JP"/>
+              <a:t>Tews</a:t>
+            </a:r>
+          </a:p>
+          <a:p>
+            <a:pPr lvl="1"/>
+            <a:r>
+              <a:rPr kumimoji="1" lang="en-US" altLang="ja-JP"/>
+              <a:t>8</a:t>
+            </a:r>
+            <a:r>
+              <a:rPr kumimoji="1" lang="ja-JP" altLang="en-US"/>
+              <a:t>万</a:t>
+            </a:r>
+            <a:r>
+              <a:rPr kumimoji="1" lang="en-US" altLang="ja-JP"/>
+              <a:t>5</a:t>
+            </a:r>
+            <a:r>
+              <a:rPr kumimoji="1" lang="ja-JP" altLang="en-US"/>
+              <a:t>千個の</a:t>
+            </a:r>
+            <a:r>
+              <a:rPr kumimoji="1" lang="en-US" altLang="ja-JP"/>
+              <a:t>ARP</a:t>
+            </a:r>
+            <a:r>
+              <a:rPr kumimoji="1" lang="ja-JP" altLang="en-US"/>
+              <a:t>から秘密鍵を復元</a:t>
+            </a:r>
+            <a:endParaRPr kumimoji="1" lang="en-US" altLang="ja-JP"/>
+          </a:p>
+          <a:p>
+            <a:r>
+              <a:rPr kumimoji="1" lang="en-US" altLang="ja-JP"/>
+              <a:t>2010</a:t>
+            </a:r>
+            <a:r>
+              <a:rPr kumimoji="1" lang="ja-JP" altLang="en-US"/>
+              <a:t>年</a:t>
+            </a:r>
+            <a:r>
+              <a:rPr kumimoji="1" lang="en-US" altLang="ja-JP"/>
+              <a:t>TeAM-OK(</a:t>
+            </a:r>
+            <a:r>
+              <a:rPr kumimoji="1" lang="ja-JP" altLang="en-US"/>
+              <a:t>寺村氏ら</a:t>
+            </a:r>
+            <a:r>
+              <a:rPr kumimoji="1" lang="en-US" altLang="ja-JP"/>
+              <a:t>)</a:t>
+            </a:r>
+          </a:p>
+          <a:p>
+            <a:pPr lvl="1"/>
+            <a:r>
+              <a:rPr kumimoji="1" lang="ja-JP" altLang="en-US"/>
+              <a:t>通常のパケット</a:t>
+            </a:r>
+            <a:r>
+              <a:rPr kumimoji="1" lang="en-US" altLang="ja-JP"/>
+              <a:t>5</a:t>
+            </a:r>
+            <a:r>
+              <a:rPr kumimoji="1" lang="ja-JP" altLang="en-US"/>
+              <a:t>万個から秘密鍵を復元</a:t>
+            </a:r>
+          </a:p>
+        </p:txBody>
+      </p:sp>
+      <p:sp>
+        <p:nvSpPr>
+          <p:cNvPr id="3" name="スライド番号プレースホルダー 2">
+            <a:extLst>
+              <a:ext uri="{FF2B5EF4-FFF2-40B4-BE49-F238E27FC236}">
+                <a16:creationId xmlns:a16="http://schemas.microsoft.com/office/drawing/2014/main" id="{C96734DF-D89E-438F-90E6-95A5B8740A2B}"/>
+              </a:ext>
+            </a:extLst>
+          </p:cNvPr>
+          <p:cNvSpPr>
+            <a:spLocks noGrp="1"/>
+          </p:cNvSpPr>
+          <p:nvPr>
+            <p:ph type="sldNum" sz="quarter" idx="12"/>
+          </p:nvPr>
+        </p:nvSpPr>
+        <p:spPr/>
+        <p:txBody>
+          <a:bodyPr/>
+          <a:lstStyle/>
+          <a:p>
+            <a:pPr>
+              <a:defRPr/>
+            </a:pPr>
+            <a:r>
+              <a:rPr lang="en-US" altLang="ja-JP"/>
+              <a:t>    </a:t>
+            </a:r>
+            <a:fld id="{B2782DEB-472A-4FE5-AC34-C17109CF5A91}" type="slidenum">
+              <a:rPr lang="en-US" altLang="ja-JP" smtClean="0"/>
+              <a:pPr>
+                <a:defRPr/>
+              </a:pPr>
+              <a:t>40</a:t>
+            </a:fld>
+            <a:r>
+              <a:rPr lang="en-US" altLang="ja-JP"/>
+              <a:t> / 24</a:t>
+            </a:r>
+          </a:p>
+        </p:txBody>
+      </p:sp>
+      <p:sp>
+        <p:nvSpPr>
+          <p:cNvPr id="4" name="タイトル 3">
+            <a:extLst>
+              <a:ext uri="{FF2B5EF4-FFF2-40B4-BE49-F238E27FC236}">
+                <a16:creationId xmlns:a16="http://schemas.microsoft.com/office/drawing/2014/main" id="{8D9A20C8-1601-4990-875A-125BC4F1A872}"/>
+              </a:ext>
+            </a:extLst>
+          </p:cNvPr>
+          <p:cNvSpPr>
+            <a:spLocks noGrp="1"/>
+          </p:cNvSpPr>
+          <p:nvPr>
+            <p:ph type="title"/>
+          </p:nvPr>
+        </p:nvSpPr>
+        <p:spPr/>
+        <p:txBody>
+          <a:bodyPr/>
+          <a:lstStyle/>
+          <a:p>
+            <a:r>
+              <a:rPr kumimoji="1" lang="en-US" altLang="ja-JP"/>
+              <a:t>WEP (Wired Equivalent Privacy)</a:t>
+            </a:r>
+            <a:endParaRPr kumimoji="1" lang="ja-JP" altLang="en-US"/>
+          </a:p>
+        </p:txBody>
+      </p:sp>
+    </p:spTree>
+    <p:extLst>
+      <p:ext uri="{BB962C8B-B14F-4D97-AF65-F5344CB8AC3E}">
+        <p14:creationId xmlns:p14="http://schemas.microsoft.com/office/powerpoint/2010/main" val="3136027840"/>
+      </p:ext>
+    </p:extLst>
+  </p:cSld>
+  <p:clrMapOvr>
+    <a:masterClrMapping/>
+  </p:clrMapOvr>
+</p:sld>
+</file>
+
+<file path=ppt/slides/slide41.xml><?xml version="1.0" encoding="utf-8"?>
+<p:sld xmlns:a="http://schemas.openxmlformats.org/drawingml/2006/main" xmlns:r="http://schemas.openxmlformats.org/officeDocument/2006/relationships" xmlns:p="http://schemas.openxmlformats.org/presentationml/2006/main">
+  <p:cSld>
+    <p:spTree>
+      <p:nvGrpSpPr>
+        <p:cNvPr id="1" name=""/>
+        <p:cNvGrpSpPr/>
+        <p:nvPr/>
+      </p:nvGrpSpPr>
+      <p:grpSpPr>
+        <a:xfrm>
+          <a:off x="0" y="0"/>
+          <a:ext cx="0" cy="0"/>
+          <a:chOff x="0" y="0"/>
+          <a:chExt cx="0" cy="0"/>
+        </a:xfrm>
+      </p:grpSpPr>
+      <p:pic>
+        <p:nvPicPr>
+          <p:cNvPr id="6" name="図 5">
+            <a:extLst>
+              <a:ext uri="{FF2B5EF4-FFF2-40B4-BE49-F238E27FC236}">
+                <a16:creationId xmlns:a16="http://schemas.microsoft.com/office/drawing/2014/main" id="{AFAE7ED5-9062-43E9-A2A1-0ADA328F64E3}"/>
+              </a:ext>
+            </a:extLst>
+          </p:cNvPr>
+          <p:cNvPicPr>
+            <a:picLocks noChangeAspect="1"/>
+          </p:cNvPicPr>
+          <p:nvPr/>
+        </p:nvPicPr>
+        <p:blipFill>
+          <a:blip r:embed="rId3">
+            <a:extLst>
+              <a:ext uri="{28A0092B-C50C-407E-A947-70E740481C1C}">
+                <a14:useLocalDpi xmlns:a14="http://schemas.microsoft.com/office/drawing/2010/main" val="0"/>
+              </a:ext>
+            </a:extLst>
+          </a:blip>
+          <a:stretch>
+            <a:fillRect/>
+          </a:stretch>
+        </p:blipFill>
+        <p:spPr>
+          <a:xfrm>
+            <a:off x="1655676" y="2773058"/>
+            <a:ext cx="6516724" cy="3913289"/>
+          </a:xfrm>
+          <a:prstGeom prst="rect">
+            <a:avLst/>
+          </a:prstGeom>
+        </p:spPr>
+      </p:pic>
+      <p:sp>
+        <p:nvSpPr>
+          <p:cNvPr id="2" name="コンテンツ プレースホルダー 1">
+            <a:extLst>
+              <a:ext uri="{FF2B5EF4-FFF2-40B4-BE49-F238E27FC236}">
+                <a16:creationId xmlns:a16="http://schemas.microsoft.com/office/drawing/2014/main" id="{F0ED5844-4B23-4A44-BB69-0222D439B3F5}"/>
+              </a:ext>
+            </a:extLst>
+          </p:cNvPr>
+          <p:cNvSpPr>
+            <a:spLocks noGrp="1"/>
+          </p:cNvSpPr>
+          <p:nvPr>
+            <p:ph idx="1"/>
+          </p:nvPr>
+        </p:nvSpPr>
+        <p:spPr/>
+        <p:txBody>
+          <a:bodyPr/>
+          <a:lstStyle/>
+          <a:p>
+            <a:r>
+              <a:rPr kumimoji="1" lang="en-US" altLang="ja-JP"/>
+              <a:t>WPA(</a:t>
+            </a:r>
+            <a:r>
+              <a:rPr lang="en-US" altLang="ja-JP"/>
+              <a:t>Wi-Fi Protected Access</a:t>
+            </a:r>
+            <a:r>
+              <a:rPr kumimoji="1" lang="en-US" altLang="ja-JP"/>
+              <a:t>)</a:t>
+            </a:r>
+          </a:p>
+          <a:p>
+            <a:pPr lvl="1"/>
+            <a:r>
+              <a:rPr lang="en-US" altLang="ja-JP"/>
+              <a:t>2003</a:t>
+            </a:r>
+            <a:r>
+              <a:rPr lang="ja-JP" altLang="en-US"/>
+              <a:t>年</a:t>
+            </a:r>
+            <a:r>
+              <a:rPr lang="en-US" altLang="ja-JP"/>
+              <a:t>WPA-TKIP(Temporal Key Integrity Protocol)</a:t>
+            </a:r>
+          </a:p>
+          <a:p>
+            <a:pPr lvl="2"/>
+            <a:r>
+              <a:rPr kumimoji="1" lang="en-US" altLang="ja-JP"/>
+              <a:t>48bit</a:t>
+            </a:r>
+            <a:r>
+              <a:rPr kumimoji="1" lang="ja-JP" altLang="en-US"/>
+              <a:t>の</a:t>
+            </a:r>
+            <a:r>
+              <a:rPr kumimoji="1" lang="en-US" altLang="ja-JP"/>
+              <a:t>IV+RC4</a:t>
+            </a:r>
+          </a:p>
+          <a:p>
+            <a:r>
+              <a:rPr lang="en-US" altLang="ja-JP"/>
+              <a:t>WPA2(2004</a:t>
+            </a:r>
+            <a:r>
+              <a:rPr lang="ja-JP" altLang="en-US"/>
+              <a:t>年 </a:t>
+            </a:r>
+            <a:r>
+              <a:rPr lang="en-US" altLang="ja-JP"/>
+              <a:t>IEEE 802.11i)</a:t>
+            </a:r>
+          </a:p>
+          <a:p>
+            <a:pPr lvl="1"/>
+            <a:r>
+              <a:rPr kumimoji="1" lang="en-US" altLang="ja-JP"/>
+              <a:t>256bit</a:t>
+            </a:r>
+            <a:r>
+              <a:rPr kumimoji="1" lang="ja-JP" altLang="en-US"/>
+              <a:t>の</a:t>
+            </a:r>
+            <a:r>
+              <a:rPr kumimoji="1" lang="en-US" altLang="ja-JP"/>
+              <a:t>AES</a:t>
+            </a:r>
+          </a:p>
+          <a:p>
+            <a:endParaRPr kumimoji="1" lang="ja-JP" altLang="en-US"/>
+          </a:p>
+        </p:txBody>
+      </p:sp>
+      <p:sp>
+        <p:nvSpPr>
+          <p:cNvPr id="3" name="スライド番号プレースホルダー 2">
+            <a:extLst>
+              <a:ext uri="{FF2B5EF4-FFF2-40B4-BE49-F238E27FC236}">
+                <a16:creationId xmlns:a16="http://schemas.microsoft.com/office/drawing/2014/main" id="{1D1E4298-B84F-4F62-9E53-581AE74BC23D}"/>
+              </a:ext>
+            </a:extLst>
+          </p:cNvPr>
+          <p:cNvSpPr>
+            <a:spLocks noGrp="1"/>
+          </p:cNvSpPr>
+          <p:nvPr>
+            <p:ph type="sldNum" sz="quarter" idx="12"/>
+          </p:nvPr>
+        </p:nvSpPr>
+        <p:spPr/>
+        <p:txBody>
+          <a:bodyPr/>
+          <a:lstStyle/>
+          <a:p>
+            <a:pPr>
+              <a:defRPr/>
+            </a:pPr>
+            <a:r>
+              <a:rPr lang="en-US" altLang="ja-JP"/>
+              <a:t>    </a:t>
+            </a:r>
+            <a:fld id="{B2782DEB-472A-4FE5-AC34-C17109CF5A91}" type="slidenum">
+              <a:rPr lang="en-US" altLang="ja-JP" smtClean="0"/>
+              <a:pPr>
+                <a:defRPr/>
+              </a:pPr>
+              <a:t>41</a:t>
+            </a:fld>
+            <a:r>
+              <a:rPr lang="en-US" altLang="ja-JP"/>
+              <a:t> / 24</a:t>
+            </a:r>
+          </a:p>
+        </p:txBody>
+      </p:sp>
+      <p:sp>
+        <p:nvSpPr>
+          <p:cNvPr id="4" name="タイトル 3">
+            <a:extLst>
+              <a:ext uri="{FF2B5EF4-FFF2-40B4-BE49-F238E27FC236}">
+                <a16:creationId xmlns:a16="http://schemas.microsoft.com/office/drawing/2014/main" id="{E192B5AF-B2B4-4254-874B-9F932ED148BD}"/>
+              </a:ext>
+            </a:extLst>
+          </p:cNvPr>
+          <p:cNvSpPr>
+            <a:spLocks noGrp="1"/>
+          </p:cNvSpPr>
+          <p:nvPr>
+            <p:ph type="title"/>
+          </p:nvPr>
+        </p:nvSpPr>
+        <p:spPr/>
+        <p:txBody>
+          <a:bodyPr/>
+          <a:lstStyle/>
+          <a:p>
+            <a:r>
+              <a:rPr kumimoji="1" lang="en-US" altLang="ja-JP"/>
+              <a:t>WPA</a:t>
+            </a:r>
+            <a:r>
+              <a:rPr kumimoji="1" lang="ja-JP" altLang="en-US"/>
+              <a:t>から</a:t>
+            </a:r>
+            <a:r>
+              <a:rPr kumimoji="1" lang="en-US" altLang="ja-JP"/>
+              <a:t>WAP2</a:t>
+            </a:r>
+            <a:endParaRPr kumimoji="1" lang="ja-JP" altLang="en-US"/>
+          </a:p>
+        </p:txBody>
+      </p:sp>
+      <p:sp>
+        <p:nvSpPr>
+          <p:cNvPr id="7" name="テキスト ボックス 6">
+            <a:extLst>
+              <a:ext uri="{FF2B5EF4-FFF2-40B4-BE49-F238E27FC236}">
+                <a16:creationId xmlns:a16="http://schemas.microsoft.com/office/drawing/2014/main" id="{703139A7-16D3-4933-9E77-D5CE8C392F4A}"/>
+              </a:ext>
+            </a:extLst>
+          </p:cNvPr>
+          <p:cNvSpPr txBox="1"/>
+          <p:nvPr/>
+        </p:nvSpPr>
+        <p:spPr>
+          <a:xfrm>
+            <a:off x="4860032" y="2438599"/>
+            <a:ext cx="3425984" cy="461665"/>
+          </a:xfrm>
+          <a:prstGeom prst="rect">
+            <a:avLst/>
+          </a:prstGeom>
+          <a:noFill/>
+          <a:ln w="19050" cap="rnd">
+            <a:noFill/>
+          </a:ln>
+        </p:spPr>
+        <p:txBody>
+          <a:bodyPr wrap="square" rtlCol="0">
+            <a:spAutoFit/>
+          </a:bodyPr>
+          <a:lstStyle/>
+          <a:p>
+            <a:r>
+              <a:rPr kumimoji="1" lang="en-US" altLang="ja-JP" sz="2400">
+                <a:latin typeface="游ゴシック" panose="020B0400000000000000" pitchFamily="50" charset="-128"/>
+                <a:ea typeface="游ゴシック" panose="020B0400000000000000" pitchFamily="50" charset="-128"/>
+                <a:cs typeface="Courier New" pitchFamily="49" charset="0"/>
+              </a:rPr>
+              <a:t>4-way</a:t>
+            </a:r>
+            <a:r>
+              <a:rPr kumimoji="1" lang="ja-JP" altLang="en-US" sz="2400">
+                <a:latin typeface="游ゴシック" panose="020B0400000000000000" pitchFamily="50" charset="-128"/>
+                <a:ea typeface="游ゴシック" panose="020B0400000000000000" pitchFamily="50" charset="-128"/>
+                <a:cs typeface="Courier New" pitchFamily="49" charset="0"/>
+              </a:rPr>
+              <a:t>ハンドシェイク</a:t>
+            </a:r>
+          </a:p>
+        </p:txBody>
+      </p:sp>
+    </p:spTree>
+    <p:extLst>
+      <p:ext uri="{BB962C8B-B14F-4D97-AF65-F5344CB8AC3E}">
+        <p14:creationId xmlns:p14="http://schemas.microsoft.com/office/powerpoint/2010/main" val="451980676"/>
+      </p:ext>
+    </p:extLst>
+  </p:cSld>
+  <p:clrMapOvr>
+    <a:masterClrMapping/>
+  </p:clrMapOvr>
+</p:sld>
+</file>
+
+<file path=ppt/slides/slide42.xml><?xml version="1.0" encoding="utf-8"?>
+<p:sld xmlns:a="http://schemas.openxmlformats.org/drawingml/2006/main" xmlns:r="http://schemas.openxmlformats.org/officeDocument/2006/relationships" xmlns:p="http://schemas.openxmlformats.org/presentationml/2006/main">
+  <p:cSld>
+    <p:spTree>
+      <p:nvGrpSpPr>
+        <p:cNvPr id="1" name=""/>
+        <p:cNvGrpSpPr/>
+        <p:nvPr/>
+      </p:nvGrpSpPr>
+      <p:grpSpPr>
+        <a:xfrm>
+          <a:off x="0" y="0"/>
+          <a:ext cx="0" cy="0"/>
+          <a:chOff x="0" y="0"/>
+          <a:chExt cx="0" cy="0"/>
+        </a:xfrm>
+      </p:grpSpPr>
+      <p:sp>
+        <p:nvSpPr>
+          <p:cNvPr id="2" name="コンテンツ プレースホルダー 1">
+            <a:extLst>
+              <a:ext uri="{FF2B5EF4-FFF2-40B4-BE49-F238E27FC236}">
+                <a16:creationId xmlns:a16="http://schemas.microsoft.com/office/drawing/2014/main" id="{3BED4404-22E9-41D8-B5B9-AA2A379F3EE8}"/>
+              </a:ext>
+            </a:extLst>
+          </p:cNvPr>
+          <p:cNvSpPr>
+            <a:spLocks noGrp="1"/>
+          </p:cNvSpPr>
+          <p:nvPr>
+            <p:ph idx="1"/>
+          </p:nvPr>
+        </p:nvSpPr>
+        <p:spPr/>
+        <p:txBody>
+          <a:bodyPr/>
+          <a:lstStyle/>
+          <a:p>
+            <a:r>
+              <a:rPr kumimoji="1" lang="en-US" altLang="ja-JP"/>
+              <a:t>2017</a:t>
+            </a:r>
+            <a:r>
+              <a:rPr kumimoji="1" lang="ja-JP" altLang="en-US"/>
+              <a:t>年</a:t>
+            </a:r>
+            <a:r>
+              <a:rPr kumimoji="1" lang="en-US" altLang="ja-JP"/>
+              <a:t>Vanhoef</a:t>
+            </a:r>
+            <a:r>
+              <a:rPr kumimoji="1" lang="ja-JP" altLang="en-US"/>
+              <a:t>らによる</a:t>
+            </a:r>
+            <a:r>
+              <a:rPr kumimoji="1" lang="en-US" altLang="ja-JP"/>
+              <a:t>WPA2</a:t>
+            </a:r>
+            <a:r>
+              <a:rPr kumimoji="1" lang="ja-JP" altLang="en-US"/>
+              <a:t>の攻撃</a:t>
+            </a:r>
+            <a:endParaRPr kumimoji="1" lang="en-US" altLang="ja-JP"/>
+          </a:p>
+          <a:p>
+            <a:pPr lvl="1"/>
+            <a:r>
+              <a:rPr kumimoji="1" lang="en-US" altLang="ja-JP"/>
+              <a:t>MITM</a:t>
+            </a:r>
+            <a:r>
+              <a:rPr kumimoji="1" lang="ja-JP" altLang="en-US"/>
+              <a:t>によるナンスの再利用を誘発する攻撃</a:t>
+            </a:r>
+            <a:endParaRPr kumimoji="1" lang="en-US" altLang="ja-JP"/>
+          </a:p>
+          <a:p>
+            <a:pPr lvl="2"/>
+            <a:r>
+              <a:rPr lang="ja-JP" altLang="en-US"/>
+              <a:t>一部の</a:t>
+            </a:r>
+            <a:r>
+              <a:rPr lang="en-US" altLang="ja-JP"/>
+              <a:t>Android</a:t>
+            </a:r>
+            <a:r>
+              <a:rPr lang="ja-JP" altLang="en-US"/>
+              <a:t>の実装で</a:t>
+            </a:r>
+            <a:r>
+              <a:rPr lang="en-US" altLang="ja-JP"/>
+              <a:t>TK</a:t>
+            </a:r>
+            <a:r>
+              <a:rPr lang="ja-JP" altLang="en-US"/>
+              <a:t>を全て</a:t>
+            </a:r>
+            <a:r>
+              <a:rPr lang="en-US" altLang="ja-JP"/>
+              <a:t>0</a:t>
+            </a:r>
+            <a:r>
+              <a:rPr lang="ja-JP" altLang="en-US"/>
+              <a:t>にしてしまうバグの発見</a:t>
+            </a:r>
+            <a:endParaRPr kumimoji="1" lang="en-US" altLang="ja-JP"/>
+          </a:p>
+          <a:p>
+            <a:pPr lvl="1"/>
+            <a:r>
+              <a:rPr kumimoji="1" lang="ja-JP" altLang="en-US"/>
+              <a:t>全て</a:t>
+            </a:r>
+            <a:r>
+              <a:rPr kumimoji="1" lang="en-US" altLang="ja-JP"/>
+              <a:t>HTTPS</a:t>
+            </a:r>
+            <a:r>
+              <a:rPr kumimoji="1" lang="ja-JP" altLang="en-US"/>
+              <a:t>なら安全だがそうでなければ盗聴</a:t>
+            </a:r>
+            <a:r>
+              <a:rPr kumimoji="1" lang="en-US" altLang="ja-JP"/>
+              <a:t>/</a:t>
+            </a:r>
+            <a:r>
+              <a:rPr kumimoji="1" lang="ja-JP" altLang="en-US"/>
+              <a:t>改竄の可能性</a:t>
+            </a:r>
+          </a:p>
+        </p:txBody>
+      </p:sp>
+      <p:sp>
+        <p:nvSpPr>
+          <p:cNvPr id="3" name="スライド番号プレースホルダー 2">
+            <a:extLst>
+              <a:ext uri="{FF2B5EF4-FFF2-40B4-BE49-F238E27FC236}">
+                <a16:creationId xmlns:a16="http://schemas.microsoft.com/office/drawing/2014/main" id="{6784218F-CB3F-42B1-92EC-A8F3FAD6D13A}"/>
+              </a:ext>
+            </a:extLst>
+          </p:cNvPr>
+          <p:cNvSpPr>
+            <a:spLocks noGrp="1"/>
+          </p:cNvSpPr>
+          <p:nvPr>
+            <p:ph type="sldNum" sz="quarter" idx="12"/>
+          </p:nvPr>
+        </p:nvSpPr>
+        <p:spPr/>
+        <p:txBody>
+          <a:bodyPr/>
+          <a:lstStyle/>
+          <a:p>
+            <a:pPr>
+              <a:defRPr/>
+            </a:pPr>
+            <a:r>
+              <a:rPr lang="en-US" altLang="ja-JP"/>
+              <a:t>    </a:t>
+            </a:r>
+            <a:fld id="{B2782DEB-472A-4FE5-AC34-C17109CF5A91}" type="slidenum">
+              <a:rPr lang="en-US" altLang="ja-JP" smtClean="0"/>
+              <a:pPr>
+                <a:defRPr/>
+              </a:pPr>
+              <a:t>42</a:t>
+            </a:fld>
+            <a:r>
+              <a:rPr lang="en-US" altLang="ja-JP"/>
+              <a:t> / 24</a:t>
+            </a:r>
+          </a:p>
+        </p:txBody>
+      </p:sp>
+      <p:sp>
+        <p:nvSpPr>
+          <p:cNvPr id="4" name="タイトル 3">
+            <a:extLst>
+              <a:ext uri="{FF2B5EF4-FFF2-40B4-BE49-F238E27FC236}">
+                <a16:creationId xmlns:a16="http://schemas.microsoft.com/office/drawing/2014/main" id="{4B8AC996-EE43-4769-95CD-FA308EB38934}"/>
+              </a:ext>
+            </a:extLst>
+          </p:cNvPr>
+          <p:cNvSpPr>
+            <a:spLocks noGrp="1"/>
+          </p:cNvSpPr>
+          <p:nvPr>
+            <p:ph type="title"/>
+          </p:nvPr>
+        </p:nvSpPr>
+        <p:spPr/>
+        <p:txBody>
+          <a:bodyPr/>
+          <a:lstStyle/>
+          <a:p>
+            <a:r>
+              <a:rPr kumimoji="1" lang="en-US" altLang="ja-JP"/>
+              <a:t>KRACK</a:t>
+            </a:r>
+            <a:endParaRPr kumimoji="1" lang="ja-JP" altLang="en-US"/>
+          </a:p>
+        </p:txBody>
+      </p:sp>
+      <p:pic>
+        <p:nvPicPr>
+          <p:cNvPr id="6" name="図 5">
+            <a:extLst>
+              <a:ext uri="{FF2B5EF4-FFF2-40B4-BE49-F238E27FC236}">
+                <a16:creationId xmlns:a16="http://schemas.microsoft.com/office/drawing/2014/main" id="{EAD50411-FB23-43B9-8F0C-5332370E47F0}"/>
+              </a:ext>
+            </a:extLst>
+          </p:cNvPr>
+          <p:cNvPicPr>
+            <a:picLocks noChangeAspect="1"/>
+          </p:cNvPicPr>
+          <p:nvPr/>
+        </p:nvPicPr>
+        <p:blipFill>
+          <a:blip r:embed="rId2">
+            <a:extLst>
+              <a:ext uri="{28A0092B-C50C-407E-A947-70E740481C1C}">
+                <a14:useLocalDpi xmlns:a14="http://schemas.microsoft.com/office/drawing/2010/main" val="0"/>
+              </a:ext>
+            </a:extLst>
+          </a:blip>
+          <a:stretch>
+            <a:fillRect/>
+          </a:stretch>
+        </p:blipFill>
+        <p:spPr>
+          <a:xfrm>
+            <a:off x="1331640" y="2649058"/>
+            <a:ext cx="6120680" cy="4200317"/>
+          </a:xfrm>
+          <a:prstGeom prst="rect">
+            <a:avLst/>
+          </a:prstGeom>
+        </p:spPr>
+      </p:pic>
+    </p:spTree>
+    <p:extLst>
+      <p:ext uri="{BB962C8B-B14F-4D97-AF65-F5344CB8AC3E}">
+        <p14:creationId xmlns:p14="http://schemas.microsoft.com/office/powerpoint/2010/main" val="389965258"/>
+      </p:ext>
+    </p:extLst>
+  </p:cSld>
+  <p:clrMapOvr>
+    <a:masterClrMapping/>
+  </p:clrMapOvr>
+</p:sld>
+</file>
+
+<file path=ppt/slides/slide43.xml><?xml version="1.0" encoding="utf-8"?>
+<p:sld xmlns:a="http://schemas.openxmlformats.org/drawingml/2006/main" xmlns:r="http://schemas.openxmlformats.org/officeDocument/2006/relationships" xmlns:p="http://schemas.openxmlformats.org/presentationml/2006/main">
+  <p:cSld>
+    <p:spTree>
+      <p:nvGrpSpPr>
+        <p:cNvPr id="1" name=""/>
+        <p:cNvGrpSpPr/>
+        <p:nvPr/>
+      </p:nvGrpSpPr>
+      <p:grpSpPr>
+        <a:xfrm>
+          <a:off x="0" y="0"/>
+          <a:ext cx="0" cy="0"/>
+          <a:chOff x="0" y="0"/>
+          <a:chExt cx="0" cy="0"/>
+        </a:xfrm>
+      </p:grpSpPr>
+      <p:sp>
+        <p:nvSpPr>
+          <p:cNvPr id="2" name="コンテンツ プレースホルダー 1">
+            <a:extLst>
+              <a:ext uri="{FF2B5EF4-FFF2-40B4-BE49-F238E27FC236}">
+                <a16:creationId xmlns:a16="http://schemas.microsoft.com/office/drawing/2014/main" id="{0ABA4BCA-C315-4C8B-A216-C5E9ACDBAD68}"/>
+              </a:ext>
+            </a:extLst>
+          </p:cNvPr>
+          <p:cNvSpPr>
+            <a:spLocks noGrp="1"/>
+          </p:cNvSpPr>
+          <p:nvPr>
+            <p:ph idx="1"/>
+          </p:nvPr>
+        </p:nvSpPr>
+        <p:spPr/>
+        <p:txBody>
+          <a:bodyPr/>
+          <a:lstStyle/>
+          <a:p>
+            <a:r>
+              <a:rPr kumimoji="1" lang="en-US" altLang="ja-JP"/>
+              <a:t>SAE(</a:t>
+            </a:r>
+            <a:r>
+              <a:rPr lang="en-US" altLang="ja-JP"/>
+              <a:t>Simultaneous Authentication of Equals</a:t>
+            </a:r>
+            <a:r>
+              <a:rPr kumimoji="1" lang="en-US" altLang="ja-JP"/>
+              <a:t>)</a:t>
+            </a:r>
+          </a:p>
+          <a:p>
+            <a:pPr lvl="1"/>
+            <a:r>
+              <a:rPr lang="en-US" altLang="ja-JP"/>
+              <a:t>4-way</a:t>
+            </a:r>
+            <a:r>
+              <a:rPr lang="ja-JP" altLang="en-US"/>
+              <a:t>ハンドェイクの前に行う鍵共有プロトコル</a:t>
+            </a:r>
+            <a:endParaRPr lang="en-US" altLang="ja-JP"/>
+          </a:p>
+          <a:p>
+            <a:pPr lvl="1"/>
+            <a:endParaRPr kumimoji="1" lang="en-US" altLang="ja-JP"/>
+          </a:p>
+          <a:p>
+            <a:pPr lvl="1"/>
+            <a:endParaRPr lang="en-US" altLang="ja-JP"/>
+          </a:p>
+          <a:p>
+            <a:pPr lvl="1"/>
+            <a:endParaRPr kumimoji="1" lang="en-US" altLang="ja-JP"/>
+          </a:p>
+          <a:p>
+            <a:pPr lvl="1"/>
+            <a:endParaRPr lang="en-US" altLang="ja-JP"/>
+          </a:p>
+          <a:p>
+            <a:pPr lvl="1"/>
+            <a:endParaRPr kumimoji="1" lang="en-US" altLang="ja-JP"/>
+          </a:p>
+          <a:p>
+            <a:pPr lvl="1"/>
+            <a:endParaRPr lang="en-US" altLang="ja-JP"/>
+          </a:p>
+          <a:p>
+            <a:pPr lvl="1"/>
+            <a:endParaRPr kumimoji="1" lang="en-US" altLang="ja-JP"/>
+          </a:p>
+          <a:p>
+            <a:pPr lvl="1"/>
+            <a:endParaRPr lang="en-US" altLang="ja-JP"/>
+          </a:p>
+          <a:p>
+            <a:pPr lvl="1"/>
+            <a:endParaRPr kumimoji="1" lang="en-US" altLang="ja-JP"/>
+          </a:p>
+          <a:p>
+            <a:pPr lvl="1"/>
+            <a:r>
+              <a:rPr kumimoji="1" lang="en-US" altLang="ja-JP"/>
+              <a:t>PSK</a:t>
+            </a:r>
+            <a:r>
+              <a:rPr kumimoji="1" lang="ja-JP" altLang="en-US"/>
+              <a:t>が漏洩しても鍵共有の結果は分からない前方秘匿性</a:t>
+            </a:r>
+          </a:p>
+        </p:txBody>
+      </p:sp>
+      <p:sp>
+        <p:nvSpPr>
+          <p:cNvPr id="3" name="スライド番号プレースホルダー 2">
+            <a:extLst>
+              <a:ext uri="{FF2B5EF4-FFF2-40B4-BE49-F238E27FC236}">
+                <a16:creationId xmlns:a16="http://schemas.microsoft.com/office/drawing/2014/main" id="{EDA3E084-4EE1-48FD-B78A-16246964D5E8}"/>
+              </a:ext>
+            </a:extLst>
+          </p:cNvPr>
+          <p:cNvSpPr>
+            <a:spLocks noGrp="1"/>
+          </p:cNvSpPr>
+          <p:nvPr>
+            <p:ph type="sldNum" sz="quarter" idx="12"/>
+          </p:nvPr>
+        </p:nvSpPr>
+        <p:spPr/>
+        <p:txBody>
+          <a:bodyPr/>
+          <a:lstStyle/>
+          <a:p>
+            <a:pPr>
+              <a:defRPr/>
+            </a:pPr>
+            <a:r>
+              <a:rPr lang="en-US" altLang="ja-JP"/>
+              <a:t>    </a:t>
+            </a:r>
+            <a:fld id="{B2782DEB-472A-4FE5-AC34-C17109CF5A91}" type="slidenum">
+              <a:rPr lang="en-US" altLang="ja-JP" smtClean="0"/>
+              <a:pPr>
+                <a:defRPr/>
+              </a:pPr>
+              <a:t>43</a:t>
+            </a:fld>
+            <a:r>
+              <a:rPr lang="en-US" altLang="ja-JP"/>
+              <a:t> / 24</a:t>
+            </a:r>
+          </a:p>
+        </p:txBody>
+      </p:sp>
+      <p:sp>
+        <p:nvSpPr>
+          <p:cNvPr id="4" name="タイトル 3">
+            <a:extLst>
+              <a:ext uri="{FF2B5EF4-FFF2-40B4-BE49-F238E27FC236}">
+                <a16:creationId xmlns:a16="http://schemas.microsoft.com/office/drawing/2014/main" id="{513AD2EE-23DD-46E1-86FD-4374A81B2958}"/>
+              </a:ext>
+            </a:extLst>
+          </p:cNvPr>
+          <p:cNvSpPr>
+            <a:spLocks noGrp="1"/>
+          </p:cNvSpPr>
+          <p:nvPr>
+            <p:ph type="title"/>
+          </p:nvPr>
+        </p:nvSpPr>
+        <p:spPr/>
+        <p:txBody>
+          <a:bodyPr/>
+          <a:lstStyle/>
+          <a:p>
+            <a:r>
+              <a:rPr kumimoji="1" lang="en-US" altLang="ja-JP"/>
+              <a:t>WPA3 (2018)</a:t>
+            </a:r>
+            <a:endParaRPr kumimoji="1" lang="ja-JP" altLang="en-US"/>
+          </a:p>
+        </p:txBody>
+      </p:sp>
+      <p:pic>
+        <p:nvPicPr>
+          <p:cNvPr id="6" name="図 5">
+            <a:extLst>
+              <a:ext uri="{FF2B5EF4-FFF2-40B4-BE49-F238E27FC236}">
+                <a16:creationId xmlns:a16="http://schemas.microsoft.com/office/drawing/2014/main" id="{830556C7-1690-4D8D-88A4-D5B9B79057BD}"/>
+              </a:ext>
+            </a:extLst>
+          </p:cNvPr>
+          <p:cNvPicPr>
+            <a:picLocks noChangeAspect="1"/>
+          </p:cNvPicPr>
+          <p:nvPr/>
+        </p:nvPicPr>
+        <p:blipFill>
+          <a:blip r:embed="rId2">
+            <a:extLst>
+              <a:ext uri="{28A0092B-C50C-407E-A947-70E740481C1C}">
+                <a14:useLocalDpi xmlns:a14="http://schemas.microsoft.com/office/drawing/2010/main" val="0"/>
+              </a:ext>
+            </a:extLst>
+          </a:blip>
+          <a:stretch>
+            <a:fillRect/>
+          </a:stretch>
+        </p:blipFill>
+        <p:spPr>
+          <a:xfrm>
+            <a:off x="899592" y="1844824"/>
+            <a:ext cx="7488832" cy="3725694"/>
+          </a:xfrm>
+          <a:prstGeom prst="rect">
+            <a:avLst/>
+          </a:prstGeom>
+        </p:spPr>
+      </p:pic>
+    </p:spTree>
+    <p:extLst>
+      <p:ext uri="{BB962C8B-B14F-4D97-AF65-F5344CB8AC3E}">
+        <p14:creationId xmlns:p14="http://schemas.microsoft.com/office/powerpoint/2010/main" val="1803328256"/>
+      </p:ext>
+    </p:extLst>
+  </p:cSld>
+  <p:clrMapOvr>
+    <a:masterClrMapping/>
+  </p:clrMapOvr>
+</p:sld>
+</file>
+
+<file path=ppt/slides/slide44.xml><?xml version="1.0" encoding="utf-8"?>
+<p:sld xmlns:a="http://schemas.openxmlformats.org/drawingml/2006/main" xmlns:r="http://schemas.openxmlformats.org/officeDocument/2006/relationships" xmlns:p="http://schemas.openxmlformats.org/presentationml/2006/main">
+  <p:cSld>
+    <p:spTree>
+      <p:nvGrpSpPr>
+        <p:cNvPr id="1" name=""/>
+        <p:cNvGrpSpPr/>
+        <p:nvPr/>
+      </p:nvGrpSpPr>
+      <p:grpSpPr>
+        <a:xfrm>
+          <a:off x="0" y="0"/>
+          <a:ext cx="0" cy="0"/>
+          <a:chOff x="0" y="0"/>
+          <a:chExt cx="0" cy="0"/>
+        </a:xfrm>
+      </p:grpSpPr>
+      <p:sp>
+        <p:nvSpPr>
+          <p:cNvPr id="2" name="コンテンツ プレースホルダー 1">
+            <a:extLst>
+              <a:ext uri="{FF2B5EF4-FFF2-40B4-BE49-F238E27FC236}">
+                <a16:creationId xmlns:a16="http://schemas.microsoft.com/office/drawing/2014/main" id="{DB94340B-9218-4281-BB79-618343A57F22}"/>
+              </a:ext>
+            </a:extLst>
+          </p:cNvPr>
+          <p:cNvSpPr>
+            <a:spLocks noGrp="1"/>
+          </p:cNvSpPr>
+          <p:nvPr>
+            <p:ph idx="1"/>
+          </p:nvPr>
+        </p:nvSpPr>
+        <p:spPr/>
+        <p:txBody>
+          <a:bodyPr/>
+          <a:lstStyle/>
+          <a:p>
+            <a:r>
+              <a:rPr kumimoji="1" lang="en-US" altLang="ja-JP"/>
+              <a:t>Vanhoef</a:t>
+            </a:r>
+            <a:r>
+              <a:rPr kumimoji="1" lang="ja-JP" altLang="en-US"/>
+              <a:t>と</a:t>
+            </a:r>
+            <a:r>
+              <a:rPr kumimoji="1" lang="en-US" altLang="ja-JP"/>
+              <a:t>Ronen</a:t>
+            </a:r>
+            <a:r>
+              <a:rPr kumimoji="1" lang="ja-JP" altLang="en-US"/>
+              <a:t>による</a:t>
+            </a:r>
+            <a:r>
+              <a:rPr kumimoji="1" lang="en-US" altLang="ja-JP"/>
+              <a:t>SAE</a:t>
+            </a:r>
+            <a:r>
+              <a:rPr kumimoji="1" lang="ja-JP" altLang="en-US"/>
+              <a:t>の脆弱な実装報告</a:t>
+            </a:r>
+            <a:endParaRPr kumimoji="1" lang="en-US" altLang="ja-JP"/>
+          </a:p>
+          <a:p>
+            <a:pPr lvl="1"/>
+            <a:r>
+              <a:rPr kumimoji="1" lang="ja-JP" altLang="en-US"/>
+              <a:t>楕円曲線の秘密鍵の値に依存した実行速度の差を利用</a:t>
+            </a:r>
+            <a:endParaRPr kumimoji="1" lang="en-US" altLang="ja-JP"/>
+          </a:p>
+          <a:p>
+            <a:pPr lvl="1"/>
+            <a:r>
+              <a:rPr kumimoji="1" lang="ja-JP" altLang="en-US"/>
+              <a:t>サイドチャネル攻撃</a:t>
+            </a:r>
+            <a:endParaRPr kumimoji="1" lang="en-US" altLang="ja-JP"/>
+          </a:p>
+          <a:p>
+            <a:pPr lvl="2"/>
+            <a:r>
+              <a:rPr kumimoji="1" lang="ja-JP" altLang="en-US"/>
+              <a:t>他にダウングレード攻撃や実装不備など</a:t>
+            </a:r>
+            <a:endParaRPr kumimoji="1" lang="en-US" altLang="ja-JP"/>
+          </a:p>
+          <a:p>
+            <a:pPr lvl="1"/>
+            <a:r>
+              <a:rPr lang="en-US" altLang="ja-JP"/>
+              <a:t>2020</a:t>
+            </a:r>
+            <a:r>
+              <a:rPr lang="ja-JP" altLang="en-US"/>
+              <a:t>年対策済み</a:t>
+            </a:r>
+            <a:endParaRPr lang="en-US" altLang="ja-JP"/>
+          </a:p>
+          <a:p>
+            <a:r>
+              <a:rPr kumimoji="1" lang="en-US" altLang="ja-JP"/>
+              <a:t>FragAttacks (2021</a:t>
+            </a:r>
+            <a:r>
+              <a:rPr kumimoji="1" lang="ja-JP" altLang="en-US"/>
+              <a:t>年</a:t>
+            </a:r>
+            <a:r>
+              <a:rPr kumimoji="1" lang="en-US" altLang="ja-JP"/>
+              <a:t>5</a:t>
+            </a:r>
+            <a:r>
+              <a:rPr kumimoji="1" lang="ja-JP" altLang="en-US"/>
+              <a:t>月</a:t>
+            </a:r>
+            <a:r>
+              <a:rPr kumimoji="1" lang="en-US" altLang="ja-JP"/>
+              <a:t>) by Vanhoef</a:t>
+            </a:r>
+          </a:p>
+          <a:p>
+            <a:pPr lvl="1"/>
+            <a:r>
+              <a:rPr kumimoji="1" lang="ja-JP" altLang="en-US"/>
+              <a:t>フレームアグリケーション</a:t>
+            </a:r>
+            <a:endParaRPr kumimoji="1" lang="en-US" altLang="ja-JP"/>
+          </a:p>
+          <a:p>
+            <a:pPr lvl="2"/>
+            <a:r>
+              <a:rPr kumimoji="1" lang="ja-JP" altLang="en-US"/>
+              <a:t>複数の</a:t>
+            </a:r>
+            <a:r>
+              <a:rPr kumimoji="1" lang="en-US" altLang="ja-JP"/>
+              <a:t>(</a:t>
+            </a:r>
+            <a:r>
+              <a:rPr kumimoji="1" lang="ja-JP" altLang="en-US"/>
+              <a:t>無線</a:t>
+            </a:r>
+            <a:r>
+              <a:rPr kumimoji="1" lang="en-US" altLang="ja-JP"/>
+              <a:t>LAN)</a:t>
+            </a:r>
+            <a:r>
+              <a:rPr kumimoji="1" lang="ja-JP" altLang="en-US"/>
+              <a:t>フレームを一つに集約する機能</a:t>
+            </a:r>
+            <a:endParaRPr kumimoji="1" lang="en-US" altLang="ja-JP"/>
+          </a:p>
+          <a:p>
+            <a:pPr lvl="2"/>
+            <a:r>
+              <a:rPr kumimoji="1" lang="ja-JP" altLang="en-US"/>
+              <a:t>集約されているかを確認するフラグは暗号化保護の対象外</a:t>
+            </a:r>
+            <a:endParaRPr kumimoji="1" lang="en-US" altLang="ja-JP"/>
+          </a:p>
+          <a:p>
+            <a:pPr lvl="2"/>
+            <a:r>
+              <a:rPr kumimoji="1" lang="ja-JP" altLang="en-US"/>
+              <a:t>このフラグを改竄して攻撃パケットを挿入</a:t>
+            </a:r>
+            <a:endParaRPr kumimoji="1" lang="en-US" altLang="ja-JP"/>
+          </a:p>
+          <a:p>
+            <a:pPr lvl="2"/>
+            <a:r>
+              <a:rPr kumimoji="1" lang="ja-JP" altLang="en-US"/>
+              <a:t>悪用は困難</a:t>
+            </a:r>
+            <a:endParaRPr kumimoji="1" lang="en-US" altLang="ja-JP"/>
+          </a:p>
+          <a:p>
+            <a:endParaRPr kumimoji="1" lang="ja-JP" altLang="en-US"/>
+          </a:p>
+        </p:txBody>
+      </p:sp>
+      <p:sp>
+        <p:nvSpPr>
+          <p:cNvPr id="3" name="スライド番号プレースホルダー 2">
+            <a:extLst>
+              <a:ext uri="{FF2B5EF4-FFF2-40B4-BE49-F238E27FC236}">
+                <a16:creationId xmlns:a16="http://schemas.microsoft.com/office/drawing/2014/main" id="{01D2404D-3075-49AE-A0DE-97380F03E023}"/>
+              </a:ext>
+            </a:extLst>
+          </p:cNvPr>
+          <p:cNvSpPr>
+            <a:spLocks noGrp="1"/>
+          </p:cNvSpPr>
+          <p:nvPr>
+            <p:ph type="sldNum" sz="quarter" idx="12"/>
+          </p:nvPr>
+        </p:nvSpPr>
+        <p:spPr/>
+        <p:txBody>
+          <a:bodyPr/>
+          <a:lstStyle/>
+          <a:p>
+            <a:pPr>
+              <a:defRPr/>
+            </a:pPr>
+            <a:r>
+              <a:rPr lang="en-US" altLang="ja-JP"/>
+              <a:t>    </a:t>
+            </a:r>
+            <a:fld id="{B2782DEB-472A-4FE5-AC34-C17109CF5A91}" type="slidenum">
+              <a:rPr lang="en-US" altLang="ja-JP" smtClean="0"/>
+              <a:pPr>
+                <a:defRPr/>
+              </a:pPr>
+              <a:t>44</a:t>
+            </a:fld>
+            <a:r>
+              <a:rPr lang="en-US" altLang="ja-JP"/>
+              <a:t> / 24</a:t>
+            </a:r>
+          </a:p>
+        </p:txBody>
+      </p:sp>
+      <p:sp>
+        <p:nvSpPr>
+          <p:cNvPr id="4" name="タイトル 3">
+            <a:extLst>
+              <a:ext uri="{FF2B5EF4-FFF2-40B4-BE49-F238E27FC236}">
+                <a16:creationId xmlns:a16="http://schemas.microsoft.com/office/drawing/2014/main" id="{B24F030C-EC5A-45AA-9FED-F0D9B5BD27E5}"/>
+              </a:ext>
+            </a:extLst>
+          </p:cNvPr>
+          <p:cNvSpPr>
+            <a:spLocks noGrp="1"/>
+          </p:cNvSpPr>
+          <p:nvPr>
+            <p:ph type="title"/>
+          </p:nvPr>
+        </p:nvSpPr>
+        <p:spPr/>
+        <p:txBody>
+          <a:bodyPr/>
+          <a:lstStyle/>
+          <a:p>
+            <a:r>
+              <a:rPr kumimoji="1" lang="en-US" altLang="ja-JP"/>
+              <a:t>Dragonblood (2019)</a:t>
+            </a:r>
+            <a:r>
+              <a:rPr kumimoji="1" lang="ja-JP" altLang="en-US"/>
+              <a:t>とその後</a:t>
+            </a:r>
+          </a:p>
+        </p:txBody>
+      </p:sp>
+    </p:spTree>
+    <p:extLst>
+      <p:ext uri="{BB962C8B-B14F-4D97-AF65-F5344CB8AC3E}">
+        <p14:creationId xmlns:p14="http://schemas.microsoft.com/office/powerpoint/2010/main" val="326068823"/>
       </p:ext>
     </p:extLst>
   </p:cSld>

--- a/lec/anninbon9.pptx
+++ b/lec/anninbon9.pptx
@@ -5,10 +5,10 @@
     <p:sldMasterId id="2147483706" r:id="rId1"/>
   </p:sldMasterIdLst>
   <p:notesMasterIdLst>
-    <p:notesMasterId r:id="rId46"/>
+    <p:notesMasterId r:id="rId31"/>
   </p:notesMasterIdLst>
   <p:handoutMasterIdLst>
-    <p:handoutMasterId r:id="rId47"/>
+    <p:handoutMasterId r:id="rId32"/>
   </p:handoutMasterIdLst>
   <p:sldIdLst>
     <p:sldId id="552" r:id="rId2"/>
@@ -40,21 +40,6 @@
     <p:sldId id="673" r:id="rId28"/>
     <p:sldId id="674" r:id="rId29"/>
     <p:sldId id="675" r:id="rId30"/>
-    <p:sldId id="676" r:id="rId31"/>
-    <p:sldId id="677" r:id="rId32"/>
-    <p:sldId id="678" r:id="rId33"/>
-    <p:sldId id="679" r:id="rId34"/>
-    <p:sldId id="680" r:id="rId35"/>
-    <p:sldId id="681" r:id="rId36"/>
-    <p:sldId id="682" r:id="rId37"/>
-    <p:sldId id="683" r:id="rId38"/>
-    <p:sldId id="684" r:id="rId39"/>
-    <p:sldId id="685" r:id="rId40"/>
-    <p:sldId id="686" r:id="rId41"/>
-    <p:sldId id="687" r:id="rId42"/>
-    <p:sldId id="688" r:id="rId43"/>
-    <p:sldId id="689" r:id="rId44"/>
-    <p:sldId id="690" r:id="rId45"/>
   </p:sldIdLst>
   <p:sldSz cx="9144000" cy="6858000" type="screen4x3"/>
   <p:notesSz cx="7099300" cy="10234613"/>
@@ -217,21 +202,6 @@
             <p14:sldId id="673"/>
             <p14:sldId id="674"/>
             <p14:sldId id="675"/>
-            <p14:sldId id="676"/>
-            <p14:sldId id="677"/>
-            <p14:sldId id="678"/>
-            <p14:sldId id="679"/>
-            <p14:sldId id="680"/>
-            <p14:sldId id="681"/>
-            <p14:sldId id="682"/>
-            <p14:sldId id="683"/>
-            <p14:sldId id="684"/>
-            <p14:sldId id="685"/>
-            <p14:sldId id="686"/>
-            <p14:sldId id="687"/>
-            <p14:sldId id="688"/>
-            <p14:sldId id="689"/>
-            <p14:sldId id="690"/>
           </p14:sldIdLst>
         </p14:section>
       </p14:sectionLst>
@@ -1000,67 +970,6 @@
 </p:notesMaster>
 </file>
 
-<file path=ppt/notesSlides/notesSlide1.xml><?xml version="1.0" encoding="utf-8"?>
-<p:notes xmlns:a="http://schemas.openxmlformats.org/drawingml/2006/main" xmlns:r="http://schemas.openxmlformats.org/officeDocument/2006/relationships" xmlns:p="http://schemas.openxmlformats.org/presentationml/2006/main">
-  <p:cSld>
-    <p:spTree>
-      <p:nvGrpSpPr>
-        <p:cNvPr id="1" name=""/>
-        <p:cNvGrpSpPr/>
-        <p:nvPr/>
-      </p:nvGrpSpPr>
-      <p:grpSpPr>
-        <a:xfrm>
-          <a:off x="0" y="0"/>
-          <a:ext cx="0" cy="0"/>
-          <a:chOff x="0" y="0"/>
-          <a:chExt cx="0" cy="0"/>
-        </a:xfrm>
-      </p:grpSpPr>
-      <p:sp>
-        <p:nvSpPr>
-          <p:cNvPr id="2" name="スライド イメージ プレースホルダー 1"/>
-          <p:cNvSpPr>
-            <a:spLocks noGrp="1" noRot="1" noChangeAspect="1"/>
-          </p:cNvSpPr>
-          <p:nvPr>
-            <p:ph type="sldImg"/>
-          </p:nvPr>
-        </p:nvSpPr>
-        <p:spPr/>
-      </p:sp>
-      <p:sp>
-        <p:nvSpPr>
-          <p:cNvPr id="3" name="ノート プレースホルダー 2"/>
-          <p:cNvSpPr>
-            <a:spLocks noGrp="1"/>
-          </p:cNvSpPr>
-          <p:nvPr>
-            <p:ph type="body" idx="1"/>
-          </p:nvPr>
-        </p:nvSpPr>
-        <p:spPr/>
-        <p:txBody>
-          <a:bodyPr/>
-          <a:lstStyle/>
-          <a:p>
-            <a:endParaRPr kumimoji="1" lang="ja-JP" altLang="en-US"/>
-          </a:p>
-        </p:txBody>
-      </p:sp>
-    </p:spTree>
-    <p:extLst>
-      <p:ext uri="{BB962C8B-B14F-4D97-AF65-F5344CB8AC3E}">
-        <p14:creationId xmlns:p14="http://schemas.microsoft.com/office/powerpoint/2010/main" val="3243931480"/>
-      </p:ext>
-    </p:extLst>
-  </p:cSld>
-  <p:clrMapOvr>
-    <a:masterClrMapping/>
-  </p:clrMapOvr>
-</p:notes>
-</file>
-
 <file path=ppt/slideLayouts/slideLayout1.xml><?xml version="1.0" encoding="utf-8"?>
 <p:sldLayout xmlns:a="http://schemas.openxmlformats.org/drawingml/2006/main" xmlns:r="http://schemas.openxmlformats.org/officeDocument/2006/relationships" xmlns:p="http://schemas.openxmlformats.org/presentationml/2006/main" showMasterSp="0" type="title" preserve="1">
   <p:cSld name="タイトル スライド">
@@ -1597,7 +1506,7 @@
             </a:fld>
             <a:r>
               <a:rPr lang="en-US" altLang="ja-JP"/>
-              <a:t> / 24</a:t>
+              <a:t> / 29</a:t>
             </a:r>
           </a:p>
         </p:txBody>
@@ -2599,48 +2508,6 @@
       </p:sp>
       <p:sp>
         <p:nvSpPr>
-          <p:cNvPr id="3" name="スライド番号プレースホルダー 2">
-            <a:extLst>
-              <a:ext uri="{FF2B5EF4-FFF2-40B4-BE49-F238E27FC236}">
-                <a16:creationId xmlns:a16="http://schemas.microsoft.com/office/drawing/2014/main" id="{DE8701AB-96D9-44C9-9817-941D577ABE04}"/>
-              </a:ext>
-            </a:extLst>
-          </p:cNvPr>
-          <p:cNvSpPr>
-            <a:spLocks noGrp="1"/>
-          </p:cNvSpPr>
-          <p:nvPr>
-            <p:ph type="sldNum" sz="quarter" idx="12"/>
-          </p:nvPr>
-        </p:nvSpPr>
-        <p:spPr/>
-        <p:txBody>
-          <a:bodyPr/>
-          <a:lstStyle/>
-          <a:p>
-            <a:pPr>
-              <a:defRPr/>
-            </a:pPr>
-            <a:r>
-              <a:rPr lang="en-US" altLang="ja-JP"/>
-              <a:t>    </a:t>
-            </a:r>
-            <a:fld id="{B2782DEB-472A-4FE5-AC34-C17109CF5A91}" type="slidenum">
-              <a:rPr lang="en-US" altLang="ja-JP" smtClean="0"/>
-              <a:pPr>
-                <a:defRPr/>
-              </a:pPr>
-              <a:t>10</a:t>
-            </a:fld>
-            <a:r>
-              <a:rPr lang="en-US" altLang="ja-JP"/>
-              <a:t> / 24</a:t>
-            </a:r>
-          </a:p>
-        </p:txBody>
-      </p:sp>
-      <p:sp>
-        <p:nvSpPr>
           <p:cNvPr id="4" name="タイトル 3">
             <a:extLst>
               <a:ext uri="{FF2B5EF4-FFF2-40B4-BE49-F238E27FC236}">
@@ -2697,6 +2564,48 @@
           </a:prstGeom>
         </p:spPr>
       </p:pic>
+      <p:sp>
+        <p:nvSpPr>
+          <p:cNvPr id="5" name="スライド番号プレースホルダー 4">
+            <a:extLst>
+              <a:ext uri="{FF2B5EF4-FFF2-40B4-BE49-F238E27FC236}">
+                <a16:creationId xmlns:a16="http://schemas.microsoft.com/office/drawing/2014/main" id="{5D70968A-F952-4E7D-A44A-7C7287E08D8C}"/>
+              </a:ext>
+            </a:extLst>
+          </p:cNvPr>
+          <p:cNvSpPr>
+            <a:spLocks noGrp="1"/>
+          </p:cNvSpPr>
+          <p:nvPr>
+            <p:ph type="sldNum" sz="quarter" idx="12"/>
+          </p:nvPr>
+        </p:nvSpPr>
+        <p:spPr/>
+        <p:txBody>
+          <a:bodyPr/>
+          <a:lstStyle/>
+          <a:p>
+            <a:pPr>
+              <a:defRPr/>
+            </a:pPr>
+            <a:r>
+              <a:rPr lang="en-US" altLang="ja-JP"/>
+              <a:t>    </a:t>
+            </a:r>
+            <a:fld id="{B2782DEB-472A-4FE5-AC34-C17109CF5A91}" type="slidenum">
+              <a:rPr lang="en-US" altLang="ja-JP" smtClean="0"/>
+              <a:pPr>
+                <a:defRPr/>
+              </a:pPr>
+              <a:t>10</a:t>
+            </a:fld>
+            <a:r>
+              <a:rPr lang="en-US" altLang="ja-JP"/>
+              <a:t> / 29</a:t>
+            </a:r>
+          </a:p>
+        </p:txBody>
+      </p:sp>
     </p:spTree>
     <p:extLst>
       <p:ext uri="{BB962C8B-B14F-4D97-AF65-F5344CB8AC3E}">
@@ -2837,48 +2746,6 @@
             <a:r>
               <a:rPr kumimoji="1" lang="ja-JP" altLang="en-US"/>
               <a:t>モードなどは削除</a:t>
-            </a:r>
-          </a:p>
-        </p:txBody>
-      </p:sp>
-      <p:sp>
-        <p:nvSpPr>
-          <p:cNvPr id="3" name="スライド番号プレースホルダー 2">
-            <a:extLst>
-              <a:ext uri="{FF2B5EF4-FFF2-40B4-BE49-F238E27FC236}">
-                <a16:creationId xmlns:a16="http://schemas.microsoft.com/office/drawing/2014/main" id="{105C3099-0771-4F57-9603-B80EBB98ABF2}"/>
-              </a:ext>
-            </a:extLst>
-          </p:cNvPr>
-          <p:cNvSpPr>
-            <a:spLocks noGrp="1"/>
-          </p:cNvSpPr>
-          <p:nvPr>
-            <p:ph type="sldNum" sz="quarter" idx="12"/>
-          </p:nvPr>
-        </p:nvSpPr>
-        <p:spPr/>
-        <p:txBody>
-          <a:bodyPr/>
-          <a:lstStyle/>
-          <a:p>
-            <a:pPr>
-              <a:defRPr/>
-            </a:pPr>
-            <a:r>
-              <a:rPr lang="en-US" altLang="ja-JP"/>
-              <a:t>    </a:t>
-            </a:r>
-            <a:fld id="{B2782DEB-472A-4FE5-AC34-C17109CF5A91}" type="slidenum">
-              <a:rPr lang="en-US" altLang="ja-JP" smtClean="0"/>
-              <a:pPr>
-                <a:defRPr/>
-              </a:pPr>
-              <a:t>11</a:t>
-            </a:fld>
-            <a:r>
-              <a:rPr lang="en-US" altLang="ja-JP"/>
-              <a:t> / 24</a:t>
             </a:r>
           </a:p>
         </p:txBody>
@@ -3154,6 +3021,48 @@
           </a:graphicData>
         </a:graphic>
       </p:graphicFrame>
+      <p:sp>
+        <p:nvSpPr>
+          <p:cNvPr id="6" name="スライド番号プレースホルダー 5">
+            <a:extLst>
+              <a:ext uri="{FF2B5EF4-FFF2-40B4-BE49-F238E27FC236}">
+                <a16:creationId xmlns:a16="http://schemas.microsoft.com/office/drawing/2014/main" id="{220DC7BD-52A6-4312-B94C-2DCEFE224FAC}"/>
+              </a:ext>
+            </a:extLst>
+          </p:cNvPr>
+          <p:cNvSpPr>
+            <a:spLocks noGrp="1"/>
+          </p:cNvSpPr>
+          <p:nvPr>
+            <p:ph type="sldNum" sz="quarter" idx="12"/>
+          </p:nvPr>
+        </p:nvSpPr>
+        <p:spPr/>
+        <p:txBody>
+          <a:bodyPr/>
+          <a:lstStyle/>
+          <a:p>
+            <a:pPr>
+              <a:defRPr/>
+            </a:pPr>
+            <a:r>
+              <a:rPr lang="en-US" altLang="ja-JP"/>
+              <a:t>    </a:t>
+            </a:r>
+            <a:fld id="{B2782DEB-472A-4FE5-AC34-C17109CF5A91}" type="slidenum">
+              <a:rPr lang="en-US" altLang="ja-JP" smtClean="0"/>
+              <a:pPr>
+                <a:defRPr/>
+              </a:pPr>
+              <a:t>11</a:t>
+            </a:fld>
+            <a:r>
+              <a:rPr lang="en-US" altLang="ja-JP"/>
+              <a:t> / 29</a:t>
+            </a:r>
+          </a:p>
+        </p:txBody>
+      </p:sp>
     </p:spTree>
     <p:extLst>
       <p:ext uri="{BB962C8B-B14F-4D97-AF65-F5344CB8AC3E}">
@@ -3560,10 +3469,42 @@
       </mc:AlternateContent>
       <p:sp>
         <p:nvSpPr>
-          <p:cNvPr id="3" name="スライド番号プレースホルダー 2">
+          <p:cNvPr id="4" name="タイトル 3">
             <a:extLst>
               <a:ext uri="{FF2B5EF4-FFF2-40B4-BE49-F238E27FC236}">
-                <a16:creationId xmlns:a16="http://schemas.microsoft.com/office/drawing/2014/main" id="{DB73B947-FFBE-4E68-90D5-E604C61EAE60}"/>
+                <a16:creationId xmlns:a16="http://schemas.microsoft.com/office/drawing/2014/main" id="{3C6200CF-96A2-4D6F-9D9E-77AA3FC4F81B}"/>
+              </a:ext>
+            </a:extLst>
+          </p:cNvPr>
+          <p:cNvSpPr>
+            <a:spLocks noGrp="1"/>
+          </p:cNvSpPr>
+          <p:nvPr>
+            <p:ph type="title"/>
+          </p:nvPr>
+        </p:nvSpPr>
+        <p:spPr/>
+        <p:txBody>
+          <a:bodyPr/>
+          <a:lstStyle/>
+          <a:p>
+            <a:r>
+              <a:rPr kumimoji="1" lang="en-US" altLang="ja-JP"/>
+              <a:t>AEAD</a:t>
+            </a:r>
+            <a:r>
+              <a:rPr kumimoji="1" lang="ja-JP" altLang="en-US"/>
+              <a:t>のアルゴリズム</a:t>
+            </a:r>
+          </a:p>
+        </p:txBody>
+      </p:sp>
+      <p:sp>
+        <p:nvSpPr>
+          <p:cNvPr id="5" name="スライド番号プレースホルダー 4">
+            <a:extLst>
+              <a:ext uri="{FF2B5EF4-FFF2-40B4-BE49-F238E27FC236}">
+                <a16:creationId xmlns:a16="http://schemas.microsoft.com/office/drawing/2014/main" id="{923207AC-467B-4E7A-AEDF-617CB1623A92}"/>
               </a:ext>
             </a:extLst>
           </p:cNvPr>
@@ -3595,39 +3536,7 @@
             </a:fld>
             <a:r>
               <a:rPr lang="en-US" altLang="ja-JP"/>
-              <a:t> / 24</a:t>
-            </a:r>
-          </a:p>
-        </p:txBody>
-      </p:sp>
-      <p:sp>
-        <p:nvSpPr>
-          <p:cNvPr id="4" name="タイトル 3">
-            <a:extLst>
-              <a:ext uri="{FF2B5EF4-FFF2-40B4-BE49-F238E27FC236}">
-                <a16:creationId xmlns:a16="http://schemas.microsoft.com/office/drawing/2014/main" id="{3C6200CF-96A2-4D6F-9D9E-77AA3FC4F81B}"/>
-              </a:ext>
-            </a:extLst>
-          </p:cNvPr>
-          <p:cNvSpPr>
-            <a:spLocks noGrp="1"/>
-          </p:cNvSpPr>
-          <p:nvPr>
-            <p:ph type="title"/>
-          </p:nvPr>
-        </p:nvSpPr>
-        <p:spPr/>
-        <p:txBody>
-          <a:bodyPr/>
-          <a:lstStyle/>
-          <a:p>
-            <a:r>
-              <a:rPr kumimoji="1" lang="en-US" altLang="ja-JP"/>
-              <a:t>AEAD</a:t>
-            </a:r>
-            <a:r>
-              <a:rPr kumimoji="1" lang="ja-JP" altLang="en-US"/>
-              <a:t>のアルゴリズム</a:t>
+              <a:t> / 29</a:t>
             </a:r>
           </a:p>
         </p:txBody>
@@ -3774,48 +3683,6 @@
               <a:t>速度比較</a:t>
             </a:r>
             <a:endParaRPr kumimoji="1" lang="en-US" altLang="ja-JP"/>
-          </a:p>
-        </p:txBody>
-      </p:sp>
-      <p:sp>
-        <p:nvSpPr>
-          <p:cNvPr id="3" name="スライド番号プレースホルダー 2">
-            <a:extLst>
-              <a:ext uri="{FF2B5EF4-FFF2-40B4-BE49-F238E27FC236}">
-                <a16:creationId xmlns:a16="http://schemas.microsoft.com/office/drawing/2014/main" id="{43ACE9E0-81C7-4593-BD4E-126031CAAB37}"/>
-              </a:ext>
-            </a:extLst>
-          </p:cNvPr>
-          <p:cNvSpPr>
-            <a:spLocks noGrp="1"/>
-          </p:cNvSpPr>
-          <p:nvPr>
-            <p:ph type="sldNum" sz="quarter" idx="12"/>
-          </p:nvPr>
-        </p:nvSpPr>
-        <p:spPr/>
-        <p:txBody>
-          <a:bodyPr/>
-          <a:lstStyle/>
-          <a:p>
-            <a:pPr>
-              <a:defRPr/>
-            </a:pPr>
-            <a:r>
-              <a:rPr lang="en-US" altLang="ja-JP"/>
-              <a:t>    </a:t>
-            </a:r>
-            <a:fld id="{B2782DEB-472A-4FE5-AC34-C17109CF5A91}" type="slidenum">
-              <a:rPr lang="en-US" altLang="ja-JP" smtClean="0"/>
-              <a:pPr>
-                <a:defRPr/>
-              </a:pPr>
-              <a:t>13</a:t>
-            </a:fld>
-            <a:r>
-              <a:rPr lang="en-US" altLang="ja-JP"/>
-              <a:t> / 24</a:t>
-            </a:r>
           </a:p>
         </p:txBody>
       </p:sp>
@@ -4465,6 +4332,48 @@
           </a:graphicData>
         </a:graphic>
       </p:graphicFrame>
+      <p:sp>
+        <p:nvSpPr>
+          <p:cNvPr id="6" name="スライド番号プレースホルダー 5">
+            <a:extLst>
+              <a:ext uri="{FF2B5EF4-FFF2-40B4-BE49-F238E27FC236}">
+                <a16:creationId xmlns:a16="http://schemas.microsoft.com/office/drawing/2014/main" id="{CFB095CB-5095-44DB-B687-3EF5A25DBF56}"/>
+              </a:ext>
+            </a:extLst>
+          </p:cNvPr>
+          <p:cNvSpPr>
+            <a:spLocks noGrp="1"/>
+          </p:cNvSpPr>
+          <p:nvPr>
+            <p:ph type="sldNum" sz="quarter" idx="12"/>
+          </p:nvPr>
+        </p:nvSpPr>
+        <p:spPr/>
+        <p:txBody>
+          <a:bodyPr/>
+          <a:lstStyle/>
+          <a:p>
+            <a:pPr>
+              <a:defRPr/>
+            </a:pPr>
+            <a:r>
+              <a:rPr lang="en-US" altLang="ja-JP"/>
+              <a:t>    </a:t>
+            </a:r>
+            <a:fld id="{B2782DEB-472A-4FE5-AC34-C17109CF5A91}" type="slidenum">
+              <a:rPr lang="en-US" altLang="ja-JP" smtClean="0"/>
+              <a:pPr>
+                <a:defRPr/>
+              </a:pPr>
+              <a:t>13</a:t>
+            </a:fld>
+            <a:r>
+              <a:rPr lang="en-US" altLang="ja-JP"/>
+              <a:t> / 29</a:t>
+            </a:r>
+          </a:p>
+        </p:txBody>
+      </p:sp>
     </p:spTree>
     <p:extLst>
       <p:ext uri="{BB962C8B-B14F-4D97-AF65-F5344CB8AC3E}">
@@ -4566,10 +4475,39 @@
       </p:sp>
       <p:sp>
         <p:nvSpPr>
-          <p:cNvPr id="3" name="スライド番号プレースホルダー 2">
+          <p:cNvPr id="4" name="タイトル 3">
             <a:extLst>
               <a:ext uri="{FF2B5EF4-FFF2-40B4-BE49-F238E27FC236}">
-                <a16:creationId xmlns:a16="http://schemas.microsoft.com/office/drawing/2014/main" id="{43ACE9E0-81C7-4593-BD4E-126031CAAB37}"/>
+                <a16:creationId xmlns:a16="http://schemas.microsoft.com/office/drawing/2014/main" id="{9153AE8A-6382-4E18-8522-1D96832EE070}"/>
+              </a:ext>
+            </a:extLst>
+          </p:cNvPr>
+          <p:cNvSpPr>
+            <a:spLocks noGrp="1"/>
+          </p:cNvSpPr>
+          <p:nvPr>
+            <p:ph type="title"/>
+          </p:nvPr>
+        </p:nvSpPr>
+        <p:spPr/>
+        <p:txBody>
+          <a:bodyPr/>
+          <a:lstStyle/>
+          <a:p>
+            <a:r>
+              <a:rPr lang="en-US" altLang="ja-JP"/>
+              <a:t>AES-GCM</a:t>
+            </a:r>
+            <a:endParaRPr kumimoji="1" lang="ja-JP" altLang="en-US"/>
+          </a:p>
+        </p:txBody>
+      </p:sp>
+      <p:sp>
+        <p:nvSpPr>
+          <p:cNvPr id="5" name="スライド番号プレースホルダー 4">
+            <a:extLst>
+              <a:ext uri="{FF2B5EF4-FFF2-40B4-BE49-F238E27FC236}">
+                <a16:creationId xmlns:a16="http://schemas.microsoft.com/office/drawing/2014/main" id="{F9CF8653-DA4D-43ED-B32C-B0F3A3366E81}"/>
               </a:ext>
             </a:extLst>
           </p:cNvPr>
@@ -4601,37 +4539,8 @@
             </a:fld>
             <a:r>
               <a:rPr lang="en-US" altLang="ja-JP"/>
-              <a:t> / 24</a:t>
-            </a:r>
-          </a:p>
-        </p:txBody>
-      </p:sp>
-      <p:sp>
-        <p:nvSpPr>
-          <p:cNvPr id="4" name="タイトル 3">
-            <a:extLst>
-              <a:ext uri="{FF2B5EF4-FFF2-40B4-BE49-F238E27FC236}">
-                <a16:creationId xmlns:a16="http://schemas.microsoft.com/office/drawing/2014/main" id="{9153AE8A-6382-4E18-8522-1D96832EE070}"/>
-              </a:ext>
-            </a:extLst>
-          </p:cNvPr>
-          <p:cNvSpPr>
-            <a:spLocks noGrp="1"/>
-          </p:cNvSpPr>
-          <p:nvPr>
-            <p:ph type="title"/>
-          </p:nvPr>
-        </p:nvSpPr>
-        <p:spPr/>
-        <p:txBody>
-          <a:bodyPr/>
-          <a:lstStyle/>
-          <a:p>
-            <a:r>
-              <a:rPr lang="en-US" altLang="ja-JP"/>
-              <a:t>AES-GCM</a:t>
-            </a:r>
-            <a:endParaRPr kumimoji="1" lang="ja-JP" altLang="en-US"/>
+              <a:t> / 29</a:t>
+            </a:r>
           </a:p>
         </p:txBody>
       </p:sp>
@@ -4731,10 +4640,39 @@
       </p:sp>
       <p:sp>
         <p:nvSpPr>
-          <p:cNvPr id="3" name="スライド番号プレースホルダー 2">
+          <p:cNvPr id="4" name="タイトル 3">
             <a:extLst>
               <a:ext uri="{FF2B5EF4-FFF2-40B4-BE49-F238E27FC236}">
-                <a16:creationId xmlns:a16="http://schemas.microsoft.com/office/drawing/2014/main" id="{E328088F-43B7-4275-948A-B7A9C5EC4DF9}"/>
+                <a16:creationId xmlns:a16="http://schemas.microsoft.com/office/drawing/2014/main" id="{AC7FA736-BAE0-444E-BDBC-228A252F5183}"/>
+              </a:ext>
+            </a:extLst>
+          </p:cNvPr>
+          <p:cNvSpPr>
+            <a:spLocks noGrp="1"/>
+          </p:cNvSpPr>
+          <p:nvPr>
+            <p:ph type="title"/>
+          </p:nvPr>
+        </p:nvSpPr>
+        <p:spPr/>
+        <p:txBody>
+          <a:bodyPr/>
+          <a:lstStyle/>
+          <a:p>
+            <a:r>
+              <a:rPr kumimoji="1" lang="en-US" altLang="ja-JP"/>
+              <a:t>ChaCha-20 Poly1305</a:t>
+            </a:r>
+            <a:endParaRPr kumimoji="1" lang="ja-JP" altLang="en-US"/>
+          </a:p>
+        </p:txBody>
+      </p:sp>
+      <p:sp>
+        <p:nvSpPr>
+          <p:cNvPr id="5" name="スライド番号プレースホルダー 4">
+            <a:extLst>
+              <a:ext uri="{FF2B5EF4-FFF2-40B4-BE49-F238E27FC236}">
+                <a16:creationId xmlns:a16="http://schemas.microsoft.com/office/drawing/2014/main" id="{73CB1314-401D-4F9E-8F1C-08E9AD4E0AF1}"/>
               </a:ext>
             </a:extLst>
           </p:cNvPr>
@@ -4766,37 +4704,8 @@
             </a:fld>
             <a:r>
               <a:rPr lang="en-US" altLang="ja-JP"/>
-              <a:t> / 24</a:t>
-            </a:r>
-          </a:p>
-        </p:txBody>
-      </p:sp>
-      <p:sp>
-        <p:nvSpPr>
-          <p:cNvPr id="4" name="タイトル 3">
-            <a:extLst>
-              <a:ext uri="{FF2B5EF4-FFF2-40B4-BE49-F238E27FC236}">
-                <a16:creationId xmlns:a16="http://schemas.microsoft.com/office/drawing/2014/main" id="{AC7FA736-BAE0-444E-BDBC-228A252F5183}"/>
-              </a:ext>
-            </a:extLst>
-          </p:cNvPr>
-          <p:cNvSpPr>
-            <a:spLocks noGrp="1"/>
-          </p:cNvSpPr>
-          <p:nvPr>
-            <p:ph type="title"/>
-          </p:nvPr>
-        </p:nvSpPr>
-        <p:spPr/>
-        <p:txBody>
-          <a:bodyPr/>
-          <a:lstStyle/>
-          <a:p>
-            <a:r>
-              <a:rPr kumimoji="1" lang="en-US" altLang="ja-JP"/>
-              <a:t>ChaCha-20 Poly1305</a:t>
-            </a:r>
-            <a:endParaRPr kumimoji="1" lang="ja-JP" altLang="en-US"/>
+              <a:t> / 29</a:t>
+            </a:r>
           </a:p>
         </p:txBody>
       </p:sp>
@@ -5227,48 +5136,6 @@
       </mc:AlternateContent>
       <p:sp>
         <p:nvSpPr>
-          <p:cNvPr id="3" name="スライド番号プレースホルダー 2">
-            <a:extLst>
-              <a:ext uri="{FF2B5EF4-FFF2-40B4-BE49-F238E27FC236}">
-                <a16:creationId xmlns:a16="http://schemas.microsoft.com/office/drawing/2014/main" id="{BC29462F-1737-4303-8193-80B95A402CC8}"/>
-              </a:ext>
-            </a:extLst>
-          </p:cNvPr>
-          <p:cNvSpPr>
-            <a:spLocks noGrp="1"/>
-          </p:cNvSpPr>
-          <p:nvPr>
-            <p:ph type="sldNum" sz="quarter" idx="12"/>
-          </p:nvPr>
-        </p:nvSpPr>
-        <p:spPr/>
-        <p:txBody>
-          <a:bodyPr/>
-          <a:lstStyle/>
-          <a:p>
-            <a:pPr>
-              <a:defRPr/>
-            </a:pPr>
-            <a:r>
-              <a:rPr lang="en-US" altLang="ja-JP"/>
-              <a:t>    </a:t>
-            </a:r>
-            <a:fld id="{B2782DEB-472A-4FE5-AC34-C17109CF5A91}" type="slidenum">
-              <a:rPr lang="en-US" altLang="ja-JP" smtClean="0"/>
-              <a:pPr>
-                <a:defRPr/>
-              </a:pPr>
-              <a:t>16</a:t>
-            </a:fld>
-            <a:r>
-              <a:rPr lang="en-US" altLang="ja-JP"/>
-              <a:t> / 24</a:t>
-            </a:r>
-          </a:p>
-        </p:txBody>
-      </p:sp>
-      <p:sp>
-        <p:nvSpPr>
           <p:cNvPr id="4" name="タイトル 3">
             <a:extLst>
               <a:ext uri="{FF2B5EF4-FFF2-40B4-BE49-F238E27FC236}">
@@ -5332,6 +5199,48 @@
           </a:prstGeom>
         </p:spPr>
       </p:pic>
+      <p:sp>
+        <p:nvSpPr>
+          <p:cNvPr id="5" name="スライド番号プレースホルダー 4">
+            <a:extLst>
+              <a:ext uri="{FF2B5EF4-FFF2-40B4-BE49-F238E27FC236}">
+                <a16:creationId xmlns:a16="http://schemas.microsoft.com/office/drawing/2014/main" id="{5D30731F-111F-4121-987A-13CB4685E01F}"/>
+              </a:ext>
+            </a:extLst>
+          </p:cNvPr>
+          <p:cNvSpPr>
+            <a:spLocks noGrp="1"/>
+          </p:cNvSpPr>
+          <p:nvPr>
+            <p:ph type="sldNum" sz="quarter" idx="12"/>
+          </p:nvPr>
+        </p:nvSpPr>
+        <p:spPr/>
+        <p:txBody>
+          <a:bodyPr/>
+          <a:lstStyle/>
+          <a:p>
+            <a:pPr>
+              <a:defRPr/>
+            </a:pPr>
+            <a:r>
+              <a:rPr lang="en-US" altLang="ja-JP"/>
+              <a:t>    </a:t>
+            </a:r>
+            <a:fld id="{B2782DEB-472A-4FE5-AC34-C17109CF5A91}" type="slidenum">
+              <a:rPr lang="en-US" altLang="ja-JP" smtClean="0"/>
+              <a:pPr>
+                <a:defRPr/>
+              </a:pPr>
+              <a:t>16</a:t>
+            </a:fld>
+            <a:r>
+              <a:rPr lang="en-US" altLang="ja-JP"/>
+              <a:t> / 29</a:t>
+            </a:r>
+          </a:p>
+        </p:txBody>
+      </p:sp>
     </p:spTree>
     <p:extLst>
       <p:ext uri="{BB962C8B-B14F-4D97-AF65-F5344CB8AC3E}">
@@ -5429,48 +5338,6 @@
       </p:sp>
       <p:sp>
         <p:nvSpPr>
-          <p:cNvPr id="3" name="スライド番号プレースホルダー 2">
-            <a:extLst>
-              <a:ext uri="{FF2B5EF4-FFF2-40B4-BE49-F238E27FC236}">
-                <a16:creationId xmlns:a16="http://schemas.microsoft.com/office/drawing/2014/main" id="{EE000629-18BA-4BC4-ABF0-D9D1BD44D6E7}"/>
-              </a:ext>
-            </a:extLst>
-          </p:cNvPr>
-          <p:cNvSpPr>
-            <a:spLocks noGrp="1"/>
-          </p:cNvSpPr>
-          <p:nvPr>
-            <p:ph type="sldNum" sz="quarter" idx="12"/>
-          </p:nvPr>
-        </p:nvSpPr>
-        <p:spPr/>
-        <p:txBody>
-          <a:bodyPr/>
-          <a:lstStyle/>
-          <a:p>
-            <a:pPr>
-              <a:defRPr/>
-            </a:pPr>
-            <a:r>
-              <a:rPr lang="en-US" altLang="ja-JP"/>
-              <a:t>    </a:t>
-            </a:r>
-            <a:fld id="{B2782DEB-472A-4FE5-AC34-C17109CF5A91}" type="slidenum">
-              <a:rPr lang="en-US" altLang="ja-JP" smtClean="0"/>
-              <a:pPr>
-                <a:defRPr/>
-              </a:pPr>
-              <a:t>17</a:t>
-            </a:fld>
-            <a:r>
-              <a:rPr lang="en-US" altLang="ja-JP"/>
-              <a:t> / 24</a:t>
-            </a:r>
-          </a:p>
-        </p:txBody>
-      </p:sp>
-      <p:sp>
-        <p:nvSpPr>
           <p:cNvPr id="4" name="タイトル 3">
             <a:extLst>
               <a:ext uri="{FF2B5EF4-FFF2-40B4-BE49-F238E27FC236}">
@@ -5538,6 +5405,48 @@
           </a:prstGeom>
         </p:spPr>
       </p:pic>
+      <p:sp>
+        <p:nvSpPr>
+          <p:cNvPr id="5" name="スライド番号プレースホルダー 4">
+            <a:extLst>
+              <a:ext uri="{FF2B5EF4-FFF2-40B4-BE49-F238E27FC236}">
+                <a16:creationId xmlns:a16="http://schemas.microsoft.com/office/drawing/2014/main" id="{AAC7D225-30C8-4FC0-A1F4-2F4A7E3CD91B}"/>
+              </a:ext>
+            </a:extLst>
+          </p:cNvPr>
+          <p:cNvSpPr>
+            <a:spLocks noGrp="1"/>
+          </p:cNvSpPr>
+          <p:nvPr>
+            <p:ph type="sldNum" sz="quarter" idx="12"/>
+          </p:nvPr>
+        </p:nvSpPr>
+        <p:spPr/>
+        <p:txBody>
+          <a:bodyPr/>
+          <a:lstStyle/>
+          <a:p>
+            <a:pPr>
+              <a:defRPr/>
+            </a:pPr>
+            <a:r>
+              <a:rPr lang="en-US" altLang="ja-JP"/>
+              <a:t>    </a:t>
+            </a:r>
+            <a:fld id="{B2782DEB-472A-4FE5-AC34-C17109CF5A91}" type="slidenum">
+              <a:rPr lang="en-US" altLang="ja-JP" smtClean="0"/>
+              <a:pPr>
+                <a:defRPr/>
+              </a:pPr>
+              <a:t>17</a:t>
+            </a:fld>
+            <a:r>
+              <a:rPr lang="en-US" altLang="ja-JP"/>
+              <a:t> / 29</a:t>
+            </a:r>
+          </a:p>
+        </p:txBody>
+      </p:sp>
     </p:spTree>
     <p:extLst>
       <p:ext uri="{BB962C8B-B14F-4D97-AF65-F5344CB8AC3E}">
@@ -5602,48 +5511,6 @@
       </p:sp>
       <p:sp>
         <p:nvSpPr>
-          <p:cNvPr id="3" name="スライド番号プレースホルダー 2">
-            <a:extLst>
-              <a:ext uri="{FF2B5EF4-FFF2-40B4-BE49-F238E27FC236}">
-                <a16:creationId xmlns:a16="http://schemas.microsoft.com/office/drawing/2014/main" id="{3BCD72C8-7F82-48A3-B50A-9D75E214C819}"/>
-              </a:ext>
-            </a:extLst>
-          </p:cNvPr>
-          <p:cNvSpPr>
-            <a:spLocks noGrp="1"/>
-          </p:cNvSpPr>
-          <p:nvPr>
-            <p:ph type="sldNum" sz="quarter" idx="12"/>
-          </p:nvPr>
-        </p:nvSpPr>
-        <p:spPr/>
-        <p:txBody>
-          <a:bodyPr/>
-          <a:lstStyle/>
-          <a:p>
-            <a:pPr>
-              <a:defRPr/>
-            </a:pPr>
-            <a:r>
-              <a:rPr lang="en-US" altLang="ja-JP"/>
-              <a:t>    </a:t>
-            </a:r>
-            <a:fld id="{B2782DEB-472A-4FE5-AC34-C17109CF5A91}" type="slidenum">
-              <a:rPr lang="en-US" altLang="ja-JP" smtClean="0"/>
-              <a:pPr>
-                <a:defRPr/>
-              </a:pPr>
-              <a:t>18</a:t>
-            </a:fld>
-            <a:r>
-              <a:rPr lang="en-US" altLang="ja-JP"/>
-              <a:t> / 24</a:t>
-            </a:r>
-          </a:p>
-        </p:txBody>
-      </p:sp>
-      <p:sp>
-        <p:nvSpPr>
           <p:cNvPr id="4" name="タイトル 3">
             <a:extLst>
               <a:ext uri="{FF2B5EF4-FFF2-40B4-BE49-F238E27FC236}">
@@ -5706,6 +5573,48 @@
           </a:prstGeom>
         </p:spPr>
       </p:pic>
+      <p:sp>
+        <p:nvSpPr>
+          <p:cNvPr id="5" name="スライド番号プレースホルダー 4">
+            <a:extLst>
+              <a:ext uri="{FF2B5EF4-FFF2-40B4-BE49-F238E27FC236}">
+                <a16:creationId xmlns:a16="http://schemas.microsoft.com/office/drawing/2014/main" id="{E80E8110-584D-4A0C-B73A-EAD6349889AD}"/>
+              </a:ext>
+            </a:extLst>
+          </p:cNvPr>
+          <p:cNvSpPr>
+            <a:spLocks noGrp="1"/>
+          </p:cNvSpPr>
+          <p:nvPr>
+            <p:ph type="sldNum" sz="quarter" idx="12"/>
+          </p:nvPr>
+        </p:nvSpPr>
+        <p:spPr/>
+        <p:txBody>
+          <a:bodyPr/>
+          <a:lstStyle/>
+          <a:p>
+            <a:pPr>
+              <a:defRPr/>
+            </a:pPr>
+            <a:r>
+              <a:rPr lang="en-US" altLang="ja-JP"/>
+              <a:t>    </a:t>
+            </a:r>
+            <a:fld id="{B2782DEB-472A-4FE5-AC34-C17109CF5A91}" type="slidenum">
+              <a:rPr lang="en-US" altLang="ja-JP" smtClean="0"/>
+              <a:pPr>
+                <a:defRPr/>
+              </a:pPr>
+              <a:t>18</a:t>
+            </a:fld>
+            <a:r>
+              <a:rPr lang="en-US" altLang="ja-JP"/>
+              <a:t> / 29</a:t>
+            </a:r>
+          </a:p>
+        </p:txBody>
+      </p:sp>
     </p:spTree>
     <p:extLst>
       <p:ext uri="{BB962C8B-B14F-4D97-AF65-F5344CB8AC3E}">
@@ -5838,48 +5747,6 @@
       </p:sp>
       <p:sp>
         <p:nvSpPr>
-          <p:cNvPr id="3" name="スライド番号プレースホルダー 2">
-            <a:extLst>
-              <a:ext uri="{FF2B5EF4-FFF2-40B4-BE49-F238E27FC236}">
-                <a16:creationId xmlns:a16="http://schemas.microsoft.com/office/drawing/2014/main" id="{60E9B812-3F53-466B-B364-8CBF20FD140E}"/>
-              </a:ext>
-            </a:extLst>
-          </p:cNvPr>
-          <p:cNvSpPr>
-            <a:spLocks noGrp="1"/>
-          </p:cNvSpPr>
-          <p:nvPr>
-            <p:ph type="sldNum" sz="quarter" idx="12"/>
-          </p:nvPr>
-        </p:nvSpPr>
-        <p:spPr/>
-        <p:txBody>
-          <a:bodyPr/>
-          <a:lstStyle/>
-          <a:p>
-            <a:pPr>
-              <a:defRPr/>
-            </a:pPr>
-            <a:r>
-              <a:rPr lang="en-US" altLang="ja-JP"/>
-              <a:t>    </a:t>
-            </a:r>
-            <a:fld id="{B2782DEB-472A-4FE5-AC34-C17109CF5A91}" type="slidenum">
-              <a:rPr lang="en-US" altLang="ja-JP" smtClean="0"/>
-              <a:pPr>
-                <a:defRPr/>
-              </a:pPr>
-              <a:t>19</a:t>
-            </a:fld>
-            <a:r>
-              <a:rPr lang="en-US" altLang="ja-JP"/>
-              <a:t> / 24</a:t>
-            </a:r>
-          </a:p>
-        </p:txBody>
-      </p:sp>
-      <p:sp>
-        <p:nvSpPr>
           <p:cNvPr id="4" name="タイトル 3">
             <a:extLst>
               <a:ext uri="{FF2B5EF4-FFF2-40B4-BE49-F238E27FC236}">
@@ -5946,6 +5813,48 @@
           </a:prstGeom>
         </p:spPr>
       </p:pic>
+      <p:sp>
+        <p:nvSpPr>
+          <p:cNvPr id="5" name="スライド番号プレースホルダー 4">
+            <a:extLst>
+              <a:ext uri="{FF2B5EF4-FFF2-40B4-BE49-F238E27FC236}">
+                <a16:creationId xmlns:a16="http://schemas.microsoft.com/office/drawing/2014/main" id="{11E1357B-B557-496B-8310-0DF555607181}"/>
+              </a:ext>
+            </a:extLst>
+          </p:cNvPr>
+          <p:cNvSpPr>
+            <a:spLocks noGrp="1"/>
+          </p:cNvSpPr>
+          <p:nvPr>
+            <p:ph type="sldNum" sz="quarter" idx="12"/>
+          </p:nvPr>
+        </p:nvSpPr>
+        <p:spPr/>
+        <p:txBody>
+          <a:bodyPr/>
+          <a:lstStyle/>
+          <a:p>
+            <a:pPr>
+              <a:defRPr/>
+            </a:pPr>
+            <a:r>
+              <a:rPr lang="en-US" altLang="ja-JP"/>
+              <a:t>    </a:t>
+            </a:r>
+            <a:fld id="{B2782DEB-472A-4FE5-AC34-C17109CF5A91}" type="slidenum">
+              <a:rPr lang="en-US" altLang="ja-JP" smtClean="0"/>
+              <a:pPr>
+                <a:defRPr/>
+              </a:pPr>
+              <a:t>19</a:t>
+            </a:fld>
+            <a:r>
+              <a:rPr lang="en-US" altLang="ja-JP"/>
+              <a:t> / 29</a:t>
+            </a:r>
+          </a:p>
+        </p:txBody>
+      </p:sp>
     </p:spTree>
     <p:extLst>
       <p:ext uri="{BB962C8B-B14F-4D97-AF65-F5344CB8AC3E}">
@@ -6109,10 +6018,39 @@
       </p:sp>
       <p:sp>
         <p:nvSpPr>
-          <p:cNvPr id="3" name="スライド番号プレースホルダー 2">
+          <p:cNvPr id="4" name="タイトル 3">
             <a:extLst>
               <a:ext uri="{FF2B5EF4-FFF2-40B4-BE49-F238E27FC236}">
-                <a16:creationId xmlns:a16="http://schemas.microsoft.com/office/drawing/2014/main" id="{1FC8EA79-B0FE-4AA6-8D03-F2593ED12610}"/>
+                <a16:creationId xmlns:a16="http://schemas.microsoft.com/office/drawing/2014/main" id="{DD62AC7D-19D4-4FC4-ADEA-DD53FEE75A10}"/>
+              </a:ext>
+            </a:extLst>
+          </p:cNvPr>
+          <p:cNvSpPr>
+            <a:spLocks noGrp="1"/>
+          </p:cNvSpPr>
+          <p:nvPr>
+            <p:ph type="title"/>
+          </p:nvPr>
+        </p:nvSpPr>
+        <p:spPr/>
+        <p:txBody>
+          <a:bodyPr/>
+          <a:lstStyle/>
+          <a:p>
+            <a:r>
+              <a:rPr kumimoji="1" lang="en-US" altLang="ja-JP"/>
+              <a:t>TLS 1.3</a:t>
+            </a:r>
+            <a:endParaRPr kumimoji="1" lang="ja-JP" altLang="en-US"/>
+          </a:p>
+        </p:txBody>
+      </p:sp>
+      <p:sp>
+        <p:nvSpPr>
+          <p:cNvPr id="5" name="スライド番号プレースホルダー 4">
+            <a:extLst>
+              <a:ext uri="{FF2B5EF4-FFF2-40B4-BE49-F238E27FC236}">
+                <a16:creationId xmlns:a16="http://schemas.microsoft.com/office/drawing/2014/main" id="{545F3E7B-3703-4D6F-BDFA-D2F6C9AF1491}"/>
               </a:ext>
             </a:extLst>
           </p:cNvPr>
@@ -6144,37 +6082,8 @@
             </a:fld>
             <a:r>
               <a:rPr lang="en-US" altLang="ja-JP"/>
-              <a:t> / 24</a:t>
-            </a:r>
-          </a:p>
-        </p:txBody>
-      </p:sp>
-      <p:sp>
-        <p:nvSpPr>
-          <p:cNvPr id="4" name="タイトル 3">
-            <a:extLst>
-              <a:ext uri="{FF2B5EF4-FFF2-40B4-BE49-F238E27FC236}">
-                <a16:creationId xmlns:a16="http://schemas.microsoft.com/office/drawing/2014/main" id="{DD62AC7D-19D4-4FC4-ADEA-DD53FEE75A10}"/>
-              </a:ext>
-            </a:extLst>
-          </p:cNvPr>
-          <p:cNvSpPr>
-            <a:spLocks noGrp="1"/>
-          </p:cNvSpPr>
-          <p:nvPr>
-            <p:ph type="title"/>
-          </p:nvPr>
-        </p:nvSpPr>
-        <p:spPr/>
-        <p:txBody>
-          <a:bodyPr/>
-          <a:lstStyle/>
-          <a:p>
-            <a:r>
-              <a:rPr kumimoji="1" lang="en-US" altLang="ja-JP"/>
-              <a:t>TLS 1.3</a:t>
-            </a:r>
-            <a:endParaRPr kumimoji="1" lang="ja-JP" altLang="en-US"/>
+              <a:t> / 29</a:t>
+            </a:r>
           </a:p>
         </p:txBody>
       </p:sp>
@@ -6290,10 +6199,43 @@
       </p:sp>
       <p:sp>
         <p:nvSpPr>
-          <p:cNvPr id="3" name="スライド番号プレースホルダー 2">
+          <p:cNvPr id="4" name="タイトル 3">
             <a:extLst>
               <a:ext uri="{FF2B5EF4-FFF2-40B4-BE49-F238E27FC236}">
-                <a16:creationId xmlns:a16="http://schemas.microsoft.com/office/drawing/2014/main" id="{75D588C5-8A9A-4A3E-9BA0-79764F36D4C8}"/>
+                <a16:creationId xmlns:a16="http://schemas.microsoft.com/office/drawing/2014/main" id="{3567092C-D56A-4349-A86A-9F899B9CC563}"/>
+              </a:ext>
+            </a:extLst>
+          </p:cNvPr>
+          <p:cNvSpPr>
+            <a:spLocks noGrp="1"/>
+          </p:cNvSpPr>
+          <p:nvPr>
+            <p:ph type="title"/>
+          </p:nvPr>
+        </p:nvSpPr>
+        <p:spPr/>
+        <p:txBody>
+          <a:bodyPr/>
+          <a:lstStyle/>
+          <a:p>
+            <a:r>
+              <a:rPr kumimoji="1" lang="ja-JP" altLang="en-US"/>
+              <a:t>前方秘匿性</a:t>
+            </a:r>
+            <a:r>
+              <a:rPr kumimoji="1" lang="en-US" altLang="ja-JP"/>
+              <a:t>FS</a:t>
+            </a:r>
+            <a:endParaRPr kumimoji="1" lang="ja-JP" altLang="en-US"/>
+          </a:p>
+        </p:txBody>
+      </p:sp>
+      <p:sp>
+        <p:nvSpPr>
+          <p:cNvPr id="5" name="スライド番号プレースホルダー 4">
+            <a:extLst>
+              <a:ext uri="{FF2B5EF4-FFF2-40B4-BE49-F238E27FC236}">
+                <a16:creationId xmlns:a16="http://schemas.microsoft.com/office/drawing/2014/main" id="{A14F4D8B-3482-491D-B92E-D84EFB4DBC21}"/>
               </a:ext>
             </a:extLst>
           </p:cNvPr>
@@ -6325,41 +6267,8 @@
             </a:fld>
             <a:r>
               <a:rPr lang="en-US" altLang="ja-JP"/>
-              <a:t> / 24</a:t>
-            </a:r>
-          </a:p>
-        </p:txBody>
-      </p:sp>
-      <p:sp>
-        <p:nvSpPr>
-          <p:cNvPr id="4" name="タイトル 3">
-            <a:extLst>
-              <a:ext uri="{FF2B5EF4-FFF2-40B4-BE49-F238E27FC236}">
-                <a16:creationId xmlns:a16="http://schemas.microsoft.com/office/drawing/2014/main" id="{3567092C-D56A-4349-A86A-9F899B9CC563}"/>
-              </a:ext>
-            </a:extLst>
-          </p:cNvPr>
-          <p:cNvSpPr>
-            <a:spLocks noGrp="1"/>
-          </p:cNvSpPr>
-          <p:nvPr>
-            <p:ph type="title"/>
-          </p:nvPr>
-        </p:nvSpPr>
-        <p:spPr/>
-        <p:txBody>
-          <a:bodyPr/>
-          <a:lstStyle/>
-          <a:p>
-            <a:r>
-              <a:rPr kumimoji="1" lang="ja-JP" altLang="en-US"/>
-              <a:t>前方秘匿性</a:t>
-            </a:r>
-            <a:r>
-              <a:rPr kumimoji="1" lang="en-US" altLang="ja-JP"/>
-              <a:t>FS</a:t>
-            </a:r>
-            <a:endParaRPr kumimoji="1" lang="ja-JP" altLang="en-US"/>
+              <a:t> / 29</a:t>
+            </a:r>
           </a:p>
         </p:txBody>
       </p:sp>
@@ -6459,10 +6368,39 @@
       </p:sp>
       <p:sp>
         <p:nvSpPr>
-          <p:cNvPr id="3" name="スライド番号プレースホルダー 2">
+          <p:cNvPr id="4" name="タイトル 3">
             <a:extLst>
               <a:ext uri="{FF2B5EF4-FFF2-40B4-BE49-F238E27FC236}">
-                <a16:creationId xmlns:a16="http://schemas.microsoft.com/office/drawing/2014/main" id="{7D2062B7-56AB-4E23-85C7-E0E28405D6DA}"/>
+                <a16:creationId xmlns:a16="http://schemas.microsoft.com/office/drawing/2014/main" id="{2F80F1F8-738E-4F73-9C75-E7AE3F36B07E}"/>
+              </a:ext>
+            </a:extLst>
+          </p:cNvPr>
+          <p:cNvSpPr>
+            <a:spLocks noGrp="1"/>
+          </p:cNvSpPr>
+          <p:nvPr>
+            <p:ph type="title"/>
+          </p:nvPr>
+        </p:nvSpPr>
+        <p:spPr/>
+        <p:txBody>
+          <a:bodyPr/>
+          <a:lstStyle/>
+          <a:p>
+            <a:r>
+              <a:rPr kumimoji="1" lang="en-US" altLang="ja-JP"/>
+              <a:t>TLS 1.3</a:t>
+            </a:r>
+            <a:endParaRPr kumimoji="1" lang="ja-JP" altLang="en-US"/>
+          </a:p>
+        </p:txBody>
+      </p:sp>
+      <p:sp>
+        <p:nvSpPr>
+          <p:cNvPr id="5" name="スライド番号プレースホルダー 4">
+            <a:extLst>
+              <a:ext uri="{FF2B5EF4-FFF2-40B4-BE49-F238E27FC236}">
+                <a16:creationId xmlns:a16="http://schemas.microsoft.com/office/drawing/2014/main" id="{F893F4E5-60B8-475A-9B0A-00FC9952B260}"/>
               </a:ext>
             </a:extLst>
           </p:cNvPr>
@@ -6494,37 +6432,8 @@
             </a:fld>
             <a:r>
               <a:rPr lang="en-US" altLang="ja-JP"/>
-              <a:t> / 24</a:t>
-            </a:r>
-          </a:p>
-        </p:txBody>
-      </p:sp>
-      <p:sp>
-        <p:nvSpPr>
-          <p:cNvPr id="4" name="タイトル 3">
-            <a:extLst>
-              <a:ext uri="{FF2B5EF4-FFF2-40B4-BE49-F238E27FC236}">
-                <a16:creationId xmlns:a16="http://schemas.microsoft.com/office/drawing/2014/main" id="{2F80F1F8-738E-4F73-9C75-E7AE3F36B07E}"/>
-              </a:ext>
-            </a:extLst>
-          </p:cNvPr>
-          <p:cNvSpPr>
-            <a:spLocks noGrp="1"/>
-          </p:cNvSpPr>
-          <p:nvPr>
-            <p:ph type="title"/>
-          </p:nvPr>
-        </p:nvSpPr>
-        <p:spPr/>
-        <p:txBody>
-          <a:bodyPr/>
-          <a:lstStyle/>
-          <a:p>
-            <a:r>
-              <a:rPr kumimoji="1" lang="en-US" altLang="ja-JP"/>
-              <a:t>TLS 1.3</a:t>
-            </a:r>
-            <a:endParaRPr kumimoji="1" lang="ja-JP" altLang="en-US"/>
+              <a:t> / 29</a:t>
+            </a:r>
           </a:p>
         </p:txBody>
       </p:sp>
@@ -6666,48 +6575,6 @@
       </p:sp>
       <p:sp>
         <p:nvSpPr>
-          <p:cNvPr id="3" name="スライド番号プレースホルダー 2">
-            <a:extLst>
-              <a:ext uri="{FF2B5EF4-FFF2-40B4-BE49-F238E27FC236}">
-                <a16:creationId xmlns:a16="http://schemas.microsoft.com/office/drawing/2014/main" id="{219D739B-0728-460F-B8A6-A2895B516CB8}"/>
-              </a:ext>
-            </a:extLst>
-          </p:cNvPr>
-          <p:cNvSpPr>
-            <a:spLocks noGrp="1"/>
-          </p:cNvSpPr>
-          <p:nvPr>
-            <p:ph type="sldNum" sz="quarter" idx="12"/>
-          </p:nvPr>
-        </p:nvSpPr>
-        <p:spPr/>
-        <p:txBody>
-          <a:bodyPr/>
-          <a:lstStyle/>
-          <a:p>
-            <a:pPr>
-              <a:defRPr/>
-            </a:pPr>
-            <a:r>
-              <a:rPr lang="en-US" altLang="ja-JP"/>
-              <a:t>    </a:t>
-            </a:r>
-            <a:fld id="{B2782DEB-472A-4FE5-AC34-C17109CF5A91}" type="slidenum">
-              <a:rPr lang="en-US" altLang="ja-JP" smtClean="0"/>
-              <a:pPr>
-                <a:defRPr/>
-              </a:pPr>
-              <a:t>22</a:t>
-            </a:fld>
-            <a:r>
-              <a:rPr lang="en-US" altLang="ja-JP"/>
-              <a:t> / 24</a:t>
-            </a:r>
-          </a:p>
-        </p:txBody>
-      </p:sp>
-      <p:sp>
-        <p:nvSpPr>
           <p:cNvPr id="4" name="タイトル 3">
             <a:extLst>
               <a:ext uri="{FF2B5EF4-FFF2-40B4-BE49-F238E27FC236}">
@@ -6825,6 +6692,48 @@
                 <a:cs typeface="Courier New" pitchFamily="49" charset="0"/>
               </a:rPr>
               <a:t>サーバ</a:t>
+            </a:r>
+          </a:p>
+        </p:txBody>
+      </p:sp>
+      <p:sp>
+        <p:nvSpPr>
+          <p:cNvPr id="5" name="スライド番号プレースホルダー 4">
+            <a:extLst>
+              <a:ext uri="{FF2B5EF4-FFF2-40B4-BE49-F238E27FC236}">
+                <a16:creationId xmlns:a16="http://schemas.microsoft.com/office/drawing/2014/main" id="{0141962E-CB33-4B4E-80FF-D18EEDA0FBCC}"/>
+              </a:ext>
+            </a:extLst>
+          </p:cNvPr>
+          <p:cNvSpPr>
+            <a:spLocks noGrp="1"/>
+          </p:cNvSpPr>
+          <p:nvPr>
+            <p:ph type="sldNum" sz="quarter" idx="12"/>
+          </p:nvPr>
+        </p:nvSpPr>
+        <p:spPr/>
+        <p:txBody>
+          <a:bodyPr/>
+          <a:lstStyle/>
+          <a:p>
+            <a:pPr>
+              <a:defRPr/>
+            </a:pPr>
+            <a:r>
+              <a:rPr lang="en-US" altLang="ja-JP"/>
+              <a:t>    </a:t>
+            </a:r>
+            <a:fld id="{B2782DEB-472A-4FE5-AC34-C17109CF5A91}" type="slidenum">
+              <a:rPr lang="en-US" altLang="ja-JP" smtClean="0"/>
+              <a:pPr>
+                <a:defRPr/>
+              </a:pPr>
+              <a:t>22</a:t>
+            </a:fld>
+            <a:r>
+              <a:rPr lang="en-US" altLang="ja-JP"/>
+              <a:t> / 29</a:t>
             </a:r>
           </a:p>
         </p:txBody>
@@ -6913,48 +6822,6 @@
       </p:sp>
       <p:sp>
         <p:nvSpPr>
-          <p:cNvPr id="3" name="スライド番号プレースホルダー 2">
-            <a:extLst>
-              <a:ext uri="{FF2B5EF4-FFF2-40B4-BE49-F238E27FC236}">
-                <a16:creationId xmlns:a16="http://schemas.microsoft.com/office/drawing/2014/main" id="{F02E80D5-BEAC-42C2-A13D-F137F5E03C83}"/>
-              </a:ext>
-            </a:extLst>
-          </p:cNvPr>
-          <p:cNvSpPr>
-            <a:spLocks noGrp="1"/>
-          </p:cNvSpPr>
-          <p:nvPr>
-            <p:ph type="sldNum" sz="quarter" idx="12"/>
-          </p:nvPr>
-        </p:nvSpPr>
-        <p:spPr/>
-        <p:txBody>
-          <a:bodyPr/>
-          <a:lstStyle/>
-          <a:p>
-            <a:pPr>
-              <a:defRPr/>
-            </a:pPr>
-            <a:r>
-              <a:rPr lang="en-US" altLang="ja-JP"/>
-              <a:t>    </a:t>
-            </a:r>
-            <a:fld id="{B2782DEB-472A-4FE5-AC34-C17109CF5A91}" type="slidenum">
-              <a:rPr lang="en-US" altLang="ja-JP" smtClean="0"/>
-              <a:pPr>
-                <a:defRPr/>
-              </a:pPr>
-              <a:t>23</a:t>
-            </a:fld>
-            <a:r>
-              <a:rPr lang="en-US" altLang="ja-JP"/>
-              <a:t> / 24</a:t>
-            </a:r>
-          </a:p>
-        </p:txBody>
-      </p:sp>
-      <p:sp>
-        <p:nvSpPr>
           <p:cNvPr id="4" name="タイトル 3">
             <a:extLst>
               <a:ext uri="{FF2B5EF4-FFF2-40B4-BE49-F238E27FC236}">
@@ -7079,6 +6946,48 @@
                 <a:cs typeface="Courier New" pitchFamily="49" charset="0"/>
               </a:rPr>
               <a:t>サーバ</a:t>
+            </a:r>
+          </a:p>
+        </p:txBody>
+      </p:sp>
+      <p:sp>
+        <p:nvSpPr>
+          <p:cNvPr id="5" name="スライド番号プレースホルダー 4">
+            <a:extLst>
+              <a:ext uri="{FF2B5EF4-FFF2-40B4-BE49-F238E27FC236}">
+                <a16:creationId xmlns:a16="http://schemas.microsoft.com/office/drawing/2014/main" id="{A73E5D51-1BF6-4233-A081-08761959DCF8}"/>
+              </a:ext>
+            </a:extLst>
+          </p:cNvPr>
+          <p:cNvSpPr>
+            <a:spLocks noGrp="1"/>
+          </p:cNvSpPr>
+          <p:nvPr>
+            <p:ph type="sldNum" sz="quarter" idx="12"/>
+          </p:nvPr>
+        </p:nvSpPr>
+        <p:spPr/>
+        <p:txBody>
+          <a:bodyPr/>
+          <a:lstStyle/>
+          <a:p>
+            <a:pPr>
+              <a:defRPr/>
+            </a:pPr>
+            <a:r>
+              <a:rPr lang="en-US" altLang="ja-JP"/>
+              <a:t>    </a:t>
+            </a:r>
+            <a:fld id="{B2782DEB-472A-4FE5-AC34-C17109CF5A91}" type="slidenum">
+              <a:rPr lang="en-US" altLang="ja-JP" smtClean="0"/>
+              <a:pPr>
+                <a:defRPr/>
+              </a:pPr>
+              <a:t>23</a:t>
+            </a:fld>
+            <a:r>
+              <a:rPr lang="en-US" altLang="ja-JP"/>
+              <a:t> / 29</a:t>
             </a:r>
           </a:p>
         </p:txBody>
@@ -7234,48 +7143,6 @@
       </p:sp>
       <p:sp>
         <p:nvSpPr>
-          <p:cNvPr id="3" name="スライド番号プレースホルダー 2">
-            <a:extLst>
-              <a:ext uri="{FF2B5EF4-FFF2-40B4-BE49-F238E27FC236}">
-                <a16:creationId xmlns:a16="http://schemas.microsoft.com/office/drawing/2014/main" id="{C8566FB9-25AF-4337-AD34-9A4173984698}"/>
-              </a:ext>
-            </a:extLst>
-          </p:cNvPr>
-          <p:cNvSpPr>
-            <a:spLocks noGrp="1"/>
-          </p:cNvSpPr>
-          <p:nvPr>
-            <p:ph type="sldNum" sz="quarter" idx="12"/>
-          </p:nvPr>
-        </p:nvSpPr>
-        <p:spPr/>
-        <p:txBody>
-          <a:bodyPr/>
-          <a:lstStyle/>
-          <a:p>
-            <a:pPr>
-              <a:defRPr/>
-            </a:pPr>
-            <a:r>
-              <a:rPr lang="en-US" altLang="ja-JP"/>
-              <a:t>    </a:t>
-            </a:r>
-            <a:fld id="{B2782DEB-472A-4FE5-AC34-C17109CF5A91}" type="slidenum">
-              <a:rPr lang="en-US" altLang="ja-JP" smtClean="0"/>
-              <a:pPr>
-                <a:defRPr/>
-              </a:pPr>
-              <a:t>24</a:t>
-            </a:fld>
-            <a:r>
-              <a:rPr lang="en-US" altLang="ja-JP"/>
-              <a:t> / 24</a:t>
-            </a:r>
-          </a:p>
-        </p:txBody>
-      </p:sp>
-      <p:sp>
-        <p:nvSpPr>
           <p:cNvPr id="4" name="タイトル 3">
             <a:extLst>
               <a:ext uri="{FF2B5EF4-FFF2-40B4-BE49-F238E27FC236}">
@@ -7338,6 +7205,48 @@
           </a:prstGeom>
         </p:spPr>
       </p:pic>
+      <p:sp>
+        <p:nvSpPr>
+          <p:cNvPr id="5" name="スライド番号プレースホルダー 4">
+            <a:extLst>
+              <a:ext uri="{FF2B5EF4-FFF2-40B4-BE49-F238E27FC236}">
+                <a16:creationId xmlns:a16="http://schemas.microsoft.com/office/drawing/2014/main" id="{1EEF0A1E-903E-4DE8-8059-5107DFF44599}"/>
+              </a:ext>
+            </a:extLst>
+          </p:cNvPr>
+          <p:cNvSpPr>
+            <a:spLocks noGrp="1"/>
+          </p:cNvSpPr>
+          <p:nvPr>
+            <p:ph type="sldNum" sz="quarter" idx="12"/>
+          </p:nvPr>
+        </p:nvSpPr>
+        <p:spPr/>
+        <p:txBody>
+          <a:bodyPr/>
+          <a:lstStyle/>
+          <a:p>
+            <a:pPr>
+              <a:defRPr/>
+            </a:pPr>
+            <a:r>
+              <a:rPr lang="en-US" altLang="ja-JP"/>
+              <a:t>    </a:t>
+            </a:r>
+            <a:fld id="{B2782DEB-472A-4FE5-AC34-C17109CF5A91}" type="slidenum">
+              <a:rPr lang="en-US" altLang="ja-JP" smtClean="0"/>
+              <a:pPr>
+                <a:defRPr/>
+              </a:pPr>
+              <a:t>24</a:t>
+            </a:fld>
+            <a:r>
+              <a:rPr lang="en-US" altLang="ja-JP"/>
+              <a:t> / 29</a:t>
+            </a:r>
+          </a:p>
+        </p:txBody>
+      </p:sp>
     </p:spTree>
     <p:extLst>
       <p:ext uri="{BB962C8B-B14F-4D97-AF65-F5344CB8AC3E}">
@@ -7406,48 +7315,6 @@
       </p:sp>
       <p:sp>
         <p:nvSpPr>
-          <p:cNvPr id="3" name="スライド番号プレースホルダー 2">
-            <a:extLst>
-              <a:ext uri="{FF2B5EF4-FFF2-40B4-BE49-F238E27FC236}">
-                <a16:creationId xmlns:a16="http://schemas.microsoft.com/office/drawing/2014/main" id="{5532D8CA-AB79-4B82-AD83-C64B63B08605}"/>
-              </a:ext>
-            </a:extLst>
-          </p:cNvPr>
-          <p:cNvSpPr>
-            <a:spLocks noGrp="1"/>
-          </p:cNvSpPr>
-          <p:nvPr>
-            <p:ph type="sldNum" sz="quarter" idx="12"/>
-          </p:nvPr>
-        </p:nvSpPr>
-        <p:spPr/>
-        <p:txBody>
-          <a:bodyPr/>
-          <a:lstStyle/>
-          <a:p>
-            <a:pPr>
-              <a:defRPr/>
-            </a:pPr>
-            <a:r>
-              <a:rPr lang="en-US" altLang="ja-JP"/>
-              <a:t>    </a:t>
-            </a:r>
-            <a:fld id="{B2782DEB-472A-4FE5-AC34-C17109CF5A91}" type="slidenum">
-              <a:rPr lang="en-US" altLang="ja-JP" smtClean="0"/>
-              <a:pPr>
-                <a:defRPr/>
-              </a:pPr>
-              <a:t>25</a:t>
-            </a:fld>
-            <a:r>
-              <a:rPr lang="en-US" altLang="ja-JP"/>
-              <a:t> / 24</a:t>
-            </a:r>
-          </a:p>
-        </p:txBody>
-      </p:sp>
-      <p:sp>
-        <p:nvSpPr>
           <p:cNvPr id="4" name="タイトル 3">
             <a:extLst>
               <a:ext uri="{FF2B5EF4-FFF2-40B4-BE49-F238E27FC236}">
@@ -7511,6 +7378,48 @@
           </a:prstGeom>
         </p:spPr>
       </p:pic>
+      <p:sp>
+        <p:nvSpPr>
+          <p:cNvPr id="5" name="スライド番号プレースホルダー 4">
+            <a:extLst>
+              <a:ext uri="{FF2B5EF4-FFF2-40B4-BE49-F238E27FC236}">
+                <a16:creationId xmlns:a16="http://schemas.microsoft.com/office/drawing/2014/main" id="{2B1C4358-5667-4CF2-AEFE-F5629684C354}"/>
+              </a:ext>
+            </a:extLst>
+          </p:cNvPr>
+          <p:cNvSpPr>
+            <a:spLocks noGrp="1"/>
+          </p:cNvSpPr>
+          <p:nvPr>
+            <p:ph type="sldNum" sz="quarter" idx="12"/>
+          </p:nvPr>
+        </p:nvSpPr>
+        <p:spPr/>
+        <p:txBody>
+          <a:bodyPr/>
+          <a:lstStyle/>
+          <a:p>
+            <a:pPr>
+              <a:defRPr/>
+            </a:pPr>
+            <a:r>
+              <a:rPr lang="en-US" altLang="ja-JP"/>
+              <a:t>    </a:t>
+            </a:r>
+            <a:fld id="{B2782DEB-472A-4FE5-AC34-C17109CF5A91}" type="slidenum">
+              <a:rPr lang="en-US" altLang="ja-JP" smtClean="0"/>
+              <a:pPr>
+                <a:defRPr/>
+              </a:pPr>
+              <a:t>25</a:t>
+            </a:fld>
+            <a:r>
+              <a:rPr lang="en-US" altLang="ja-JP"/>
+              <a:t> / 29</a:t>
+            </a:r>
+          </a:p>
+        </p:txBody>
+      </p:sp>
     </p:spTree>
     <p:extLst>
       <p:ext uri="{BB962C8B-B14F-4D97-AF65-F5344CB8AC3E}">
@@ -7676,10 +7585,46 @@
       </p:sp>
       <p:sp>
         <p:nvSpPr>
-          <p:cNvPr id="3" name="スライド番号プレースホルダー 2">
+          <p:cNvPr id="4" name="タイトル 3">
             <a:extLst>
               <a:ext uri="{FF2B5EF4-FFF2-40B4-BE49-F238E27FC236}">
-                <a16:creationId xmlns:a16="http://schemas.microsoft.com/office/drawing/2014/main" id="{ADB42C56-0A1C-4106-9F89-30FDC1308871}"/>
+                <a16:creationId xmlns:a16="http://schemas.microsoft.com/office/drawing/2014/main" id="{F70E6A66-DB75-41A3-87B4-77CE416EF95B}"/>
+              </a:ext>
+            </a:extLst>
+          </p:cNvPr>
+          <p:cNvSpPr>
+            <a:spLocks noGrp="1"/>
+          </p:cNvSpPr>
+          <p:nvPr>
+            <p:ph type="title"/>
+          </p:nvPr>
+        </p:nvSpPr>
+        <p:spPr/>
+        <p:txBody>
+          <a:bodyPr/>
+          <a:lstStyle/>
+          <a:p>
+            <a:r>
+              <a:rPr kumimoji="1" lang="ja-JP" altLang="en-US"/>
+              <a:t>パブリック</a:t>
+            </a:r>
+            <a:r>
+              <a:rPr kumimoji="1" lang="en-US" altLang="ja-JP"/>
+              <a:t>DNS</a:t>
+            </a:r>
+            <a:r>
+              <a:rPr kumimoji="1" lang="ja-JP" altLang="en-US"/>
+              <a:t>サーバ</a:t>
+            </a:r>
+          </a:p>
+        </p:txBody>
+      </p:sp>
+      <p:sp>
+        <p:nvSpPr>
+          <p:cNvPr id="5" name="スライド番号プレースホルダー 4">
+            <a:extLst>
+              <a:ext uri="{FF2B5EF4-FFF2-40B4-BE49-F238E27FC236}">
+                <a16:creationId xmlns:a16="http://schemas.microsoft.com/office/drawing/2014/main" id="{AD21B1F1-7BE4-4C9A-8A94-EC5F07286A7B}"/>
               </a:ext>
             </a:extLst>
           </p:cNvPr>
@@ -7711,43 +7656,7 @@
             </a:fld>
             <a:r>
               <a:rPr lang="en-US" altLang="ja-JP"/>
-              <a:t> / 24</a:t>
-            </a:r>
-          </a:p>
-        </p:txBody>
-      </p:sp>
-      <p:sp>
-        <p:nvSpPr>
-          <p:cNvPr id="4" name="タイトル 3">
-            <a:extLst>
-              <a:ext uri="{FF2B5EF4-FFF2-40B4-BE49-F238E27FC236}">
-                <a16:creationId xmlns:a16="http://schemas.microsoft.com/office/drawing/2014/main" id="{F70E6A66-DB75-41A3-87B4-77CE416EF95B}"/>
-              </a:ext>
-            </a:extLst>
-          </p:cNvPr>
-          <p:cNvSpPr>
-            <a:spLocks noGrp="1"/>
-          </p:cNvSpPr>
-          <p:nvPr>
-            <p:ph type="title"/>
-          </p:nvPr>
-        </p:nvSpPr>
-        <p:spPr/>
-        <p:txBody>
-          <a:bodyPr/>
-          <a:lstStyle/>
-          <a:p>
-            <a:r>
-              <a:rPr kumimoji="1" lang="ja-JP" altLang="en-US"/>
-              <a:t>パブリック</a:t>
-            </a:r>
-            <a:r>
-              <a:rPr kumimoji="1" lang="en-US" altLang="ja-JP"/>
-              <a:t>DNS</a:t>
-            </a:r>
-            <a:r>
-              <a:rPr kumimoji="1" lang="ja-JP" altLang="en-US"/>
-              <a:t>サーバ</a:t>
+              <a:t> / 29</a:t>
             </a:r>
           </a:p>
         </p:txBody>
@@ -7978,10 +7887,72 @@
       </mc:AlternateContent>
       <p:sp>
         <p:nvSpPr>
-          <p:cNvPr id="3" name="スライド番号プレースホルダー 2">
+          <p:cNvPr id="4" name="タイトル 3">
             <a:extLst>
               <a:ext uri="{FF2B5EF4-FFF2-40B4-BE49-F238E27FC236}">
-                <a16:creationId xmlns:a16="http://schemas.microsoft.com/office/drawing/2014/main" id="{D8663ABE-0AC4-4CE9-86BE-8DE3F45F71E0}"/>
+                <a16:creationId xmlns:a16="http://schemas.microsoft.com/office/drawing/2014/main" id="{2CFA2AD4-D4DA-4B75-8905-BD4D42C85B7D}"/>
+              </a:ext>
+            </a:extLst>
+          </p:cNvPr>
+          <p:cNvSpPr>
+            <a:spLocks noGrp="1"/>
+          </p:cNvSpPr>
+          <p:nvPr>
+            <p:ph type="title"/>
+          </p:nvPr>
+        </p:nvSpPr>
+        <p:spPr/>
+        <p:txBody>
+          <a:bodyPr/>
+          <a:lstStyle/>
+          <a:p>
+            <a:r>
+              <a:rPr kumimoji="1" lang="en-US" altLang="ja-JP"/>
+              <a:t>DNS</a:t>
+            </a:r>
+            <a:r>
+              <a:rPr kumimoji="1" lang="ja-JP" altLang="en-US"/>
+              <a:t>の安全性</a:t>
+            </a:r>
+          </a:p>
+        </p:txBody>
+      </p:sp>
+      <p:pic>
+        <p:nvPicPr>
+          <p:cNvPr id="9" name="図 8">
+            <a:extLst>
+              <a:ext uri="{FF2B5EF4-FFF2-40B4-BE49-F238E27FC236}">
+                <a16:creationId xmlns:a16="http://schemas.microsoft.com/office/drawing/2014/main" id="{353915E1-440C-456B-A552-441DF3F617DE}"/>
+              </a:ext>
+            </a:extLst>
+          </p:cNvPr>
+          <p:cNvPicPr>
+            <a:picLocks noChangeAspect="1"/>
+          </p:cNvPicPr>
+          <p:nvPr/>
+        </p:nvPicPr>
+        <p:blipFill>
+          <a:blip r:embed="rId3"/>
+          <a:stretch>
+            <a:fillRect/>
+          </a:stretch>
+        </p:blipFill>
+        <p:spPr>
+          <a:xfrm>
+            <a:off x="1331640" y="3140968"/>
+            <a:ext cx="6224184" cy="3613368"/>
+          </a:xfrm>
+          <a:prstGeom prst="rect">
+            <a:avLst/>
+          </a:prstGeom>
+        </p:spPr>
+      </p:pic>
+      <p:sp>
+        <p:nvSpPr>
+          <p:cNvPr id="5" name="スライド番号プレースホルダー 4">
+            <a:extLst>
+              <a:ext uri="{FF2B5EF4-FFF2-40B4-BE49-F238E27FC236}">
+                <a16:creationId xmlns:a16="http://schemas.microsoft.com/office/drawing/2014/main" id="{EC557DC5-0FA4-411E-8590-6E2E79D95246}"/>
               </a:ext>
             </a:extLst>
           </p:cNvPr>
@@ -8013,79 +7984,11 @@
             </a:fld>
             <a:r>
               <a:rPr lang="en-US" altLang="ja-JP"/>
-              <a:t> / 24</a:t>
+              <a:t> / 29</a:t>
             </a:r>
           </a:p>
         </p:txBody>
       </p:sp>
-      <p:sp>
-        <p:nvSpPr>
-          <p:cNvPr id="4" name="タイトル 3">
-            <a:extLst>
-              <a:ext uri="{FF2B5EF4-FFF2-40B4-BE49-F238E27FC236}">
-                <a16:creationId xmlns:a16="http://schemas.microsoft.com/office/drawing/2014/main" id="{2CFA2AD4-D4DA-4B75-8905-BD4D42C85B7D}"/>
-              </a:ext>
-            </a:extLst>
-          </p:cNvPr>
-          <p:cNvSpPr>
-            <a:spLocks noGrp="1"/>
-          </p:cNvSpPr>
-          <p:nvPr>
-            <p:ph type="title"/>
-          </p:nvPr>
-        </p:nvSpPr>
-        <p:spPr/>
-        <p:txBody>
-          <a:bodyPr/>
-          <a:lstStyle/>
-          <a:p>
-            <a:r>
-              <a:rPr kumimoji="1" lang="en-US" altLang="ja-JP"/>
-              <a:t>DNS</a:t>
-            </a:r>
-            <a:r>
-              <a:rPr kumimoji="1" lang="ja-JP" altLang="en-US"/>
-              <a:t>の安全性</a:t>
-            </a:r>
-          </a:p>
-        </p:txBody>
-      </p:sp>
-      <p:pic>
-        <p:nvPicPr>
-          <p:cNvPr id="6" name="図 5">
-            <a:extLst>
-              <a:ext uri="{FF2B5EF4-FFF2-40B4-BE49-F238E27FC236}">
-                <a16:creationId xmlns:a16="http://schemas.microsoft.com/office/drawing/2014/main" id="{D37A7727-05D9-4A8C-B596-B3695F8D86B5}"/>
-              </a:ext>
-            </a:extLst>
-          </p:cNvPr>
-          <p:cNvPicPr>
-            <a:picLocks noChangeAspect="1"/>
-          </p:cNvPicPr>
-          <p:nvPr/>
-        </p:nvPicPr>
-        <p:blipFill>
-          <a:blip r:embed="rId3">
-            <a:extLst>
-              <a:ext uri="{28A0092B-C50C-407E-A947-70E740481C1C}">
-                <a14:useLocalDpi xmlns:a14="http://schemas.microsoft.com/office/drawing/2010/main" val="0"/>
-              </a:ext>
-            </a:extLst>
-          </a:blip>
-          <a:stretch>
-            <a:fillRect/>
-          </a:stretch>
-        </p:blipFill>
-        <p:spPr>
-          <a:xfrm>
-            <a:off x="1187624" y="3140968"/>
-            <a:ext cx="6155564" cy="3601006"/>
-          </a:xfrm>
-          <a:prstGeom prst="rect">
-            <a:avLst/>
-          </a:prstGeom>
-        </p:spPr>
-      </p:pic>
     </p:spTree>
     <p:extLst>
       <p:ext uri="{BB962C8B-B14F-4D97-AF65-F5344CB8AC3E}">
@@ -8193,48 +8096,6 @@
           <a:p>
             <a:pPr lvl="1"/>
             <a:endParaRPr kumimoji="1" lang="ja-JP" altLang="en-US"/>
-          </a:p>
-        </p:txBody>
-      </p:sp>
-      <p:sp>
-        <p:nvSpPr>
-          <p:cNvPr id="3" name="スライド番号プレースホルダー 2">
-            <a:extLst>
-              <a:ext uri="{FF2B5EF4-FFF2-40B4-BE49-F238E27FC236}">
-                <a16:creationId xmlns:a16="http://schemas.microsoft.com/office/drawing/2014/main" id="{BC1D9BD6-C384-4EBB-A01D-CF84605E4440}"/>
-              </a:ext>
-            </a:extLst>
-          </p:cNvPr>
-          <p:cNvSpPr>
-            <a:spLocks noGrp="1"/>
-          </p:cNvSpPr>
-          <p:nvPr>
-            <p:ph type="sldNum" sz="quarter" idx="12"/>
-          </p:nvPr>
-        </p:nvSpPr>
-        <p:spPr/>
-        <p:txBody>
-          <a:bodyPr/>
-          <a:lstStyle/>
-          <a:p>
-            <a:pPr>
-              <a:defRPr/>
-            </a:pPr>
-            <a:r>
-              <a:rPr lang="en-US" altLang="ja-JP"/>
-              <a:t>    </a:t>
-            </a:r>
-            <a:fld id="{B2782DEB-472A-4FE5-AC34-C17109CF5A91}" type="slidenum">
-              <a:rPr lang="en-US" altLang="ja-JP" smtClean="0"/>
-              <a:pPr>
-                <a:defRPr/>
-              </a:pPr>
-              <a:t>28</a:t>
-            </a:fld>
-            <a:r>
-              <a:rPr lang="en-US" altLang="ja-JP"/>
-              <a:t> / 24</a:t>
-            </a:r>
           </a:p>
         </p:txBody>
       </p:sp>
@@ -8539,6 +8400,48 @@
           </a:graphicData>
         </a:graphic>
       </p:graphicFrame>
+      <p:sp>
+        <p:nvSpPr>
+          <p:cNvPr id="6" name="スライド番号プレースホルダー 5">
+            <a:extLst>
+              <a:ext uri="{FF2B5EF4-FFF2-40B4-BE49-F238E27FC236}">
+                <a16:creationId xmlns:a16="http://schemas.microsoft.com/office/drawing/2014/main" id="{9FFA1FD4-3A11-4234-BAF9-9827DC2ED4DB}"/>
+              </a:ext>
+            </a:extLst>
+          </p:cNvPr>
+          <p:cNvSpPr>
+            <a:spLocks noGrp="1"/>
+          </p:cNvSpPr>
+          <p:nvPr>
+            <p:ph type="sldNum" sz="quarter" idx="12"/>
+          </p:nvPr>
+        </p:nvSpPr>
+        <p:spPr/>
+        <p:txBody>
+          <a:bodyPr/>
+          <a:lstStyle/>
+          <a:p>
+            <a:pPr>
+              <a:defRPr/>
+            </a:pPr>
+            <a:r>
+              <a:rPr lang="en-US" altLang="ja-JP"/>
+              <a:t>    </a:t>
+            </a:r>
+            <a:fld id="{B2782DEB-472A-4FE5-AC34-C17109CF5A91}" type="slidenum">
+              <a:rPr lang="en-US" altLang="ja-JP" smtClean="0"/>
+              <a:pPr>
+                <a:defRPr/>
+              </a:pPr>
+              <a:t>28</a:t>
+            </a:fld>
+            <a:r>
+              <a:rPr lang="en-US" altLang="ja-JP"/>
+              <a:t> / 29</a:t>
+            </a:r>
+          </a:p>
+        </p:txBody>
+      </p:sp>
     </p:spTree>
     <p:extLst>
       <p:ext uri="{BB962C8B-B14F-4D97-AF65-F5344CB8AC3E}">
@@ -8783,10 +8686,43 @@
       </p:sp>
       <p:sp>
         <p:nvSpPr>
-          <p:cNvPr id="3" name="スライド番号プレースホルダー 2">
+          <p:cNvPr id="4" name="タイトル 3">
             <a:extLst>
               <a:ext uri="{FF2B5EF4-FFF2-40B4-BE49-F238E27FC236}">
-                <a16:creationId xmlns:a16="http://schemas.microsoft.com/office/drawing/2014/main" id="{8DCBDFC5-EDE3-494E-90E8-3203EBEA0BA7}"/>
+                <a16:creationId xmlns:a16="http://schemas.microsoft.com/office/drawing/2014/main" id="{71AC6B9D-1C52-4095-81F2-C030FDCF2ACB}"/>
+              </a:ext>
+            </a:extLst>
+          </p:cNvPr>
+          <p:cNvSpPr>
+            <a:spLocks noGrp="1"/>
+          </p:cNvSpPr>
+          <p:nvPr>
+            <p:ph type="title"/>
+          </p:nvPr>
+        </p:nvSpPr>
+        <p:spPr/>
+        <p:txBody>
+          <a:bodyPr/>
+          <a:lstStyle/>
+          <a:p>
+            <a:r>
+              <a:rPr kumimoji="1" lang="ja-JP" altLang="en-US"/>
+              <a:t>バーチャルホストと</a:t>
+            </a:r>
+            <a:r>
+              <a:rPr kumimoji="1" lang="en-US" altLang="ja-JP"/>
+              <a:t>ESNI</a:t>
+            </a:r>
+            <a:endParaRPr kumimoji="1" lang="ja-JP" altLang="en-US"/>
+          </a:p>
+        </p:txBody>
+      </p:sp>
+      <p:sp>
+        <p:nvSpPr>
+          <p:cNvPr id="5" name="スライド番号プレースホルダー 4">
+            <a:extLst>
+              <a:ext uri="{FF2B5EF4-FFF2-40B4-BE49-F238E27FC236}">
+                <a16:creationId xmlns:a16="http://schemas.microsoft.com/office/drawing/2014/main" id="{4F7E40E0-E0B3-41DD-9388-7FF8671DABC7}"/>
               </a:ext>
             </a:extLst>
           </p:cNvPr>
@@ -8818,41 +8754,8 @@
             </a:fld>
             <a:r>
               <a:rPr lang="en-US" altLang="ja-JP"/>
-              <a:t> / 24</a:t>
-            </a:r>
-          </a:p>
-        </p:txBody>
-      </p:sp>
-      <p:sp>
-        <p:nvSpPr>
-          <p:cNvPr id="4" name="タイトル 3">
-            <a:extLst>
-              <a:ext uri="{FF2B5EF4-FFF2-40B4-BE49-F238E27FC236}">
-                <a16:creationId xmlns:a16="http://schemas.microsoft.com/office/drawing/2014/main" id="{71AC6B9D-1C52-4095-81F2-C030FDCF2ACB}"/>
-              </a:ext>
-            </a:extLst>
-          </p:cNvPr>
-          <p:cNvSpPr>
-            <a:spLocks noGrp="1"/>
-          </p:cNvSpPr>
-          <p:nvPr>
-            <p:ph type="title"/>
-          </p:nvPr>
-        </p:nvSpPr>
-        <p:spPr/>
-        <p:txBody>
-          <a:bodyPr/>
-          <a:lstStyle/>
-          <a:p>
-            <a:r>
-              <a:rPr kumimoji="1" lang="ja-JP" altLang="en-US"/>
-              <a:t>バーチャルホストと</a:t>
-            </a:r>
-            <a:r>
-              <a:rPr kumimoji="1" lang="en-US" altLang="ja-JP"/>
-              <a:t>ESNI</a:t>
-            </a:r>
-            <a:endParaRPr kumimoji="1" lang="ja-JP" altLang="en-US"/>
+              <a:t> / 29</a:t>
+            </a:r>
           </a:p>
         </p:txBody>
       </p:sp>
@@ -8948,48 +8851,6 @@
       </p:sp>
       <p:sp>
         <p:nvSpPr>
-          <p:cNvPr id="3" name="スライド番号プレースホルダー 2">
-            <a:extLst>
-              <a:ext uri="{FF2B5EF4-FFF2-40B4-BE49-F238E27FC236}">
-                <a16:creationId xmlns:a16="http://schemas.microsoft.com/office/drawing/2014/main" id="{97F19684-86DB-4BE5-ABAC-A0F60631F41C}"/>
-              </a:ext>
-            </a:extLst>
-          </p:cNvPr>
-          <p:cNvSpPr>
-            <a:spLocks noGrp="1"/>
-          </p:cNvSpPr>
-          <p:nvPr>
-            <p:ph type="sldNum" sz="quarter" idx="12"/>
-          </p:nvPr>
-        </p:nvSpPr>
-        <p:spPr/>
-        <p:txBody>
-          <a:bodyPr/>
-          <a:lstStyle/>
-          <a:p>
-            <a:pPr>
-              <a:defRPr/>
-            </a:pPr>
-            <a:r>
-              <a:rPr lang="en-US" altLang="ja-JP"/>
-              <a:t>    </a:t>
-            </a:r>
-            <a:fld id="{B2782DEB-472A-4FE5-AC34-C17109CF5A91}" type="slidenum">
-              <a:rPr lang="en-US" altLang="ja-JP" smtClean="0"/>
-              <a:pPr>
-                <a:defRPr/>
-              </a:pPr>
-              <a:t>3</a:t>
-            </a:fld>
-            <a:r>
-              <a:rPr lang="en-US" altLang="ja-JP"/>
-              <a:t> / 24</a:t>
-            </a:r>
-          </a:p>
-        </p:txBody>
-      </p:sp>
-      <p:sp>
-        <p:nvSpPr>
           <p:cNvPr id="4" name="タイトル 3">
             <a:extLst>
               <a:ext uri="{FF2B5EF4-FFF2-40B4-BE49-F238E27FC236}">
@@ -9303,167 +9164,12 @@
           </a:p>
         </p:txBody>
       </p:sp>
-    </p:spTree>
-    <p:extLst>
-      <p:ext uri="{BB962C8B-B14F-4D97-AF65-F5344CB8AC3E}">
-        <p14:creationId xmlns:p14="http://schemas.microsoft.com/office/powerpoint/2010/main" val="3257052020"/>
-      </p:ext>
-    </p:extLst>
-  </p:cSld>
-  <p:clrMapOvr>
-    <a:masterClrMapping/>
-  </p:clrMapOvr>
-</p:sld>
-</file>
-
-<file path=ppt/slides/slide30.xml><?xml version="1.0" encoding="utf-8"?>
-<p:sld xmlns:a="http://schemas.openxmlformats.org/drawingml/2006/main" xmlns:r="http://schemas.openxmlformats.org/officeDocument/2006/relationships" xmlns:p="http://schemas.openxmlformats.org/presentationml/2006/main">
-  <p:cSld>
-    <p:spTree>
-      <p:nvGrpSpPr>
-        <p:cNvPr id="1" name=""/>
-        <p:cNvGrpSpPr/>
-        <p:nvPr/>
-      </p:nvGrpSpPr>
-      <p:grpSpPr>
-        <a:xfrm>
-          <a:off x="0" y="0"/>
-          <a:ext cx="0" cy="0"/>
-          <a:chOff x="0" y="0"/>
-          <a:chExt cx="0" cy="0"/>
-        </a:xfrm>
-      </p:grpSpPr>
       <p:sp>
         <p:nvSpPr>
-          <p:cNvPr id="2" name="コンテンツ プレースホルダー 1">
+          <p:cNvPr id="5" name="スライド番号プレースホルダー 4">
             <a:extLst>
               <a:ext uri="{FF2B5EF4-FFF2-40B4-BE49-F238E27FC236}">
-                <a16:creationId xmlns:a16="http://schemas.microsoft.com/office/drawing/2014/main" id="{E3198485-C2BE-40BF-851E-9AC2B89EF44C}"/>
-              </a:ext>
-            </a:extLst>
-          </p:cNvPr>
-          <p:cNvSpPr>
-            <a:spLocks noGrp="1"/>
-          </p:cNvSpPr>
-          <p:nvPr>
-            <p:ph idx="1"/>
-          </p:nvPr>
-        </p:nvSpPr>
-        <p:spPr/>
-        <p:txBody>
-          <a:bodyPr/>
-          <a:lstStyle/>
-          <a:p>
-            <a:r>
-              <a:rPr kumimoji="1" lang="en-US" altLang="ja-JP"/>
-              <a:t>SNI</a:t>
-            </a:r>
-            <a:r>
-              <a:rPr kumimoji="1" lang="ja-JP" altLang="en-US"/>
-              <a:t>だけでなく</a:t>
-            </a:r>
-            <a:r>
-              <a:rPr kumimoji="1" lang="en-US" altLang="ja-JP"/>
-              <a:t>ClientHello</a:t>
-            </a:r>
-            <a:r>
-              <a:rPr kumimoji="1" lang="ja-JP" altLang="en-US"/>
-              <a:t>全体を暗号化したい</a:t>
-            </a:r>
-            <a:endParaRPr kumimoji="1" lang="en-US" altLang="ja-JP"/>
-          </a:p>
-          <a:p>
-            <a:pPr lvl="1"/>
-            <a:r>
-              <a:rPr kumimoji="1" lang="ja-JP" altLang="en-US"/>
-              <a:t>しかし何の鍵で暗号化する</a:t>
-            </a:r>
-            <a:r>
-              <a:rPr kumimoji="1" lang="en-US" altLang="ja-JP"/>
-              <a:t>?</a:t>
-            </a:r>
-          </a:p>
-          <a:p>
-            <a:pPr lvl="1"/>
-            <a:r>
-              <a:rPr lang="en-US" altLang="ja-JP"/>
-              <a:t>DoH</a:t>
-            </a:r>
-            <a:r>
-              <a:rPr lang="ja-JP" altLang="en-US"/>
-              <a:t>で鍵を送ればよいのでは</a:t>
-            </a:r>
-            <a:endParaRPr lang="en-US" altLang="ja-JP"/>
-          </a:p>
-          <a:p>
-            <a:r>
-              <a:rPr kumimoji="1" lang="en-US" altLang="ja-JP"/>
-              <a:t>SVCB</a:t>
-            </a:r>
-            <a:r>
-              <a:rPr lang="en-US" altLang="ja-JP"/>
-              <a:t> (SerViCe Binding)</a:t>
-            </a:r>
-            <a:r>
-              <a:rPr kumimoji="1" lang="ja-JP" altLang="en-US"/>
-              <a:t>と</a:t>
-            </a:r>
-            <a:r>
-              <a:rPr kumimoji="1" lang="en-US" altLang="ja-JP"/>
-              <a:t>HTTPS RR(Resource Record)</a:t>
-            </a:r>
-          </a:p>
-          <a:p>
-            <a:pPr lvl="1"/>
-            <a:r>
-              <a:rPr lang="en-US" altLang="ja-JP"/>
-              <a:t>DNS</a:t>
-            </a:r>
-            <a:r>
-              <a:rPr lang="ja-JP" altLang="en-US"/>
-              <a:t>の拡張と</a:t>
-            </a:r>
-            <a:r>
-              <a:rPr lang="en-US" altLang="ja-JP"/>
-              <a:t>ECH</a:t>
-            </a:r>
-            <a:r>
-              <a:rPr lang="ja-JP" altLang="en-US"/>
-              <a:t>を平行して仕様検討中</a:t>
-            </a:r>
-            <a:r>
-              <a:rPr lang="en-US" altLang="ja-JP"/>
-              <a:t>(</a:t>
-            </a:r>
-            <a:r>
-              <a:rPr lang="ja-JP" altLang="en-US"/>
-              <a:t>次頁の</a:t>
-            </a:r>
-            <a:r>
-              <a:rPr lang="en-US" altLang="ja-JP"/>
-              <a:t>HPKE)</a:t>
-            </a:r>
-          </a:p>
-          <a:p>
-            <a:pPr lvl="1"/>
-            <a:r>
-              <a:rPr kumimoji="1" lang="en-US" altLang="ja-JP"/>
-              <a:t>HTTPS RR</a:t>
-            </a:r>
-            <a:r>
-              <a:rPr kumimoji="1" lang="ja-JP" altLang="en-US"/>
-              <a:t>に公開鍵の情報をもたせる</a:t>
-            </a:r>
-            <a:endParaRPr kumimoji="1" lang="en-US" altLang="ja-JP"/>
-          </a:p>
-        </p:txBody>
-      </p:sp>
-      <p:sp>
-        <p:nvSpPr>
-          <p:cNvPr id="3" name="スライド番号プレースホルダー 2">
-            <a:extLst>
-              <a:ext uri="{FF2B5EF4-FFF2-40B4-BE49-F238E27FC236}">
-                <a16:creationId xmlns:a16="http://schemas.microsoft.com/office/drawing/2014/main" id="{415D051A-6CB1-445B-8D1C-88073783B11F}"/>
+                <a16:creationId xmlns:a16="http://schemas.microsoft.com/office/drawing/2014/main" id="{12F516E3-3A83-404B-B53C-3C9F8DE8AB67}"/>
               </a:ext>
             </a:extLst>
           </p:cNvPr>
@@ -9491,2918 +9197,19 @@
               <a:pPr>
                 <a:defRPr/>
               </a:pPr>
-              <a:t>30</a:t>
+              <a:t>3</a:t>
             </a:fld>
             <a:r>
               <a:rPr lang="en-US" altLang="ja-JP"/>
-              <a:t> / 24</a:t>
-            </a:r>
-          </a:p>
-        </p:txBody>
-      </p:sp>
-      <p:sp>
-        <p:nvSpPr>
-          <p:cNvPr id="4" name="タイトル 3">
-            <a:extLst>
-              <a:ext uri="{FF2B5EF4-FFF2-40B4-BE49-F238E27FC236}">
-                <a16:creationId xmlns:a16="http://schemas.microsoft.com/office/drawing/2014/main" id="{FF0D2AE1-1DAD-4D6A-8CCE-FD783F4C7354}"/>
-              </a:ext>
-            </a:extLst>
-          </p:cNvPr>
-          <p:cNvSpPr>
-            <a:spLocks noGrp="1"/>
-          </p:cNvSpPr>
-          <p:nvPr>
-            <p:ph type="title"/>
-          </p:nvPr>
-        </p:nvSpPr>
-        <p:spPr/>
-        <p:txBody>
-          <a:bodyPr/>
-          <a:lstStyle/>
-          <a:p>
-            <a:r>
-              <a:rPr kumimoji="1" lang="en-US" altLang="ja-JP"/>
-              <a:t>ECH (Encrypted Client Hello)</a:t>
-            </a:r>
-            <a:endParaRPr kumimoji="1" lang="ja-JP" altLang="en-US"/>
-          </a:p>
-        </p:txBody>
-      </p:sp>
-      <p:pic>
-        <p:nvPicPr>
-          <p:cNvPr id="6" name="図 5">
-            <a:extLst>
-              <a:ext uri="{FF2B5EF4-FFF2-40B4-BE49-F238E27FC236}">
-                <a16:creationId xmlns:a16="http://schemas.microsoft.com/office/drawing/2014/main" id="{F0763897-0DF3-423F-A6E0-2CCE91CB3906}"/>
-              </a:ext>
-            </a:extLst>
-          </p:cNvPr>
-          <p:cNvPicPr>
-            <a:picLocks noChangeAspect="1"/>
-          </p:cNvPicPr>
-          <p:nvPr/>
-        </p:nvPicPr>
-        <p:blipFill>
-          <a:blip r:embed="rId2">
-            <a:extLst>
-              <a:ext uri="{28A0092B-C50C-407E-A947-70E740481C1C}">
-                <a14:useLocalDpi xmlns:a14="http://schemas.microsoft.com/office/drawing/2010/main" val="0"/>
-              </a:ext>
-            </a:extLst>
-          </a:blip>
-          <a:stretch>
-            <a:fillRect/>
-          </a:stretch>
-        </p:blipFill>
-        <p:spPr>
-          <a:xfrm>
-            <a:off x="1547664" y="3579116"/>
-            <a:ext cx="5400600" cy="3152599"/>
-          </a:xfrm>
-          <a:prstGeom prst="rect">
-            <a:avLst/>
-          </a:prstGeom>
-        </p:spPr>
-      </p:pic>
-    </p:spTree>
-    <p:extLst>
-      <p:ext uri="{BB962C8B-B14F-4D97-AF65-F5344CB8AC3E}">
-        <p14:creationId xmlns:p14="http://schemas.microsoft.com/office/powerpoint/2010/main" val="2803063954"/>
-      </p:ext>
-    </p:extLst>
-  </p:cSld>
-  <p:clrMapOvr>
-    <a:masterClrMapping/>
-  </p:clrMapOvr>
-</p:sld>
-</file>
-
-<file path=ppt/slides/slide31.xml><?xml version="1.0" encoding="utf-8"?>
-<p:sld xmlns:a="http://schemas.openxmlformats.org/drawingml/2006/main" xmlns:r="http://schemas.openxmlformats.org/officeDocument/2006/relationships" xmlns:p="http://schemas.openxmlformats.org/presentationml/2006/main">
-  <p:cSld>
-    <p:spTree>
-      <p:nvGrpSpPr>
-        <p:cNvPr id="1" name=""/>
-        <p:cNvGrpSpPr/>
-        <p:nvPr/>
-      </p:nvGrpSpPr>
-      <p:grpSpPr>
-        <a:xfrm>
-          <a:off x="0" y="0"/>
-          <a:ext cx="0" cy="0"/>
-          <a:chOff x="0" y="0"/>
-          <a:chExt cx="0" cy="0"/>
-        </a:xfrm>
-      </p:grpSpPr>
-      <p:sp>
-        <p:nvSpPr>
-          <p:cNvPr id="2" name="コンテンツ プレースホルダー 1">
-            <a:extLst>
-              <a:ext uri="{FF2B5EF4-FFF2-40B4-BE49-F238E27FC236}">
-                <a16:creationId xmlns:a16="http://schemas.microsoft.com/office/drawing/2014/main" id="{B4BD72C6-8B8B-4303-BE26-A28E51C7B320}"/>
-              </a:ext>
-            </a:extLst>
-          </p:cNvPr>
-          <p:cNvSpPr>
-            <a:spLocks noGrp="1"/>
-          </p:cNvSpPr>
-          <p:nvPr>
-            <p:ph idx="1"/>
-          </p:nvPr>
-        </p:nvSpPr>
-        <p:spPr/>
-        <p:txBody>
-          <a:bodyPr/>
-          <a:lstStyle/>
-          <a:p>
-            <a:r>
-              <a:rPr kumimoji="1" lang="ja-JP" altLang="en-US"/>
-              <a:t>従来のハイブリッド暗号</a:t>
-            </a:r>
-            <a:r>
-              <a:rPr kumimoji="1" lang="en-US" altLang="ja-JP"/>
-              <a:t>KEM-DEM</a:t>
-            </a:r>
-            <a:r>
-              <a:rPr kumimoji="1" lang="ja-JP" altLang="en-US"/>
-              <a:t>フレームワーク</a:t>
-            </a:r>
-            <a:endParaRPr kumimoji="1" lang="en-US" altLang="ja-JP"/>
-          </a:p>
-          <a:p>
-            <a:pPr lvl="1"/>
-            <a:r>
-              <a:rPr kumimoji="1" lang="ja-JP" altLang="en-US"/>
-              <a:t>様々な方式が提案されている</a:t>
-            </a:r>
-            <a:endParaRPr kumimoji="1" lang="en-US" altLang="ja-JP"/>
-          </a:p>
-          <a:p>
-            <a:pPr lvl="1"/>
-            <a:r>
-              <a:rPr lang="en-US" altLang="ja-JP"/>
-              <a:t>NTT</a:t>
-            </a:r>
-            <a:r>
-              <a:rPr lang="ja-JP" altLang="en-US"/>
-              <a:t>の</a:t>
-            </a:r>
-            <a:r>
-              <a:rPr lang="en-US" altLang="ja-JP"/>
-              <a:t>PSEC-KEM (ISO/IEC 18033-2) ; DH</a:t>
-            </a:r>
-            <a:r>
-              <a:rPr lang="ja-JP" altLang="en-US"/>
-              <a:t>鍵共有</a:t>
-            </a:r>
-            <a:r>
-              <a:rPr lang="en-US" altLang="ja-JP"/>
-              <a:t>+OTP+hash</a:t>
-            </a:r>
-          </a:p>
-          <a:p>
-            <a:r>
-              <a:rPr kumimoji="1" lang="en-US" altLang="ja-JP"/>
-              <a:t>HPKE</a:t>
-            </a:r>
-            <a:r>
-              <a:rPr kumimoji="1" lang="ja-JP" altLang="en-US"/>
-              <a:t>は新しい知見を元に仕組みを再定義する</a:t>
-            </a:r>
-            <a:endParaRPr kumimoji="1" lang="en-US" altLang="ja-JP"/>
-          </a:p>
-          <a:p>
-            <a:pPr lvl="1"/>
-            <a:r>
-              <a:rPr kumimoji="1" lang="ja-JP" altLang="en-US"/>
-              <a:t>楕円曲線鍵共有</a:t>
-            </a:r>
-            <a:r>
-              <a:rPr kumimoji="1" lang="en-US" altLang="ja-JP"/>
-              <a:t>ECDH+</a:t>
-            </a:r>
-            <a:r>
-              <a:rPr kumimoji="1" lang="ja-JP" altLang="en-US"/>
-              <a:t>鍵導出関数</a:t>
-            </a:r>
-            <a:r>
-              <a:rPr kumimoji="1" lang="en-US" altLang="ja-JP"/>
-              <a:t>HKDF+</a:t>
-            </a:r>
-            <a:r>
-              <a:rPr kumimoji="1" lang="ja-JP" altLang="en-US"/>
-              <a:t>認証付き暗号</a:t>
-            </a:r>
-            <a:r>
-              <a:rPr kumimoji="1" lang="en-US" altLang="ja-JP"/>
-              <a:t>AEAD</a:t>
-            </a:r>
-          </a:p>
-          <a:p>
-            <a:r>
-              <a:rPr kumimoji="1" lang="ja-JP" altLang="en-US"/>
-              <a:t>簡単な例</a:t>
-            </a:r>
-            <a:r>
-              <a:rPr kumimoji="1" lang="en-US" altLang="ja-JP"/>
-              <a:t>(</a:t>
-            </a:r>
-            <a:r>
-              <a:rPr kumimoji="1" lang="ja-JP" altLang="en-US"/>
-              <a:t>詳細は</a:t>
-            </a:r>
-            <a:r>
-              <a:rPr kumimoji="1" lang="en-US" altLang="ja-JP" sz="1800">
-                <a:hlinkClick r:id="rId2"/>
-              </a:rPr>
-              <a:t>https://datatracker.ietf.org/doc/draft-irtf-cfrg-hpke/</a:t>
-            </a:r>
-            <a:r>
-              <a:rPr kumimoji="1" lang="en-US" altLang="ja-JP"/>
-              <a:t>)</a:t>
-            </a:r>
-          </a:p>
-          <a:p>
-            <a:endParaRPr lang="en-US" altLang="ja-JP"/>
-          </a:p>
-          <a:p>
-            <a:endParaRPr kumimoji="1" lang="en-US" altLang="ja-JP"/>
-          </a:p>
-          <a:p>
-            <a:endParaRPr lang="en-US" altLang="ja-JP"/>
-          </a:p>
-          <a:p>
-            <a:endParaRPr kumimoji="1" lang="en-US" altLang="ja-JP"/>
-          </a:p>
-          <a:p>
-            <a:pPr lvl="1"/>
-            <a:r>
-              <a:rPr kumimoji="1" lang="ja-JP" altLang="en-US"/>
-              <a:t>注 </a:t>
-            </a:r>
-            <a:r>
-              <a:rPr kumimoji="1" lang="en-US" altLang="ja-JP"/>
-              <a:t>: HPKE</a:t>
-            </a:r>
-            <a:r>
-              <a:rPr kumimoji="1" lang="ja-JP" altLang="en-US"/>
-              <a:t>は前方秘匿性</a:t>
-            </a:r>
-            <a:r>
-              <a:rPr kumimoji="1" lang="en-US" altLang="ja-JP"/>
-              <a:t>FS</a:t>
-            </a:r>
-            <a:r>
-              <a:rPr kumimoji="1" lang="ja-JP" altLang="en-US"/>
-              <a:t>は持ってない</a:t>
-            </a:r>
-            <a:endParaRPr kumimoji="1" lang="en-US" altLang="ja-JP"/>
-          </a:p>
-          <a:p>
-            <a:endParaRPr kumimoji="1" lang="ja-JP" altLang="en-US"/>
-          </a:p>
-        </p:txBody>
-      </p:sp>
-      <p:sp>
-        <p:nvSpPr>
-          <p:cNvPr id="3" name="スライド番号プレースホルダー 2">
-            <a:extLst>
-              <a:ext uri="{FF2B5EF4-FFF2-40B4-BE49-F238E27FC236}">
-                <a16:creationId xmlns:a16="http://schemas.microsoft.com/office/drawing/2014/main" id="{1AB7528E-0B4D-4205-A1AA-A00145A55E6B}"/>
-              </a:ext>
-            </a:extLst>
-          </p:cNvPr>
-          <p:cNvSpPr>
-            <a:spLocks noGrp="1"/>
-          </p:cNvSpPr>
-          <p:nvPr>
-            <p:ph type="sldNum" sz="quarter" idx="12"/>
-          </p:nvPr>
-        </p:nvSpPr>
-        <p:spPr/>
-        <p:txBody>
-          <a:bodyPr/>
-          <a:lstStyle/>
-          <a:p>
-            <a:pPr>
-              <a:defRPr/>
-            </a:pPr>
-            <a:r>
-              <a:rPr lang="en-US" altLang="ja-JP"/>
-              <a:t>    </a:t>
-            </a:r>
-            <a:fld id="{B2782DEB-472A-4FE5-AC34-C17109CF5A91}" type="slidenum">
-              <a:rPr lang="en-US" altLang="ja-JP" smtClean="0"/>
-              <a:pPr>
-                <a:defRPr/>
-              </a:pPr>
-              <a:t>31</a:t>
-            </a:fld>
-            <a:r>
-              <a:rPr lang="en-US" altLang="ja-JP"/>
-              <a:t> / 24</a:t>
-            </a:r>
-          </a:p>
-        </p:txBody>
-      </p:sp>
-      <p:sp>
-        <p:nvSpPr>
-          <p:cNvPr id="4" name="タイトル 3">
-            <a:extLst>
-              <a:ext uri="{FF2B5EF4-FFF2-40B4-BE49-F238E27FC236}">
-                <a16:creationId xmlns:a16="http://schemas.microsoft.com/office/drawing/2014/main" id="{FBF54094-9C6C-4AF2-9503-B3A68D12A399}"/>
-              </a:ext>
-            </a:extLst>
-          </p:cNvPr>
-          <p:cNvSpPr>
-            <a:spLocks noGrp="1"/>
-          </p:cNvSpPr>
-          <p:nvPr>
-            <p:ph type="title"/>
-          </p:nvPr>
-        </p:nvSpPr>
-        <p:spPr/>
-        <p:txBody>
-          <a:bodyPr/>
-          <a:lstStyle/>
-          <a:p>
-            <a:r>
-              <a:rPr kumimoji="1" lang="en-US" altLang="ja-JP"/>
-              <a:t>HPKE (Hybrid PKE)</a:t>
-            </a:r>
-            <a:endParaRPr kumimoji="1" lang="ja-JP" altLang="en-US"/>
-          </a:p>
-        </p:txBody>
-      </p:sp>
-      <p:pic>
-        <p:nvPicPr>
-          <p:cNvPr id="6" name="図 5">
-            <a:extLst>
-              <a:ext uri="{FF2B5EF4-FFF2-40B4-BE49-F238E27FC236}">
-                <a16:creationId xmlns:a16="http://schemas.microsoft.com/office/drawing/2014/main" id="{608B0C39-5526-43F5-B79D-75DA86140E2A}"/>
-              </a:ext>
-            </a:extLst>
-          </p:cNvPr>
-          <p:cNvPicPr>
-            <a:picLocks noChangeAspect="1"/>
-          </p:cNvPicPr>
-          <p:nvPr/>
-        </p:nvPicPr>
-        <p:blipFill>
-          <a:blip r:embed="rId3">
-            <a:extLst>
-              <a:ext uri="{28A0092B-C50C-407E-A947-70E740481C1C}">
-                <a14:useLocalDpi xmlns:a14="http://schemas.microsoft.com/office/drawing/2010/main" val="0"/>
-              </a:ext>
-            </a:extLst>
-          </a:blip>
-          <a:stretch>
-            <a:fillRect/>
-          </a:stretch>
-        </p:blipFill>
-        <p:spPr>
-          <a:xfrm>
-            <a:off x="899592" y="3645024"/>
-            <a:ext cx="7096437" cy="2448272"/>
-          </a:xfrm>
-          <a:prstGeom prst="rect">
-            <a:avLst/>
-          </a:prstGeom>
-        </p:spPr>
-      </p:pic>
-    </p:spTree>
-    <p:extLst>
-      <p:ext uri="{BB962C8B-B14F-4D97-AF65-F5344CB8AC3E}">
-        <p14:creationId xmlns:p14="http://schemas.microsoft.com/office/powerpoint/2010/main" val="829365358"/>
-      </p:ext>
-    </p:extLst>
-  </p:cSld>
-  <p:clrMapOvr>
-    <a:masterClrMapping/>
-  </p:clrMapOvr>
-</p:sld>
-</file>
-
-<file path=ppt/slides/slide32.xml><?xml version="1.0" encoding="utf-8"?>
-<p:sld xmlns:a="http://schemas.openxmlformats.org/drawingml/2006/main" xmlns:r="http://schemas.openxmlformats.org/officeDocument/2006/relationships" xmlns:p="http://schemas.openxmlformats.org/presentationml/2006/main">
-  <p:cSld>
-    <p:spTree>
-      <p:nvGrpSpPr>
-        <p:cNvPr id="1" name=""/>
-        <p:cNvGrpSpPr/>
-        <p:nvPr/>
-      </p:nvGrpSpPr>
-      <p:grpSpPr>
-        <a:xfrm>
-          <a:off x="0" y="0"/>
-          <a:ext cx="0" cy="0"/>
-          <a:chOff x="0" y="0"/>
-          <a:chExt cx="0" cy="0"/>
-        </a:xfrm>
-      </p:grpSpPr>
-      <p:pic>
-        <p:nvPicPr>
-          <p:cNvPr id="7" name="図 6">
-            <a:extLst>
-              <a:ext uri="{FF2B5EF4-FFF2-40B4-BE49-F238E27FC236}">
-                <a16:creationId xmlns:a16="http://schemas.microsoft.com/office/drawing/2014/main" id="{7F2BB87F-FC24-461A-87AC-01733B2C1FB1}"/>
-              </a:ext>
-            </a:extLst>
-          </p:cNvPr>
-          <p:cNvPicPr>
-            <a:picLocks noChangeAspect="1"/>
-          </p:cNvPicPr>
-          <p:nvPr/>
-        </p:nvPicPr>
-        <p:blipFill>
-          <a:blip r:embed="rId2">
-            <a:extLst>
-              <a:ext uri="{28A0092B-C50C-407E-A947-70E740481C1C}">
-                <a14:useLocalDpi xmlns:a14="http://schemas.microsoft.com/office/drawing/2010/main" val="0"/>
-              </a:ext>
-            </a:extLst>
-          </a:blip>
-          <a:stretch>
-            <a:fillRect/>
-          </a:stretch>
-        </p:blipFill>
-        <p:spPr>
-          <a:xfrm>
-            <a:off x="1438636" y="3645024"/>
-            <a:ext cx="5989004" cy="3043102"/>
-          </a:xfrm>
-          <a:prstGeom prst="rect">
-            <a:avLst/>
-          </a:prstGeom>
-        </p:spPr>
-      </p:pic>
-      <p:sp>
-        <p:nvSpPr>
-          <p:cNvPr id="2" name="コンテンツ プレースホルダー 1">
-            <a:extLst>
-              <a:ext uri="{FF2B5EF4-FFF2-40B4-BE49-F238E27FC236}">
-                <a16:creationId xmlns:a16="http://schemas.microsoft.com/office/drawing/2014/main" id="{0F095455-A2A5-43B6-AC17-AEDC4815317C}"/>
-              </a:ext>
-            </a:extLst>
-          </p:cNvPr>
-          <p:cNvSpPr>
-            <a:spLocks noGrp="1"/>
-          </p:cNvSpPr>
-          <p:nvPr>
-            <p:ph idx="1"/>
-          </p:nvPr>
-        </p:nvSpPr>
-        <p:spPr/>
-        <p:txBody>
-          <a:bodyPr/>
-          <a:lstStyle/>
-          <a:p>
-            <a:r>
-              <a:rPr kumimoji="1" lang="ja-JP" altLang="en-US"/>
-              <a:t>ネットワークのプロトコルを階層化</a:t>
-            </a:r>
-          </a:p>
-          <a:p>
-            <a:pPr lvl="1"/>
-            <a:endParaRPr kumimoji="1" lang="en-US" altLang="ja-JP"/>
-          </a:p>
-          <a:p>
-            <a:pPr lvl="1"/>
-            <a:endParaRPr lang="en-US" altLang="ja-JP"/>
-          </a:p>
-          <a:p>
-            <a:pPr lvl="1"/>
-            <a:endParaRPr kumimoji="1" lang="en-US" altLang="ja-JP"/>
-          </a:p>
-          <a:p>
-            <a:pPr lvl="1"/>
-            <a:endParaRPr lang="en-US" altLang="ja-JP"/>
-          </a:p>
-          <a:p>
-            <a:pPr marL="218250" lvl="1" indent="0">
-              <a:buNone/>
-            </a:pPr>
-            <a:r>
-              <a:rPr kumimoji="1" lang="ja-JP" altLang="en-US"/>
-              <a:t>                        括弧内はおおむね</a:t>
-            </a:r>
-            <a:r>
-              <a:rPr kumimoji="1" lang="en-US" altLang="ja-JP"/>
-              <a:t>OSI</a:t>
-            </a:r>
-            <a:r>
-              <a:rPr kumimoji="1" lang="ja-JP" altLang="en-US"/>
-              <a:t>参照モデルでの呼称に対応</a:t>
-            </a:r>
-            <a:endParaRPr kumimoji="1" lang="en-US" altLang="ja-JP"/>
-          </a:p>
-          <a:p>
-            <a:r>
-              <a:rPr kumimoji="1" lang="ja-JP" altLang="en-US"/>
-              <a:t>フレームやパケットの構造</a:t>
-            </a:r>
-          </a:p>
-        </p:txBody>
-      </p:sp>
-      <p:sp>
-        <p:nvSpPr>
-          <p:cNvPr id="3" name="スライド番号プレースホルダー 2">
-            <a:extLst>
-              <a:ext uri="{FF2B5EF4-FFF2-40B4-BE49-F238E27FC236}">
-                <a16:creationId xmlns:a16="http://schemas.microsoft.com/office/drawing/2014/main" id="{42BDC3A4-6EB8-48E0-B3FF-2BA4E3255DE4}"/>
-              </a:ext>
-            </a:extLst>
-          </p:cNvPr>
-          <p:cNvSpPr>
-            <a:spLocks noGrp="1"/>
-          </p:cNvSpPr>
-          <p:nvPr>
-            <p:ph type="sldNum" sz="quarter" idx="12"/>
-          </p:nvPr>
-        </p:nvSpPr>
-        <p:spPr/>
-        <p:txBody>
-          <a:bodyPr/>
-          <a:lstStyle/>
-          <a:p>
-            <a:pPr>
-              <a:defRPr/>
-            </a:pPr>
-            <a:r>
-              <a:rPr lang="en-US" altLang="ja-JP"/>
-              <a:t>    </a:t>
-            </a:r>
-            <a:fld id="{B2782DEB-472A-4FE5-AC34-C17109CF5A91}" type="slidenum">
-              <a:rPr lang="en-US" altLang="ja-JP" smtClean="0"/>
-              <a:pPr>
-                <a:defRPr/>
-              </a:pPr>
-              <a:t>32</a:t>
-            </a:fld>
-            <a:r>
-              <a:rPr lang="en-US" altLang="ja-JP"/>
-              <a:t> / 24</a:t>
-            </a:r>
-          </a:p>
-        </p:txBody>
-      </p:sp>
-      <p:sp>
-        <p:nvSpPr>
-          <p:cNvPr id="4" name="タイトル 3">
-            <a:extLst>
-              <a:ext uri="{FF2B5EF4-FFF2-40B4-BE49-F238E27FC236}">
-                <a16:creationId xmlns:a16="http://schemas.microsoft.com/office/drawing/2014/main" id="{3E0BDE3C-ED77-448A-B94E-0F8CCED4555F}"/>
-              </a:ext>
-            </a:extLst>
-          </p:cNvPr>
-          <p:cNvSpPr>
-            <a:spLocks noGrp="1"/>
-          </p:cNvSpPr>
-          <p:nvPr>
-            <p:ph type="title"/>
-          </p:nvPr>
-        </p:nvSpPr>
-        <p:spPr/>
-        <p:txBody>
-          <a:bodyPr/>
-          <a:lstStyle/>
-          <a:p>
-            <a:r>
-              <a:rPr kumimoji="1" lang="ja-JP" altLang="en-US"/>
-              <a:t>インターネットプロトコルスイート</a:t>
-            </a:r>
-          </a:p>
-        </p:txBody>
-      </p:sp>
-      <p:graphicFrame>
-        <p:nvGraphicFramePr>
-          <p:cNvPr id="5" name="表 5">
-            <a:extLst>
-              <a:ext uri="{FF2B5EF4-FFF2-40B4-BE49-F238E27FC236}">
-                <a16:creationId xmlns:a16="http://schemas.microsoft.com/office/drawing/2014/main" id="{0C1193D2-9D12-4405-B50E-FA2A4F9A9B4B}"/>
-              </a:ext>
-            </a:extLst>
-          </p:cNvPr>
-          <p:cNvGraphicFramePr>
-            <a:graphicFrameLocks noGrp="1"/>
-          </p:cNvGraphicFramePr>
-          <p:nvPr>
-            <p:extLst>
-              <p:ext uri="{D42A27DB-BD31-4B8C-83A1-F6EECF244321}">
-                <p14:modId xmlns:p14="http://schemas.microsoft.com/office/powerpoint/2010/main" val="1857128709"/>
-              </p:ext>
-            </p:extLst>
-          </p:nvPr>
-        </p:nvGraphicFramePr>
-        <p:xfrm>
-          <a:off x="1331640" y="1124744"/>
-          <a:ext cx="6096000" cy="1854200"/>
-        </p:xfrm>
-        <a:graphic>
-          <a:graphicData uri="http://schemas.openxmlformats.org/drawingml/2006/table">
-            <a:tbl>
-              <a:tblPr firstRow="1" bandRow="1">
-                <a:tableStyleId>{5C22544A-7EE6-4342-B048-85BDC9FD1C3A}</a:tableStyleId>
-              </a:tblPr>
-              <a:tblGrid>
-                <a:gridCol w="3048000">
-                  <a:extLst>
-                    <a:ext uri="{9D8B030D-6E8A-4147-A177-3AD203B41FA5}">
-                      <a16:colId xmlns:a16="http://schemas.microsoft.com/office/drawing/2014/main" val="2299861864"/>
-                    </a:ext>
-                  </a:extLst>
-                </a:gridCol>
-                <a:gridCol w="3048000">
-                  <a:extLst>
-                    <a:ext uri="{9D8B030D-6E8A-4147-A177-3AD203B41FA5}">
-                      <a16:colId xmlns:a16="http://schemas.microsoft.com/office/drawing/2014/main" val="4012307761"/>
-                    </a:ext>
-                  </a:extLst>
-                </a:gridCol>
-              </a:tblGrid>
-              <a:tr h="370840">
-                <a:tc>
-                  <a:txBody>
-                    <a:bodyPr/>
-                    <a:lstStyle/>
-                    <a:p>
-                      <a:r>
-                        <a:rPr kumimoji="1" lang="ja-JP" altLang="en-US"/>
-                        <a:t>層</a:t>
-                      </a:r>
-                    </a:p>
-                  </a:txBody>
-                  <a:tcPr/>
-                </a:tc>
-                <a:tc>
-                  <a:txBody>
-                    <a:bodyPr/>
-                    <a:lstStyle/>
-                    <a:p>
-                      <a:r>
-                        <a:rPr kumimoji="1" lang="ja-JP" altLang="en-US"/>
-                        <a:t>主なプロトコル</a:t>
-                      </a:r>
-                    </a:p>
-                  </a:txBody>
-                  <a:tcPr/>
-                </a:tc>
-                <a:extLst>
-                  <a:ext uri="{0D108BD9-81ED-4DB2-BD59-A6C34878D82A}">
-                    <a16:rowId xmlns:a16="http://schemas.microsoft.com/office/drawing/2014/main" val="490594044"/>
-                  </a:ext>
-                </a:extLst>
-              </a:tr>
-              <a:tr h="370840">
-                <a:tc>
-                  <a:txBody>
-                    <a:bodyPr/>
-                    <a:lstStyle/>
-                    <a:p>
-                      <a:r>
-                        <a:rPr kumimoji="1" lang="ja-JP" altLang="en-US"/>
-                        <a:t>アプリケーション</a:t>
-                      </a:r>
-                    </a:p>
-                  </a:txBody>
-                  <a:tcPr/>
-                </a:tc>
-                <a:tc>
-                  <a:txBody>
-                    <a:bodyPr/>
-                    <a:lstStyle/>
-                    <a:p>
-                      <a:r>
-                        <a:rPr kumimoji="1" lang="en-US" altLang="ja-JP"/>
-                        <a:t>HTTP, HTTPS, SMTP, DNS</a:t>
-                      </a:r>
-                      <a:endParaRPr kumimoji="1" lang="ja-JP" altLang="en-US"/>
-                    </a:p>
-                  </a:txBody>
-                  <a:tcPr/>
-                </a:tc>
-                <a:extLst>
-                  <a:ext uri="{0D108BD9-81ED-4DB2-BD59-A6C34878D82A}">
-                    <a16:rowId xmlns:a16="http://schemas.microsoft.com/office/drawing/2014/main" val="1993439552"/>
-                  </a:ext>
-                </a:extLst>
-              </a:tr>
-              <a:tr h="370840">
-                <a:tc>
-                  <a:txBody>
-                    <a:bodyPr/>
-                    <a:lstStyle/>
-                    <a:p>
-                      <a:r>
-                        <a:rPr kumimoji="1" lang="ja-JP" altLang="en-US"/>
-                        <a:t>トランスポート</a:t>
-                      </a:r>
-                    </a:p>
-                  </a:txBody>
-                  <a:tcPr/>
-                </a:tc>
-                <a:tc>
-                  <a:txBody>
-                    <a:bodyPr/>
-                    <a:lstStyle/>
-                    <a:p>
-                      <a:r>
-                        <a:rPr kumimoji="1" lang="en-US" altLang="ja-JP"/>
-                        <a:t>TCP, UDP (</a:t>
-                      </a:r>
-                      <a:r>
-                        <a:rPr kumimoji="1" lang="ja-JP" altLang="en-US"/>
-                        <a:t>レイヤ</a:t>
-                      </a:r>
-                      <a:r>
-                        <a:rPr kumimoji="1" lang="en-US" altLang="ja-JP"/>
-                        <a:t>3)</a:t>
-                      </a:r>
-                      <a:endParaRPr kumimoji="1" lang="ja-JP" altLang="en-US"/>
-                    </a:p>
-                  </a:txBody>
-                  <a:tcPr/>
-                </a:tc>
-                <a:extLst>
-                  <a:ext uri="{0D108BD9-81ED-4DB2-BD59-A6C34878D82A}">
-                    <a16:rowId xmlns:a16="http://schemas.microsoft.com/office/drawing/2014/main" val="2223416259"/>
-                  </a:ext>
-                </a:extLst>
-              </a:tr>
-              <a:tr h="370840">
-                <a:tc>
-                  <a:txBody>
-                    <a:bodyPr/>
-                    <a:lstStyle/>
-                    <a:p>
-                      <a:r>
-                        <a:rPr kumimoji="1" lang="ja-JP" altLang="en-US"/>
-                        <a:t>インターネット</a:t>
-                      </a:r>
-                    </a:p>
-                  </a:txBody>
-                  <a:tcPr/>
-                </a:tc>
-                <a:tc>
-                  <a:txBody>
-                    <a:bodyPr/>
-                    <a:lstStyle/>
-                    <a:p>
-                      <a:r>
-                        <a:rPr kumimoji="1" lang="en-US" altLang="ja-JP"/>
-                        <a:t>IP (</a:t>
-                      </a:r>
-                      <a:r>
-                        <a:rPr kumimoji="1" lang="ja-JP" altLang="en-US"/>
-                        <a:t>レイヤ</a:t>
-                      </a:r>
-                      <a:r>
-                        <a:rPr kumimoji="1" lang="en-US" altLang="ja-JP"/>
-                        <a:t>2)</a:t>
-                      </a:r>
-                      <a:endParaRPr kumimoji="1" lang="ja-JP" altLang="en-US"/>
-                    </a:p>
-                  </a:txBody>
-                  <a:tcPr/>
-                </a:tc>
-                <a:extLst>
-                  <a:ext uri="{0D108BD9-81ED-4DB2-BD59-A6C34878D82A}">
-                    <a16:rowId xmlns:a16="http://schemas.microsoft.com/office/drawing/2014/main" val="3474833712"/>
-                  </a:ext>
-                </a:extLst>
-              </a:tr>
-              <a:tr h="370840">
-                <a:tc>
-                  <a:txBody>
-                    <a:bodyPr/>
-                    <a:lstStyle/>
-                    <a:p>
-                      <a:r>
-                        <a:rPr kumimoji="1" lang="ja-JP" altLang="en-US"/>
-                        <a:t>リンク</a:t>
-                      </a:r>
-                    </a:p>
-                  </a:txBody>
-                  <a:tcPr/>
-                </a:tc>
-                <a:tc>
-                  <a:txBody>
-                    <a:bodyPr/>
-                    <a:lstStyle/>
-                    <a:p>
-                      <a:r>
-                        <a:rPr kumimoji="1" lang="ja-JP" altLang="en-US"/>
-                        <a:t>イーサネット</a:t>
-                      </a:r>
-                      <a:r>
-                        <a:rPr kumimoji="1" lang="en-US" altLang="ja-JP"/>
-                        <a:t>, IEEE802.11</a:t>
-                      </a:r>
-                      <a:endParaRPr kumimoji="1" lang="ja-JP" altLang="en-US"/>
-                    </a:p>
-                  </a:txBody>
-                  <a:tcPr/>
-                </a:tc>
-                <a:extLst>
-                  <a:ext uri="{0D108BD9-81ED-4DB2-BD59-A6C34878D82A}">
-                    <a16:rowId xmlns:a16="http://schemas.microsoft.com/office/drawing/2014/main" val="613094856"/>
-                  </a:ext>
-                </a:extLst>
-              </a:tr>
-            </a:tbl>
-          </a:graphicData>
-        </a:graphic>
-      </p:graphicFrame>
-    </p:spTree>
-    <p:extLst>
-      <p:ext uri="{BB962C8B-B14F-4D97-AF65-F5344CB8AC3E}">
-        <p14:creationId xmlns:p14="http://schemas.microsoft.com/office/powerpoint/2010/main" val="2959220727"/>
-      </p:ext>
-    </p:extLst>
-  </p:cSld>
-  <p:clrMapOvr>
-    <a:masterClrMapping/>
-  </p:clrMapOvr>
-</p:sld>
-</file>
-
-<file path=ppt/slides/slide33.xml><?xml version="1.0" encoding="utf-8"?>
-<p:sld xmlns:a="http://schemas.openxmlformats.org/drawingml/2006/main" xmlns:r="http://schemas.openxmlformats.org/officeDocument/2006/relationships" xmlns:p="http://schemas.openxmlformats.org/presentationml/2006/main">
-  <p:cSld>
-    <p:spTree>
-      <p:nvGrpSpPr>
-        <p:cNvPr id="1" name=""/>
-        <p:cNvGrpSpPr/>
-        <p:nvPr/>
-      </p:nvGrpSpPr>
-      <p:grpSpPr>
-        <a:xfrm>
-          <a:off x="0" y="0"/>
-          <a:ext cx="0" cy="0"/>
-          <a:chOff x="0" y="0"/>
-          <a:chExt cx="0" cy="0"/>
-        </a:xfrm>
-      </p:grpSpPr>
-      <p:sp>
-        <p:nvSpPr>
-          <p:cNvPr id="2" name="コンテンツ プレースホルダー 1">
-            <a:extLst>
-              <a:ext uri="{FF2B5EF4-FFF2-40B4-BE49-F238E27FC236}">
-                <a16:creationId xmlns:a16="http://schemas.microsoft.com/office/drawing/2014/main" id="{A0254326-D99D-4BDD-89C3-30FDE11DA374}"/>
-              </a:ext>
-            </a:extLst>
-          </p:cNvPr>
-          <p:cNvSpPr>
-            <a:spLocks noGrp="1"/>
-          </p:cNvSpPr>
-          <p:nvPr>
-            <p:ph idx="1"/>
-          </p:nvPr>
-        </p:nvSpPr>
-        <p:spPr/>
-        <p:txBody>
-          <a:bodyPr/>
-          <a:lstStyle/>
-          <a:p>
-            <a:r>
-              <a:rPr kumimoji="1" lang="ja-JP" altLang="en-US"/>
-              <a:t>ブロードバンドルーター</a:t>
-            </a:r>
-            <a:endParaRPr kumimoji="1" lang="en-US" altLang="ja-JP"/>
-          </a:p>
-          <a:p>
-            <a:pPr lvl="1"/>
-            <a:r>
-              <a:rPr lang="en-US" altLang="ja-JP"/>
-              <a:t>LAN</a:t>
-            </a:r>
-            <a:r>
-              <a:rPr lang="ja-JP" altLang="en-US"/>
-              <a:t>とインターネットを相互接続するための機能を持つ</a:t>
-            </a:r>
-            <a:endParaRPr lang="en-US" altLang="ja-JP"/>
-          </a:p>
-          <a:p>
-            <a:r>
-              <a:rPr kumimoji="1" lang="ja-JP" altLang="en-US"/>
-              <a:t>プロトコル</a:t>
-            </a:r>
-            <a:endParaRPr kumimoji="1" lang="en-US" altLang="ja-JP"/>
-          </a:p>
-          <a:p>
-            <a:pPr lvl="1"/>
-            <a:r>
-              <a:rPr kumimoji="1" lang="en-US" altLang="ja-JP"/>
-              <a:t>DNS</a:t>
-            </a:r>
-          </a:p>
-          <a:p>
-            <a:pPr lvl="2"/>
-            <a:r>
-              <a:rPr kumimoji="1" lang="ja-JP" altLang="en-US"/>
-              <a:t>ドメイン名</a:t>
-            </a:r>
-            <a:br>
-              <a:rPr lang="en-US" altLang="ja-JP"/>
-            </a:br>
-            <a:r>
-              <a:rPr kumimoji="1" lang="ja-JP" altLang="en-US"/>
-              <a:t>→</a:t>
-            </a:r>
-            <a:r>
-              <a:rPr kumimoji="1" lang="en-US" altLang="ja-JP"/>
-              <a:t>IP</a:t>
-            </a:r>
-            <a:r>
-              <a:rPr kumimoji="1" lang="ja-JP" altLang="en-US"/>
-              <a:t>アドレス</a:t>
-            </a:r>
-            <a:endParaRPr kumimoji="1" lang="en-US" altLang="ja-JP"/>
-          </a:p>
-          <a:p>
-            <a:pPr lvl="1"/>
-            <a:r>
-              <a:rPr lang="en-US" altLang="ja-JP"/>
-              <a:t>ARP</a:t>
-            </a:r>
-          </a:p>
-          <a:p>
-            <a:pPr lvl="2"/>
-            <a:r>
-              <a:rPr kumimoji="1" lang="en-US" altLang="ja-JP"/>
-              <a:t>IP</a:t>
-            </a:r>
-            <a:r>
-              <a:rPr kumimoji="1" lang="ja-JP" altLang="en-US"/>
-              <a:t>アドレス</a:t>
-            </a:r>
-            <a:br>
-              <a:rPr kumimoji="1" lang="en-US" altLang="ja-JP"/>
-            </a:br>
-            <a:r>
-              <a:rPr kumimoji="1" lang="ja-JP" altLang="en-US"/>
-              <a:t>→</a:t>
-            </a:r>
-            <a:r>
-              <a:rPr kumimoji="1" lang="en-US" altLang="ja-JP"/>
-              <a:t>MAC</a:t>
-            </a:r>
-            <a:r>
-              <a:rPr kumimoji="1" lang="ja-JP" altLang="en-US"/>
-              <a:t>アドレス</a:t>
-            </a:r>
-            <a:endParaRPr kumimoji="1" lang="en-US" altLang="ja-JP"/>
-          </a:p>
-          <a:p>
-            <a:pPr lvl="1"/>
-            <a:endParaRPr kumimoji="1" lang="ja-JP" altLang="en-US"/>
-          </a:p>
-        </p:txBody>
-      </p:sp>
-      <p:sp>
-        <p:nvSpPr>
-          <p:cNvPr id="3" name="スライド番号プレースホルダー 2">
-            <a:extLst>
-              <a:ext uri="{FF2B5EF4-FFF2-40B4-BE49-F238E27FC236}">
-                <a16:creationId xmlns:a16="http://schemas.microsoft.com/office/drawing/2014/main" id="{54844CE4-0606-4B4C-AD83-9B05FE04E1DC}"/>
-              </a:ext>
-            </a:extLst>
-          </p:cNvPr>
-          <p:cNvSpPr>
-            <a:spLocks noGrp="1"/>
-          </p:cNvSpPr>
-          <p:nvPr>
-            <p:ph type="sldNum" sz="quarter" idx="12"/>
-          </p:nvPr>
-        </p:nvSpPr>
-        <p:spPr/>
-        <p:txBody>
-          <a:bodyPr/>
-          <a:lstStyle/>
-          <a:p>
-            <a:pPr>
-              <a:defRPr/>
-            </a:pPr>
-            <a:r>
-              <a:rPr lang="en-US" altLang="ja-JP"/>
-              <a:t>    </a:t>
-            </a:r>
-            <a:fld id="{B2782DEB-472A-4FE5-AC34-C17109CF5A91}" type="slidenum">
-              <a:rPr lang="en-US" altLang="ja-JP" smtClean="0"/>
-              <a:pPr>
-                <a:defRPr/>
-              </a:pPr>
-              <a:t>33</a:t>
-            </a:fld>
-            <a:r>
-              <a:rPr lang="en-US" altLang="ja-JP"/>
-              <a:t> / 24</a:t>
-            </a:r>
-          </a:p>
-        </p:txBody>
-      </p:sp>
-      <p:sp>
-        <p:nvSpPr>
-          <p:cNvPr id="4" name="タイトル 3">
-            <a:extLst>
-              <a:ext uri="{FF2B5EF4-FFF2-40B4-BE49-F238E27FC236}">
-                <a16:creationId xmlns:a16="http://schemas.microsoft.com/office/drawing/2014/main" id="{AF76D7CD-E853-40BC-950F-5E67BB3489F9}"/>
-              </a:ext>
-            </a:extLst>
-          </p:cNvPr>
-          <p:cNvSpPr>
-            <a:spLocks noGrp="1"/>
-          </p:cNvSpPr>
-          <p:nvPr>
-            <p:ph type="title"/>
-          </p:nvPr>
-        </p:nvSpPr>
-        <p:spPr/>
-        <p:txBody>
-          <a:bodyPr/>
-          <a:lstStyle/>
-          <a:p>
-            <a:r>
-              <a:rPr kumimoji="1" lang="en-US" altLang="ja-JP"/>
-              <a:t>LAN</a:t>
-            </a:r>
-            <a:r>
-              <a:rPr kumimoji="1" lang="ja-JP" altLang="en-US"/>
-              <a:t>からインターネットへ</a:t>
-            </a:r>
-          </a:p>
-        </p:txBody>
-      </p:sp>
-      <p:pic>
-        <p:nvPicPr>
-          <p:cNvPr id="6" name="図 5">
-            <a:extLst>
-              <a:ext uri="{FF2B5EF4-FFF2-40B4-BE49-F238E27FC236}">
-                <a16:creationId xmlns:a16="http://schemas.microsoft.com/office/drawing/2014/main" id="{0B3990CB-52DF-456D-82A5-66ADDB3153AF}"/>
-              </a:ext>
-            </a:extLst>
-          </p:cNvPr>
-          <p:cNvPicPr>
-            <a:picLocks noChangeAspect="1"/>
-          </p:cNvPicPr>
-          <p:nvPr/>
-        </p:nvPicPr>
-        <p:blipFill>
-          <a:blip r:embed="rId2">
-            <a:extLst>
-              <a:ext uri="{28A0092B-C50C-407E-A947-70E740481C1C}">
-                <a14:useLocalDpi xmlns:a14="http://schemas.microsoft.com/office/drawing/2010/main" val="0"/>
-              </a:ext>
-            </a:extLst>
-          </a:blip>
-          <a:stretch>
-            <a:fillRect/>
-          </a:stretch>
-        </p:blipFill>
-        <p:spPr>
-          <a:xfrm>
-            <a:off x="3203848" y="1720991"/>
-            <a:ext cx="5688632" cy="4566529"/>
-          </a:xfrm>
-          <a:prstGeom prst="rect">
-            <a:avLst/>
-          </a:prstGeom>
-        </p:spPr>
-      </p:pic>
-    </p:spTree>
-    <p:extLst>
-      <p:ext uri="{BB962C8B-B14F-4D97-AF65-F5344CB8AC3E}">
-        <p14:creationId xmlns:p14="http://schemas.microsoft.com/office/powerpoint/2010/main" val="3235654314"/>
-      </p:ext>
-    </p:extLst>
-  </p:cSld>
-  <p:clrMapOvr>
-    <a:masterClrMapping/>
-  </p:clrMapOvr>
-</p:sld>
-</file>
-
-<file path=ppt/slides/slide34.xml><?xml version="1.0" encoding="utf-8"?>
-<p:sld xmlns:a="http://schemas.openxmlformats.org/drawingml/2006/main" xmlns:r="http://schemas.openxmlformats.org/officeDocument/2006/relationships" xmlns:p="http://schemas.openxmlformats.org/presentationml/2006/main">
-  <p:cSld>
-    <p:spTree>
-      <p:nvGrpSpPr>
-        <p:cNvPr id="1" name=""/>
-        <p:cNvGrpSpPr/>
-        <p:nvPr/>
-      </p:nvGrpSpPr>
-      <p:grpSpPr>
-        <a:xfrm>
-          <a:off x="0" y="0"/>
-          <a:ext cx="0" cy="0"/>
-          <a:chOff x="0" y="0"/>
-          <a:chExt cx="0" cy="0"/>
-        </a:xfrm>
-      </p:grpSpPr>
-      <p:sp>
-        <p:nvSpPr>
-          <p:cNvPr id="2" name="コンテンツ プレースホルダー 1">
-            <a:extLst>
-              <a:ext uri="{FF2B5EF4-FFF2-40B4-BE49-F238E27FC236}">
-                <a16:creationId xmlns:a16="http://schemas.microsoft.com/office/drawing/2014/main" id="{3809B6EA-0340-4A09-9C7A-67535D5CB6FB}"/>
-              </a:ext>
-            </a:extLst>
-          </p:cNvPr>
-          <p:cNvSpPr>
-            <a:spLocks noGrp="1"/>
-          </p:cNvSpPr>
-          <p:nvPr>
-            <p:ph idx="1"/>
-          </p:nvPr>
-        </p:nvSpPr>
-        <p:spPr/>
-        <p:txBody>
-          <a:bodyPr/>
-          <a:lstStyle/>
-          <a:p>
-            <a:r>
-              <a:rPr kumimoji="1" lang="en-US" altLang="ja-JP"/>
-              <a:t>HTTP/1.1 Web</a:t>
-            </a:r>
-            <a:r>
-              <a:rPr kumimoji="1" lang="ja-JP" altLang="en-US"/>
-              <a:t>ページを取得する標準プロトコル</a:t>
-            </a:r>
-            <a:r>
-              <a:rPr kumimoji="1" lang="en-US" altLang="ja-JP"/>
-              <a:t>(1997)</a:t>
-            </a:r>
-          </a:p>
-          <a:p>
-            <a:pPr lvl="1"/>
-            <a:r>
-              <a:rPr kumimoji="1" lang="ja-JP" altLang="en-US"/>
-              <a:t>高速通信には向かない</a:t>
-            </a:r>
-            <a:endParaRPr kumimoji="1" lang="en-US" altLang="ja-JP"/>
-          </a:p>
-          <a:p>
-            <a:pPr lvl="1"/>
-            <a:r>
-              <a:rPr kumimoji="1" lang="en-US" altLang="ja-JP"/>
-              <a:t>2012</a:t>
-            </a:r>
-            <a:r>
-              <a:rPr kumimoji="1" lang="ja-JP" altLang="en-US"/>
-              <a:t>年</a:t>
-            </a:r>
-            <a:r>
-              <a:rPr kumimoji="1" lang="en-US" altLang="ja-JP"/>
-              <a:t>Google</a:t>
-            </a:r>
-            <a:r>
-              <a:rPr kumimoji="1" lang="ja-JP" altLang="en-US"/>
-              <a:t>が</a:t>
-            </a:r>
-            <a:r>
-              <a:rPr kumimoji="1" lang="en-US" altLang="ja-JP"/>
-              <a:t>SPDY(</a:t>
-            </a:r>
-            <a:r>
-              <a:rPr kumimoji="1" lang="ja-JP" altLang="en-US"/>
-              <a:t>スピーディー</a:t>
-            </a:r>
-            <a:r>
-              <a:rPr kumimoji="1" lang="en-US" altLang="ja-JP"/>
-              <a:t>)</a:t>
-            </a:r>
-            <a:r>
-              <a:rPr kumimoji="1" lang="ja-JP" altLang="en-US"/>
-              <a:t>を提案→</a:t>
-            </a:r>
-            <a:r>
-              <a:rPr kumimoji="1" lang="en-US" altLang="ja-JP"/>
-              <a:t>HTTP/2</a:t>
-            </a:r>
-            <a:r>
-              <a:rPr kumimoji="1" lang="ja-JP" altLang="en-US"/>
-              <a:t>に標準化</a:t>
-            </a:r>
-            <a:endParaRPr kumimoji="1" lang="en-US" altLang="ja-JP"/>
-          </a:p>
-          <a:p>
-            <a:r>
-              <a:rPr kumimoji="1" lang="ja-JP" altLang="en-US"/>
-              <a:t>特長</a:t>
-            </a:r>
-            <a:endParaRPr kumimoji="1" lang="en-US" altLang="ja-JP"/>
-          </a:p>
-          <a:p>
-            <a:pPr lvl="1"/>
-            <a:r>
-              <a:rPr kumimoji="1" lang="ja-JP" altLang="en-US"/>
-              <a:t>ストリーム</a:t>
-            </a:r>
-            <a:r>
-              <a:rPr kumimoji="1" lang="en-US" altLang="ja-JP"/>
-              <a:t>(</a:t>
-            </a:r>
-            <a:r>
-              <a:rPr kumimoji="1" lang="ja-JP" altLang="en-US"/>
-              <a:t>データ要求と受け取りの仕組み</a:t>
-            </a:r>
-            <a:r>
-              <a:rPr kumimoji="1" lang="en-US" altLang="ja-JP"/>
-              <a:t>) </a:t>
-            </a:r>
-            <a:r>
-              <a:rPr kumimoji="1" lang="ja-JP" altLang="en-US"/>
-              <a:t>の多重化</a:t>
-            </a:r>
-            <a:endParaRPr kumimoji="1" lang="en-US" altLang="ja-JP"/>
-          </a:p>
-          <a:p>
-            <a:pPr lvl="1"/>
-            <a:r>
-              <a:rPr kumimoji="1" lang="ja-JP" altLang="en-US"/>
-              <a:t>テキストベースからバイナリベースへ</a:t>
-            </a:r>
-          </a:p>
-        </p:txBody>
-      </p:sp>
-      <p:sp>
-        <p:nvSpPr>
-          <p:cNvPr id="3" name="スライド番号プレースホルダー 2">
-            <a:extLst>
-              <a:ext uri="{FF2B5EF4-FFF2-40B4-BE49-F238E27FC236}">
-                <a16:creationId xmlns:a16="http://schemas.microsoft.com/office/drawing/2014/main" id="{FDE6556C-B909-4FBA-8951-0773695CF650}"/>
-              </a:ext>
-            </a:extLst>
-          </p:cNvPr>
-          <p:cNvSpPr>
-            <a:spLocks noGrp="1"/>
-          </p:cNvSpPr>
-          <p:nvPr>
-            <p:ph type="sldNum" sz="quarter" idx="12"/>
-          </p:nvPr>
-        </p:nvSpPr>
-        <p:spPr/>
-        <p:txBody>
-          <a:bodyPr/>
-          <a:lstStyle/>
-          <a:p>
-            <a:pPr>
-              <a:defRPr/>
-            </a:pPr>
-            <a:r>
-              <a:rPr lang="en-US" altLang="ja-JP"/>
-              <a:t>    </a:t>
-            </a:r>
-            <a:fld id="{B2782DEB-472A-4FE5-AC34-C17109CF5A91}" type="slidenum">
-              <a:rPr lang="en-US" altLang="ja-JP" smtClean="0"/>
-              <a:pPr>
-                <a:defRPr/>
-              </a:pPr>
-              <a:t>34</a:t>
-            </a:fld>
-            <a:r>
-              <a:rPr lang="en-US" altLang="ja-JP"/>
-              <a:t> / 24</a:t>
-            </a:r>
-          </a:p>
-        </p:txBody>
-      </p:sp>
-      <p:sp>
-        <p:nvSpPr>
-          <p:cNvPr id="4" name="タイトル 3">
-            <a:extLst>
-              <a:ext uri="{FF2B5EF4-FFF2-40B4-BE49-F238E27FC236}">
-                <a16:creationId xmlns:a16="http://schemas.microsoft.com/office/drawing/2014/main" id="{091BDF3D-9260-4091-94C8-6EF7D11EB41F}"/>
-              </a:ext>
-            </a:extLst>
-          </p:cNvPr>
-          <p:cNvSpPr>
-            <a:spLocks noGrp="1"/>
-          </p:cNvSpPr>
-          <p:nvPr>
-            <p:ph type="title"/>
-          </p:nvPr>
-        </p:nvSpPr>
-        <p:spPr/>
-        <p:txBody>
-          <a:bodyPr/>
-          <a:lstStyle/>
-          <a:p>
-            <a:r>
-              <a:rPr kumimoji="1" lang="en-US" altLang="ja-JP"/>
-              <a:t>HTTP/2</a:t>
-            </a:r>
-            <a:endParaRPr kumimoji="1" lang="ja-JP" altLang="en-US"/>
-          </a:p>
-        </p:txBody>
-      </p:sp>
-      <p:pic>
-        <p:nvPicPr>
-          <p:cNvPr id="6" name="図 5">
-            <a:extLst>
-              <a:ext uri="{FF2B5EF4-FFF2-40B4-BE49-F238E27FC236}">
-                <a16:creationId xmlns:a16="http://schemas.microsoft.com/office/drawing/2014/main" id="{CEAC0EA1-11A7-410A-88C4-0F9847C86D33}"/>
-              </a:ext>
-            </a:extLst>
-          </p:cNvPr>
-          <p:cNvPicPr>
-            <a:picLocks noChangeAspect="1"/>
-          </p:cNvPicPr>
-          <p:nvPr/>
-        </p:nvPicPr>
-        <p:blipFill>
-          <a:blip r:embed="rId2">
-            <a:extLst>
-              <a:ext uri="{28A0092B-C50C-407E-A947-70E740481C1C}">
-                <a14:useLocalDpi xmlns:a14="http://schemas.microsoft.com/office/drawing/2010/main" val="0"/>
-              </a:ext>
-            </a:extLst>
-          </a:blip>
-          <a:stretch>
-            <a:fillRect/>
-          </a:stretch>
-        </p:blipFill>
-        <p:spPr>
-          <a:xfrm>
-            <a:off x="1475656" y="3681024"/>
-            <a:ext cx="5760640" cy="3168351"/>
-          </a:xfrm>
-          <a:prstGeom prst="rect">
-            <a:avLst/>
-          </a:prstGeom>
-        </p:spPr>
-      </p:pic>
-    </p:spTree>
-    <p:extLst>
-      <p:ext uri="{BB962C8B-B14F-4D97-AF65-F5344CB8AC3E}">
-        <p14:creationId xmlns:p14="http://schemas.microsoft.com/office/powerpoint/2010/main" val="3482214171"/>
-      </p:ext>
-    </p:extLst>
-  </p:cSld>
-  <p:clrMapOvr>
-    <a:masterClrMapping/>
-  </p:clrMapOvr>
-</p:sld>
-</file>
-
-<file path=ppt/slides/slide35.xml><?xml version="1.0" encoding="utf-8"?>
-<p:sld xmlns:a="http://schemas.openxmlformats.org/drawingml/2006/main" xmlns:r="http://schemas.openxmlformats.org/officeDocument/2006/relationships" xmlns:p="http://schemas.openxmlformats.org/presentationml/2006/main">
-  <p:cSld>
-    <p:spTree>
-      <p:nvGrpSpPr>
-        <p:cNvPr id="1" name=""/>
-        <p:cNvGrpSpPr/>
-        <p:nvPr/>
-      </p:nvGrpSpPr>
-      <p:grpSpPr>
-        <a:xfrm>
-          <a:off x="0" y="0"/>
-          <a:ext cx="0" cy="0"/>
-          <a:chOff x="0" y="0"/>
-          <a:chExt cx="0" cy="0"/>
-        </a:xfrm>
-      </p:grpSpPr>
-      <p:sp>
-        <p:nvSpPr>
-          <p:cNvPr id="2" name="コンテンツ プレースホルダー 1">
-            <a:extLst>
-              <a:ext uri="{FF2B5EF4-FFF2-40B4-BE49-F238E27FC236}">
-                <a16:creationId xmlns:a16="http://schemas.microsoft.com/office/drawing/2014/main" id="{1F382A53-4E6B-4F4D-B6B4-87917EC07DD3}"/>
-              </a:ext>
-            </a:extLst>
-          </p:cNvPr>
-          <p:cNvSpPr>
-            <a:spLocks noGrp="1"/>
-          </p:cNvSpPr>
-          <p:nvPr>
-            <p:ph idx="1"/>
-          </p:nvPr>
-        </p:nvSpPr>
-        <p:spPr/>
-        <p:txBody>
-          <a:bodyPr/>
-          <a:lstStyle/>
-          <a:p>
-            <a:r>
-              <a:rPr kumimoji="1" lang="en-US" altLang="ja-JP"/>
-              <a:t>TCP</a:t>
-            </a:r>
-            <a:r>
-              <a:rPr kumimoji="1" lang="ja-JP" altLang="en-US"/>
-              <a:t>の</a:t>
-            </a:r>
-            <a:r>
-              <a:rPr kumimoji="1" lang="en-US" altLang="ja-JP"/>
-              <a:t>3-way</a:t>
-            </a:r>
-            <a:r>
-              <a:rPr kumimoji="1" lang="ja-JP" altLang="en-US"/>
-              <a:t>ハンドェイク</a:t>
-            </a:r>
-            <a:endParaRPr kumimoji="1" lang="en-US" altLang="ja-JP"/>
-          </a:p>
-          <a:p>
-            <a:endParaRPr lang="en-US" altLang="ja-JP"/>
-          </a:p>
-          <a:p>
-            <a:endParaRPr kumimoji="1" lang="en-US" altLang="ja-JP"/>
-          </a:p>
-          <a:p>
-            <a:endParaRPr lang="en-US" altLang="ja-JP"/>
-          </a:p>
-          <a:p>
-            <a:endParaRPr kumimoji="1" lang="en-US" altLang="ja-JP"/>
-          </a:p>
-          <a:p>
-            <a:pPr lvl="1"/>
-            <a:endParaRPr lang="en-US" altLang="ja-JP"/>
-          </a:p>
-          <a:p>
-            <a:pPr lvl="1"/>
-            <a:r>
-              <a:rPr kumimoji="1" lang="en-US" altLang="ja-JP"/>
-              <a:t>TLS 1.3</a:t>
-            </a:r>
-            <a:r>
-              <a:rPr kumimoji="1" lang="ja-JP" altLang="en-US"/>
-              <a:t>は</a:t>
-            </a:r>
-            <a:r>
-              <a:rPr kumimoji="1" lang="en-US" altLang="ja-JP"/>
-              <a:t>TLS 1.2</a:t>
-            </a:r>
-            <a:r>
-              <a:rPr kumimoji="1" lang="ja-JP" altLang="en-US"/>
-              <a:t>から通信回数削減</a:t>
-            </a:r>
-            <a:endParaRPr kumimoji="1" lang="en-US" altLang="ja-JP"/>
-          </a:p>
-          <a:p>
-            <a:pPr lvl="2"/>
-            <a:r>
-              <a:rPr kumimoji="1" lang="en-US" altLang="ja-JP"/>
-              <a:t>but TCP</a:t>
-            </a:r>
-            <a:r>
-              <a:rPr kumimoji="1" lang="ja-JP" altLang="en-US"/>
-              <a:t>のハンドシェイクは変わらず</a:t>
-            </a:r>
-            <a:endParaRPr kumimoji="1" lang="en-US" altLang="ja-JP"/>
-          </a:p>
-          <a:p>
-            <a:r>
-              <a:rPr kumimoji="1" lang="en-US" altLang="ja-JP"/>
-              <a:t>HOL(Head-Of-Line blocking)</a:t>
-            </a:r>
-            <a:r>
-              <a:rPr kumimoji="1" lang="ja-JP" altLang="en-US"/>
-              <a:t>ブロッキング</a:t>
-            </a:r>
-            <a:endParaRPr kumimoji="1" lang="en-US" altLang="ja-JP"/>
-          </a:p>
-          <a:p>
-            <a:pPr lvl="1"/>
-            <a:r>
-              <a:rPr lang="en-US" altLang="ja-JP"/>
-              <a:t>HTTP/2</a:t>
-            </a:r>
-            <a:r>
-              <a:rPr lang="ja-JP" altLang="en-US"/>
-              <a:t>でストリームの多重化</a:t>
-            </a:r>
-            <a:endParaRPr lang="en-US" altLang="ja-JP"/>
-          </a:p>
-          <a:p>
-            <a:pPr lvl="1"/>
-            <a:r>
-              <a:rPr lang="en-US" altLang="ja-JP"/>
-              <a:t>but TCP</a:t>
-            </a:r>
-            <a:r>
-              <a:rPr lang="ja-JP" altLang="en-US"/>
-              <a:t>パケットの一部が欠損すると</a:t>
-            </a:r>
-            <a:br>
-              <a:rPr lang="en-US" altLang="ja-JP"/>
-            </a:br>
-            <a:r>
-              <a:rPr lang="ja-JP" altLang="en-US"/>
-              <a:t>再送されるまでストリーム全体が止まる</a:t>
-            </a:r>
-            <a:endParaRPr kumimoji="1" lang="ja-JP" altLang="en-US"/>
-          </a:p>
-        </p:txBody>
-      </p:sp>
-      <p:sp>
-        <p:nvSpPr>
-          <p:cNvPr id="3" name="スライド番号プレースホルダー 2">
-            <a:extLst>
-              <a:ext uri="{FF2B5EF4-FFF2-40B4-BE49-F238E27FC236}">
-                <a16:creationId xmlns:a16="http://schemas.microsoft.com/office/drawing/2014/main" id="{54ECBBBD-AD04-42B3-A53F-5A794547AA4A}"/>
-              </a:ext>
-            </a:extLst>
-          </p:cNvPr>
-          <p:cNvSpPr>
-            <a:spLocks noGrp="1"/>
-          </p:cNvSpPr>
-          <p:nvPr>
-            <p:ph type="sldNum" sz="quarter" idx="12"/>
-          </p:nvPr>
-        </p:nvSpPr>
-        <p:spPr/>
-        <p:txBody>
-          <a:bodyPr/>
-          <a:lstStyle/>
-          <a:p>
-            <a:pPr>
-              <a:defRPr/>
-            </a:pPr>
-            <a:r>
-              <a:rPr lang="en-US" altLang="ja-JP"/>
-              <a:t>    </a:t>
-            </a:r>
-            <a:fld id="{B2782DEB-472A-4FE5-AC34-C17109CF5A91}" type="slidenum">
-              <a:rPr lang="en-US" altLang="ja-JP" smtClean="0"/>
-              <a:pPr>
-                <a:defRPr/>
-              </a:pPr>
-              <a:t>35</a:t>
-            </a:fld>
-            <a:r>
-              <a:rPr lang="en-US" altLang="ja-JP"/>
-              <a:t> / 24</a:t>
-            </a:r>
-          </a:p>
-        </p:txBody>
-      </p:sp>
-      <p:sp>
-        <p:nvSpPr>
-          <p:cNvPr id="4" name="タイトル 3">
-            <a:extLst>
-              <a:ext uri="{FF2B5EF4-FFF2-40B4-BE49-F238E27FC236}">
-                <a16:creationId xmlns:a16="http://schemas.microsoft.com/office/drawing/2014/main" id="{0295F400-0AAB-4844-9DD5-81E0C519F7A6}"/>
-              </a:ext>
-            </a:extLst>
-          </p:cNvPr>
-          <p:cNvSpPr>
-            <a:spLocks noGrp="1"/>
-          </p:cNvSpPr>
-          <p:nvPr>
-            <p:ph type="title"/>
-          </p:nvPr>
-        </p:nvSpPr>
-        <p:spPr/>
-        <p:txBody>
-          <a:bodyPr/>
-          <a:lstStyle/>
-          <a:p>
-            <a:r>
-              <a:rPr lang="en-US" altLang="ja-JP"/>
-              <a:t>TCP</a:t>
-            </a:r>
-            <a:r>
-              <a:rPr lang="ja-JP" altLang="en-US"/>
-              <a:t>と</a:t>
-            </a:r>
-            <a:r>
-              <a:rPr lang="en-US" altLang="ja-JP"/>
-              <a:t>UDP</a:t>
-            </a:r>
-            <a:r>
-              <a:rPr lang="ja-JP" altLang="en-US"/>
-              <a:t>の接続が始まるまで</a:t>
-            </a:r>
-            <a:endParaRPr kumimoji="1" lang="ja-JP" altLang="en-US"/>
-          </a:p>
-        </p:txBody>
-      </p:sp>
-      <p:pic>
-        <p:nvPicPr>
-          <p:cNvPr id="6" name="図 5">
-            <a:extLst>
-              <a:ext uri="{FF2B5EF4-FFF2-40B4-BE49-F238E27FC236}">
-                <a16:creationId xmlns:a16="http://schemas.microsoft.com/office/drawing/2014/main" id="{2C70979B-6012-46C5-ADE0-1D2473E8D04A}"/>
-              </a:ext>
-            </a:extLst>
-          </p:cNvPr>
-          <p:cNvPicPr>
-            <a:picLocks noChangeAspect="1"/>
-          </p:cNvPicPr>
-          <p:nvPr/>
-        </p:nvPicPr>
-        <p:blipFill>
-          <a:blip r:embed="rId2">
-            <a:extLst>
-              <a:ext uri="{28A0092B-C50C-407E-A947-70E740481C1C}">
-                <a14:useLocalDpi xmlns:a14="http://schemas.microsoft.com/office/drawing/2010/main" val="0"/>
-              </a:ext>
-            </a:extLst>
-          </a:blip>
-          <a:stretch>
-            <a:fillRect/>
-          </a:stretch>
-        </p:blipFill>
-        <p:spPr>
-          <a:xfrm>
-            <a:off x="1115615" y="1196752"/>
-            <a:ext cx="6105025" cy="2808312"/>
-          </a:xfrm>
-          <a:prstGeom prst="rect">
-            <a:avLst/>
-          </a:prstGeom>
-        </p:spPr>
-      </p:pic>
-    </p:spTree>
-    <p:extLst>
-      <p:ext uri="{BB962C8B-B14F-4D97-AF65-F5344CB8AC3E}">
-        <p14:creationId xmlns:p14="http://schemas.microsoft.com/office/powerpoint/2010/main" val="681690321"/>
-      </p:ext>
-    </p:extLst>
-  </p:cSld>
-  <p:clrMapOvr>
-    <a:masterClrMapping/>
-  </p:clrMapOvr>
-</p:sld>
-</file>
-
-<file path=ppt/slides/slide36.xml><?xml version="1.0" encoding="utf-8"?>
-<p:sld xmlns:a="http://schemas.openxmlformats.org/drawingml/2006/main" xmlns:r="http://schemas.openxmlformats.org/officeDocument/2006/relationships" xmlns:p="http://schemas.openxmlformats.org/presentationml/2006/main">
-  <p:cSld>
-    <p:spTree>
-      <p:nvGrpSpPr>
-        <p:cNvPr id="1" name=""/>
-        <p:cNvGrpSpPr/>
-        <p:nvPr/>
-      </p:nvGrpSpPr>
-      <p:grpSpPr>
-        <a:xfrm>
-          <a:off x="0" y="0"/>
-          <a:ext cx="0" cy="0"/>
-          <a:chOff x="0" y="0"/>
-          <a:chExt cx="0" cy="0"/>
-        </a:xfrm>
-      </p:grpSpPr>
-      <p:sp>
-        <p:nvSpPr>
-          <p:cNvPr id="2" name="コンテンツ プレースホルダー 1">
-            <a:extLst>
-              <a:ext uri="{FF2B5EF4-FFF2-40B4-BE49-F238E27FC236}">
-                <a16:creationId xmlns:a16="http://schemas.microsoft.com/office/drawing/2014/main" id="{8E922195-4483-4101-B52E-957CD6BBF033}"/>
-              </a:ext>
-            </a:extLst>
-          </p:cNvPr>
-          <p:cNvSpPr>
-            <a:spLocks noGrp="1"/>
-          </p:cNvSpPr>
-          <p:nvPr>
-            <p:ph idx="1"/>
-          </p:nvPr>
-        </p:nvSpPr>
-        <p:spPr/>
-        <p:txBody>
-          <a:bodyPr/>
-          <a:lstStyle/>
-          <a:p>
-            <a:r>
-              <a:rPr kumimoji="1" lang="ja-JP" altLang="en-US"/>
-              <a:t>通信開始</a:t>
-            </a:r>
-            <a:endParaRPr kumimoji="1" lang="en-US" altLang="ja-JP"/>
-          </a:p>
-          <a:p>
-            <a:pPr lvl="1"/>
-            <a:r>
-              <a:rPr kumimoji="1" lang="en-US" altLang="ja-JP"/>
-              <a:t>TCP</a:t>
-            </a:r>
-            <a:r>
-              <a:rPr kumimoji="1" lang="ja-JP" altLang="en-US"/>
-              <a:t>における</a:t>
-            </a:r>
-            <a:r>
-              <a:rPr kumimoji="1" lang="en-US" altLang="ja-JP"/>
-              <a:t>3-way</a:t>
-            </a:r>
-            <a:r>
-              <a:rPr kumimoji="1" lang="ja-JP" altLang="en-US"/>
-              <a:t>ハンドシェイクと</a:t>
-            </a:r>
-            <a:r>
-              <a:rPr kumimoji="1" lang="en-US" altLang="ja-JP"/>
-              <a:t>TLS</a:t>
-            </a:r>
-            <a:r>
-              <a:rPr kumimoji="1" lang="ja-JP" altLang="en-US"/>
-              <a:t>の</a:t>
-            </a:r>
-            <a:r>
-              <a:rPr kumimoji="1" lang="en-US" altLang="ja-JP"/>
-              <a:t>Client/ServerHello</a:t>
-            </a:r>
-          </a:p>
-          <a:p>
-            <a:r>
-              <a:rPr kumimoji="1" lang="ja-JP" altLang="en-US"/>
-              <a:t>信頼性</a:t>
-            </a:r>
-            <a:endParaRPr kumimoji="1" lang="en-US" altLang="ja-JP"/>
-          </a:p>
-          <a:p>
-            <a:pPr lvl="1"/>
-            <a:r>
-              <a:rPr lang="en-US" altLang="ja-JP"/>
-              <a:t>TCP</a:t>
-            </a:r>
-            <a:r>
-              <a:rPr lang="ja-JP" altLang="en-US"/>
-              <a:t>のチェックサムと</a:t>
-            </a:r>
-            <a:r>
-              <a:rPr kumimoji="1" lang="en-US" altLang="ja-JP"/>
-              <a:t>TLS</a:t>
-            </a:r>
-            <a:r>
-              <a:rPr kumimoji="1" lang="ja-JP" altLang="en-US"/>
-              <a:t>の</a:t>
-            </a:r>
-            <a:r>
-              <a:rPr kumimoji="1" lang="en-US" altLang="ja-JP"/>
-              <a:t>AEAD</a:t>
-            </a:r>
-          </a:p>
-          <a:p>
-            <a:r>
-              <a:rPr lang="en-US" altLang="ja-JP"/>
-              <a:t>QUIC ; </a:t>
-            </a:r>
-            <a:r>
-              <a:rPr kumimoji="1" lang="en-US" altLang="ja-JP"/>
-              <a:t>2012</a:t>
-            </a:r>
-            <a:r>
-              <a:rPr kumimoji="1" lang="ja-JP" altLang="en-US"/>
-              <a:t>頃から</a:t>
-            </a:r>
-            <a:r>
-              <a:rPr kumimoji="1" lang="en-US" altLang="ja-JP"/>
-              <a:t>Google</a:t>
-            </a:r>
-            <a:r>
-              <a:rPr kumimoji="1" lang="ja-JP" altLang="en-US"/>
-              <a:t>が提唱</a:t>
-            </a:r>
-            <a:endParaRPr kumimoji="1" lang="en-US" altLang="ja-JP"/>
-          </a:p>
-          <a:p>
-            <a:pPr lvl="1"/>
-            <a:r>
-              <a:rPr lang="en-US" altLang="ja-JP"/>
-              <a:t>TCP</a:t>
-            </a:r>
-            <a:r>
-              <a:rPr lang="ja-JP" altLang="en-US"/>
-              <a:t>ベースから</a:t>
-            </a:r>
-            <a:r>
-              <a:rPr lang="en-US" altLang="ja-JP"/>
-              <a:t>UDP</a:t>
-            </a:r>
-            <a:r>
-              <a:rPr lang="ja-JP" altLang="en-US"/>
-              <a:t>ベースへ</a:t>
-            </a:r>
-            <a:endParaRPr lang="en-US" altLang="ja-JP"/>
-          </a:p>
-          <a:p>
-            <a:pPr lvl="2"/>
-            <a:r>
-              <a:rPr kumimoji="1" lang="ja-JP" altLang="en-US"/>
-              <a:t>データ欠損などは</a:t>
-            </a:r>
-            <a:r>
-              <a:rPr kumimoji="1" lang="en-US" altLang="ja-JP"/>
-              <a:t>QUIC</a:t>
-            </a:r>
-            <a:r>
-              <a:rPr kumimoji="1" lang="ja-JP" altLang="en-US"/>
-              <a:t>のレイヤで保証</a:t>
-            </a:r>
-            <a:endParaRPr kumimoji="1" lang="en-US" altLang="ja-JP"/>
-          </a:p>
-          <a:p>
-            <a:pPr lvl="1"/>
-            <a:r>
-              <a:rPr kumimoji="1" lang="ja-JP" altLang="en-US"/>
-              <a:t>コネクションを</a:t>
-            </a:r>
-            <a:r>
-              <a:rPr kumimoji="1" lang="en-US" altLang="ja-JP"/>
-              <a:t>Connection ID</a:t>
-            </a:r>
-            <a:r>
-              <a:rPr kumimoji="1" lang="ja-JP" altLang="en-US"/>
-              <a:t>と呼ばれる識別子で管理</a:t>
-            </a:r>
-            <a:endParaRPr kumimoji="1" lang="en-US" altLang="ja-JP"/>
-          </a:p>
-          <a:p>
-            <a:pPr lvl="2"/>
-            <a:r>
-              <a:rPr kumimoji="1" lang="ja-JP" altLang="en-US"/>
-              <a:t>複数のストリームを持つ・ストリームごとに独立</a:t>
-            </a:r>
-            <a:endParaRPr kumimoji="1" lang="en-US" altLang="ja-JP"/>
-          </a:p>
-          <a:p>
-            <a:pPr lvl="1"/>
-            <a:r>
-              <a:rPr kumimoji="1" lang="ja-JP" altLang="en-US"/>
-              <a:t>コネクションマイグレーション</a:t>
-            </a:r>
-            <a:endParaRPr kumimoji="1" lang="en-US" altLang="ja-JP"/>
-          </a:p>
-          <a:p>
-            <a:pPr lvl="2"/>
-            <a:r>
-              <a:rPr kumimoji="1" lang="en-US" altLang="ja-JP"/>
-              <a:t>IP</a:t>
-            </a:r>
-            <a:r>
-              <a:rPr kumimoji="1" lang="ja-JP" altLang="en-US"/>
-              <a:t>アドレスが変わってもハンドシェイクのやり直しが不要</a:t>
-            </a:r>
-            <a:endParaRPr kumimoji="1" lang="en-US" altLang="ja-JP"/>
-          </a:p>
-          <a:p>
-            <a:pPr lvl="1"/>
-            <a:r>
-              <a:rPr kumimoji="1" lang="ja-JP" altLang="en-US"/>
-              <a:t>ユーザアプリケーション</a:t>
-            </a:r>
-            <a:r>
-              <a:rPr kumimoji="1" lang="en-US" altLang="ja-JP"/>
-              <a:t>(</a:t>
-            </a:r>
-            <a:r>
-              <a:rPr kumimoji="1" lang="ja-JP" altLang="en-US"/>
-              <a:t>ライブラリ</a:t>
-            </a:r>
-            <a:r>
-              <a:rPr kumimoji="1" lang="en-US" altLang="ja-JP"/>
-              <a:t>)</a:t>
-            </a:r>
-            <a:r>
-              <a:rPr kumimoji="1" lang="ja-JP" altLang="en-US"/>
-              <a:t>で改良</a:t>
-            </a:r>
-            <a:endParaRPr kumimoji="1" lang="en-US" altLang="ja-JP"/>
-          </a:p>
-          <a:p>
-            <a:pPr lvl="2"/>
-            <a:r>
-              <a:rPr lang="en-US" altLang="ja-JP"/>
-              <a:t>TCP</a:t>
-            </a:r>
-            <a:r>
-              <a:rPr lang="ja-JP" altLang="en-US"/>
-              <a:t>は</a:t>
-            </a:r>
-            <a:r>
-              <a:rPr lang="en-US" altLang="ja-JP"/>
-              <a:t>OS</a:t>
-            </a:r>
-            <a:r>
-              <a:rPr lang="ja-JP" altLang="en-US"/>
-              <a:t>の仕事だったので改良・実験しづらい</a:t>
-            </a:r>
-            <a:endParaRPr kumimoji="1" lang="ja-JP" altLang="en-US"/>
-          </a:p>
-        </p:txBody>
-      </p:sp>
-      <p:sp>
-        <p:nvSpPr>
-          <p:cNvPr id="3" name="スライド番号プレースホルダー 2">
-            <a:extLst>
-              <a:ext uri="{FF2B5EF4-FFF2-40B4-BE49-F238E27FC236}">
-                <a16:creationId xmlns:a16="http://schemas.microsoft.com/office/drawing/2014/main" id="{44BDDE7B-2929-4B4F-BB57-51FEE1C9A22E}"/>
-              </a:ext>
-            </a:extLst>
-          </p:cNvPr>
-          <p:cNvSpPr>
-            <a:spLocks noGrp="1"/>
-          </p:cNvSpPr>
-          <p:nvPr>
-            <p:ph type="sldNum" sz="quarter" idx="12"/>
-          </p:nvPr>
-        </p:nvSpPr>
-        <p:spPr/>
-        <p:txBody>
-          <a:bodyPr/>
-          <a:lstStyle/>
-          <a:p>
-            <a:pPr>
-              <a:defRPr/>
-            </a:pPr>
-            <a:r>
-              <a:rPr lang="en-US" altLang="ja-JP"/>
-              <a:t>    </a:t>
-            </a:r>
-            <a:fld id="{B2782DEB-472A-4FE5-AC34-C17109CF5A91}" type="slidenum">
-              <a:rPr lang="en-US" altLang="ja-JP" smtClean="0"/>
-              <a:pPr>
-                <a:defRPr/>
-              </a:pPr>
-              <a:t>36</a:t>
-            </a:fld>
-            <a:r>
-              <a:rPr lang="en-US" altLang="ja-JP"/>
-              <a:t> / 24</a:t>
-            </a:r>
-          </a:p>
-        </p:txBody>
-      </p:sp>
-      <p:sp>
-        <p:nvSpPr>
-          <p:cNvPr id="4" name="タイトル 3">
-            <a:extLst>
-              <a:ext uri="{FF2B5EF4-FFF2-40B4-BE49-F238E27FC236}">
-                <a16:creationId xmlns:a16="http://schemas.microsoft.com/office/drawing/2014/main" id="{CF805071-9851-44F9-A40F-4905669F99F4}"/>
-              </a:ext>
-            </a:extLst>
-          </p:cNvPr>
-          <p:cNvSpPr>
-            <a:spLocks noGrp="1"/>
-          </p:cNvSpPr>
-          <p:nvPr>
-            <p:ph type="title"/>
-          </p:nvPr>
-        </p:nvSpPr>
-        <p:spPr/>
-        <p:txBody>
-          <a:bodyPr/>
-          <a:lstStyle/>
-          <a:p>
-            <a:r>
-              <a:rPr kumimoji="1" lang="ja-JP" altLang="en-US"/>
-              <a:t>冗長性を排除した</a:t>
-            </a:r>
-            <a:r>
-              <a:rPr kumimoji="1" lang="en-US" altLang="ja-JP"/>
-              <a:t>QUIC</a:t>
-            </a:r>
-            <a:endParaRPr kumimoji="1" lang="ja-JP" altLang="en-US"/>
+              <a:t> / 29</a:t>
+            </a:r>
           </a:p>
         </p:txBody>
       </p:sp>
     </p:spTree>
     <p:extLst>
       <p:ext uri="{BB962C8B-B14F-4D97-AF65-F5344CB8AC3E}">
-        <p14:creationId xmlns:p14="http://schemas.microsoft.com/office/powerpoint/2010/main" val="721074080"/>
-      </p:ext>
-    </p:extLst>
-  </p:cSld>
-  <p:clrMapOvr>
-    <a:masterClrMapping/>
-  </p:clrMapOvr>
-</p:sld>
-</file>
-
-<file path=ppt/slides/slide37.xml><?xml version="1.0" encoding="utf-8"?>
-<p:sld xmlns:a="http://schemas.openxmlformats.org/drawingml/2006/main" xmlns:r="http://schemas.openxmlformats.org/officeDocument/2006/relationships" xmlns:p="http://schemas.openxmlformats.org/presentationml/2006/main">
-  <p:cSld>
-    <p:spTree>
-      <p:nvGrpSpPr>
-        <p:cNvPr id="1" name=""/>
-        <p:cNvGrpSpPr/>
-        <p:nvPr/>
-      </p:nvGrpSpPr>
-      <p:grpSpPr>
-        <a:xfrm>
-          <a:off x="0" y="0"/>
-          <a:ext cx="0" cy="0"/>
-          <a:chOff x="0" y="0"/>
-          <a:chExt cx="0" cy="0"/>
-        </a:xfrm>
-      </p:grpSpPr>
-      <p:sp>
-        <p:nvSpPr>
-          <p:cNvPr id="2" name="コンテンツ プレースホルダー 1">
-            <a:extLst>
-              <a:ext uri="{FF2B5EF4-FFF2-40B4-BE49-F238E27FC236}">
-                <a16:creationId xmlns:a16="http://schemas.microsoft.com/office/drawing/2014/main" id="{BAF9B325-EBC6-4F93-9F82-8961F2E4B288}"/>
-              </a:ext>
-            </a:extLst>
-          </p:cNvPr>
-          <p:cNvSpPr>
-            <a:spLocks noGrp="1"/>
-          </p:cNvSpPr>
-          <p:nvPr>
-            <p:ph idx="1"/>
-          </p:nvPr>
-        </p:nvSpPr>
-        <p:spPr/>
-        <p:txBody>
-          <a:bodyPr/>
-          <a:lstStyle/>
-          <a:p>
-            <a:r>
-              <a:rPr kumimoji="1" lang="en-US" altLang="ja-JP"/>
-              <a:t>QUIC</a:t>
-            </a:r>
-            <a:r>
-              <a:rPr kumimoji="1" lang="ja-JP" altLang="en-US"/>
-              <a:t>の標準化</a:t>
-            </a:r>
-            <a:r>
-              <a:rPr kumimoji="1" lang="en-US" altLang="ja-JP"/>
-              <a:t>(2018)</a:t>
-            </a:r>
-          </a:p>
-          <a:p>
-            <a:pPr lvl="1"/>
-            <a:r>
-              <a:rPr lang="en-US" altLang="ja-JP"/>
-              <a:t>HTTP/2</a:t>
-            </a:r>
-            <a:r>
-              <a:rPr lang="ja-JP" altLang="en-US"/>
-              <a:t>ベースに</a:t>
-            </a:r>
-            <a:r>
-              <a:rPr lang="en-US" altLang="ja-JP"/>
-              <a:t>TLS 1.3</a:t>
-            </a:r>
-            <a:r>
-              <a:rPr lang="ja-JP" altLang="en-US"/>
-              <a:t>で秘匿性と完全性を担保</a:t>
-            </a:r>
-            <a:endParaRPr lang="en-US" altLang="ja-JP"/>
-          </a:p>
-          <a:p>
-            <a:pPr lvl="1"/>
-            <a:r>
-              <a:rPr kumimoji="1" lang="en-US" altLang="ja-JP"/>
-              <a:t>TCP</a:t>
-            </a:r>
-            <a:r>
-              <a:rPr kumimoji="1" lang="ja-JP" altLang="en-US"/>
-              <a:t>から</a:t>
-            </a:r>
-            <a:r>
-              <a:rPr kumimoji="1" lang="en-US" altLang="ja-JP"/>
-              <a:t>UDP(443)</a:t>
-            </a:r>
-            <a:r>
-              <a:rPr kumimoji="1" lang="ja-JP" altLang="en-US"/>
-              <a:t>へ変更することにより通信の高速化</a:t>
-            </a:r>
-            <a:endParaRPr kumimoji="1" lang="en-US" altLang="ja-JP"/>
-          </a:p>
-          <a:p>
-            <a:r>
-              <a:rPr lang="en-US" altLang="ja-JP"/>
-              <a:t>QUIC</a:t>
-            </a:r>
-            <a:r>
-              <a:rPr lang="ja-JP" altLang="en-US"/>
-              <a:t>と</a:t>
-            </a:r>
-            <a:r>
-              <a:rPr lang="en-US" altLang="ja-JP"/>
-              <a:t>TLS</a:t>
-            </a:r>
-            <a:r>
-              <a:rPr lang="ja-JP" altLang="en-US"/>
-              <a:t>の役割分担</a:t>
-            </a:r>
-            <a:endParaRPr lang="en-US" altLang="ja-JP"/>
-          </a:p>
-          <a:p>
-            <a:pPr lvl="1"/>
-            <a:r>
-              <a:rPr lang="en-US" altLang="ja-JP"/>
-              <a:t>TLS</a:t>
-            </a:r>
-            <a:r>
-              <a:rPr lang="ja-JP" altLang="en-US"/>
-              <a:t>と</a:t>
-            </a:r>
-            <a:r>
-              <a:rPr lang="en-US" altLang="ja-JP"/>
-              <a:t>QUIC</a:t>
-            </a:r>
-            <a:r>
-              <a:rPr lang="ja-JP" altLang="en-US"/>
-              <a:t>の両方で暗号機能が重複</a:t>
-            </a:r>
-            <a:endParaRPr kumimoji="1" lang="en-US" altLang="ja-JP"/>
-          </a:p>
-          <a:p>
-            <a:pPr lvl="1"/>
-            <a:r>
-              <a:rPr kumimoji="1" lang="en-US" altLang="ja-JP"/>
-              <a:t>TLS</a:t>
-            </a:r>
-            <a:r>
-              <a:rPr kumimoji="1" lang="ja-JP" altLang="en-US"/>
-              <a:t>が鍵を交換し認証するハンドシェイクに専念</a:t>
-            </a:r>
-            <a:endParaRPr kumimoji="1" lang="en-US" altLang="ja-JP"/>
-          </a:p>
-          <a:p>
-            <a:pPr lvl="1"/>
-            <a:r>
-              <a:rPr lang="en-US" altLang="ja-JP"/>
-              <a:t>QUIC</a:t>
-            </a:r>
-            <a:r>
-              <a:rPr lang="ja-JP" altLang="en-US"/>
-              <a:t>が</a:t>
-            </a:r>
-            <a:r>
-              <a:rPr lang="en-US" altLang="ja-JP"/>
-              <a:t>TLS</a:t>
-            </a:r>
-            <a:r>
-              <a:rPr lang="ja-JP" altLang="en-US"/>
-              <a:t>の暗号化機能を利用</a:t>
-            </a:r>
-            <a:endParaRPr kumimoji="1" lang="ja-JP" altLang="en-US"/>
-          </a:p>
-        </p:txBody>
-      </p:sp>
-      <p:sp>
-        <p:nvSpPr>
-          <p:cNvPr id="3" name="スライド番号プレースホルダー 2">
-            <a:extLst>
-              <a:ext uri="{FF2B5EF4-FFF2-40B4-BE49-F238E27FC236}">
-                <a16:creationId xmlns:a16="http://schemas.microsoft.com/office/drawing/2014/main" id="{B0CEB7B3-03FB-4D67-9358-9EC9ED9EB72B}"/>
-              </a:ext>
-            </a:extLst>
-          </p:cNvPr>
-          <p:cNvSpPr>
-            <a:spLocks noGrp="1"/>
-          </p:cNvSpPr>
-          <p:nvPr>
-            <p:ph type="sldNum" sz="quarter" idx="12"/>
-          </p:nvPr>
-        </p:nvSpPr>
-        <p:spPr/>
-        <p:txBody>
-          <a:bodyPr/>
-          <a:lstStyle/>
-          <a:p>
-            <a:pPr>
-              <a:defRPr/>
-            </a:pPr>
-            <a:r>
-              <a:rPr lang="en-US" altLang="ja-JP"/>
-              <a:t>    </a:t>
-            </a:r>
-            <a:fld id="{B2782DEB-472A-4FE5-AC34-C17109CF5A91}" type="slidenum">
-              <a:rPr lang="en-US" altLang="ja-JP" smtClean="0"/>
-              <a:pPr>
-                <a:defRPr/>
-              </a:pPr>
-              <a:t>37</a:t>
-            </a:fld>
-            <a:r>
-              <a:rPr lang="en-US" altLang="ja-JP"/>
-              <a:t> / 24</a:t>
-            </a:r>
-          </a:p>
-        </p:txBody>
-      </p:sp>
-      <p:sp>
-        <p:nvSpPr>
-          <p:cNvPr id="4" name="タイトル 3">
-            <a:extLst>
-              <a:ext uri="{FF2B5EF4-FFF2-40B4-BE49-F238E27FC236}">
-                <a16:creationId xmlns:a16="http://schemas.microsoft.com/office/drawing/2014/main" id="{A143BFF9-03DE-4876-888F-ACB1189214E7}"/>
-              </a:ext>
-            </a:extLst>
-          </p:cNvPr>
-          <p:cNvSpPr>
-            <a:spLocks noGrp="1"/>
-          </p:cNvSpPr>
-          <p:nvPr>
-            <p:ph type="title"/>
-          </p:nvPr>
-        </p:nvSpPr>
-        <p:spPr/>
-        <p:txBody>
-          <a:bodyPr/>
-          <a:lstStyle/>
-          <a:p>
-            <a:r>
-              <a:rPr kumimoji="1" lang="en-US" altLang="ja-JP"/>
-              <a:t>HTTP/3</a:t>
-            </a:r>
-            <a:endParaRPr kumimoji="1" lang="ja-JP" altLang="en-US"/>
-          </a:p>
-        </p:txBody>
-      </p:sp>
-      <p:pic>
-        <p:nvPicPr>
-          <p:cNvPr id="6" name="図 5">
-            <a:extLst>
-              <a:ext uri="{FF2B5EF4-FFF2-40B4-BE49-F238E27FC236}">
-                <a16:creationId xmlns:a16="http://schemas.microsoft.com/office/drawing/2014/main" id="{E466A094-0804-4357-9BBD-A13A4947D533}"/>
-              </a:ext>
-            </a:extLst>
-          </p:cNvPr>
-          <p:cNvPicPr>
-            <a:picLocks noChangeAspect="1"/>
-          </p:cNvPicPr>
-          <p:nvPr/>
-        </p:nvPicPr>
-        <p:blipFill>
-          <a:blip r:embed="rId2">
-            <a:extLst>
-              <a:ext uri="{28A0092B-C50C-407E-A947-70E740481C1C}">
-                <a14:useLocalDpi xmlns:a14="http://schemas.microsoft.com/office/drawing/2010/main" val="0"/>
-              </a:ext>
-            </a:extLst>
-          </a:blip>
-          <a:stretch>
-            <a:fillRect/>
-          </a:stretch>
-        </p:blipFill>
-        <p:spPr>
-          <a:xfrm>
-            <a:off x="1619671" y="4077073"/>
-            <a:ext cx="5773161" cy="2655654"/>
-          </a:xfrm>
-          <a:prstGeom prst="rect">
-            <a:avLst/>
-          </a:prstGeom>
-        </p:spPr>
-      </p:pic>
-    </p:spTree>
-    <p:extLst>
-      <p:ext uri="{BB962C8B-B14F-4D97-AF65-F5344CB8AC3E}">
-        <p14:creationId xmlns:p14="http://schemas.microsoft.com/office/powerpoint/2010/main" val="2206706828"/>
-      </p:ext>
-    </p:extLst>
-  </p:cSld>
-  <p:clrMapOvr>
-    <a:masterClrMapping/>
-  </p:clrMapOvr>
-</p:sld>
-</file>
-
-<file path=ppt/slides/slide38.xml><?xml version="1.0" encoding="utf-8"?>
-<p:sld xmlns:a="http://schemas.openxmlformats.org/drawingml/2006/main" xmlns:r="http://schemas.openxmlformats.org/officeDocument/2006/relationships" xmlns:p="http://schemas.openxmlformats.org/presentationml/2006/main">
-  <p:cSld>
-    <p:spTree>
-      <p:nvGrpSpPr>
-        <p:cNvPr id="1" name=""/>
-        <p:cNvGrpSpPr/>
-        <p:nvPr/>
-      </p:nvGrpSpPr>
-      <p:grpSpPr>
-        <a:xfrm>
-          <a:off x="0" y="0"/>
-          <a:ext cx="0" cy="0"/>
-          <a:chOff x="0" y="0"/>
-          <a:chExt cx="0" cy="0"/>
-        </a:xfrm>
-      </p:grpSpPr>
-      <mc:AlternateContent xmlns:mc="http://schemas.openxmlformats.org/markup-compatibility/2006">
-        <mc:Choice xmlns:a14="http://schemas.microsoft.com/office/drawing/2010/main" Requires="a14">
-          <p:sp>
-            <p:nvSpPr>
-              <p:cNvPr id="2" name="コンテンツ プレースホルダー 1">
-                <a:extLst>
-                  <a:ext uri="{FF2B5EF4-FFF2-40B4-BE49-F238E27FC236}">
-                    <a16:creationId xmlns:a16="http://schemas.microsoft.com/office/drawing/2014/main" id="{4122EBAB-6212-4D8C-885D-AE01D5864943}"/>
-                  </a:ext>
-                </a:extLst>
-              </p:cNvPr>
-              <p:cNvSpPr>
-                <a:spLocks noGrp="1"/>
-              </p:cNvSpPr>
-              <p:nvPr>
-                <p:ph idx="1"/>
-              </p:nvPr>
-            </p:nvSpPr>
-            <p:spPr>
-              <a:xfrm>
-                <a:off x="0" y="684552"/>
-                <a:ext cx="9144000" cy="5868648"/>
-              </a:xfrm>
-            </p:spPr>
-            <p:txBody>
-              <a:bodyPr/>
-              <a:lstStyle/>
-              <a:p>
-                <a:r>
-                  <a:rPr kumimoji="1" lang="en-US" altLang="ja-JP"/>
-                  <a:t>IEEE 80.211, 2021</a:t>
-                </a:r>
-                <a:r>
-                  <a:rPr kumimoji="1" lang="ja-JP" altLang="en-US"/>
-                  <a:t>年現在</a:t>
-                </a:r>
-                <a:r>
-                  <a:rPr kumimoji="1" lang="en-US" altLang="ja-JP"/>
-                  <a:t>IEEE 802.11ax (Wi-Fi 6)</a:t>
-                </a:r>
-                <a:r>
-                  <a:rPr kumimoji="1" lang="ja-JP" altLang="en-US"/>
-                  <a:t>が最新</a:t>
-                </a:r>
-                <a:endParaRPr kumimoji="1" lang="en-US" altLang="ja-JP"/>
-              </a:p>
-              <a:p>
-                <a:pPr lvl="1"/>
-                <a:r>
-                  <a:rPr kumimoji="1" lang="en-US" altLang="ja-JP"/>
-                  <a:t>Wi-Fi</a:t>
-                </a:r>
-                <a:r>
-                  <a:rPr kumimoji="1" lang="ja-JP" altLang="en-US"/>
-                  <a:t>は</a:t>
-                </a:r>
-                <a:r>
-                  <a:rPr kumimoji="1" lang="en-US" altLang="ja-JP"/>
-                  <a:t>WiFi Aliance</a:t>
-                </a:r>
-                <a:r>
-                  <a:rPr kumimoji="1" lang="ja-JP" altLang="en-US"/>
-                  <a:t>の登録商標</a:t>
-                </a:r>
-                <a:endParaRPr kumimoji="1" lang="en-US" altLang="ja-JP"/>
-              </a:p>
-              <a:p>
-                <a:r>
-                  <a:rPr kumimoji="1" lang="ja-JP" altLang="en-US"/>
-                  <a:t>無線</a:t>
-                </a:r>
-                <a:r>
-                  <a:rPr kumimoji="1" lang="en-US" altLang="ja-JP"/>
-                  <a:t>LAN</a:t>
-                </a:r>
-                <a:r>
-                  <a:rPr kumimoji="1" lang="ja-JP" altLang="en-US"/>
-                  <a:t>のアクセスポイント</a:t>
-                </a:r>
-                <a:endParaRPr kumimoji="1" lang="en-US" altLang="ja-JP"/>
-              </a:p>
-              <a:p>
-                <a:pPr lvl="1"/>
-                <a:r>
-                  <a:rPr kumimoji="1" lang="ja-JP" altLang="en-US"/>
-                  <a:t>無線</a:t>
-                </a:r>
-                <a:r>
-                  <a:rPr kumimoji="1" lang="en-US" altLang="ja-JP"/>
-                  <a:t>LAN</a:t>
-                </a:r>
-                <a:r>
-                  <a:rPr kumimoji="1" lang="ja-JP" altLang="en-US"/>
-                  <a:t>の</a:t>
-                </a:r>
-                <a:r>
-                  <a:rPr kumimoji="1" lang="en-US" altLang="ja-JP"/>
-                  <a:t>IEEE802.11</a:t>
-                </a:r>
-                <a:r>
-                  <a:rPr kumimoji="1" lang="ja-JP" altLang="en-US"/>
-                  <a:t>フレーム</a:t>
-                </a:r>
-                <a14:m>
-                  <m:oMath xmlns:m="http://schemas.openxmlformats.org/officeDocument/2006/math">
-                    <m:r>
-                      <a:rPr kumimoji="1" lang="en-US" altLang="ja-JP" b="0" i="1" smtClean="0">
-                        <a:latin typeface="Cambria Math" panose="02040503050406030204" pitchFamily="18" charset="0"/>
-                      </a:rPr>
-                      <m:t>⇔</m:t>
-                    </m:r>
-                  </m:oMath>
-                </a14:m>
-                <a:r>
-                  <a:rPr kumimoji="1" lang="ja-JP" altLang="en-US"/>
-                  <a:t>イーサネットフレーム</a:t>
-                </a:r>
-                <a:endParaRPr kumimoji="1" lang="en-US" altLang="ja-JP"/>
-              </a:p>
-              <a:p>
-                <a:pPr lvl="1"/>
-                <a:endParaRPr lang="en-US" altLang="ja-JP"/>
-              </a:p>
-              <a:p>
-                <a:pPr lvl="1"/>
-                <a:endParaRPr kumimoji="1" lang="en-US" altLang="ja-JP"/>
-              </a:p>
-              <a:p>
-                <a:pPr lvl="1"/>
-                <a:endParaRPr lang="en-US" altLang="ja-JP"/>
-              </a:p>
-              <a:p>
-                <a:pPr lvl="1"/>
-                <a:endParaRPr kumimoji="1" lang="en-US" altLang="ja-JP"/>
-              </a:p>
-              <a:p>
-                <a:pPr lvl="1"/>
-                <a:endParaRPr lang="en-US" altLang="ja-JP"/>
-              </a:p>
-              <a:p>
-                <a:r>
-                  <a:rPr lang="en-US" altLang="ja-JP"/>
-                  <a:t>ESSID</a:t>
-                </a:r>
-              </a:p>
-              <a:p>
-                <a:pPr lvl="1"/>
-                <a:r>
-                  <a:rPr lang="ja-JP" altLang="en-US"/>
-                  <a:t>アクセスポイントを区別する識別子</a:t>
-                </a:r>
-                <a:endParaRPr lang="en-US" altLang="ja-JP"/>
-              </a:p>
-              <a:p>
-                <a:pPr lvl="1"/>
-                <a:r>
-                  <a:rPr kumimoji="1" lang="ja-JP" altLang="en-US"/>
-                  <a:t>パスワードをつけて保護する</a:t>
-                </a:r>
-                <a:endParaRPr kumimoji="1" lang="en-US" altLang="ja-JP"/>
-              </a:p>
-            </p:txBody>
-          </p:sp>
-        </mc:Choice>
-        <mc:Fallback>
-          <p:sp>
-            <p:nvSpPr>
-              <p:cNvPr id="2" name="コンテンツ プレースホルダー 1">
-                <a:extLst>
-                  <a:ext uri="{FF2B5EF4-FFF2-40B4-BE49-F238E27FC236}">
-                    <a16:creationId xmlns:a16="http://schemas.microsoft.com/office/drawing/2014/main" id="{4122EBAB-6212-4D8C-885D-AE01D5864943}"/>
-                  </a:ext>
-                </a:extLst>
-              </p:cNvPr>
-              <p:cNvSpPr>
-                <a:spLocks noGrp="1" noRot="1" noChangeAspect="1" noMove="1" noResize="1" noEditPoints="1" noAdjustHandles="1" noChangeArrowheads="1" noChangeShapeType="1" noTextEdit="1"/>
-              </p:cNvSpPr>
-              <p:nvPr>
-                <p:ph idx="1"/>
-              </p:nvPr>
-            </p:nvSpPr>
-            <p:spPr>
-              <a:xfrm>
-                <a:off x="0" y="684552"/>
-                <a:ext cx="9144000" cy="5868648"/>
-              </a:xfrm>
-              <a:blipFill>
-                <a:blip r:embed="rId2"/>
-                <a:stretch>
-                  <a:fillRect l="-1200" t="-1350"/>
-                </a:stretch>
-              </a:blipFill>
-            </p:spPr>
-            <p:txBody>
-              <a:bodyPr/>
-              <a:lstStyle/>
-              <a:p>
-                <a:r>
-                  <a:rPr lang="ja-JP" altLang="en-US">
-                    <a:noFill/>
-                  </a:rPr>
-                  <a:t> </a:t>
-                </a:r>
-              </a:p>
-            </p:txBody>
-          </p:sp>
-        </mc:Fallback>
-      </mc:AlternateContent>
-      <p:sp>
-        <p:nvSpPr>
-          <p:cNvPr id="3" name="スライド番号プレースホルダー 2">
-            <a:extLst>
-              <a:ext uri="{FF2B5EF4-FFF2-40B4-BE49-F238E27FC236}">
-                <a16:creationId xmlns:a16="http://schemas.microsoft.com/office/drawing/2014/main" id="{7B79B5CB-636B-4198-A869-9F2BDBF4E11F}"/>
-              </a:ext>
-            </a:extLst>
-          </p:cNvPr>
-          <p:cNvSpPr>
-            <a:spLocks noGrp="1"/>
-          </p:cNvSpPr>
-          <p:nvPr>
-            <p:ph type="sldNum" sz="quarter" idx="12"/>
-          </p:nvPr>
-        </p:nvSpPr>
-        <p:spPr/>
-        <p:txBody>
-          <a:bodyPr/>
-          <a:lstStyle/>
-          <a:p>
-            <a:pPr>
-              <a:defRPr/>
-            </a:pPr>
-            <a:r>
-              <a:rPr lang="en-US" altLang="ja-JP"/>
-              <a:t>    </a:t>
-            </a:r>
-            <a:fld id="{B2782DEB-472A-4FE5-AC34-C17109CF5A91}" type="slidenum">
-              <a:rPr lang="en-US" altLang="ja-JP" smtClean="0"/>
-              <a:pPr>
-                <a:defRPr/>
-              </a:pPr>
-              <a:t>38</a:t>
-            </a:fld>
-            <a:r>
-              <a:rPr lang="en-US" altLang="ja-JP"/>
-              <a:t> / 24</a:t>
-            </a:r>
-          </a:p>
-        </p:txBody>
-      </p:sp>
-      <p:sp>
-        <p:nvSpPr>
-          <p:cNvPr id="4" name="タイトル 3">
-            <a:extLst>
-              <a:ext uri="{FF2B5EF4-FFF2-40B4-BE49-F238E27FC236}">
-                <a16:creationId xmlns:a16="http://schemas.microsoft.com/office/drawing/2014/main" id="{EB0590E7-61BF-4156-96B2-3DD1BAA10486}"/>
-              </a:ext>
-            </a:extLst>
-          </p:cNvPr>
-          <p:cNvSpPr>
-            <a:spLocks noGrp="1"/>
-          </p:cNvSpPr>
-          <p:nvPr>
-            <p:ph type="title"/>
-          </p:nvPr>
-        </p:nvSpPr>
-        <p:spPr/>
-        <p:txBody>
-          <a:bodyPr/>
-          <a:lstStyle/>
-          <a:p>
-            <a:r>
-              <a:rPr kumimoji="1" lang="ja-JP" altLang="en-US"/>
-              <a:t>無線</a:t>
-            </a:r>
-            <a:r>
-              <a:rPr kumimoji="1" lang="en-US" altLang="ja-JP"/>
-              <a:t>LAN</a:t>
-            </a:r>
-            <a:endParaRPr kumimoji="1" lang="ja-JP" altLang="en-US"/>
-          </a:p>
-        </p:txBody>
-      </p:sp>
-      <p:pic>
-        <p:nvPicPr>
-          <p:cNvPr id="6" name="図 5">
-            <a:extLst>
-              <a:ext uri="{FF2B5EF4-FFF2-40B4-BE49-F238E27FC236}">
-                <a16:creationId xmlns:a16="http://schemas.microsoft.com/office/drawing/2014/main" id="{B351C330-6494-4AA2-8150-6E90B529F819}"/>
-              </a:ext>
-            </a:extLst>
-          </p:cNvPr>
-          <p:cNvPicPr>
-            <a:picLocks noChangeAspect="1"/>
-          </p:cNvPicPr>
-          <p:nvPr/>
-        </p:nvPicPr>
-        <p:blipFill>
-          <a:blip r:embed="rId3">
-            <a:extLst>
-              <a:ext uri="{28A0092B-C50C-407E-A947-70E740481C1C}">
-                <a14:useLocalDpi xmlns:a14="http://schemas.microsoft.com/office/drawing/2010/main" val="0"/>
-              </a:ext>
-            </a:extLst>
-          </a:blip>
-          <a:stretch>
-            <a:fillRect/>
-          </a:stretch>
-        </p:blipFill>
-        <p:spPr>
-          <a:xfrm>
-            <a:off x="1691680" y="2780928"/>
-            <a:ext cx="5400600" cy="2322259"/>
-          </a:xfrm>
-          <a:prstGeom prst="rect">
-            <a:avLst/>
-          </a:prstGeom>
-        </p:spPr>
-      </p:pic>
-    </p:spTree>
-    <p:extLst>
-      <p:ext uri="{BB962C8B-B14F-4D97-AF65-F5344CB8AC3E}">
-        <p14:creationId xmlns:p14="http://schemas.microsoft.com/office/powerpoint/2010/main" val="3617924148"/>
-      </p:ext>
-    </p:extLst>
-  </p:cSld>
-  <p:clrMapOvr>
-    <a:masterClrMapping/>
-  </p:clrMapOvr>
-</p:sld>
-</file>
-
-<file path=ppt/slides/slide39.xml><?xml version="1.0" encoding="utf-8"?>
-<p:sld xmlns:a="http://schemas.openxmlformats.org/drawingml/2006/main" xmlns:r="http://schemas.openxmlformats.org/officeDocument/2006/relationships" xmlns:p="http://schemas.openxmlformats.org/presentationml/2006/main">
-  <p:cSld>
-    <p:spTree>
-      <p:nvGrpSpPr>
-        <p:cNvPr id="1" name=""/>
-        <p:cNvGrpSpPr/>
-        <p:nvPr/>
-      </p:nvGrpSpPr>
-      <p:grpSpPr>
-        <a:xfrm>
-          <a:off x="0" y="0"/>
-          <a:ext cx="0" cy="0"/>
-          <a:chOff x="0" y="0"/>
-          <a:chExt cx="0" cy="0"/>
-        </a:xfrm>
-      </p:grpSpPr>
-      <p:pic>
-        <p:nvPicPr>
-          <p:cNvPr id="6" name="図 5">
-            <a:extLst>
-              <a:ext uri="{FF2B5EF4-FFF2-40B4-BE49-F238E27FC236}">
-                <a16:creationId xmlns:a16="http://schemas.microsoft.com/office/drawing/2014/main" id="{2D83577A-2B35-4A4A-8405-EC829FD3795E}"/>
-              </a:ext>
-            </a:extLst>
-          </p:cNvPr>
-          <p:cNvPicPr>
-            <a:picLocks noChangeAspect="1"/>
-          </p:cNvPicPr>
-          <p:nvPr/>
-        </p:nvPicPr>
-        <p:blipFill>
-          <a:blip r:embed="rId2">
-            <a:extLst>
-              <a:ext uri="{28A0092B-C50C-407E-A947-70E740481C1C}">
-                <a14:useLocalDpi xmlns:a14="http://schemas.microsoft.com/office/drawing/2010/main" val="0"/>
-              </a:ext>
-            </a:extLst>
-          </a:blip>
-          <a:stretch>
-            <a:fillRect/>
-          </a:stretch>
-        </p:blipFill>
-        <p:spPr>
-          <a:xfrm>
-            <a:off x="5323018" y="3709888"/>
-            <a:ext cx="3785486" cy="2815456"/>
-          </a:xfrm>
-          <a:prstGeom prst="rect">
-            <a:avLst/>
-          </a:prstGeom>
-        </p:spPr>
-      </p:pic>
-      <p:sp>
-        <p:nvSpPr>
-          <p:cNvPr id="2" name="コンテンツ プレースホルダー 1">
-            <a:extLst>
-              <a:ext uri="{FF2B5EF4-FFF2-40B4-BE49-F238E27FC236}">
-                <a16:creationId xmlns:a16="http://schemas.microsoft.com/office/drawing/2014/main" id="{A3DB98F8-494E-4527-9F51-DEB6C69D292C}"/>
-              </a:ext>
-            </a:extLst>
-          </p:cNvPr>
-          <p:cNvSpPr>
-            <a:spLocks noGrp="1"/>
-          </p:cNvSpPr>
-          <p:nvPr>
-            <p:ph idx="1"/>
-          </p:nvPr>
-        </p:nvSpPr>
-        <p:spPr/>
-        <p:txBody>
-          <a:bodyPr/>
-          <a:lstStyle/>
-          <a:p>
-            <a:r>
-              <a:rPr kumimoji="1" lang="ja-JP" altLang="en-US"/>
-              <a:t>無線</a:t>
-            </a:r>
-            <a:r>
-              <a:rPr kumimoji="1" lang="en-US" altLang="ja-JP"/>
-              <a:t>LAN</a:t>
-            </a:r>
-            <a:r>
-              <a:rPr kumimoji="1" lang="ja-JP" altLang="en-US"/>
-              <a:t>は電波</a:t>
-            </a:r>
-            <a:endParaRPr kumimoji="1" lang="en-US" altLang="ja-JP"/>
-          </a:p>
-          <a:p>
-            <a:pPr lvl="1"/>
-            <a:r>
-              <a:rPr kumimoji="1" lang="ja-JP" altLang="en-US"/>
-              <a:t>近くにあれば誰でも盗聴可能 </a:t>
-            </a:r>
-            <a:r>
-              <a:rPr kumimoji="1" lang="en-US" altLang="ja-JP"/>
-              <a:t>: </a:t>
-            </a:r>
-            <a:r>
-              <a:rPr kumimoji="1" lang="ja-JP" altLang="en-US"/>
-              <a:t>有線</a:t>
-            </a:r>
-            <a:r>
-              <a:rPr kumimoji="1" lang="en-US" altLang="ja-JP"/>
-              <a:t>LAN</a:t>
-            </a:r>
-            <a:r>
-              <a:rPr kumimoji="1" lang="ja-JP" altLang="en-US"/>
-              <a:t>とは異なる攻撃が可能</a:t>
-            </a:r>
-            <a:endParaRPr kumimoji="1" lang="en-US" altLang="ja-JP"/>
-          </a:p>
-          <a:p>
-            <a:r>
-              <a:rPr kumimoji="1" lang="en-US" altLang="ja-JP"/>
-              <a:t>ARP/MAC</a:t>
-            </a:r>
-            <a:r>
-              <a:rPr kumimoji="1" lang="ja-JP" altLang="en-US"/>
-              <a:t>スプーフィング</a:t>
-            </a:r>
-            <a:r>
-              <a:rPr kumimoji="1" lang="en-US" altLang="ja-JP"/>
-              <a:t>(spoofing : </a:t>
-            </a:r>
-            <a:r>
-              <a:rPr kumimoji="1" lang="ja-JP" altLang="en-US"/>
-              <a:t>なりすまし</a:t>
-            </a:r>
-            <a:r>
-              <a:rPr kumimoji="1" lang="en-US" altLang="ja-JP"/>
-              <a:t>)</a:t>
-            </a:r>
-          </a:p>
-          <a:p>
-            <a:pPr lvl="1"/>
-            <a:r>
-              <a:rPr lang="en-US" altLang="ja-JP"/>
-              <a:t>ARP</a:t>
-            </a:r>
-            <a:r>
-              <a:rPr lang="ja-JP" altLang="en-US"/>
-              <a:t>は暗号化されていない</a:t>
-            </a:r>
-            <a:endParaRPr lang="en-US" altLang="ja-JP"/>
-          </a:p>
-          <a:p>
-            <a:pPr lvl="1"/>
-            <a:r>
-              <a:rPr lang="ja-JP" altLang="en-US"/>
-              <a:t>不正な</a:t>
-            </a:r>
-            <a:r>
-              <a:rPr lang="en-US" altLang="ja-JP"/>
-              <a:t>ARP</a:t>
-            </a:r>
-            <a:r>
-              <a:rPr lang="ja-JP" altLang="en-US"/>
-              <a:t>を送って</a:t>
-            </a:r>
-            <a:r>
-              <a:rPr lang="en-US" altLang="ja-JP"/>
-              <a:t>MAC</a:t>
-            </a:r>
-            <a:r>
-              <a:rPr lang="ja-JP" altLang="en-US"/>
-              <a:t>アドレスを偽装→</a:t>
-            </a:r>
-            <a:r>
-              <a:rPr lang="en-US" altLang="ja-JP"/>
-              <a:t>MITM</a:t>
-            </a:r>
-            <a:r>
-              <a:rPr lang="ja-JP" altLang="en-US"/>
-              <a:t>などへ</a:t>
-            </a:r>
-            <a:endParaRPr lang="en-US" altLang="ja-JP"/>
-          </a:p>
-          <a:p>
-            <a:r>
-              <a:rPr kumimoji="1" lang="en-US" altLang="ja-JP"/>
-              <a:t>Evil Twin</a:t>
-            </a:r>
-          </a:p>
-          <a:p>
-            <a:pPr lvl="1"/>
-            <a:r>
-              <a:rPr kumimoji="1" lang="ja-JP" altLang="en-US"/>
-              <a:t>同じ</a:t>
-            </a:r>
-            <a:r>
-              <a:rPr kumimoji="1" lang="en-US" altLang="ja-JP"/>
-              <a:t>SSID</a:t>
-            </a:r>
-            <a:r>
-              <a:rPr kumimoji="1" lang="ja-JP" altLang="en-US"/>
-              <a:t>を設定し強い電波を出して待ち受け</a:t>
-            </a:r>
-            <a:endParaRPr lang="en-US" altLang="ja-JP"/>
-          </a:p>
-          <a:p>
-            <a:r>
-              <a:rPr kumimoji="1" lang="ja-JP" altLang="en-US"/>
-              <a:t>認証解除攻撃</a:t>
-            </a:r>
-            <a:endParaRPr kumimoji="1" lang="en-US" altLang="ja-JP"/>
-          </a:p>
-          <a:p>
-            <a:pPr lvl="1"/>
-            <a:r>
-              <a:rPr kumimoji="1" lang="en-US" altLang="ja-JP"/>
-              <a:t>PMF(Protected Management Frames)</a:t>
-            </a:r>
-          </a:p>
-          <a:p>
-            <a:pPr lvl="1"/>
-            <a:r>
-              <a:rPr kumimoji="1" lang="en-US" altLang="ja-JP"/>
-              <a:t>802.11w </a:t>
-            </a:r>
-            <a:r>
-              <a:rPr kumimoji="1" lang="ja-JP" altLang="en-US"/>
-              <a:t>管理フレームを保護する規格</a:t>
-            </a:r>
-            <a:endParaRPr kumimoji="1" lang="en-US" altLang="ja-JP"/>
-          </a:p>
-        </p:txBody>
-      </p:sp>
-      <p:sp>
-        <p:nvSpPr>
-          <p:cNvPr id="3" name="スライド番号プレースホルダー 2">
-            <a:extLst>
-              <a:ext uri="{FF2B5EF4-FFF2-40B4-BE49-F238E27FC236}">
-                <a16:creationId xmlns:a16="http://schemas.microsoft.com/office/drawing/2014/main" id="{1259181D-9CE8-42E5-AA40-837AA91C5212}"/>
-              </a:ext>
-            </a:extLst>
-          </p:cNvPr>
-          <p:cNvSpPr>
-            <a:spLocks noGrp="1"/>
-          </p:cNvSpPr>
-          <p:nvPr>
-            <p:ph type="sldNum" sz="quarter" idx="12"/>
-          </p:nvPr>
-        </p:nvSpPr>
-        <p:spPr/>
-        <p:txBody>
-          <a:bodyPr/>
-          <a:lstStyle/>
-          <a:p>
-            <a:pPr>
-              <a:defRPr/>
-            </a:pPr>
-            <a:r>
-              <a:rPr lang="en-US" altLang="ja-JP"/>
-              <a:t>    </a:t>
-            </a:r>
-            <a:fld id="{B2782DEB-472A-4FE5-AC34-C17109CF5A91}" type="slidenum">
-              <a:rPr lang="en-US" altLang="ja-JP" smtClean="0"/>
-              <a:pPr>
-                <a:defRPr/>
-              </a:pPr>
-              <a:t>39</a:t>
-            </a:fld>
-            <a:r>
-              <a:rPr lang="en-US" altLang="ja-JP"/>
-              <a:t> / 24</a:t>
-            </a:r>
-          </a:p>
-        </p:txBody>
-      </p:sp>
-      <p:sp>
-        <p:nvSpPr>
-          <p:cNvPr id="4" name="タイトル 3">
-            <a:extLst>
-              <a:ext uri="{FF2B5EF4-FFF2-40B4-BE49-F238E27FC236}">
-                <a16:creationId xmlns:a16="http://schemas.microsoft.com/office/drawing/2014/main" id="{C7AE19B3-368A-4136-BE15-F8AC057A25E5}"/>
-              </a:ext>
-            </a:extLst>
-          </p:cNvPr>
-          <p:cNvSpPr>
-            <a:spLocks noGrp="1"/>
-          </p:cNvSpPr>
-          <p:nvPr>
-            <p:ph type="title"/>
-          </p:nvPr>
-        </p:nvSpPr>
-        <p:spPr/>
-        <p:txBody>
-          <a:bodyPr/>
-          <a:lstStyle/>
-          <a:p>
-            <a:r>
-              <a:rPr kumimoji="1" lang="ja-JP" altLang="en-US"/>
-              <a:t>スプーフィングと認証解除攻撃</a:t>
-            </a:r>
-          </a:p>
-        </p:txBody>
-      </p:sp>
-    </p:spTree>
-    <p:extLst>
-      <p:ext uri="{BB962C8B-B14F-4D97-AF65-F5344CB8AC3E}">
-        <p14:creationId xmlns:p14="http://schemas.microsoft.com/office/powerpoint/2010/main" val="78139145"/>
+        <p14:creationId xmlns:p14="http://schemas.microsoft.com/office/powerpoint/2010/main" val="3257052020"/>
       </p:ext>
     </p:extLst>
   </p:cSld>
@@ -12531,48 +9338,6 @@
       </p:sp>
       <p:sp>
         <p:nvSpPr>
-          <p:cNvPr id="3" name="スライド番号プレースホルダー 2">
-            <a:extLst>
-              <a:ext uri="{FF2B5EF4-FFF2-40B4-BE49-F238E27FC236}">
-                <a16:creationId xmlns:a16="http://schemas.microsoft.com/office/drawing/2014/main" id="{6D34FCEC-557F-41C7-A171-493F1A3170B4}"/>
-              </a:ext>
-            </a:extLst>
-          </p:cNvPr>
-          <p:cNvSpPr>
-            <a:spLocks noGrp="1"/>
-          </p:cNvSpPr>
-          <p:nvPr>
-            <p:ph type="sldNum" sz="quarter" idx="12"/>
-          </p:nvPr>
-        </p:nvSpPr>
-        <p:spPr/>
-        <p:txBody>
-          <a:bodyPr/>
-          <a:lstStyle/>
-          <a:p>
-            <a:pPr>
-              <a:defRPr/>
-            </a:pPr>
-            <a:r>
-              <a:rPr lang="en-US" altLang="ja-JP"/>
-              <a:t>    </a:t>
-            </a:r>
-            <a:fld id="{B2782DEB-472A-4FE5-AC34-C17109CF5A91}" type="slidenum">
-              <a:rPr lang="en-US" altLang="ja-JP" smtClean="0"/>
-              <a:pPr>
-                <a:defRPr/>
-              </a:pPr>
-              <a:t>4</a:t>
-            </a:fld>
-            <a:r>
-              <a:rPr lang="en-US" altLang="ja-JP"/>
-              <a:t> / 24</a:t>
-            </a:r>
-          </a:p>
-        </p:txBody>
-      </p:sp>
-      <p:sp>
-        <p:nvSpPr>
           <p:cNvPr id="4" name="タイトル 3">
             <a:extLst>
               <a:ext uri="{FF2B5EF4-FFF2-40B4-BE49-F238E27FC236}">
@@ -12899,270 +9664,12 @@
           </a:p>
         </p:txBody>
       </p:sp>
-    </p:spTree>
-    <p:extLst>
-      <p:ext uri="{BB962C8B-B14F-4D97-AF65-F5344CB8AC3E}">
-        <p14:creationId xmlns:p14="http://schemas.microsoft.com/office/powerpoint/2010/main" val="790664289"/>
-      </p:ext>
-    </p:extLst>
-  </p:cSld>
-  <p:clrMapOvr>
-    <a:masterClrMapping/>
-  </p:clrMapOvr>
-</p:sld>
-</file>
-
-<file path=ppt/slides/slide40.xml><?xml version="1.0" encoding="utf-8"?>
-<p:sld xmlns:a="http://schemas.openxmlformats.org/drawingml/2006/main" xmlns:r="http://schemas.openxmlformats.org/officeDocument/2006/relationships" xmlns:p="http://schemas.openxmlformats.org/presentationml/2006/main">
-  <p:cSld>
-    <p:spTree>
-      <p:nvGrpSpPr>
-        <p:cNvPr id="1" name=""/>
-        <p:cNvGrpSpPr/>
-        <p:nvPr/>
-      </p:nvGrpSpPr>
-      <p:grpSpPr>
-        <a:xfrm>
-          <a:off x="0" y="0"/>
-          <a:ext cx="0" cy="0"/>
-          <a:chOff x="0" y="0"/>
-          <a:chExt cx="0" cy="0"/>
-        </a:xfrm>
-      </p:grpSpPr>
-      <p:pic>
-        <p:nvPicPr>
-          <p:cNvPr id="6" name="図 5">
-            <a:extLst>
-              <a:ext uri="{FF2B5EF4-FFF2-40B4-BE49-F238E27FC236}">
-                <a16:creationId xmlns:a16="http://schemas.microsoft.com/office/drawing/2014/main" id="{77668647-8626-4AB9-8FA3-F5DD77122D66}"/>
-              </a:ext>
-            </a:extLst>
-          </p:cNvPr>
-          <p:cNvPicPr>
-            <a:picLocks noChangeAspect="1"/>
-          </p:cNvPicPr>
-          <p:nvPr/>
-        </p:nvPicPr>
-        <p:blipFill>
-          <a:blip r:embed="rId2">
-            <a:extLst>
-              <a:ext uri="{28A0092B-C50C-407E-A947-70E740481C1C}">
-                <a14:useLocalDpi xmlns:a14="http://schemas.microsoft.com/office/drawing/2010/main" val="0"/>
-              </a:ext>
-            </a:extLst>
-          </a:blip>
-          <a:stretch>
-            <a:fillRect/>
-          </a:stretch>
-        </p:blipFill>
-        <p:spPr>
-          <a:xfrm>
-            <a:off x="1331640" y="1772816"/>
-            <a:ext cx="6192688" cy="2562224"/>
-          </a:xfrm>
-          <a:prstGeom prst="rect">
-            <a:avLst/>
-          </a:prstGeom>
-        </p:spPr>
-      </p:pic>
       <p:sp>
         <p:nvSpPr>
-          <p:cNvPr id="2" name="コンテンツ プレースホルダー 1">
+          <p:cNvPr id="5" name="スライド番号プレースホルダー 4">
             <a:extLst>
               <a:ext uri="{FF2B5EF4-FFF2-40B4-BE49-F238E27FC236}">
-                <a16:creationId xmlns:a16="http://schemas.microsoft.com/office/drawing/2014/main" id="{F6615D1E-E059-4D3F-9B85-07FD7105714A}"/>
-              </a:ext>
-            </a:extLst>
-          </p:cNvPr>
-          <p:cNvSpPr>
-            <a:spLocks noGrp="1"/>
-          </p:cNvSpPr>
-          <p:nvPr>
-            <p:ph idx="1"/>
-          </p:nvPr>
-        </p:nvSpPr>
-        <p:spPr/>
-        <p:txBody>
-          <a:bodyPr/>
-          <a:lstStyle/>
-          <a:p>
-            <a:r>
-              <a:rPr kumimoji="1" lang="en-US" altLang="ja-JP"/>
-              <a:t>40bit</a:t>
-            </a:r>
-            <a:r>
-              <a:rPr kumimoji="1" lang="ja-JP" altLang="en-US"/>
-              <a:t>の秘密鍵</a:t>
-            </a:r>
-            <a:r>
-              <a:rPr kumimoji="1" lang="en-US" altLang="ja-JP"/>
-              <a:t>(</a:t>
-            </a:r>
-            <a:r>
-              <a:rPr kumimoji="1" lang="ja-JP" altLang="en-US"/>
-              <a:t>後に</a:t>
-            </a:r>
-            <a:r>
-              <a:rPr kumimoji="1" lang="en-US" altLang="ja-JP"/>
-              <a:t>104bit</a:t>
-            </a:r>
-            <a:r>
-              <a:rPr kumimoji="1" lang="ja-JP" altLang="en-US"/>
-              <a:t>にまで増える</a:t>
-            </a:r>
-            <a:r>
-              <a:rPr kumimoji="1" lang="en-US" altLang="ja-JP"/>
-              <a:t>)</a:t>
-            </a:r>
-          </a:p>
-          <a:p>
-            <a:r>
-              <a:rPr kumimoji="1" lang="en-US" altLang="ja-JP"/>
-              <a:t>24bit</a:t>
-            </a:r>
-            <a:r>
-              <a:rPr kumimoji="1" lang="ja-JP" altLang="en-US"/>
-              <a:t>の初期化ベクトル</a:t>
-            </a:r>
-            <a:r>
-              <a:rPr kumimoji="1" lang="en-US" altLang="ja-JP"/>
-              <a:t>IV + RC4</a:t>
-            </a:r>
-          </a:p>
-          <a:p>
-            <a:endParaRPr lang="en-US" altLang="ja-JP"/>
-          </a:p>
-          <a:p>
-            <a:endParaRPr kumimoji="1" lang="en-US" altLang="ja-JP"/>
-          </a:p>
-          <a:p>
-            <a:endParaRPr lang="en-US" altLang="ja-JP"/>
-          </a:p>
-          <a:p>
-            <a:pPr lvl="1"/>
-            <a:r>
-              <a:rPr lang="en-US" altLang="ja-JP"/>
-              <a:t>24bit</a:t>
-            </a:r>
-            <a:r>
-              <a:rPr lang="ja-JP" altLang="en-US"/>
-              <a:t>だと</a:t>
-            </a:r>
-            <a:r>
-              <a:rPr lang="en-US" altLang="ja-JP"/>
-              <a:t>12bit</a:t>
-            </a:r>
-            <a:r>
-              <a:rPr lang="ja-JP" altLang="en-US"/>
-              <a:t>分の盗聴で</a:t>
-            </a:r>
-            <a:br>
-              <a:rPr lang="en-US" altLang="ja-JP"/>
-            </a:br>
-            <a:r>
-              <a:rPr lang="ja-JP" altLang="en-US"/>
-              <a:t>同じものが見つかる確率が</a:t>
-            </a:r>
-            <a:br>
-              <a:rPr lang="en-US" altLang="ja-JP"/>
-            </a:br>
-            <a:r>
-              <a:rPr lang="en-US" altLang="ja-JP"/>
-              <a:t>40% ; </a:t>
-            </a:r>
-            <a:r>
-              <a:rPr lang="ja-JP" altLang="en-US"/>
-              <a:t>これを利用した攻撃の研究</a:t>
-            </a:r>
-            <a:endParaRPr lang="en-US" altLang="ja-JP"/>
-          </a:p>
-          <a:p>
-            <a:r>
-              <a:rPr kumimoji="1" lang="en-US" altLang="ja-JP"/>
-              <a:t>2007</a:t>
-            </a:r>
-            <a:r>
-              <a:rPr kumimoji="1" lang="ja-JP" altLang="en-US"/>
-              <a:t>年</a:t>
-            </a:r>
-            <a:r>
-              <a:rPr kumimoji="1" lang="en-US" altLang="ja-JP"/>
-              <a:t>Tews</a:t>
-            </a:r>
-          </a:p>
-          <a:p>
-            <a:pPr lvl="1"/>
-            <a:r>
-              <a:rPr kumimoji="1" lang="en-US" altLang="ja-JP"/>
-              <a:t>8</a:t>
-            </a:r>
-            <a:r>
-              <a:rPr kumimoji="1" lang="ja-JP" altLang="en-US"/>
-              <a:t>万</a:t>
-            </a:r>
-            <a:r>
-              <a:rPr kumimoji="1" lang="en-US" altLang="ja-JP"/>
-              <a:t>5</a:t>
-            </a:r>
-            <a:r>
-              <a:rPr kumimoji="1" lang="ja-JP" altLang="en-US"/>
-              <a:t>千個の</a:t>
-            </a:r>
-            <a:r>
-              <a:rPr kumimoji="1" lang="en-US" altLang="ja-JP"/>
-              <a:t>ARP</a:t>
-            </a:r>
-            <a:r>
-              <a:rPr kumimoji="1" lang="ja-JP" altLang="en-US"/>
-              <a:t>から秘密鍵を復元</a:t>
-            </a:r>
-            <a:endParaRPr kumimoji="1" lang="en-US" altLang="ja-JP"/>
-          </a:p>
-          <a:p>
-            <a:r>
-              <a:rPr kumimoji="1" lang="en-US" altLang="ja-JP"/>
-              <a:t>2010</a:t>
-            </a:r>
-            <a:r>
-              <a:rPr kumimoji="1" lang="ja-JP" altLang="en-US"/>
-              <a:t>年</a:t>
-            </a:r>
-            <a:r>
-              <a:rPr kumimoji="1" lang="en-US" altLang="ja-JP"/>
-              <a:t>TeAM-OK(</a:t>
-            </a:r>
-            <a:r>
-              <a:rPr kumimoji="1" lang="ja-JP" altLang="en-US"/>
-              <a:t>寺村氏ら</a:t>
-            </a:r>
-            <a:r>
-              <a:rPr kumimoji="1" lang="en-US" altLang="ja-JP"/>
-              <a:t>)</a:t>
-            </a:r>
-          </a:p>
-          <a:p>
-            <a:pPr lvl="1"/>
-            <a:r>
-              <a:rPr kumimoji="1" lang="ja-JP" altLang="en-US"/>
-              <a:t>通常のパケット</a:t>
-            </a:r>
-            <a:r>
-              <a:rPr kumimoji="1" lang="en-US" altLang="ja-JP"/>
-              <a:t>5</a:t>
-            </a:r>
-            <a:r>
-              <a:rPr kumimoji="1" lang="ja-JP" altLang="en-US"/>
-              <a:t>万個から秘密鍵を復元</a:t>
-            </a:r>
-          </a:p>
-        </p:txBody>
-      </p:sp>
-      <p:sp>
-        <p:nvSpPr>
-          <p:cNvPr id="3" name="スライド番号プレースホルダー 2">
-            <a:extLst>
-              <a:ext uri="{FF2B5EF4-FFF2-40B4-BE49-F238E27FC236}">
-                <a16:creationId xmlns:a16="http://schemas.microsoft.com/office/drawing/2014/main" id="{C96734DF-D89E-438F-90E6-95A5B8740A2B}"/>
+                <a16:creationId xmlns:a16="http://schemas.microsoft.com/office/drawing/2014/main" id="{1AFA92BA-91FC-45AB-B078-6CE32C96A21F}"/>
               </a:ext>
             </a:extLst>
           </p:cNvPr>
@@ -13190,1096 +9697,19 @@
               <a:pPr>
                 <a:defRPr/>
               </a:pPr>
-              <a:t>40</a:t>
+              <a:t>4</a:t>
             </a:fld>
             <a:r>
               <a:rPr lang="en-US" altLang="ja-JP"/>
-              <a:t> / 24</a:t>
-            </a:r>
-          </a:p>
-        </p:txBody>
-      </p:sp>
-      <p:sp>
-        <p:nvSpPr>
-          <p:cNvPr id="4" name="タイトル 3">
-            <a:extLst>
-              <a:ext uri="{FF2B5EF4-FFF2-40B4-BE49-F238E27FC236}">
-                <a16:creationId xmlns:a16="http://schemas.microsoft.com/office/drawing/2014/main" id="{8D9A20C8-1601-4990-875A-125BC4F1A872}"/>
-              </a:ext>
-            </a:extLst>
-          </p:cNvPr>
-          <p:cNvSpPr>
-            <a:spLocks noGrp="1"/>
-          </p:cNvSpPr>
-          <p:nvPr>
-            <p:ph type="title"/>
-          </p:nvPr>
-        </p:nvSpPr>
-        <p:spPr/>
-        <p:txBody>
-          <a:bodyPr/>
-          <a:lstStyle/>
-          <a:p>
-            <a:r>
-              <a:rPr kumimoji="1" lang="en-US" altLang="ja-JP"/>
-              <a:t>WEP (Wired Equivalent Privacy)</a:t>
-            </a:r>
-            <a:endParaRPr kumimoji="1" lang="ja-JP" altLang="en-US"/>
+              <a:t> / 29</a:t>
+            </a:r>
           </a:p>
         </p:txBody>
       </p:sp>
     </p:spTree>
     <p:extLst>
       <p:ext uri="{BB962C8B-B14F-4D97-AF65-F5344CB8AC3E}">
-        <p14:creationId xmlns:p14="http://schemas.microsoft.com/office/powerpoint/2010/main" val="3136027840"/>
-      </p:ext>
-    </p:extLst>
-  </p:cSld>
-  <p:clrMapOvr>
-    <a:masterClrMapping/>
-  </p:clrMapOvr>
-</p:sld>
-</file>
-
-<file path=ppt/slides/slide41.xml><?xml version="1.0" encoding="utf-8"?>
-<p:sld xmlns:a="http://schemas.openxmlformats.org/drawingml/2006/main" xmlns:r="http://schemas.openxmlformats.org/officeDocument/2006/relationships" xmlns:p="http://schemas.openxmlformats.org/presentationml/2006/main">
-  <p:cSld>
-    <p:spTree>
-      <p:nvGrpSpPr>
-        <p:cNvPr id="1" name=""/>
-        <p:cNvGrpSpPr/>
-        <p:nvPr/>
-      </p:nvGrpSpPr>
-      <p:grpSpPr>
-        <a:xfrm>
-          <a:off x="0" y="0"/>
-          <a:ext cx="0" cy="0"/>
-          <a:chOff x="0" y="0"/>
-          <a:chExt cx="0" cy="0"/>
-        </a:xfrm>
-      </p:grpSpPr>
-      <p:pic>
-        <p:nvPicPr>
-          <p:cNvPr id="6" name="図 5">
-            <a:extLst>
-              <a:ext uri="{FF2B5EF4-FFF2-40B4-BE49-F238E27FC236}">
-                <a16:creationId xmlns:a16="http://schemas.microsoft.com/office/drawing/2014/main" id="{AFAE7ED5-9062-43E9-A2A1-0ADA328F64E3}"/>
-              </a:ext>
-            </a:extLst>
-          </p:cNvPr>
-          <p:cNvPicPr>
-            <a:picLocks noChangeAspect="1"/>
-          </p:cNvPicPr>
-          <p:nvPr/>
-        </p:nvPicPr>
-        <p:blipFill>
-          <a:blip r:embed="rId3">
-            <a:extLst>
-              <a:ext uri="{28A0092B-C50C-407E-A947-70E740481C1C}">
-                <a14:useLocalDpi xmlns:a14="http://schemas.microsoft.com/office/drawing/2010/main" val="0"/>
-              </a:ext>
-            </a:extLst>
-          </a:blip>
-          <a:stretch>
-            <a:fillRect/>
-          </a:stretch>
-        </p:blipFill>
-        <p:spPr>
-          <a:xfrm>
-            <a:off x="1655676" y="2773058"/>
-            <a:ext cx="6516724" cy="3913289"/>
-          </a:xfrm>
-          <a:prstGeom prst="rect">
-            <a:avLst/>
-          </a:prstGeom>
-        </p:spPr>
-      </p:pic>
-      <p:sp>
-        <p:nvSpPr>
-          <p:cNvPr id="2" name="コンテンツ プレースホルダー 1">
-            <a:extLst>
-              <a:ext uri="{FF2B5EF4-FFF2-40B4-BE49-F238E27FC236}">
-                <a16:creationId xmlns:a16="http://schemas.microsoft.com/office/drawing/2014/main" id="{F0ED5844-4B23-4A44-BB69-0222D439B3F5}"/>
-              </a:ext>
-            </a:extLst>
-          </p:cNvPr>
-          <p:cNvSpPr>
-            <a:spLocks noGrp="1"/>
-          </p:cNvSpPr>
-          <p:nvPr>
-            <p:ph idx="1"/>
-          </p:nvPr>
-        </p:nvSpPr>
-        <p:spPr/>
-        <p:txBody>
-          <a:bodyPr/>
-          <a:lstStyle/>
-          <a:p>
-            <a:r>
-              <a:rPr kumimoji="1" lang="en-US" altLang="ja-JP"/>
-              <a:t>WPA(</a:t>
-            </a:r>
-            <a:r>
-              <a:rPr lang="en-US" altLang="ja-JP"/>
-              <a:t>Wi-Fi Protected Access</a:t>
-            </a:r>
-            <a:r>
-              <a:rPr kumimoji="1" lang="en-US" altLang="ja-JP"/>
-              <a:t>)</a:t>
-            </a:r>
-          </a:p>
-          <a:p>
-            <a:pPr lvl="1"/>
-            <a:r>
-              <a:rPr lang="en-US" altLang="ja-JP"/>
-              <a:t>2003</a:t>
-            </a:r>
-            <a:r>
-              <a:rPr lang="ja-JP" altLang="en-US"/>
-              <a:t>年</a:t>
-            </a:r>
-            <a:r>
-              <a:rPr lang="en-US" altLang="ja-JP"/>
-              <a:t>WPA-TKIP(Temporal Key Integrity Protocol)</a:t>
-            </a:r>
-          </a:p>
-          <a:p>
-            <a:pPr lvl="2"/>
-            <a:r>
-              <a:rPr kumimoji="1" lang="en-US" altLang="ja-JP"/>
-              <a:t>48bit</a:t>
-            </a:r>
-            <a:r>
-              <a:rPr kumimoji="1" lang="ja-JP" altLang="en-US"/>
-              <a:t>の</a:t>
-            </a:r>
-            <a:r>
-              <a:rPr kumimoji="1" lang="en-US" altLang="ja-JP"/>
-              <a:t>IV+RC4</a:t>
-            </a:r>
-          </a:p>
-          <a:p>
-            <a:r>
-              <a:rPr lang="en-US" altLang="ja-JP"/>
-              <a:t>WPA2(2004</a:t>
-            </a:r>
-            <a:r>
-              <a:rPr lang="ja-JP" altLang="en-US"/>
-              <a:t>年 </a:t>
-            </a:r>
-            <a:r>
-              <a:rPr lang="en-US" altLang="ja-JP"/>
-              <a:t>IEEE 802.11i)</a:t>
-            </a:r>
-          </a:p>
-          <a:p>
-            <a:pPr lvl="1"/>
-            <a:r>
-              <a:rPr kumimoji="1" lang="en-US" altLang="ja-JP"/>
-              <a:t>256bit</a:t>
-            </a:r>
-            <a:r>
-              <a:rPr kumimoji="1" lang="ja-JP" altLang="en-US"/>
-              <a:t>の</a:t>
-            </a:r>
-            <a:r>
-              <a:rPr kumimoji="1" lang="en-US" altLang="ja-JP"/>
-              <a:t>AES</a:t>
-            </a:r>
-          </a:p>
-          <a:p>
-            <a:endParaRPr kumimoji="1" lang="ja-JP" altLang="en-US"/>
-          </a:p>
-        </p:txBody>
-      </p:sp>
-      <p:sp>
-        <p:nvSpPr>
-          <p:cNvPr id="3" name="スライド番号プレースホルダー 2">
-            <a:extLst>
-              <a:ext uri="{FF2B5EF4-FFF2-40B4-BE49-F238E27FC236}">
-                <a16:creationId xmlns:a16="http://schemas.microsoft.com/office/drawing/2014/main" id="{1D1E4298-B84F-4F62-9E53-581AE74BC23D}"/>
-              </a:ext>
-            </a:extLst>
-          </p:cNvPr>
-          <p:cNvSpPr>
-            <a:spLocks noGrp="1"/>
-          </p:cNvSpPr>
-          <p:nvPr>
-            <p:ph type="sldNum" sz="quarter" idx="12"/>
-          </p:nvPr>
-        </p:nvSpPr>
-        <p:spPr/>
-        <p:txBody>
-          <a:bodyPr/>
-          <a:lstStyle/>
-          <a:p>
-            <a:pPr>
-              <a:defRPr/>
-            </a:pPr>
-            <a:r>
-              <a:rPr lang="en-US" altLang="ja-JP"/>
-              <a:t>    </a:t>
-            </a:r>
-            <a:fld id="{B2782DEB-472A-4FE5-AC34-C17109CF5A91}" type="slidenum">
-              <a:rPr lang="en-US" altLang="ja-JP" smtClean="0"/>
-              <a:pPr>
-                <a:defRPr/>
-              </a:pPr>
-              <a:t>41</a:t>
-            </a:fld>
-            <a:r>
-              <a:rPr lang="en-US" altLang="ja-JP"/>
-              <a:t> / 24</a:t>
-            </a:r>
-          </a:p>
-        </p:txBody>
-      </p:sp>
-      <p:sp>
-        <p:nvSpPr>
-          <p:cNvPr id="4" name="タイトル 3">
-            <a:extLst>
-              <a:ext uri="{FF2B5EF4-FFF2-40B4-BE49-F238E27FC236}">
-                <a16:creationId xmlns:a16="http://schemas.microsoft.com/office/drawing/2014/main" id="{E192B5AF-B2B4-4254-874B-9F932ED148BD}"/>
-              </a:ext>
-            </a:extLst>
-          </p:cNvPr>
-          <p:cNvSpPr>
-            <a:spLocks noGrp="1"/>
-          </p:cNvSpPr>
-          <p:nvPr>
-            <p:ph type="title"/>
-          </p:nvPr>
-        </p:nvSpPr>
-        <p:spPr/>
-        <p:txBody>
-          <a:bodyPr/>
-          <a:lstStyle/>
-          <a:p>
-            <a:r>
-              <a:rPr kumimoji="1" lang="en-US" altLang="ja-JP"/>
-              <a:t>WPA</a:t>
-            </a:r>
-            <a:r>
-              <a:rPr kumimoji="1" lang="ja-JP" altLang="en-US"/>
-              <a:t>から</a:t>
-            </a:r>
-            <a:r>
-              <a:rPr kumimoji="1" lang="en-US" altLang="ja-JP"/>
-              <a:t>WAP2</a:t>
-            </a:r>
-            <a:endParaRPr kumimoji="1" lang="ja-JP" altLang="en-US"/>
-          </a:p>
-        </p:txBody>
-      </p:sp>
-      <p:sp>
-        <p:nvSpPr>
-          <p:cNvPr id="7" name="テキスト ボックス 6">
-            <a:extLst>
-              <a:ext uri="{FF2B5EF4-FFF2-40B4-BE49-F238E27FC236}">
-                <a16:creationId xmlns:a16="http://schemas.microsoft.com/office/drawing/2014/main" id="{703139A7-16D3-4933-9E77-D5CE8C392F4A}"/>
-              </a:ext>
-            </a:extLst>
-          </p:cNvPr>
-          <p:cNvSpPr txBox="1"/>
-          <p:nvPr/>
-        </p:nvSpPr>
-        <p:spPr>
-          <a:xfrm>
-            <a:off x="4860032" y="2438599"/>
-            <a:ext cx="3425984" cy="461665"/>
-          </a:xfrm>
-          <a:prstGeom prst="rect">
-            <a:avLst/>
-          </a:prstGeom>
-          <a:noFill/>
-          <a:ln w="19050" cap="rnd">
-            <a:noFill/>
-          </a:ln>
-        </p:spPr>
-        <p:txBody>
-          <a:bodyPr wrap="square" rtlCol="0">
-            <a:spAutoFit/>
-          </a:bodyPr>
-          <a:lstStyle/>
-          <a:p>
-            <a:r>
-              <a:rPr kumimoji="1" lang="en-US" altLang="ja-JP" sz="2400">
-                <a:latin typeface="游ゴシック" panose="020B0400000000000000" pitchFamily="50" charset="-128"/>
-                <a:ea typeface="游ゴシック" panose="020B0400000000000000" pitchFamily="50" charset="-128"/>
-                <a:cs typeface="Courier New" pitchFamily="49" charset="0"/>
-              </a:rPr>
-              <a:t>4-way</a:t>
-            </a:r>
-            <a:r>
-              <a:rPr kumimoji="1" lang="ja-JP" altLang="en-US" sz="2400">
-                <a:latin typeface="游ゴシック" panose="020B0400000000000000" pitchFamily="50" charset="-128"/>
-                <a:ea typeface="游ゴシック" panose="020B0400000000000000" pitchFamily="50" charset="-128"/>
-                <a:cs typeface="Courier New" pitchFamily="49" charset="0"/>
-              </a:rPr>
-              <a:t>ハンドシェイク</a:t>
-            </a:r>
-          </a:p>
-        </p:txBody>
-      </p:sp>
-    </p:spTree>
-    <p:extLst>
-      <p:ext uri="{BB962C8B-B14F-4D97-AF65-F5344CB8AC3E}">
-        <p14:creationId xmlns:p14="http://schemas.microsoft.com/office/powerpoint/2010/main" val="451980676"/>
-      </p:ext>
-    </p:extLst>
-  </p:cSld>
-  <p:clrMapOvr>
-    <a:masterClrMapping/>
-  </p:clrMapOvr>
-</p:sld>
-</file>
-
-<file path=ppt/slides/slide42.xml><?xml version="1.0" encoding="utf-8"?>
-<p:sld xmlns:a="http://schemas.openxmlformats.org/drawingml/2006/main" xmlns:r="http://schemas.openxmlformats.org/officeDocument/2006/relationships" xmlns:p="http://schemas.openxmlformats.org/presentationml/2006/main">
-  <p:cSld>
-    <p:spTree>
-      <p:nvGrpSpPr>
-        <p:cNvPr id="1" name=""/>
-        <p:cNvGrpSpPr/>
-        <p:nvPr/>
-      </p:nvGrpSpPr>
-      <p:grpSpPr>
-        <a:xfrm>
-          <a:off x="0" y="0"/>
-          <a:ext cx="0" cy="0"/>
-          <a:chOff x="0" y="0"/>
-          <a:chExt cx="0" cy="0"/>
-        </a:xfrm>
-      </p:grpSpPr>
-      <p:sp>
-        <p:nvSpPr>
-          <p:cNvPr id="2" name="コンテンツ プレースホルダー 1">
-            <a:extLst>
-              <a:ext uri="{FF2B5EF4-FFF2-40B4-BE49-F238E27FC236}">
-                <a16:creationId xmlns:a16="http://schemas.microsoft.com/office/drawing/2014/main" id="{3BED4404-22E9-41D8-B5B9-AA2A379F3EE8}"/>
-              </a:ext>
-            </a:extLst>
-          </p:cNvPr>
-          <p:cNvSpPr>
-            <a:spLocks noGrp="1"/>
-          </p:cNvSpPr>
-          <p:nvPr>
-            <p:ph idx="1"/>
-          </p:nvPr>
-        </p:nvSpPr>
-        <p:spPr/>
-        <p:txBody>
-          <a:bodyPr/>
-          <a:lstStyle/>
-          <a:p>
-            <a:r>
-              <a:rPr kumimoji="1" lang="en-US" altLang="ja-JP"/>
-              <a:t>2017</a:t>
-            </a:r>
-            <a:r>
-              <a:rPr kumimoji="1" lang="ja-JP" altLang="en-US"/>
-              <a:t>年</a:t>
-            </a:r>
-            <a:r>
-              <a:rPr kumimoji="1" lang="en-US" altLang="ja-JP"/>
-              <a:t>Vanhoef</a:t>
-            </a:r>
-            <a:r>
-              <a:rPr kumimoji="1" lang="ja-JP" altLang="en-US"/>
-              <a:t>らによる</a:t>
-            </a:r>
-            <a:r>
-              <a:rPr kumimoji="1" lang="en-US" altLang="ja-JP"/>
-              <a:t>WPA2</a:t>
-            </a:r>
-            <a:r>
-              <a:rPr kumimoji="1" lang="ja-JP" altLang="en-US"/>
-              <a:t>の攻撃</a:t>
-            </a:r>
-            <a:endParaRPr kumimoji="1" lang="en-US" altLang="ja-JP"/>
-          </a:p>
-          <a:p>
-            <a:pPr lvl="1"/>
-            <a:r>
-              <a:rPr kumimoji="1" lang="en-US" altLang="ja-JP"/>
-              <a:t>MITM</a:t>
-            </a:r>
-            <a:r>
-              <a:rPr kumimoji="1" lang="ja-JP" altLang="en-US"/>
-              <a:t>によるナンスの再利用を誘発する攻撃</a:t>
-            </a:r>
-            <a:endParaRPr kumimoji="1" lang="en-US" altLang="ja-JP"/>
-          </a:p>
-          <a:p>
-            <a:pPr lvl="2"/>
-            <a:r>
-              <a:rPr lang="ja-JP" altLang="en-US"/>
-              <a:t>一部の</a:t>
-            </a:r>
-            <a:r>
-              <a:rPr lang="en-US" altLang="ja-JP"/>
-              <a:t>Android</a:t>
-            </a:r>
-            <a:r>
-              <a:rPr lang="ja-JP" altLang="en-US"/>
-              <a:t>の実装で</a:t>
-            </a:r>
-            <a:r>
-              <a:rPr lang="en-US" altLang="ja-JP"/>
-              <a:t>TK</a:t>
-            </a:r>
-            <a:r>
-              <a:rPr lang="ja-JP" altLang="en-US"/>
-              <a:t>を全て</a:t>
-            </a:r>
-            <a:r>
-              <a:rPr lang="en-US" altLang="ja-JP"/>
-              <a:t>0</a:t>
-            </a:r>
-            <a:r>
-              <a:rPr lang="ja-JP" altLang="en-US"/>
-              <a:t>にしてしまうバグの発見</a:t>
-            </a:r>
-            <a:endParaRPr kumimoji="1" lang="en-US" altLang="ja-JP"/>
-          </a:p>
-          <a:p>
-            <a:pPr lvl="1"/>
-            <a:r>
-              <a:rPr kumimoji="1" lang="ja-JP" altLang="en-US"/>
-              <a:t>全て</a:t>
-            </a:r>
-            <a:r>
-              <a:rPr kumimoji="1" lang="en-US" altLang="ja-JP"/>
-              <a:t>HTTPS</a:t>
-            </a:r>
-            <a:r>
-              <a:rPr kumimoji="1" lang="ja-JP" altLang="en-US"/>
-              <a:t>なら安全だがそうでなければ盗聴</a:t>
-            </a:r>
-            <a:r>
-              <a:rPr kumimoji="1" lang="en-US" altLang="ja-JP"/>
-              <a:t>/</a:t>
-            </a:r>
-            <a:r>
-              <a:rPr kumimoji="1" lang="ja-JP" altLang="en-US"/>
-              <a:t>改竄の可能性</a:t>
-            </a:r>
-          </a:p>
-        </p:txBody>
-      </p:sp>
-      <p:sp>
-        <p:nvSpPr>
-          <p:cNvPr id="3" name="スライド番号プレースホルダー 2">
-            <a:extLst>
-              <a:ext uri="{FF2B5EF4-FFF2-40B4-BE49-F238E27FC236}">
-                <a16:creationId xmlns:a16="http://schemas.microsoft.com/office/drawing/2014/main" id="{6784218F-CB3F-42B1-92EC-A8F3FAD6D13A}"/>
-              </a:ext>
-            </a:extLst>
-          </p:cNvPr>
-          <p:cNvSpPr>
-            <a:spLocks noGrp="1"/>
-          </p:cNvSpPr>
-          <p:nvPr>
-            <p:ph type="sldNum" sz="quarter" idx="12"/>
-          </p:nvPr>
-        </p:nvSpPr>
-        <p:spPr/>
-        <p:txBody>
-          <a:bodyPr/>
-          <a:lstStyle/>
-          <a:p>
-            <a:pPr>
-              <a:defRPr/>
-            </a:pPr>
-            <a:r>
-              <a:rPr lang="en-US" altLang="ja-JP"/>
-              <a:t>    </a:t>
-            </a:r>
-            <a:fld id="{B2782DEB-472A-4FE5-AC34-C17109CF5A91}" type="slidenum">
-              <a:rPr lang="en-US" altLang="ja-JP" smtClean="0"/>
-              <a:pPr>
-                <a:defRPr/>
-              </a:pPr>
-              <a:t>42</a:t>
-            </a:fld>
-            <a:r>
-              <a:rPr lang="en-US" altLang="ja-JP"/>
-              <a:t> / 24</a:t>
-            </a:r>
-          </a:p>
-        </p:txBody>
-      </p:sp>
-      <p:sp>
-        <p:nvSpPr>
-          <p:cNvPr id="4" name="タイトル 3">
-            <a:extLst>
-              <a:ext uri="{FF2B5EF4-FFF2-40B4-BE49-F238E27FC236}">
-                <a16:creationId xmlns:a16="http://schemas.microsoft.com/office/drawing/2014/main" id="{4B8AC996-EE43-4769-95CD-FA308EB38934}"/>
-              </a:ext>
-            </a:extLst>
-          </p:cNvPr>
-          <p:cNvSpPr>
-            <a:spLocks noGrp="1"/>
-          </p:cNvSpPr>
-          <p:nvPr>
-            <p:ph type="title"/>
-          </p:nvPr>
-        </p:nvSpPr>
-        <p:spPr/>
-        <p:txBody>
-          <a:bodyPr/>
-          <a:lstStyle/>
-          <a:p>
-            <a:r>
-              <a:rPr kumimoji="1" lang="en-US" altLang="ja-JP"/>
-              <a:t>KRACK</a:t>
-            </a:r>
-            <a:endParaRPr kumimoji="1" lang="ja-JP" altLang="en-US"/>
-          </a:p>
-        </p:txBody>
-      </p:sp>
-      <p:pic>
-        <p:nvPicPr>
-          <p:cNvPr id="6" name="図 5">
-            <a:extLst>
-              <a:ext uri="{FF2B5EF4-FFF2-40B4-BE49-F238E27FC236}">
-                <a16:creationId xmlns:a16="http://schemas.microsoft.com/office/drawing/2014/main" id="{EAD50411-FB23-43B9-8F0C-5332370E47F0}"/>
-              </a:ext>
-            </a:extLst>
-          </p:cNvPr>
-          <p:cNvPicPr>
-            <a:picLocks noChangeAspect="1"/>
-          </p:cNvPicPr>
-          <p:nvPr/>
-        </p:nvPicPr>
-        <p:blipFill>
-          <a:blip r:embed="rId2">
-            <a:extLst>
-              <a:ext uri="{28A0092B-C50C-407E-A947-70E740481C1C}">
-                <a14:useLocalDpi xmlns:a14="http://schemas.microsoft.com/office/drawing/2010/main" val="0"/>
-              </a:ext>
-            </a:extLst>
-          </a:blip>
-          <a:stretch>
-            <a:fillRect/>
-          </a:stretch>
-        </p:blipFill>
-        <p:spPr>
-          <a:xfrm>
-            <a:off x="1331640" y="2649058"/>
-            <a:ext cx="6120680" cy="4200317"/>
-          </a:xfrm>
-          <a:prstGeom prst="rect">
-            <a:avLst/>
-          </a:prstGeom>
-        </p:spPr>
-      </p:pic>
-    </p:spTree>
-    <p:extLst>
-      <p:ext uri="{BB962C8B-B14F-4D97-AF65-F5344CB8AC3E}">
-        <p14:creationId xmlns:p14="http://schemas.microsoft.com/office/powerpoint/2010/main" val="389965258"/>
-      </p:ext>
-    </p:extLst>
-  </p:cSld>
-  <p:clrMapOvr>
-    <a:masterClrMapping/>
-  </p:clrMapOvr>
-</p:sld>
-</file>
-
-<file path=ppt/slides/slide43.xml><?xml version="1.0" encoding="utf-8"?>
-<p:sld xmlns:a="http://schemas.openxmlformats.org/drawingml/2006/main" xmlns:r="http://schemas.openxmlformats.org/officeDocument/2006/relationships" xmlns:p="http://schemas.openxmlformats.org/presentationml/2006/main">
-  <p:cSld>
-    <p:spTree>
-      <p:nvGrpSpPr>
-        <p:cNvPr id="1" name=""/>
-        <p:cNvGrpSpPr/>
-        <p:nvPr/>
-      </p:nvGrpSpPr>
-      <p:grpSpPr>
-        <a:xfrm>
-          <a:off x="0" y="0"/>
-          <a:ext cx="0" cy="0"/>
-          <a:chOff x="0" y="0"/>
-          <a:chExt cx="0" cy="0"/>
-        </a:xfrm>
-      </p:grpSpPr>
-      <p:sp>
-        <p:nvSpPr>
-          <p:cNvPr id="2" name="コンテンツ プレースホルダー 1">
-            <a:extLst>
-              <a:ext uri="{FF2B5EF4-FFF2-40B4-BE49-F238E27FC236}">
-                <a16:creationId xmlns:a16="http://schemas.microsoft.com/office/drawing/2014/main" id="{0ABA4BCA-C315-4C8B-A216-C5E9ACDBAD68}"/>
-              </a:ext>
-            </a:extLst>
-          </p:cNvPr>
-          <p:cNvSpPr>
-            <a:spLocks noGrp="1"/>
-          </p:cNvSpPr>
-          <p:nvPr>
-            <p:ph idx="1"/>
-          </p:nvPr>
-        </p:nvSpPr>
-        <p:spPr/>
-        <p:txBody>
-          <a:bodyPr/>
-          <a:lstStyle/>
-          <a:p>
-            <a:r>
-              <a:rPr kumimoji="1" lang="en-US" altLang="ja-JP"/>
-              <a:t>SAE(</a:t>
-            </a:r>
-            <a:r>
-              <a:rPr lang="en-US" altLang="ja-JP"/>
-              <a:t>Simultaneous Authentication of Equals</a:t>
-            </a:r>
-            <a:r>
-              <a:rPr kumimoji="1" lang="en-US" altLang="ja-JP"/>
-              <a:t>)</a:t>
-            </a:r>
-          </a:p>
-          <a:p>
-            <a:pPr lvl="1"/>
-            <a:r>
-              <a:rPr lang="en-US" altLang="ja-JP"/>
-              <a:t>4-way</a:t>
-            </a:r>
-            <a:r>
-              <a:rPr lang="ja-JP" altLang="en-US"/>
-              <a:t>ハンドェイクの前に行う鍵共有プロトコル</a:t>
-            </a:r>
-            <a:endParaRPr lang="en-US" altLang="ja-JP"/>
-          </a:p>
-          <a:p>
-            <a:pPr lvl="1"/>
-            <a:endParaRPr kumimoji="1" lang="en-US" altLang="ja-JP"/>
-          </a:p>
-          <a:p>
-            <a:pPr lvl="1"/>
-            <a:endParaRPr lang="en-US" altLang="ja-JP"/>
-          </a:p>
-          <a:p>
-            <a:pPr lvl="1"/>
-            <a:endParaRPr kumimoji="1" lang="en-US" altLang="ja-JP"/>
-          </a:p>
-          <a:p>
-            <a:pPr lvl="1"/>
-            <a:endParaRPr lang="en-US" altLang="ja-JP"/>
-          </a:p>
-          <a:p>
-            <a:pPr lvl="1"/>
-            <a:endParaRPr kumimoji="1" lang="en-US" altLang="ja-JP"/>
-          </a:p>
-          <a:p>
-            <a:pPr lvl="1"/>
-            <a:endParaRPr lang="en-US" altLang="ja-JP"/>
-          </a:p>
-          <a:p>
-            <a:pPr lvl="1"/>
-            <a:endParaRPr kumimoji="1" lang="en-US" altLang="ja-JP"/>
-          </a:p>
-          <a:p>
-            <a:pPr lvl="1"/>
-            <a:endParaRPr lang="en-US" altLang="ja-JP"/>
-          </a:p>
-          <a:p>
-            <a:pPr lvl="1"/>
-            <a:endParaRPr kumimoji="1" lang="en-US" altLang="ja-JP"/>
-          </a:p>
-          <a:p>
-            <a:pPr lvl="1"/>
-            <a:r>
-              <a:rPr kumimoji="1" lang="en-US" altLang="ja-JP"/>
-              <a:t>PSK</a:t>
-            </a:r>
-            <a:r>
-              <a:rPr kumimoji="1" lang="ja-JP" altLang="en-US"/>
-              <a:t>が漏洩しても鍵共有の結果は分からない前方秘匿性</a:t>
-            </a:r>
-          </a:p>
-        </p:txBody>
-      </p:sp>
-      <p:sp>
-        <p:nvSpPr>
-          <p:cNvPr id="3" name="スライド番号プレースホルダー 2">
-            <a:extLst>
-              <a:ext uri="{FF2B5EF4-FFF2-40B4-BE49-F238E27FC236}">
-                <a16:creationId xmlns:a16="http://schemas.microsoft.com/office/drawing/2014/main" id="{EDA3E084-4EE1-48FD-B78A-16246964D5E8}"/>
-              </a:ext>
-            </a:extLst>
-          </p:cNvPr>
-          <p:cNvSpPr>
-            <a:spLocks noGrp="1"/>
-          </p:cNvSpPr>
-          <p:nvPr>
-            <p:ph type="sldNum" sz="quarter" idx="12"/>
-          </p:nvPr>
-        </p:nvSpPr>
-        <p:spPr/>
-        <p:txBody>
-          <a:bodyPr/>
-          <a:lstStyle/>
-          <a:p>
-            <a:pPr>
-              <a:defRPr/>
-            </a:pPr>
-            <a:r>
-              <a:rPr lang="en-US" altLang="ja-JP"/>
-              <a:t>    </a:t>
-            </a:r>
-            <a:fld id="{B2782DEB-472A-4FE5-AC34-C17109CF5A91}" type="slidenum">
-              <a:rPr lang="en-US" altLang="ja-JP" smtClean="0"/>
-              <a:pPr>
-                <a:defRPr/>
-              </a:pPr>
-              <a:t>43</a:t>
-            </a:fld>
-            <a:r>
-              <a:rPr lang="en-US" altLang="ja-JP"/>
-              <a:t> / 24</a:t>
-            </a:r>
-          </a:p>
-        </p:txBody>
-      </p:sp>
-      <p:sp>
-        <p:nvSpPr>
-          <p:cNvPr id="4" name="タイトル 3">
-            <a:extLst>
-              <a:ext uri="{FF2B5EF4-FFF2-40B4-BE49-F238E27FC236}">
-                <a16:creationId xmlns:a16="http://schemas.microsoft.com/office/drawing/2014/main" id="{513AD2EE-23DD-46E1-86FD-4374A81B2958}"/>
-              </a:ext>
-            </a:extLst>
-          </p:cNvPr>
-          <p:cNvSpPr>
-            <a:spLocks noGrp="1"/>
-          </p:cNvSpPr>
-          <p:nvPr>
-            <p:ph type="title"/>
-          </p:nvPr>
-        </p:nvSpPr>
-        <p:spPr/>
-        <p:txBody>
-          <a:bodyPr/>
-          <a:lstStyle/>
-          <a:p>
-            <a:r>
-              <a:rPr kumimoji="1" lang="en-US" altLang="ja-JP"/>
-              <a:t>WPA3 (2018)</a:t>
-            </a:r>
-            <a:endParaRPr kumimoji="1" lang="ja-JP" altLang="en-US"/>
-          </a:p>
-        </p:txBody>
-      </p:sp>
-      <p:pic>
-        <p:nvPicPr>
-          <p:cNvPr id="6" name="図 5">
-            <a:extLst>
-              <a:ext uri="{FF2B5EF4-FFF2-40B4-BE49-F238E27FC236}">
-                <a16:creationId xmlns:a16="http://schemas.microsoft.com/office/drawing/2014/main" id="{830556C7-1690-4D8D-88A4-D5B9B79057BD}"/>
-              </a:ext>
-            </a:extLst>
-          </p:cNvPr>
-          <p:cNvPicPr>
-            <a:picLocks noChangeAspect="1"/>
-          </p:cNvPicPr>
-          <p:nvPr/>
-        </p:nvPicPr>
-        <p:blipFill>
-          <a:blip r:embed="rId2">
-            <a:extLst>
-              <a:ext uri="{28A0092B-C50C-407E-A947-70E740481C1C}">
-                <a14:useLocalDpi xmlns:a14="http://schemas.microsoft.com/office/drawing/2010/main" val="0"/>
-              </a:ext>
-            </a:extLst>
-          </a:blip>
-          <a:stretch>
-            <a:fillRect/>
-          </a:stretch>
-        </p:blipFill>
-        <p:spPr>
-          <a:xfrm>
-            <a:off x="899592" y="1844824"/>
-            <a:ext cx="7488832" cy="3725694"/>
-          </a:xfrm>
-          <a:prstGeom prst="rect">
-            <a:avLst/>
-          </a:prstGeom>
-        </p:spPr>
-      </p:pic>
-    </p:spTree>
-    <p:extLst>
-      <p:ext uri="{BB962C8B-B14F-4D97-AF65-F5344CB8AC3E}">
-        <p14:creationId xmlns:p14="http://schemas.microsoft.com/office/powerpoint/2010/main" val="1803328256"/>
-      </p:ext>
-    </p:extLst>
-  </p:cSld>
-  <p:clrMapOvr>
-    <a:masterClrMapping/>
-  </p:clrMapOvr>
-</p:sld>
-</file>
-
-<file path=ppt/slides/slide44.xml><?xml version="1.0" encoding="utf-8"?>
-<p:sld xmlns:a="http://schemas.openxmlformats.org/drawingml/2006/main" xmlns:r="http://schemas.openxmlformats.org/officeDocument/2006/relationships" xmlns:p="http://schemas.openxmlformats.org/presentationml/2006/main">
-  <p:cSld>
-    <p:spTree>
-      <p:nvGrpSpPr>
-        <p:cNvPr id="1" name=""/>
-        <p:cNvGrpSpPr/>
-        <p:nvPr/>
-      </p:nvGrpSpPr>
-      <p:grpSpPr>
-        <a:xfrm>
-          <a:off x="0" y="0"/>
-          <a:ext cx="0" cy="0"/>
-          <a:chOff x="0" y="0"/>
-          <a:chExt cx="0" cy="0"/>
-        </a:xfrm>
-      </p:grpSpPr>
-      <p:sp>
-        <p:nvSpPr>
-          <p:cNvPr id="2" name="コンテンツ プレースホルダー 1">
-            <a:extLst>
-              <a:ext uri="{FF2B5EF4-FFF2-40B4-BE49-F238E27FC236}">
-                <a16:creationId xmlns:a16="http://schemas.microsoft.com/office/drawing/2014/main" id="{DB94340B-9218-4281-BB79-618343A57F22}"/>
-              </a:ext>
-            </a:extLst>
-          </p:cNvPr>
-          <p:cNvSpPr>
-            <a:spLocks noGrp="1"/>
-          </p:cNvSpPr>
-          <p:nvPr>
-            <p:ph idx="1"/>
-          </p:nvPr>
-        </p:nvSpPr>
-        <p:spPr/>
-        <p:txBody>
-          <a:bodyPr/>
-          <a:lstStyle/>
-          <a:p>
-            <a:r>
-              <a:rPr kumimoji="1" lang="en-US" altLang="ja-JP"/>
-              <a:t>Vanhoef</a:t>
-            </a:r>
-            <a:r>
-              <a:rPr kumimoji="1" lang="ja-JP" altLang="en-US"/>
-              <a:t>と</a:t>
-            </a:r>
-            <a:r>
-              <a:rPr kumimoji="1" lang="en-US" altLang="ja-JP"/>
-              <a:t>Ronen</a:t>
-            </a:r>
-            <a:r>
-              <a:rPr kumimoji="1" lang="ja-JP" altLang="en-US"/>
-              <a:t>による</a:t>
-            </a:r>
-            <a:r>
-              <a:rPr kumimoji="1" lang="en-US" altLang="ja-JP"/>
-              <a:t>SAE</a:t>
-            </a:r>
-            <a:r>
-              <a:rPr kumimoji="1" lang="ja-JP" altLang="en-US"/>
-              <a:t>の脆弱な実装報告</a:t>
-            </a:r>
-            <a:endParaRPr kumimoji="1" lang="en-US" altLang="ja-JP"/>
-          </a:p>
-          <a:p>
-            <a:pPr lvl="1"/>
-            <a:r>
-              <a:rPr kumimoji="1" lang="ja-JP" altLang="en-US"/>
-              <a:t>楕円曲線の秘密鍵の値に依存した実行速度の差を利用</a:t>
-            </a:r>
-            <a:endParaRPr kumimoji="1" lang="en-US" altLang="ja-JP"/>
-          </a:p>
-          <a:p>
-            <a:pPr lvl="1"/>
-            <a:r>
-              <a:rPr kumimoji="1" lang="ja-JP" altLang="en-US"/>
-              <a:t>サイドチャネル攻撃</a:t>
-            </a:r>
-            <a:endParaRPr kumimoji="1" lang="en-US" altLang="ja-JP"/>
-          </a:p>
-          <a:p>
-            <a:pPr lvl="2"/>
-            <a:r>
-              <a:rPr kumimoji="1" lang="ja-JP" altLang="en-US"/>
-              <a:t>他にダウングレード攻撃や実装不備など</a:t>
-            </a:r>
-            <a:endParaRPr kumimoji="1" lang="en-US" altLang="ja-JP"/>
-          </a:p>
-          <a:p>
-            <a:pPr lvl="1"/>
-            <a:r>
-              <a:rPr lang="en-US" altLang="ja-JP"/>
-              <a:t>2020</a:t>
-            </a:r>
-            <a:r>
-              <a:rPr lang="ja-JP" altLang="en-US"/>
-              <a:t>年対策済み</a:t>
-            </a:r>
-            <a:endParaRPr lang="en-US" altLang="ja-JP"/>
-          </a:p>
-          <a:p>
-            <a:r>
-              <a:rPr kumimoji="1" lang="en-US" altLang="ja-JP"/>
-              <a:t>FragAttacks (2021</a:t>
-            </a:r>
-            <a:r>
-              <a:rPr kumimoji="1" lang="ja-JP" altLang="en-US"/>
-              <a:t>年</a:t>
-            </a:r>
-            <a:r>
-              <a:rPr kumimoji="1" lang="en-US" altLang="ja-JP"/>
-              <a:t>5</a:t>
-            </a:r>
-            <a:r>
-              <a:rPr kumimoji="1" lang="ja-JP" altLang="en-US"/>
-              <a:t>月</a:t>
-            </a:r>
-            <a:r>
-              <a:rPr kumimoji="1" lang="en-US" altLang="ja-JP"/>
-              <a:t>) by Vanhoef</a:t>
-            </a:r>
-          </a:p>
-          <a:p>
-            <a:pPr lvl="1"/>
-            <a:r>
-              <a:rPr kumimoji="1" lang="ja-JP" altLang="en-US"/>
-              <a:t>フレームアグリケーション</a:t>
-            </a:r>
-            <a:endParaRPr kumimoji="1" lang="en-US" altLang="ja-JP"/>
-          </a:p>
-          <a:p>
-            <a:pPr lvl="2"/>
-            <a:r>
-              <a:rPr kumimoji="1" lang="ja-JP" altLang="en-US"/>
-              <a:t>複数の</a:t>
-            </a:r>
-            <a:r>
-              <a:rPr kumimoji="1" lang="en-US" altLang="ja-JP"/>
-              <a:t>(</a:t>
-            </a:r>
-            <a:r>
-              <a:rPr kumimoji="1" lang="ja-JP" altLang="en-US"/>
-              <a:t>無線</a:t>
-            </a:r>
-            <a:r>
-              <a:rPr kumimoji="1" lang="en-US" altLang="ja-JP"/>
-              <a:t>LAN)</a:t>
-            </a:r>
-            <a:r>
-              <a:rPr kumimoji="1" lang="ja-JP" altLang="en-US"/>
-              <a:t>フレームを一つに集約する機能</a:t>
-            </a:r>
-            <a:endParaRPr kumimoji="1" lang="en-US" altLang="ja-JP"/>
-          </a:p>
-          <a:p>
-            <a:pPr lvl="2"/>
-            <a:r>
-              <a:rPr kumimoji="1" lang="ja-JP" altLang="en-US"/>
-              <a:t>集約されているかを確認するフラグは暗号化保護の対象外</a:t>
-            </a:r>
-            <a:endParaRPr kumimoji="1" lang="en-US" altLang="ja-JP"/>
-          </a:p>
-          <a:p>
-            <a:pPr lvl="2"/>
-            <a:r>
-              <a:rPr kumimoji="1" lang="ja-JP" altLang="en-US"/>
-              <a:t>このフラグを改竄して攻撃パケットを挿入</a:t>
-            </a:r>
-            <a:endParaRPr kumimoji="1" lang="en-US" altLang="ja-JP"/>
-          </a:p>
-          <a:p>
-            <a:pPr lvl="2"/>
-            <a:r>
-              <a:rPr kumimoji="1" lang="ja-JP" altLang="en-US"/>
-              <a:t>悪用は困難</a:t>
-            </a:r>
-            <a:endParaRPr kumimoji="1" lang="en-US" altLang="ja-JP"/>
-          </a:p>
-          <a:p>
-            <a:endParaRPr kumimoji="1" lang="ja-JP" altLang="en-US"/>
-          </a:p>
-        </p:txBody>
-      </p:sp>
-      <p:sp>
-        <p:nvSpPr>
-          <p:cNvPr id="3" name="スライド番号プレースホルダー 2">
-            <a:extLst>
-              <a:ext uri="{FF2B5EF4-FFF2-40B4-BE49-F238E27FC236}">
-                <a16:creationId xmlns:a16="http://schemas.microsoft.com/office/drawing/2014/main" id="{01D2404D-3075-49AE-A0DE-97380F03E023}"/>
-              </a:ext>
-            </a:extLst>
-          </p:cNvPr>
-          <p:cNvSpPr>
-            <a:spLocks noGrp="1"/>
-          </p:cNvSpPr>
-          <p:nvPr>
-            <p:ph type="sldNum" sz="quarter" idx="12"/>
-          </p:nvPr>
-        </p:nvSpPr>
-        <p:spPr/>
-        <p:txBody>
-          <a:bodyPr/>
-          <a:lstStyle/>
-          <a:p>
-            <a:pPr>
-              <a:defRPr/>
-            </a:pPr>
-            <a:r>
-              <a:rPr lang="en-US" altLang="ja-JP"/>
-              <a:t>    </a:t>
-            </a:r>
-            <a:fld id="{B2782DEB-472A-4FE5-AC34-C17109CF5A91}" type="slidenum">
-              <a:rPr lang="en-US" altLang="ja-JP" smtClean="0"/>
-              <a:pPr>
-                <a:defRPr/>
-              </a:pPr>
-              <a:t>44</a:t>
-            </a:fld>
-            <a:r>
-              <a:rPr lang="en-US" altLang="ja-JP"/>
-              <a:t> / 24</a:t>
-            </a:r>
-          </a:p>
-        </p:txBody>
-      </p:sp>
-      <p:sp>
-        <p:nvSpPr>
-          <p:cNvPr id="4" name="タイトル 3">
-            <a:extLst>
-              <a:ext uri="{FF2B5EF4-FFF2-40B4-BE49-F238E27FC236}">
-                <a16:creationId xmlns:a16="http://schemas.microsoft.com/office/drawing/2014/main" id="{B24F030C-EC5A-45AA-9FED-F0D9B5BD27E5}"/>
-              </a:ext>
-            </a:extLst>
-          </p:cNvPr>
-          <p:cNvSpPr>
-            <a:spLocks noGrp="1"/>
-          </p:cNvSpPr>
-          <p:nvPr>
-            <p:ph type="title"/>
-          </p:nvPr>
-        </p:nvSpPr>
-        <p:spPr/>
-        <p:txBody>
-          <a:bodyPr/>
-          <a:lstStyle/>
-          <a:p>
-            <a:r>
-              <a:rPr kumimoji="1" lang="en-US" altLang="ja-JP"/>
-              <a:t>Dragonblood (2019)</a:t>
-            </a:r>
-            <a:r>
-              <a:rPr kumimoji="1" lang="ja-JP" altLang="en-US"/>
-              <a:t>とその後</a:t>
-            </a:r>
-          </a:p>
-        </p:txBody>
-      </p:sp>
-    </p:spTree>
-    <p:extLst>
-      <p:ext uri="{BB962C8B-B14F-4D97-AF65-F5344CB8AC3E}">
-        <p14:creationId xmlns:p14="http://schemas.microsoft.com/office/powerpoint/2010/main" val="326068823"/>
+        <p14:creationId xmlns:p14="http://schemas.microsoft.com/office/powerpoint/2010/main" val="790664289"/>
       </p:ext>
     </p:extLst>
   </p:cSld>
@@ -14517,10 +9947,38 @@
       </mc:AlternateContent>
       <p:sp>
         <p:nvSpPr>
-          <p:cNvPr id="3" name="スライド番号プレースホルダー 2">
+          <p:cNvPr id="4" name="タイトル 3">
             <a:extLst>
               <a:ext uri="{FF2B5EF4-FFF2-40B4-BE49-F238E27FC236}">
-                <a16:creationId xmlns:a16="http://schemas.microsoft.com/office/drawing/2014/main" id="{4FF1DE43-2674-4648-982E-E0362713ED92}"/>
+                <a16:creationId xmlns:a16="http://schemas.microsoft.com/office/drawing/2014/main" id="{6039337D-5F89-4335-8BAA-88B1C2DB91AF}"/>
+              </a:ext>
+            </a:extLst>
+          </p:cNvPr>
+          <p:cNvSpPr>
+            <a:spLocks noGrp="1"/>
+          </p:cNvSpPr>
+          <p:nvPr>
+            <p:ph type="title"/>
+          </p:nvPr>
+        </p:nvSpPr>
+        <p:spPr/>
+        <p:txBody>
+          <a:bodyPr/>
+          <a:lstStyle/>
+          <a:p>
+            <a:r>
+              <a:rPr kumimoji="1" lang="ja-JP" altLang="en-US"/>
+              <a:t>暗号化アルゴリズムの整備</a:t>
+            </a:r>
+          </a:p>
+        </p:txBody>
+      </p:sp>
+      <p:sp>
+        <p:nvSpPr>
+          <p:cNvPr id="5" name="スライド番号プレースホルダー 4">
+            <a:extLst>
+              <a:ext uri="{FF2B5EF4-FFF2-40B4-BE49-F238E27FC236}">
+                <a16:creationId xmlns:a16="http://schemas.microsoft.com/office/drawing/2014/main" id="{EB0FC27F-E3BE-4371-B20C-A0CC319FF5C6}"/>
               </a:ext>
             </a:extLst>
           </p:cNvPr>
@@ -14552,35 +10010,7 @@
             </a:fld>
             <a:r>
               <a:rPr lang="en-US" altLang="ja-JP"/>
-              <a:t> / 24</a:t>
-            </a:r>
-          </a:p>
-        </p:txBody>
-      </p:sp>
-      <p:sp>
-        <p:nvSpPr>
-          <p:cNvPr id="4" name="タイトル 3">
-            <a:extLst>
-              <a:ext uri="{FF2B5EF4-FFF2-40B4-BE49-F238E27FC236}">
-                <a16:creationId xmlns:a16="http://schemas.microsoft.com/office/drawing/2014/main" id="{6039337D-5F89-4335-8BAA-88B1C2DB91AF}"/>
-              </a:ext>
-            </a:extLst>
-          </p:cNvPr>
-          <p:cNvSpPr>
-            <a:spLocks noGrp="1"/>
-          </p:cNvSpPr>
-          <p:nvPr>
-            <p:ph type="title"/>
-          </p:nvPr>
-        </p:nvSpPr>
-        <p:spPr/>
-        <p:txBody>
-          <a:bodyPr/>
-          <a:lstStyle/>
-          <a:p>
-            <a:r>
-              <a:rPr kumimoji="1" lang="ja-JP" altLang="en-US"/>
-              <a:t>暗号化アルゴリズムの整備</a:t>
+              <a:t> / 29</a:t>
             </a:r>
           </a:p>
         </p:txBody>
@@ -14726,48 +10156,6 @@
       </p:sp>
       <p:sp>
         <p:nvSpPr>
-          <p:cNvPr id="3" name="スライド番号プレースホルダー 2">
-            <a:extLst>
-              <a:ext uri="{FF2B5EF4-FFF2-40B4-BE49-F238E27FC236}">
-                <a16:creationId xmlns:a16="http://schemas.microsoft.com/office/drawing/2014/main" id="{8131047C-A6FE-464B-8CFF-19C1E803FF05}"/>
-              </a:ext>
-            </a:extLst>
-          </p:cNvPr>
-          <p:cNvSpPr>
-            <a:spLocks noGrp="1"/>
-          </p:cNvSpPr>
-          <p:nvPr>
-            <p:ph type="sldNum" sz="quarter" idx="12"/>
-          </p:nvPr>
-        </p:nvSpPr>
-        <p:spPr/>
-        <p:txBody>
-          <a:bodyPr/>
-          <a:lstStyle/>
-          <a:p>
-            <a:pPr>
-              <a:defRPr/>
-            </a:pPr>
-            <a:r>
-              <a:rPr lang="en-US" altLang="ja-JP"/>
-              <a:t>    </a:t>
-            </a:r>
-            <a:fld id="{B2782DEB-472A-4FE5-AC34-C17109CF5A91}" type="slidenum">
-              <a:rPr lang="en-US" altLang="ja-JP" smtClean="0"/>
-              <a:pPr>
-                <a:defRPr/>
-              </a:pPr>
-              <a:t>6</a:t>
-            </a:fld>
-            <a:r>
-              <a:rPr lang="en-US" altLang="ja-JP"/>
-              <a:t> / 24</a:t>
-            </a:r>
-          </a:p>
-        </p:txBody>
-      </p:sp>
-      <p:sp>
-        <p:nvSpPr>
           <p:cNvPr id="4" name="タイトル 3">
             <a:extLst>
               <a:ext uri="{FF2B5EF4-FFF2-40B4-BE49-F238E27FC236}">
@@ -14830,6 +10218,48 @@
           </a:prstGeom>
         </p:spPr>
       </p:pic>
+      <p:sp>
+        <p:nvSpPr>
+          <p:cNvPr id="5" name="スライド番号プレースホルダー 4">
+            <a:extLst>
+              <a:ext uri="{FF2B5EF4-FFF2-40B4-BE49-F238E27FC236}">
+                <a16:creationId xmlns:a16="http://schemas.microsoft.com/office/drawing/2014/main" id="{2BDC56FC-13B4-4B83-BFB4-FCFEE7BD155D}"/>
+              </a:ext>
+            </a:extLst>
+          </p:cNvPr>
+          <p:cNvSpPr>
+            <a:spLocks noGrp="1"/>
+          </p:cNvSpPr>
+          <p:nvPr>
+            <p:ph type="sldNum" sz="quarter" idx="12"/>
+          </p:nvPr>
+        </p:nvSpPr>
+        <p:spPr/>
+        <p:txBody>
+          <a:bodyPr/>
+          <a:lstStyle/>
+          <a:p>
+            <a:pPr>
+              <a:defRPr/>
+            </a:pPr>
+            <a:r>
+              <a:rPr lang="en-US" altLang="ja-JP"/>
+              <a:t>    </a:t>
+            </a:r>
+            <a:fld id="{B2782DEB-472A-4FE5-AC34-C17109CF5A91}" type="slidenum">
+              <a:rPr lang="en-US" altLang="ja-JP" smtClean="0"/>
+              <a:pPr>
+                <a:defRPr/>
+              </a:pPr>
+              <a:t>6</a:t>
+            </a:fld>
+            <a:r>
+              <a:rPr lang="en-US" altLang="ja-JP"/>
+              <a:t> / 29</a:t>
+            </a:r>
+          </a:p>
+        </p:txBody>
+      </p:sp>
     </p:spTree>
     <p:extLst>
       <p:ext uri="{BB962C8B-B14F-4D97-AF65-F5344CB8AC3E}">
@@ -15375,10 +10805,38 @@
       </mc:AlternateContent>
       <p:sp>
         <p:nvSpPr>
-          <p:cNvPr id="3" name="スライド番号プレースホルダー 2">
+          <p:cNvPr id="4" name="タイトル 3">
             <a:extLst>
               <a:ext uri="{FF2B5EF4-FFF2-40B4-BE49-F238E27FC236}">
-                <a16:creationId xmlns:a16="http://schemas.microsoft.com/office/drawing/2014/main" id="{D75B8295-E56B-4FEB-B0E9-972C3D9C8BEF}"/>
+                <a16:creationId xmlns:a16="http://schemas.microsoft.com/office/drawing/2014/main" id="{25D2294A-DF67-4616-AA9B-B85BBBECBC4E}"/>
+              </a:ext>
+            </a:extLst>
+          </p:cNvPr>
+          <p:cNvSpPr>
+            <a:spLocks noGrp="1"/>
+          </p:cNvSpPr>
+          <p:nvPr>
+            <p:ph type="title"/>
+          </p:nvPr>
+        </p:nvSpPr>
+        <p:spPr/>
+        <p:txBody>
+          <a:bodyPr/>
+          <a:lstStyle/>
+          <a:p>
+            <a:r>
+              <a:rPr kumimoji="1" lang="ja-JP" altLang="en-US"/>
+              <a:t>新しい鍵導出アルゴリズム</a:t>
+            </a:r>
+          </a:p>
+        </p:txBody>
+      </p:sp>
+      <p:sp>
+        <p:nvSpPr>
+          <p:cNvPr id="5" name="スライド番号プレースホルダー 4">
+            <a:extLst>
+              <a:ext uri="{FF2B5EF4-FFF2-40B4-BE49-F238E27FC236}">
+                <a16:creationId xmlns:a16="http://schemas.microsoft.com/office/drawing/2014/main" id="{40F40437-AB83-4C48-BE74-693FD7280C21}"/>
               </a:ext>
             </a:extLst>
           </p:cNvPr>
@@ -15410,35 +10868,7 @@
             </a:fld>
             <a:r>
               <a:rPr lang="en-US" altLang="ja-JP"/>
-              <a:t> / 24</a:t>
-            </a:r>
-          </a:p>
-        </p:txBody>
-      </p:sp>
-      <p:sp>
-        <p:nvSpPr>
-          <p:cNvPr id="4" name="タイトル 3">
-            <a:extLst>
-              <a:ext uri="{FF2B5EF4-FFF2-40B4-BE49-F238E27FC236}">
-                <a16:creationId xmlns:a16="http://schemas.microsoft.com/office/drawing/2014/main" id="{25D2294A-DF67-4616-AA9B-B85BBBECBC4E}"/>
-              </a:ext>
-            </a:extLst>
-          </p:cNvPr>
-          <p:cNvSpPr>
-            <a:spLocks noGrp="1"/>
-          </p:cNvSpPr>
-          <p:nvPr>
-            <p:ph type="title"/>
-          </p:nvPr>
-        </p:nvSpPr>
-        <p:spPr/>
-        <p:txBody>
-          <a:bodyPr/>
-          <a:lstStyle/>
-          <a:p>
-            <a:r>
-              <a:rPr kumimoji="1" lang="ja-JP" altLang="en-US"/>
-              <a:t>新しい鍵導出アルゴリズム</a:t>
+              <a:t> / 29</a:t>
             </a:r>
           </a:p>
         </p:txBody>
@@ -15556,48 +10986,6 @@
       </p:sp>
       <p:sp>
         <p:nvSpPr>
-          <p:cNvPr id="3" name="スライド番号プレースホルダー 2">
-            <a:extLst>
-              <a:ext uri="{FF2B5EF4-FFF2-40B4-BE49-F238E27FC236}">
-                <a16:creationId xmlns:a16="http://schemas.microsoft.com/office/drawing/2014/main" id="{9E6146EA-5B2D-4893-8DA9-91897979EA3A}"/>
-              </a:ext>
-            </a:extLst>
-          </p:cNvPr>
-          <p:cNvSpPr>
-            <a:spLocks noGrp="1"/>
-          </p:cNvSpPr>
-          <p:nvPr>
-            <p:ph type="sldNum" sz="quarter" idx="12"/>
-          </p:nvPr>
-        </p:nvSpPr>
-        <p:spPr/>
-        <p:txBody>
-          <a:bodyPr/>
-          <a:lstStyle/>
-          <a:p>
-            <a:pPr>
-              <a:defRPr/>
-            </a:pPr>
-            <a:r>
-              <a:rPr lang="en-US" altLang="ja-JP"/>
-              <a:t>    </a:t>
-            </a:r>
-            <a:fld id="{B2782DEB-472A-4FE5-AC34-C17109CF5A91}" type="slidenum">
-              <a:rPr lang="en-US" altLang="ja-JP" smtClean="0"/>
-              <a:pPr>
-                <a:defRPr/>
-              </a:pPr>
-              <a:t>8</a:t>
-            </a:fld>
-            <a:r>
-              <a:rPr lang="en-US" altLang="ja-JP"/>
-              <a:t> / 24</a:t>
-            </a:r>
-          </a:p>
-        </p:txBody>
-      </p:sp>
-      <p:sp>
-        <p:nvSpPr>
           <p:cNvPr id="4" name="タイトル 3">
             <a:extLst>
               <a:ext uri="{FF2B5EF4-FFF2-40B4-BE49-F238E27FC236}">
@@ -15660,6 +11048,48 @@
           </a:prstGeom>
         </p:spPr>
       </p:pic>
+      <p:sp>
+        <p:nvSpPr>
+          <p:cNvPr id="5" name="スライド番号プレースホルダー 4">
+            <a:extLst>
+              <a:ext uri="{FF2B5EF4-FFF2-40B4-BE49-F238E27FC236}">
+                <a16:creationId xmlns:a16="http://schemas.microsoft.com/office/drawing/2014/main" id="{D63E2A42-549A-4FE0-BE01-06CD5F9072D3}"/>
+              </a:ext>
+            </a:extLst>
+          </p:cNvPr>
+          <p:cNvSpPr>
+            <a:spLocks noGrp="1"/>
+          </p:cNvSpPr>
+          <p:nvPr>
+            <p:ph type="sldNum" sz="quarter" idx="12"/>
+          </p:nvPr>
+        </p:nvSpPr>
+        <p:spPr/>
+        <p:txBody>
+          <a:bodyPr/>
+          <a:lstStyle/>
+          <a:p>
+            <a:pPr>
+              <a:defRPr/>
+            </a:pPr>
+            <a:r>
+              <a:rPr lang="en-US" altLang="ja-JP"/>
+              <a:t>    </a:t>
+            </a:r>
+            <a:fld id="{B2782DEB-472A-4FE5-AC34-C17109CF5A91}" type="slidenum">
+              <a:rPr lang="en-US" altLang="ja-JP" smtClean="0"/>
+              <a:pPr>
+                <a:defRPr/>
+              </a:pPr>
+              <a:t>8</a:t>
+            </a:fld>
+            <a:r>
+              <a:rPr lang="en-US" altLang="ja-JP"/>
+              <a:t> / 29</a:t>
+            </a:r>
+          </a:p>
+        </p:txBody>
+      </p:sp>
     </p:spTree>
     <p:extLst>
       <p:ext uri="{BB962C8B-B14F-4D97-AF65-F5344CB8AC3E}">
@@ -15843,48 +11273,6 @@
       </p:sp>
       <p:sp>
         <p:nvSpPr>
-          <p:cNvPr id="3" name="スライド番号プレースホルダー 2">
-            <a:extLst>
-              <a:ext uri="{FF2B5EF4-FFF2-40B4-BE49-F238E27FC236}">
-                <a16:creationId xmlns:a16="http://schemas.microsoft.com/office/drawing/2014/main" id="{DE39AFDB-713B-4AE6-9A30-144499197AB0}"/>
-              </a:ext>
-            </a:extLst>
-          </p:cNvPr>
-          <p:cNvSpPr>
-            <a:spLocks noGrp="1"/>
-          </p:cNvSpPr>
-          <p:nvPr>
-            <p:ph type="sldNum" sz="quarter" idx="12"/>
-          </p:nvPr>
-        </p:nvSpPr>
-        <p:spPr/>
-        <p:txBody>
-          <a:bodyPr/>
-          <a:lstStyle/>
-          <a:p>
-            <a:pPr>
-              <a:defRPr/>
-            </a:pPr>
-            <a:r>
-              <a:rPr lang="en-US" altLang="ja-JP"/>
-              <a:t>    </a:t>
-            </a:r>
-            <a:fld id="{B2782DEB-472A-4FE5-AC34-C17109CF5A91}" type="slidenum">
-              <a:rPr lang="en-US" altLang="ja-JP" smtClean="0"/>
-              <a:pPr>
-                <a:defRPr/>
-              </a:pPr>
-              <a:t>9</a:t>
-            </a:fld>
-            <a:r>
-              <a:rPr lang="en-US" altLang="ja-JP"/>
-              <a:t> / 24</a:t>
-            </a:r>
-          </a:p>
-        </p:txBody>
-      </p:sp>
-      <p:sp>
-        <p:nvSpPr>
           <p:cNvPr id="4" name="タイトル 3">
             <a:extLst>
               <a:ext uri="{FF2B5EF4-FFF2-40B4-BE49-F238E27FC236}">
@@ -15941,6 +11329,48 @@
           </a:prstGeom>
         </p:spPr>
       </p:pic>
+      <p:sp>
+        <p:nvSpPr>
+          <p:cNvPr id="5" name="スライド番号プレースホルダー 4">
+            <a:extLst>
+              <a:ext uri="{FF2B5EF4-FFF2-40B4-BE49-F238E27FC236}">
+                <a16:creationId xmlns:a16="http://schemas.microsoft.com/office/drawing/2014/main" id="{8FB08026-F343-432F-B189-44A9F4C3436F}"/>
+              </a:ext>
+            </a:extLst>
+          </p:cNvPr>
+          <p:cNvSpPr>
+            <a:spLocks noGrp="1"/>
+          </p:cNvSpPr>
+          <p:nvPr>
+            <p:ph type="sldNum" sz="quarter" idx="12"/>
+          </p:nvPr>
+        </p:nvSpPr>
+        <p:spPr/>
+        <p:txBody>
+          <a:bodyPr/>
+          <a:lstStyle/>
+          <a:p>
+            <a:pPr>
+              <a:defRPr/>
+            </a:pPr>
+            <a:r>
+              <a:rPr lang="en-US" altLang="ja-JP"/>
+              <a:t>    </a:t>
+            </a:r>
+            <a:fld id="{B2782DEB-472A-4FE5-AC34-C17109CF5A91}" type="slidenum">
+              <a:rPr lang="en-US" altLang="ja-JP" smtClean="0"/>
+              <a:pPr>
+                <a:defRPr/>
+              </a:pPr>
+              <a:t>9</a:t>
+            </a:fld>
+            <a:r>
+              <a:rPr lang="en-US" altLang="ja-JP"/>
+              <a:t> / 29</a:t>
+            </a:r>
+          </a:p>
+        </p:txBody>
+      </p:sp>
     </p:spTree>
     <p:extLst>
       <p:ext uri="{BB962C8B-B14F-4D97-AF65-F5344CB8AC3E}">
